--- a/Git入門.pptx
+++ b/Git入門.pptx
@@ -4851,12 +4851,12 @@
       </p:par>
     </p:tnLst>
     <p:bldLst>
+      <p:bldP build="whole" bldLvl="1" animBg="1" rev="0" advAuto="0" spid="388" grpId="3"/>
+      <p:bldP build="whole" bldLvl="1" animBg="1" rev="0" advAuto="0" spid="385" grpId="2"/>
+      <p:bldP build="whole" bldLvl="1" animBg="1" rev="0" advAuto="0" spid="386" grpId="4"/>
+      <p:bldP build="whole" bldLvl="1" animBg="1" rev="0" advAuto="0" spid="379" grpId="1"/>
+      <p:bldP build="whole" bldLvl="1" animBg="1" rev="0" advAuto="0" spid="362" grpId="6"/>
       <p:bldP build="whole" bldLvl="1" animBg="1" rev="0" advAuto="0" spid="384" grpId="5"/>
-      <p:bldP build="whole" bldLvl="1" animBg="1" rev="0" advAuto="0" spid="362" grpId="6"/>
-      <p:bldP build="whole" bldLvl="1" animBg="1" rev="0" advAuto="0" spid="385" grpId="2"/>
-      <p:bldP build="whole" bldLvl="1" animBg="1" rev="0" advAuto="0" spid="379" grpId="1"/>
-      <p:bldP build="whole" bldLvl="1" animBg="1" rev="0" advAuto="0" spid="388" grpId="3"/>
-      <p:bldP build="whole" bldLvl="1" animBg="1" rev="0" advAuto="0" spid="386" grpId="4"/>
     </p:bldLst>
   </p:timing>
 </p:sld>
@@ -6411,12 +6411,12 @@
       </p:par>
     </p:tnLst>
     <p:bldLst>
+      <p:bldP build="whole" bldLvl="1" animBg="1" rev="0" advAuto="0" spid="392" grpId="2"/>
+      <p:bldP build="whole" bldLvl="1" animBg="1" rev="0" advAuto="0" spid="414" grpId="5"/>
       <p:bldP build="whole" bldLvl="1" animBg="1" rev="0" advAuto="0" spid="418" grpId="6"/>
+      <p:bldP build="whole" bldLvl="1" animBg="1" rev="0" advAuto="0" spid="415" grpId="4"/>
+      <p:bldP build="whole" bldLvl="1" animBg="1" rev="0" advAuto="0" spid="409" grpId="1"/>
       <p:bldP build="whole" bldLvl="1" animBg="1" rev="0" advAuto="0" spid="417" grpId="3"/>
-      <p:bldP build="whole" bldLvl="1" animBg="1" rev="0" advAuto="0" spid="414" grpId="5"/>
-      <p:bldP build="whole" bldLvl="1" animBg="1" rev="0" advAuto="0" spid="409" grpId="1"/>
-      <p:bldP build="whole" bldLvl="1" animBg="1" rev="0" advAuto="0" spid="392" grpId="2"/>
-      <p:bldP build="whole" bldLvl="1" animBg="1" rev="0" advAuto="0" spid="415" grpId="4"/>
     </p:bldLst>
   </p:timing>
 </p:sld>
@@ -6532,7 +6532,7 @@
         <p:spPr>
           <a:xfrm>
             <a:off x="1675221" y="3364943"/>
-            <a:ext cx="4968241" cy="4064001"/>
+            <a:ext cx="4740555" cy="4064001"/>
           </a:xfrm>
           <a:prstGeom prst="rect">
             <a:avLst/>
@@ -6632,7 +6632,7 @@
               </a:defRPr>
             </a:pPr>
             <a:r>
-              <a:t>#git log</a:t>
+              <a:t>#git reflog</a:t>
             </a:r>
           </a:p>
           <a:p>
@@ -6644,7 +6644,7 @@
               </a:defRPr>
             </a:pPr>
             <a:r>
-              <a:t>#git reset HEAD e3dcf77bea</a:t>
+              <a:t>#git checkout e3dcf77bea</a:t>
             </a:r>
           </a:p>
         </p:txBody>
@@ -6839,7 +6839,7 @@
               <a:buAutoNum type="arabicPeriod" startAt="1"/>
             </a:pPr>
             <a:r>
-              <a:t>git log       過去コミットしたリポジトリの履歴を確認する</a:t>
+              <a:t>git reflog       過去コミットしたリポジトリの履歴を確認する</a:t>
             </a:r>
           </a:p>
           <a:p>
@@ -6848,7 +6848,7 @@
               <a:buAutoNum type="arabicPeriod" startAt="1"/>
             </a:pPr>
             <a:r>
-              <a:t>git reset HEAD  e3dcf77bea   リポジトリをe3dcf77beaに戻る</a:t>
+              <a:t>git checkout e3dcf77bea   リポジトリをe3dcf77beaに戻る</a:t>
             </a:r>
           </a:p>
         </p:txBody>
@@ -8742,18 +8742,18 @@
       </p:par>
     </p:tnLst>
     <p:bldLst>
-      <p:bldP build="whole" bldLvl="1" animBg="1" rev="0" advAuto="0" spid="470" grpId="11"/>
-      <p:bldP build="whole" bldLvl="1" animBg="1" rev="0" advAuto="0" spid="461" grpId="9"/>
+      <p:bldP build="whole" bldLvl="1" animBg="1" rev="0" advAuto="0" spid="468" grpId="7"/>
       <p:bldP build="whole" bldLvl="1" animBg="1" rev="0" advAuto="0" spid="456" grpId="3"/>
       <p:bldP build="whole" bldLvl="1" animBg="1" rev="0" advAuto="0" spid="439" grpId="4"/>
-      <p:bldP build="whole" bldLvl="1" animBg="1" rev="0" advAuto="0" spid="468" grpId="7"/>
+      <p:bldP build="whole" bldLvl="1" animBg="1" rev="0" advAuto="0" spid="465" grpId="5"/>
       <p:bldP build="whole" bldLvl="1" animBg="1" rev="0" advAuto="0" spid="460" grpId="8"/>
+      <p:bldP build="whole" bldLvl="1" animBg="1" rev="0" advAuto="0" spid="462" grpId="10"/>
+      <p:bldP build="whole" bldLvl="1" animBg="1" rev="0" advAuto="0" spid="461" grpId="9"/>
       <p:bldP build="whole" bldLvl="1" animBg="1" rev="0" advAuto="0" spid="436" grpId="1"/>
+      <p:bldP build="whole" bldLvl="1" animBg="1" rev="0" advAuto="0" spid="459" grpId="6"/>
       <p:bldP build="whole" bldLvl="1" animBg="1" rev="0" advAuto="0" spid="436" grpId="2"/>
-      <p:bldP build="whole" bldLvl="1" animBg="1" rev="0" advAuto="0" spid="462" grpId="10"/>
       <p:bldP build="whole" bldLvl="1" animBg="1" rev="0" advAuto="0" spid="469" grpId="12"/>
-      <p:bldP build="whole" bldLvl="1" animBg="1" rev="0" advAuto="0" spid="459" grpId="6"/>
-      <p:bldP build="whole" bldLvl="1" animBg="1" rev="0" advAuto="0" spid="465" grpId="5"/>
+      <p:bldP build="whole" bldLvl="1" animBg="1" rev="0" advAuto="0" spid="470" grpId="11"/>
     </p:bldLst>
   </p:timing>
 </p:sld>
@@ -12900,14 +12900,14 @@
       </p:par>
     </p:tnLst>
     <p:bldLst>
-      <p:bldP build="whole" bldLvl="1" animBg="1" rev="0" advAuto="0" spid="572" grpId="13"/>
-      <p:bldP build="whole" bldLvl="1" animBg="1" rev="0" advAuto="0" spid="573" grpId="10"/>
-      <p:bldP build="whole" bldLvl="1" animBg="1" rev="0" advAuto="0" spid="546" grpId="9"/>
-      <p:bldP build="whole" bldLvl="1" animBg="1" rev="0" advAuto="0" spid="575" grpId="8"/>
       <p:bldP build="whole" bldLvl="1" animBg="1" rev="0" advAuto="0" spid="531" grpId="6"/>
-      <p:bldP build="whole" bldLvl="1" animBg="1" rev="0" advAuto="0" spid="574" grpId="12"/>
       <p:bldP build="whole" bldLvl="1" animBg="1" rev="0" advAuto="0" spid="532" grpId="4"/>
       <p:bldP build="whole" bldLvl="1" animBg="1" rev="0" advAuto="0" spid="559" grpId="11"/>
+      <p:bldP build="whole" bldLvl="1" animBg="1" rev="0" advAuto="0" spid="573" grpId="10"/>
+      <p:bldP build="whole" bldLvl="1" animBg="1" rev="0" advAuto="0" spid="575" grpId="8"/>
+      <p:bldP build="whole" bldLvl="1" animBg="1" rev="0" advAuto="0" spid="546" grpId="9"/>
+      <p:bldP build="whole" bldLvl="1" animBg="1" rev="0" advAuto="0" spid="574" grpId="12"/>
+      <p:bldP build="whole" bldLvl="1" animBg="1" rev="0" advAuto="0" spid="572" grpId="13"/>
     </p:bldLst>
   </p:timing>
 </p:sld>
@@ -16860,30 +16860,30 @@
       </p:par>
     </p:tnLst>
     <p:bldLst>
+      <p:bldP build="whole" bldLvl="1" animBg="1" rev="0" advAuto="0" spid="601" grpId="7"/>
+      <p:bldP build="whole" bldLvl="1" animBg="1" rev="0" advAuto="0" spid="629" grpId="16"/>
+      <p:bldP build="whole" bldLvl="1" animBg="1" rev="0" advAuto="0" spid="612" grpId="19"/>
+      <p:bldP build="whole" bldLvl="1" animBg="1" rev="0" advAuto="0" spid="645" grpId="29"/>
+      <p:bldP build="whole" bldLvl="1" animBg="1" rev="0" advAuto="0" spid="623" grpId="13"/>
+      <p:bldP build="whole" bldLvl="1" animBg="1" rev="0" advAuto="0" spid="604" grpId="12"/>
+      <p:bldP build="whole" bldLvl="1" animBg="1" rev="0" advAuto="0" spid="607" grpId="15"/>
+      <p:bldP build="whole" bldLvl="1" animBg="1" rev="0" advAuto="0" spid="646" grpId="30"/>
+      <p:bldP build="whole" bldLvl="1" animBg="1" rev="0" advAuto="0" spid="648" grpId="31"/>
+      <p:bldP build="whole" bldLvl="1" animBg="1" rev="0" advAuto="0" spid="578" grpId="3"/>
+      <p:bldP build="whole" bldLvl="1" animBg="1" rev="0" advAuto="0" spid="643" grpId="27"/>
+      <p:bldP build="whole" bldLvl="1" animBg="1" rev="0" advAuto="0" spid="626" grpId="10"/>
+      <p:bldP build="whole" bldLvl="1" animBg="1" rev="0" advAuto="0" spid="617" grpId="1"/>
+      <p:bldP build="whole" bldLvl="1" animBg="1" rev="0" advAuto="0" spid="594" grpId="6"/>
+      <p:bldP build="whole" bldLvl="1" animBg="1" rev="0" advAuto="0" spid="642" grpId="26"/>
+      <p:bldP build="whole" bldLvl="1" animBg="1" rev="0" advAuto="0" spid="620" grpId="8"/>
+      <p:bldP build="whole" bldLvl="1" animBg="1" rev="0" advAuto="0" spid="633" grpId="24"/>
+      <p:bldP build="whole" bldLvl="1" animBg="1" rev="0" advAuto="0" spid="597" grpId="9"/>
+      <p:bldP build="whole" bldLvl="1" animBg="1" rev="0" advAuto="0" spid="642" grpId="25"/>
+      <p:bldP build="whole" bldLvl="1" animBg="1" rev="0" advAuto="0" spid="647" grpId="32"/>
+      <p:bldP build="whole" bldLvl="1" animBg="1" rev="0" advAuto="0" spid="583" grpId="2"/>
       <p:bldP build="whole" bldLvl="1" animBg="1" rev="0" advAuto="0" spid="583" grpId="4"/>
-      <p:bldP build="whole" bldLvl="1" animBg="1" rev="0" advAuto="0" spid="642" grpId="25"/>
-      <p:bldP build="whole" bldLvl="1" animBg="1" rev="0" advAuto="0" spid="642" grpId="26"/>
-      <p:bldP build="whole" bldLvl="1" animBg="1" rev="0" advAuto="0" spid="607" grpId="15"/>
-      <p:bldP build="whole" bldLvl="1" animBg="1" rev="0" advAuto="0" spid="612" grpId="19"/>
-      <p:bldP build="whole" bldLvl="1" animBg="1" rev="0" advAuto="0" spid="647" grpId="32"/>
+      <p:bldP build="whole" bldLvl="1" animBg="1" rev="0" advAuto="0" spid="594" grpId="18"/>
       <p:bldP build="whole" bldLvl="1" animBg="1" rev="0" advAuto="0" spid="644" grpId="28"/>
-      <p:bldP build="whole" bldLvl="1" animBg="1" rev="0" advAuto="0" spid="604" grpId="12"/>
-      <p:bldP build="whole" bldLvl="1" animBg="1" rev="0" advAuto="0" spid="617" grpId="1"/>
-      <p:bldP build="whole" bldLvl="1" animBg="1" rev="0" advAuto="0" spid="601" grpId="7"/>
-      <p:bldP build="whole" bldLvl="1" animBg="1" rev="0" advAuto="0" spid="645" grpId="29"/>
-      <p:bldP build="whole" bldLvl="1" animBg="1" rev="0" advAuto="0" spid="626" grpId="10"/>
-      <p:bldP build="whole" bldLvl="1" animBg="1" rev="0" advAuto="0" spid="620" grpId="8"/>
-      <p:bldP build="whole" bldLvl="1" animBg="1" rev="0" advAuto="0" spid="597" grpId="9"/>
-      <p:bldP build="whole" bldLvl="1" animBg="1" rev="0" advAuto="0" spid="629" grpId="16"/>
-      <p:bldP build="whole" bldLvl="1" animBg="1" rev="0" advAuto="0" spid="594" grpId="6"/>
-      <p:bldP build="whole" bldLvl="1" animBg="1" rev="0" advAuto="0" spid="578" grpId="3"/>
-      <p:bldP build="whole" bldLvl="1" animBg="1" rev="0" advAuto="0" spid="646" grpId="30"/>
-      <p:bldP build="whole" bldLvl="1" animBg="1" rev="0" advAuto="0" spid="633" grpId="24"/>
-      <p:bldP build="whole" bldLvl="1" animBg="1" rev="0" advAuto="0" spid="643" grpId="27"/>
-      <p:bldP build="whole" bldLvl="1" animBg="1" rev="0" advAuto="0" spid="594" grpId="18"/>
-      <p:bldP build="whole" bldLvl="1" animBg="1" rev="0" advAuto="0" spid="623" grpId="13"/>
-      <p:bldP build="whole" bldLvl="1" animBg="1" rev="0" advAuto="0" spid="648" grpId="31"/>
-      <p:bldP build="whole" bldLvl="1" animBg="1" rev="0" advAuto="0" spid="583" grpId="2"/>
     </p:bldLst>
   </p:timing>
 </p:sld>
@@ -22163,14 +22163,14 @@
       </p:par>
     </p:tnLst>
     <p:bldLst>
+      <p:bldP build="whole" bldLvl="1" animBg="1" rev="0" advAuto="0" spid="144" grpId="7"/>
       <p:bldP build="whole" bldLvl="1" animBg="1" rev="0" advAuto="0" spid="129" grpId="5"/>
+      <p:bldP build="whole" bldLvl="1" animBg="1" rev="0" advAuto="0" spid="140" grpId="3"/>
+      <p:bldP build="whole" bldLvl="1" animBg="1" rev="0" advAuto="0" spid="123" grpId="2"/>
+      <p:bldP build="whole" bldLvl="1" animBg="1" rev="0" advAuto="0" spid="126" grpId="4"/>
+      <p:bldP build="whole" bldLvl="1" animBg="1" rev="0" advAuto="0" spid="143" grpId="6"/>
+      <p:bldP build="whole" bldLvl="1" animBg="1" rev="0" advAuto="0" spid="144" grpId="16"/>
       <p:bldP build="whole" bldLvl="1" animBg="1" rev="0" advAuto="0" spid="132" grpId="1"/>
-      <p:bldP build="whole" bldLvl="1" animBg="1" rev="0" advAuto="0" spid="140" grpId="3"/>
-      <p:bldP build="whole" bldLvl="1" animBg="1" rev="0" advAuto="0" spid="144" grpId="16"/>
-      <p:bldP build="whole" bldLvl="1" animBg="1" rev="0" advAuto="0" spid="143" grpId="6"/>
-      <p:bldP build="whole" bldLvl="1" animBg="1" rev="0" advAuto="0" spid="126" grpId="4"/>
-      <p:bldP build="whole" bldLvl="1" animBg="1" rev="0" advAuto="0" spid="123" grpId="2"/>
-      <p:bldP build="whole" bldLvl="1" animBg="1" rev="0" advAuto="0" spid="144" grpId="7"/>
     </p:bldLst>
   </p:timing>
 </p:sld>
@@ -28527,39 +28527,39 @@
       </p:par>
     </p:tnLst>
     <p:bldLst>
-      <p:bldP build="whole" bldLvl="1" animBg="1" rev="0" advAuto="0" spid="268" grpId="32"/>
-      <p:bldP build="whole" bldLvl="1" animBg="1" rev="0" advAuto="0" spid="204" grpId="7"/>
-      <p:bldP build="whole" bldLvl="1" animBg="1" rev="0" advAuto="0" spid="234" grpId="17"/>
+      <p:bldP build="whole" bldLvl="1" animBg="1" rev="0" advAuto="0" spid="210" grpId="9"/>
+      <p:bldP build="whole" bldLvl="1" animBg="1" rev="0" advAuto="0" spid="228" grpId="15"/>
       <p:bldP build="whole" bldLvl="1" animBg="1" rev="0" advAuto="0" spid="266" grpId="24"/>
-      <p:bldP build="whole" bldLvl="1" animBg="1" rev="0" advAuto="0" spid="240" grpId="19"/>
-      <p:bldP build="whole" bldLvl="1" animBg="1" rev="0" advAuto="0" spid="234" grpId="29"/>
+      <p:bldP build="whole" bldLvl="1" animBg="1" rev="0" advAuto="0" spid="198" grpId="5"/>
+      <p:bldP build="whole" bldLvl="1" animBg="1" rev="0" advAuto="0" spid="231" grpId="16"/>
       <p:bldP build="whole" bldLvl="1" animBg="1" rev="0" advAuto="0" spid="265" grpId="22"/>
       <p:bldP build="whole" bldLvl="1" animBg="1" rev="0" advAuto="0" spid="201" grpId="6"/>
+      <p:bldP build="whole" bldLvl="1" animBg="1" rev="0" advAuto="0" spid="228" grpId="31"/>
+      <p:bldP build="whole" bldLvl="1" animBg="1" rev="0" advAuto="0" spid="234" grpId="17"/>
+      <p:bldP build="whole" bldLvl="1" animBg="1" rev="0" advAuto="0" spid="216" grpId="11"/>
+      <p:bldP build="whole" bldLvl="1" animBg="1" rev="0" advAuto="0" spid="267" grpId="25"/>
+      <p:bldP build="whole" bldLvl="1" animBg="1" rev="0" advAuto="0" spid="265" grpId="35"/>
+      <p:bldP build="whole" bldLvl="1" animBg="1" rev="0" advAuto="0" spid="231" grpId="30"/>
+      <p:bldP build="whole" bldLvl="1" animBg="1" rev="0" advAuto="0" spid="219" grpId="12"/>
+      <p:bldP build="whole" bldLvl="1" animBg="1" rev="0" advAuto="0" spid="244" grpId="21"/>
+      <p:bldP build="whole" bldLvl="1" animBg="1" rev="0" advAuto="0" spid="237" grpId="18"/>
+      <p:bldP build="whole" bldLvl="1" animBg="1" rev="0" advAuto="0" spid="222" grpId="13"/>
+      <p:bldP build="whole" bldLvl="1" animBg="1" rev="0" advAuto="0" spid="213" grpId="10"/>
+      <p:bldP build="whole" bldLvl="1" animBg="1" rev="0" advAuto="0" spid="234" grpId="29"/>
+      <p:bldP build="whole" bldLvl="1" animBg="1" rev="0" advAuto="0" spid="207" grpId="8"/>
+      <p:bldP build="whole" bldLvl="1" animBg="1" rev="0" advAuto="0" spid="240" grpId="19"/>
+      <p:bldP build="whole" bldLvl="1" animBg="1" rev="0" advAuto="0" spid="225" grpId="14"/>
       <p:bldP build="whole" bldLvl="1" animBg="1" rev="0" advAuto="0" spid="186" grpId="1"/>
+      <p:bldP build="whole" bldLvl="1" animBg="1" rev="0" advAuto="0" spid="237" grpId="28"/>
+      <p:bldP build="whole" bldLvl="1" animBg="1" rev="0" advAuto="0" spid="275" grpId="36"/>
+      <p:bldP build="whole" bldLvl="1" animBg="1" rev="0" advAuto="0" spid="204" grpId="7"/>
+      <p:bldP build="whole" bldLvl="1" animBg="1" rev="0" advAuto="0" spid="240" grpId="27"/>
+      <p:bldP build="whole" bldLvl="1" animBg="1" rev="0" advAuto="0" spid="243" grpId="20"/>
+      <p:bldP build="whole" bldLvl="1" animBg="1" rev="0" advAuto="0" spid="268" grpId="32"/>
+      <p:bldP build="whole" bldLvl="1" animBg="1" rev="0" advAuto="0" spid="189" grpId="2"/>
+      <p:bldP build="whole" bldLvl="1" animBg="1" rev="0" advAuto="0" spid="243" grpId="26"/>
+      <p:bldP build="whole" bldLvl="1" animBg="1" rev="0" advAuto="0" spid="192" grpId="3"/>
       <p:bldP build="whole" bldLvl="1" animBg="1" rev="0" advAuto="0" spid="195" grpId="4"/>
-      <p:bldP build="whole" bldLvl="1" animBg="1" rev="0" advAuto="0" spid="243" grpId="20"/>
-      <p:bldP build="whole" bldLvl="1" animBg="1" rev="0" advAuto="0" spid="240" grpId="27"/>
-      <p:bldP build="whole" bldLvl="1" animBg="1" rev="0" advAuto="0" spid="210" grpId="9"/>
-      <p:bldP build="whole" bldLvl="1" animBg="1" rev="0" advAuto="0" spid="244" grpId="21"/>
-      <p:bldP build="whole" bldLvl="1" animBg="1" rev="0" advAuto="0" spid="243" grpId="26"/>
-      <p:bldP build="whole" bldLvl="1" animBg="1" rev="0" advAuto="0" spid="231" grpId="16"/>
-      <p:bldP build="whole" bldLvl="1" animBg="1" rev="0" advAuto="0" spid="265" grpId="35"/>
-      <p:bldP build="whole" bldLvl="1" animBg="1" rev="0" advAuto="0" spid="228" grpId="15"/>
-      <p:bldP build="whole" bldLvl="1" animBg="1" rev="0" advAuto="0" spid="225" grpId="14"/>
-      <p:bldP build="whole" bldLvl="1" animBg="1" rev="0" advAuto="0" spid="198" grpId="5"/>
-      <p:bldP build="whole" bldLvl="1" animBg="1" rev="0" advAuto="0" spid="213" grpId="10"/>
-      <p:bldP build="whole" bldLvl="1" animBg="1" rev="0" advAuto="0" spid="237" grpId="18"/>
-      <p:bldP build="whole" bldLvl="1" animBg="1" rev="0" advAuto="0" spid="189" grpId="2"/>
-      <p:bldP build="whole" bldLvl="1" animBg="1" rev="0" advAuto="0" spid="231" grpId="30"/>
-      <p:bldP build="whole" bldLvl="1" animBg="1" rev="0" advAuto="0" spid="275" grpId="36"/>
-      <p:bldP build="whole" bldLvl="1" animBg="1" rev="0" advAuto="0" spid="228" grpId="31"/>
-      <p:bldP build="whole" bldLvl="1" animBg="1" rev="0" advAuto="0" spid="207" grpId="8"/>
-      <p:bldP build="whole" bldLvl="1" animBg="1" rev="0" advAuto="0" spid="267" grpId="25"/>
-      <p:bldP build="whole" bldLvl="1" animBg="1" rev="0" advAuto="0" spid="216" grpId="11"/>
-      <p:bldP build="whole" bldLvl="1" animBg="1" rev="0" advAuto="0" spid="192" grpId="3"/>
-      <p:bldP build="whole" bldLvl="1" animBg="1" rev="0" advAuto="0" spid="237" grpId="28"/>
-      <p:bldP build="whole" bldLvl="1" animBg="1" rev="0" advAuto="0" spid="222" grpId="13"/>
-      <p:bldP build="whole" bldLvl="1" animBg="1" rev="0" advAuto="0" spid="219" grpId="12"/>
     </p:bldLst>
   </p:timing>
 </p:sld>
@@ -30852,21 +30852,21 @@
       </p:par>
     </p:tnLst>
     <p:bldLst>
+      <p:bldP build="whole" bldLvl="1" animBg="1" rev="0" advAuto="0" spid="307" grpId="4"/>
+      <p:bldP build="whole" bldLvl="1" animBg="1" rev="0" advAuto="0" spid="318" grpId="18"/>
+      <p:bldP build="whole" bldLvl="1" animBg="1" rev="0" advAuto="0" spid="310" grpId="13"/>
+      <p:bldP build="whole" bldLvl="1" animBg="1" rev="0" advAuto="0" spid="285" grpId="3"/>
+      <p:bldP build="whole" bldLvl="1" animBg="1" rev="0" advAuto="0" spid="306" grpId="1"/>
+      <p:bldP build="whole" bldLvl="1" animBg="1" rev="0" advAuto="0" spid="318" grpId="20"/>
+      <p:bldP build="whole" bldLvl="1" animBg="1" rev="0" advAuto="0" spid="308" grpId="7"/>
+      <p:bldP build="whole" bldLvl="1" animBg="1" rev="0" advAuto="0" spid="292" grpId="21"/>
+      <p:bldP build="whole" bldLvl="1" animBg="1" rev="0" advAuto="0" spid="311" grpId="2"/>
+      <p:bldP build="whole" bldLvl="1" animBg="1" rev="0" advAuto="0" spid="299" grpId="9"/>
+      <p:bldP build="whole" bldLvl="1" animBg="1" rev="0" advAuto="0" spid="299" grpId="12"/>
       <p:bldP build="whole" bldLvl="1" animBg="1" rev="0" advAuto="0" spid="292" grpId="6"/>
-      <p:bldP build="whole" bldLvl="1" animBg="1" rev="0" advAuto="0" spid="308" grpId="7"/>
+      <p:bldP build="whole" bldLvl="1" animBg="1" rev="0" advAuto="0" spid="309" grpId="10"/>
       <p:bldP build="whole" bldLvl="1" animBg="1" rev="0" advAuto="0" spid="305" grpId="15"/>
-      <p:bldP build="whole" bldLvl="1" animBg="1" rev="0" advAuto="0" spid="285" grpId="3"/>
-      <p:bldP build="whole" bldLvl="1" animBg="1" rev="0" advAuto="0" spid="311" grpId="2"/>
       <p:bldP build="whole" bldLvl="1" animBg="1" rev="0" advAuto="0" spid="305" grpId="17"/>
-      <p:bldP build="whole" bldLvl="1" animBg="1" rev="0" advAuto="0" spid="307" grpId="4"/>
-      <p:bldP build="whole" bldLvl="1" animBg="1" rev="0" advAuto="0" spid="306" grpId="1"/>
-      <p:bldP build="whole" bldLvl="1" animBg="1" rev="0" advAuto="0" spid="318" grpId="18"/>
-      <p:bldP build="whole" bldLvl="1" animBg="1" rev="0" advAuto="0" spid="318" grpId="20"/>
-      <p:bldP build="whole" bldLvl="1" animBg="1" rev="0" advAuto="0" spid="292" grpId="21"/>
-      <p:bldP build="whole" bldLvl="1" animBg="1" rev="0" advAuto="0" spid="299" grpId="9"/>
-      <p:bldP build="whole" bldLvl="1" animBg="1" rev="0" advAuto="0" spid="309" grpId="10"/>
-      <p:bldP build="whole" bldLvl="1" animBg="1" rev="0" advAuto="0" spid="299" grpId="12"/>
-      <p:bldP build="whole" bldLvl="1" animBg="1" rev="0" advAuto="0" spid="310" grpId="13"/>
     </p:bldLst>
   </p:timing>
 </p:sld>
@@ -31744,9 +31744,9 @@
       </p:par>
     </p:tnLst>
     <p:bldLst>
-      <p:bldP build="whole" bldLvl="1" animBg="1" rev="0" advAuto="0" spid="332" grpId="1"/>
       <p:bldP build="whole" bldLvl="1" animBg="1" rev="0" advAuto="0" spid="335" grpId="2"/>
       <p:bldP build="whole" bldLvl="1" animBg="1" rev="0" advAuto="0" spid="338" grpId="3"/>
+      <p:bldP build="whole" bldLvl="1" animBg="1" rev="0" advAuto="0" spid="332" grpId="1"/>
     </p:bldLst>
   </p:timing>
 </p:sld>
@@ -33302,16 +33302,16 @@
       </p:par>
     </p:tnLst>
     <p:bldLst>
+      <p:bldP build="whole" bldLvl="1" animBg="1" rev="0" advAuto="0" spid="357" grpId="3"/>
+      <p:bldP build="whole" bldLvl="1" animBg="1" rev="0" advAuto="0" spid="354" grpId="5"/>
       <p:bldP build="whole" bldLvl="1" animBg="1" rev="0" advAuto="0" spid="350" grpId="1"/>
-      <p:bldP build="whole" bldLvl="1" animBg="1" rev="0" advAuto="0" spid="354" grpId="5"/>
       <p:bldP build="whole" bldLvl="1" animBg="1" rev="0" advAuto="0" spid="352" grpId="2"/>
+      <p:bldP build="whole" bldLvl="1" animBg="1" rev="0" advAuto="0" spid="360" grpId="10"/>
+      <p:bldP build="whole" bldLvl="1" animBg="1" rev="0" advAuto="0" spid="359" grpId="9"/>
+      <p:bldP build="whole" bldLvl="1" animBg="1" rev="0" advAuto="0" spid="355" grpId="7"/>
       <p:bldP build="whole" bldLvl="1" animBg="1" rev="0" advAuto="0" spid="351" grpId="8"/>
-      <p:bldP build="whole" bldLvl="1" animBg="1" rev="0" advAuto="0" spid="360" grpId="10"/>
-      <p:bldP build="whole" bldLvl="1" animBg="1" rev="0" advAuto="0" spid="355" grpId="7"/>
-      <p:bldP build="whole" bldLvl="1" animBg="1" rev="0" advAuto="0" spid="359" grpId="9"/>
       <p:bldP build="whole" bldLvl="1" animBg="1" rev="0" advAuto="0" spid="353" grpId="4"/>
       <p:bldP build="whole" bldLvl="1" animBg="1" rev="0" advAuto="0" spid="356" grpId="6"/>
-      <p:bldP build="whole" bldLvl="1" animBg="1" rev="0" advAuto="0" spid="357" grpId="3"/>
     </p:bldLst>
   </p:timing>
 </p:sld>

--- a/Git入門.pptx
+++ b/Git入門.pptx
@@ -527,7 +527,7 @@
       </p:grpSpPr>
       <p:sp>
         <p:nvSpPr>
-          <p:cNvPr id="276" name="Shape 276"/>
+          <p:cNvPr id="292" name="Shape 292"/>
           <p:cNvSpPr/>
           <p:nvPr>
             <p:ph type="sldImg"/>
@@ -548,7 +548,7 @@
       </p:sp>
       <p:sp>
         <p:nvSpPr>
-          <p:cNvPr id="277" name="Shape 277"/>
+          <p:cNvPr id="293" name="Shape 293"/>
           <p:cNvSpPr/>
           <p:nvPr>
             <p:ph type="body" sz="quarter" idx="1"/>
@@ -612,7 +612,7 @@
       </p:grpSpPr>
       <p:sp>
         <p:nvSpPr>
-          <p:cNvPr id="320" name="Shape 320"/>
+          <p:cNvPr id="336" name="Shape 336"/>
           <p:cNvSpPr/>
           <p:nvPr>
             <p:ph type="sldImg"/>
@@ -633,7 +633,7 @@
       </p:sp>
       <p:sp>
         <p:nvSpPr>
-          <p:cNvPr id="321" name="Shape 321"/>
+          <p:cNvPr id="337" name="Shape 337"/>
           <p:cNvSpPr/>
           <p:nvPr>
             <p:ph type="body" sz="quarter" idx="1"/>
@@ -682,7 +682,7 @@
       </p:grpSpPr>
       <p:sp>
         <p:nvSpPr>
-          <p:cNvPr id="389" name="Shape 389"/>
+          <p:cNvPr id="405" name="Shape 405"/>
           <p:cNvSpPr/>
           <p:nvPr>
             <p:ph type="sldImg"/>
@@ -703,7 +703,7 @@
       </p:sp>
       <p:sp>
         <p:nvSpPr>
-          <p:cNvPr id="390" name="Shape 390"/>
+          <p:cNvPr id="406" name="Shape 406"/>
           <p:cNvSpPr/>
           <p:nvPr>
             <p:ph type="body" sz="quarter" idx="1"/>
@@ -3311,7 +3311,7 @@
       </p:grpSpPr>
       <p:sp>
         <p:nvSpPr>
-          <p:cNvPr id="362" name="四角形"/>
+          <p:cNvPr id="378" name="四角形"/>
           <p:cNvSpPr/>
           <p:nvPr/>
         </p:nvSpPr>
@@ -3350,7 +3350,7 @@
       </p:sp>
       <p:grpSp>
         <p:nvGrpSpPr>
-          <p:cNvPr id="379" name="グループ"/>
+          <p:cNvPr id="395" name="グループ"/>
           <p:cNvGrpSpPr/>
           <p:nvPr/>
         </p:nvGrpSpPr>
@@ -3364,7 +3364,7 @@
         </p:grpSpPr>
         <p:grpSp>
           <p:nvGrpSpPr>
-            <p:cNvPr id="367" name="グループ"/>
+            <p:cNvPr id="383" name="グループ"/>
             <p:cNvGrpSpPr/>
             <p:nvPr/>
           </p:nvGrpSpPr>
@@ -3378,7 +3378,7 @@
           </p:grpSpPr>
           <p:sp>
             <p:nvSpPr>
-              <p:cNvPr id="363" name="四角形"/>
+              <p:cNvPr id="379" name="四角形"/>
               <p:cNvSpPr/>
               <p:nvPr/>
             </p:nvSpPr>
@@ -3421,7 +3421,7 @@
           </p:sp>
           <p:sp>
             <p:nvSpPr>
-              <p:cNvPr id="364" name="四角形"/>
+              <p:cNvPr id="380" name="四角形"/>
               <p:cNvSpPr/>
               <p:nvPr/>
             </p:nvSpPr>
@@ -3464,7 +3464,7 @@
           </p:sp>
           <p:sp>
             <p:nvSpPr>
-              <p:cNvPr id="365" name="ひし形"/>
+              <p:cNvPr id="381" name="ひし形"/>
               <p:cNvSpPr/>
               <p:nvPr/>
             </p:nvSpPr>
@@ -3541,7 +3541,7 @@
           </p:sp>
           <p:sp>
             <p:nvSpPr>
-              <p:cNvPr id="366" name="ひし形"/>
+              <p:cNvPr id="382" name="ひし形"/>
               <p:cNvSpPr/>
               <p:nvPr/>
             </p:nvSpPr>
@@ -3619,7 +3619,7 @@
         </p:grpSp>
         <p:grpSp>
           <p:nvGrpSpPr>
-            <p:cNvPr id="378" name="グループ"/>
+            <p:cNvPr id="394" name="グループ"/>
             <p:cNvGrpSpPr/>
             <p:nvPr/>
           </p:nvGrpSpPr>
@@ -3633,7 +3633,7 @@
           </p:grpSpPr>
           <p:sp>
             <p:nvSpPr>
-              <p:cNvPr id="368" name="四角形"/>
+              <p:cNvPr id="384" name="四角形"/>
               <p:cNvSpPr/>
               <p:nvPr/>
             </p:nvSpPr>
@@ -3676,7 +3676,7 @@
           </p:sp>
           <p:sp>
             <p:nvSpPr>
-              <p:cNvPr id="369" name="四角形"/>
+              <p:cNvPr id="385" name="四角形"/>
               <p:cNvSpPr/>
               <p:nvPr/>
             </p:nvSpPr>
@@ -3719,7 +3719,7 @@
           </p:sp>
           <p:sp>
             <p:nvSpPr>
-              <p:cNvPr id="370" name="四角形"/>
+              <p:cNvPr id="386" name="四角形"/>
               <p:cNvSpPr/>
               <p:nvPr/>
             </p:nvSpPr>
@@ -3762,7 +3762,7 @@
           </p:sp>
           <p:sp>
             <p:nvSpPr>
-              <p:cNvPr id="371" name="四角形"/>
+              <p:cNvPr id="387" name="四角形"/>
               <p:cNvSpPr/>
               <p:nvPr/>
             </p:nvSpPr>
@@ -3805,7 +3805,7 @@
           </p:sp>
           <p:sp>
             <p:nvSpPr>
-              <p:cNvPr id="372" name="四角形"/>
+              <p:cNvPr id="388" name="四角形"/>
               <p:cNvSpPr/>
               <p:nvPr/>
             </p:nvSpPr>
@@ -3848,7 +3848,7 @@
           </p:sp>
           <p:sp>
             <p:nvSpPr>
-              <p:cNvPr id="373" name="四角形"/>
+              <p:cNvPr id="389" name="四角形"/>
               <p:cNvSpPr/>
               <p:nvPr/>
             </p:nvSpPr>
@@ -3891,7 +3891,7 @@
           </p:sp>
           <p:sp>
             <p:nvSpPr>
-              <p:cNvPr id="374" name="四角形"/>
+              <p:cNvPr id="390" name="四角形"/>
               <p:cNvSpPr/>
               <p:nvPr/>
             </p:nvSpPr>
@@ -3934,7 +3934,7 @@
           </p:sp>
           <p:sp>
             <p:nvSpPr>
-              <p:cNvPr id="375" name="四角形"/>
+              <p:cNvPr id="391" name="四角形"/>
               <p:cNvSpPr/>
               <p:nvPr/>
             </p:nvSpPr>
@@ -3977,7 +3977,7 @@
           </p:sp>
           <p:sp>
             <p:nvSpPr>
-              <p:cNvPr id="376" name="四角形"/>
+              <p:cNvPr id="392" name="四角形"/>
               <p:cNvSpPr/>
               <p:nvPr/>
             </p:nvSpPr>
@@ -4020,7 +4020,7 @@
           </p:sp>
           <p:sp>
             <p:nvSpPr>
-              <p:cNvPr id="377" name="四角形"/>
+              <p:cNvPr id="393" name="四角形"/>
               <p:cNvSpPr/>
               <p:nvPr/>
             </p:nvSpPr>
@@ -4065,7 +4065,7 @@
       </p:grpSp>
       <p:grpSp>
         <p:nvGrpSpPr>
-          <p:cNvPr id="384" name="グループ"/>
+          <p:cNvPr id="400" name="グループ"/>
           <p:cNvGrpSpPr/>
           <p:nvPr/>
         </p:nvGrpSpPr>
@@ -4079,7 +4079,7 @@
         </p:grpSpPr>
         <p:sp>
           <p:nvSpPr>
-            <p:cNvPr id="380" name="四角形"/>
+            <p:cNvPr id="396" name="四角形"/>
             <p:cNvSpPr/>
             <p:nvPr/>
           </p:nvSpPr>
@@ -4122,7 +4122,7 @@
         </p:sp>
         <p:sp>
           <p:nvSpPr>
-            <p:cNvPr id="381" name="四角形"/>
+            <p:cNvPr id="397" name="四角形"/>
             <p:cNvSpPr/>
             <p:nvPr/>
           </p:nvSpPr>
@@ -4165,7 +4165,7 @@
         </p:sp>
         <p:sp>
           <p:nvSpPr>
-            <p:cNvPr id="382" name="ひし形"/>
+            <p:cNvPr id="398" name="ひし形"/>
             <p:cNvSpPr/>
             <p:nvPr/>
           </p:nvSpPr>
@@ -4242,7 +4242,7 @@
         </p:sp>
         <p:sp>
           <p:nvSpPr>
-            <p:cNvPr id="383" name="ひし形"/>
+            <p:cNvPr id="399" name="ひし形"/>
             <p:cNvSpPr/>
             <p:nvPr/>
           </p:nvSpPr>
@@ -4320,7 +4320,7 @@
       </p:grpSp>
       <p:sp>
         <p:nvSpPr>
-          <p:cNvPr id="385" name="既存…"/>
+          <p:cNvPr id="401" name="既存…"/>
           <p:cNvSpPr txBox="1"/>
           <p:nvPr/>
         </p:nvSpPr>
@@ -4366,7 +4366,7 @@
       </p:sp>
       <p:sp>
         <p:nvSpPr>
-          <p:cNvPr id="386" name="既存の編集を…"/>
+          <p:cNvPr id="402" name="既存の編集を…"/>
           <p:cNvSpPr txBox="1"/>
           <p:nvPr/>
         </p:nvSpPr>
@@ -4420,7 +4420,7 @@
       </p:sp>
       <p:sp>
         <p:nvSpPr>
-          <p:cNvPr id="387" name="Gitの3つの状態"/>
+          <p:cNvPr id="403" name="Gitの3つの状態"/>
           <p:cNvSpPr txBox="1"/>
           <p:nvPr/>
         </p:nvSpPr>
@@ -4465,7 +4465,7 @@
       </p:sp>
       <p:sp>
         <p:nvSpPr>
-          <p:cNvPr id="388" name="編集(12:30)"/>
+          <p:cNvPr id="404" name="編集(12:30)"/>
           <p:cNvSpPr txBox="1"/>
           <p:nvPr/>
         </p:nvSpPr>
@@ -4542,7 +4542,7 @@
                                       <p:cBhvr>
                                         <p:cTn id="6" fill="hold"/>
                                         <p:tgtEl>
-                                          <p:spTgt spid="379"/>
+                                          <p:spTgt spid="395"/>
                                         </p:tgtEl>
                                         <p:attrNameLst>
                                           <p:attrName>style.visibility</p:attrName>
@@ -4556,7 +4556,7 @@
                                       <p:cBhvr>
                                         <p:cTn id="7" dur="1000"/>
                                         <p:tgtEl>
-                                          <p:spTgt spid="379"/>
+                                          <p:spTgt spid="395"/>
                                         </p:tgtEl>
                                       </p:cBhvr>
                                     </p:animEffect>
@@ -4594,7 +4594,7 @@
                                       <p:cBhvr>
                                         <p:cTn id="11" fill="hold"/>
                                         <p:tgtEl>
-                                          <p:spTgt spid="385"/>
+                                          <p:spTgt spid="401"/>
                                         </p:tgtEl>
                                         <p:attrNameLst>
                                           <p:attrName>style.visibility</p:attrName>
@@ -4608,7 +4608,7 @@
                                       <p:cBhvr>
                                         <p:cTn id="12" dur="1000"/>
                                         <p:tgtEl>
-                                          <p:spTgt spid="385"/>
+                                          <p:spTgt spid="401"/>
                                         </p:tgtEl>
                                       </p:cBhvr>
                                     </p:animEffect>
@@ -4646,7 +4646,7 @@
                                       <p:cBhvr>
                                         <p:cTn id="16" fill="hold"/>
                                         <p:tgtEl>
-                                          <p:spTgt spid="388"/>
+                                          <p:spTgt spid="404"/>
                                         </p:tgtEl>
                                         <p:attrNameLst>
                                           <p:attrName>style.visibility</p:attrName>
@@ -4660,7 +4660,7 @@
                                       <p:cBhvr>
                                         <p:cTn id="17" dur="1000"/>
                                         <p:tgtEl>
-                                          <p:spTgt spid="388"/>
+                                          <p:spTgt spid="404"/>
                                         </p:tgtEl>
                                       </p:cBhvr>
                                     </p:animEffect>
@@ -4698,7 +4698,7 @@
                                       <p:cBhvr>
                                         <p:cTn id="21" fill="hold"/>
                                         <p:tgtEl>
-                                          <p:spTgt spid="386"/>
+                                          <p:spTgt spid="402"/>
                                         </p:tgtEl>
                                         <p:attrNameLst>
                                           <p:attrName>style.visibility</p:attrName>
@@ -4712,7 +4712,7 @@
                                       <p:cBhvr>
                                         <p:cTn id="22" dur="1000"/>
                                         <p:tgtEl>
-                                          <p:spTgt spid="386"/>
+                                          <p:spTgt spid="402"/>
                                         </p:tgtEl>
                                       </p:cBhvr>
                                     </p:animEffect>
@@ -4750,7 +4750,7 @@
                                       <p:cBhvr>
                                         <p:cTn id="26" fill="hold"/>
                                         <p:tgtEl>
-                                          <p:spTgt spid="384"/>
+                                          <p:spTgt spid="400"/>
                                         </p:tgtEl>
                                         <p:attrNameLst>
                                           <p:attrName>style.visibility</p:attrName>
@@ -4764,7 +4764,7 @@
                                       <p:cBhvr>
                                         <p:cTn id="27" dur="1000"/>
                                         <p:tgtEl>
-                                          <p:spTgt spid="384"/>
+                                          <p:spTgt spid="400"/>
                                         </p:tgtEl>
                                       </p:cBhvr>
                                     </p:animEffect>
@@ -4802,7 +4802,7 @@
                                       <p:cBhvr>
                                         <p:cTn id="31" fill="hold"/>
                                         <p:tgtEl>
-                                          <p:spTgt spid="362"/>
+                                          <p:spTgt spid="378"/>
                                         </p:tgtEl>
                                         <p:attrNameLst>
                                           <p:attrName>style.visibility</p:attrName>
@@ -4816,7 +4816,7 @@
                                       <p:cBhvr>
                                         <p:cTn id="32" dur="1000"/>
                                         <p:tgtEl>
-                                          <p:spTgt spid="362"/>
+                                          <p:spTgt spid="378"/>
                                         </p:tgtEl>
                                       </p:cBhvr>
                                     </p:animEffect>
@@ -4851,12 +4851,12 @@
       </p:par>
     </p:tnLst>
     <p:bldLst>
-      <p:bldP build="whole" bldLvl="1" animBg="1" rev="0" advAuto="0" spid="388" grpId="3"/>
-      <p:bldP build="whole" bldLvl="1" animBg="1" rev="0" advAuto="0" spid="385" grpId="2"/>
-      <p:bldP build="whole" bldLvl="1" animBg="1" rev="0" advAuto="0" spid="386" grpId="4"/>
-      <p:bldP build="whole" bldLvl="1" animBg="1" rev="0" advAuto="0" spid="379" grpId="1"/>
-      <p:bldP build="whole" bldLvl="1" animBg="1" rev="0" advAuto="0" spid="362" grpId="6"/>
-      <p:bldP build="whole" bldLvl="1" animBg="1" rev="0" advAuto="0" spid="384" grpId="5"/>
+      <p:bldP build="whole" bldLvl="1" animBg="1" rev="0" advAuto="0" spid="395" grpId="1"/>
+      <p:bldP build="whole" bldLvl="1" animBg="1" rev="0" advAuto="0" spid="402" grpId="4"/>
+      <p:bldP build="whole" bldLvl="1" animBg="1" rev="0" advAuto="0" spid="400" grpId="5"/>
+      <p:bldP build="whole" bldLvl="1" animBg="1" rev="0" advAuto="0" spid="401" grpId="2"/>
+      <p:bldP build="whole" bldLvl="1" animBg="1" rev="0" advAuto="0" spid="378" grpId="6"/>
+      <p:bldP build="whole" bldLvl="1" animBg="1" rev="0" advAuto="0" spid="404" grpId="3"/>
     </p:bldLst>
   </p:timing>
 </p:sld>
@@ -4881,7 +4881,7 @@
       </p:grpSpPr>
       <p:sp>
         <p:nvSpPr>
-          <p:cNvPr id="392" name="既存…"/>
+          <p:cNvPr id="408" name="既存…"/>
           <p:cNvSpPr txBox="1"/>
           <p:nvPr/>
         </p:nvSpPr>
@@ -4927,7 +4927,7 @@
       </p:sp>
       <p:grpSp>
         <p:nvGrpSpPr>
-          <p:cNvPr id="409" name="グループ"/>
+          <p:cNvPr id="425" name="グループ"/>
           <p:cNvGrpSpPr/>
           <p:nvPr/>
         </p:nvGrpSpPr>
@@ -4941,7 +4941,7 @@
         </p:grpSpPr>
         <p:grpSp>
           <p:nvGrpSpPr>
-            <p:cNvPr id="397" name="グループ"/>
+            <p:cNvPr id="413" name="グループ"/>
             <p:cNvGrpSpPr/>
             <p:nvPr/>
           </p:nvGrpSpPr>
@@ -4955,7 +4955,7 @@
           </p:grpSpPr>
           <p:sp>
             <p:nvSpPr>
-              <p:cNvPr id="393" name="四角形"/>
+              <p:cNvPr id="409" name="四角形"/>
               <p:cNvSpPr/>
               <p:nvPr/>
             </p:nvSpPr>
@@ -4998,7 +4998,7 @@
           </p:sp>
           <p:sp>
             <p:nvSpPr>
-              <p:cNvPr id="394" name="四角形"/>
+              <p:cNvPr id="410" name="四角形"/>
               <p:cNvSpPr/>
               <p:nvPr/>
             </p:nvSpPr>
@@ -5041,7 +5041,7 @@
           </p:sp>
           <p:sp>
             <p:nvSpPr>
-              <p:cNvPr id="395" name="ひし形"/>
+              <p:cNvPr id="411" name="ひし形"/>
               <p:cNvSpPr/>
               <p:nvPr/>
             </p:nvSpPr>
@@ -5118,7 +5118,7 @@
           </p:sp>
           <p:sp>
             <p:nvSpPr>
-              <p:cNvPr id="396" name="ひし形"/>
+              <p:cNvPr id="412" name="ひし形"/>
               <p:cNvSpPr/>
               <p:nvPr/>
             </p:nvSpPr>
@@ -5196,7 +5196,7 @@
         </p:grpSp>
         <p:grpSp>
           <p:nvGrpSpPr>
-            <p:cNvPr id="408" name="グループ"/>
+            <p:cNvPr id="424" name="グループ"/>
             <p:cNvGrpSpPr/>
             <p:nvPr/>
           </p:nvGrpSpPr>
@@ -5210,7 +5210,7 @@
           </p:grpSpPr>
           <p:sp>
             <p:nvSpPr>
-              <p:cNvPr id="398" name="四角形"/>
+              <p:cNvPr id="414" name="四角形"/>
               <p:cNvSpPr/>
               <p:nvPr/>
             </p:nvSpPr>
@@ -5253,7 +5253,7 @@
           </p:sp>
           <p:sp>
             <p:nvSpPr>
-              <p:cNvPr id="399" name="四角形"/>
+              <p:cNvPr id="415" name="四角形"/>
               <p:cNvSpPr/>
               <p:nvPr/>
             </p:nvSpPr>
@@ -5296,7 +5296,7 @@
           </p:sp>
           <p:sp>
             <p:nvSpPr>
-              <p:cNvPr id="400" name="四角形"/>
+              <p:cNvPr id="416" name="四角形"/>
               <p:cNvSpPr/>
               <p:nvPr/>
             </p:nvSpPr>
@@ -5339,7 +5339,7 @@
           </p:sp>
           <p:sp>
             <p:nvSpPr>
-              <p:cNvPr id="401" name="四角形"/>
+              <p:cNvPr id="417" name="四角形"/>
               <p:cNvSpPr/>
               <p:nvPr/>
             </p:nvSpPr>
@@ -5382,7 +5382,7 @@
           </p:sp>
           <p:sp>
             <p:nvSpPr>
-              <p:cNvPr id="402" name="四角形"/>
+              <p:cNvPr id="418" name="四角形"/>
               <p:cNvSpPr/>
               <p:nvPr/>
             </p:nvSpPr>
@@ -5425,7 +5425,7 @@
           </p:sp>
           <p:sp>
             <p:nvSpPr>
-              <p:cNvPr id="403" name="四角形"/>
+              <p:cNvPr id="419" name="四角形"/>
               <p:cNvSpPr/>
               <p:nvPr/>
             </p:nvSpPr>
@@ -5468,7 +5468,7 @@
           </p:sp>
           <p:sp>
             <p:nvSpPr>
-              <p:cNvPr id="404" name="四角形"/>
+              <p:cNvPr id="420" name="四角形"/>
               <p:cNvSpPr/>
               <p:nvPr/>
             </p:nvSpPr>
@@ -5511,7 +5511,7 @@
           </p:sp>
           <p:sp>
             <p:nvSpPr>
-              <p:cNvPr id="405" name="四角形"/>
+              <p:cNvPr id="421" name="四角形"/>
               <p:cNvSpPr/>
               <p:nvPr/>
             </p:nvSpPr>
@@ -5554,7 +5554,7 @@
           </p:sp>
           <p:sp>
             <p:nvSpPr>
-              <p:cNvPr id="406" name="四角形"/>
+              <p:cNvPr id="422" name="四角形"/>
               <p:cNvSpPr/>
               <p:nvPr/>
             </p:nvSpPr>
@@ -5597,7 +5597,7 @@
           </p:sp>
           <p:sp>
             <p:nvSpPr>
-              <p:cNvPr id="407" name="四角形"/>
+              <p:cNvPr id="423" name="四角形"/>
               <p:cNvSpPr/>
               <p:nvPr/>
             </p:nvSpPr>
@@ -5642,7 +5642,7 @@
       </p:grpSp>
       <p:grpSp>
         <p:nvGrpSpPr>
-          <p:cNvPr id="414" name="グループ"/>
+          <p:cNvPr id="430" name="グループ"/>
           <p:cNvGrpSpPr/>
           <p:nvPr/>
         </p:nvGrpSpPr>
@@ -5656,7 +5656,7 @@
         </p:grpSpPr>
         <p:sp>
           <p:nvSpPr>
-            <p:cNvPr id="410" name="四角形"/>
+            <p:cNvPr id="426" name="四角形"/>
             <p:cNvSpPr/>
             <p:nvPr/>
           </p:nvSpPr>
@@ -5699,7 +5699,7 @@
         </p:sp>
         <p:sp>
           <p:nvSpPr>
-            <p:cNvPr id="411" name="四角形"/>
+            <p:cNvPr id="427" name="四角形"/>
             <p:cNvSpPr/>
             <p:nvPr/>
           </p:nvSpPr>
@@ -5742,7 +5742,7 @@
         </p:sp>
         <p:sp>
           <p:nvSpPr>
-            <p:cNvPr id="412" name="ひし形"/>
+            <p:cNvPr id="428" name="ひし形"/>
             <p:cNvSpPr/>
             <p:nvPr/>
           </p:nvSpPr>
@@ -5819,7 +5819,7 @@
         </p:sp>
         <p:sp>
           <p:nvSpPr>
-            <p:cNvPr id="413" name="ひし形"/>
+            <p:cNvPr id="429" name="ひし形"/>
             <p:cNvSpPr/>
             <p:nvPr/>
           </p:nvSpPr>
@@ -5897,7 +5897,7 @@
       </p:grpSp>
       <p:sp>
         <p:nvSpPr>
-          <p:cNvPr id="415" name="リポジトリに入れる"/>
+          <p:cNvPr id="431" name="リポジトリに入れる"/>
           <p:cNvSpPr txBox="1"/>
           <p:nvPr/>
         </p:nvSpPr>
@@ -5941,7 +5941,7 @@
       </p:sp>
       <p:sp>
         <p:nvSpPr>
-          <p:cNvPr id="416" name="Gitの3つの状態"/>
+          <p:cNvPr id="432" name="Gitの3つの状態"/>
           <p:cNvSpPr txBox="1"/>
           <p:nvPr/>
         </p:nvSpPr>
@@ -5986,7 +5986,7 @@
       </p:sp>
       <p:sp>
         <p:nvSpPr>
-          <p:cNvPr id="417" name="インディクス(12:30)"/>
+          <p:cNvPr id="433" name="インディクス(12:30)"/>
           <p:cNvSpPr txBox="1"/>
           <p:nvPr/>
         </p:nvSpPr>
@@ -6026,7 +6026,7 @@
       </p:sp>
       <p:sp>
         <p:nvSpPr>
-          <p:cNvPr id="418" name="四角形"/>
+          <p:cNvPr id="434" name="四角形"/>
           <p:cNvSpPr/>
           <p:nvPr/>
         </p:nvSpPr>
@@ -6102,7 +6102,7 @@
                                       <p:cBhvr>
                                         <p:cTn id="6" fill="hold"/>
                                         <p:tgtEl>
-                                          <p:spTgt spid="409"/>
+                                          <p:spTgt spid="425"/>
                                         </p:tgtEl>
                                         <p:attrNameLst>
                                           <p:attrName>style.visibility</p:attrName>
@@ -6116,7 +6116,7 @@
                                       <p:cBhvr>
                                         <p:cTn id="7" dur="1000"/>
                                         <p:tgtEl>
-                                          <p:spTgt spid="409"/>
+                                          <p:spTgt spid="425"/>
                                         </p:tgtEl>
                                       </p:cBhvr>
                                     </p:animEffect>
@@ -6154,7 +6154,7 @@
                                       <p:cBhvr>
                                         <p:cTn id="11" fill="hold"/>
                                         <p:tgtEl>
-                                          <p:spTgt spid="392"/>
+                                          <p:spTgt spid="408"/>
                                         </p:tgtEl>
                                         <p:attrNameLst>
                                           <p:attrName>style.visibility</p:attrName>
@@ -6168,7 +6168,7 @@
                                       <p:cBhvr>
                                         <p:cTn id="12" dur="1000"/>
                                         <p:tgtEl>
-                                          <p:spTgt spid="392"/>
+                                          <p:spTgt spid="408"/>
                                         </p:tgtEl>
                                       </p:cBhvr>
                                     </p:animEffect>
@@ -6206,7 +6206,7 @@
                                       <p:cBhvr>
                                         <p:cTn id="16" fill="hold"/>
                                         <p:tgtEl>
-                                          <p:spTgt spid="417"/>
+                                          <p:spTgt spid="433"/>
                                         </p:tgtEl>
                                         <p:attrNameLst>
                                           <p:attrName>style.visibility</p:attrName>
@@ -6220,7 +6220,7 @@
                                       <p:cBhvr>
                                         <p:cTn id="17" dur="1000"/>
                                         <p:tgtEl>
-                                          <p:spTgt spid="417"/>
+                                          <p:spTgt spid="433"/>
                                         </p:tgtEl>
                                       </p:cBhvr>
                                     </p:animEffect>
@@ -6258,7 +6258,7 @@
                                       <p:cBhvr>
                                         <p:cTn id="21" fill="hold"/>
                                         <p:tgtEl>
-                                          <p:spTgt spid="415"/>
+                                          <p:spTgt spid="431"/>
                                         </p:tgtEl>
                                         <p:attrNameLst>
                                           <p:attrName>style.visibility</p:attrName>
@@ -6272,7 +6272,7 @@
                                       <p:cBhvr>
                                         <p:cTn id="22" dur="1000"/>
                                         <p:tgtEl>
-                                          <p:spTgt spid="415"/>
+                                          <p:spTgt spid="431"/>
                                         </p:tgtEl>
                                       </p:cBhvr>
                                     </p:animEffect>
@@ -6310,7 +6310,7 @@
                                       <p:cBhvr>
                                         <p:cTn id="26" fill="hold"/>
                                         <p:tgtEl>
-                                          <p:spTgt spid="414"/>
+                                          <p:spTgt spid="430"/>
                                         </p:tgtEl>
                                         <p:attrNameLst>
                                           <p:attrName>style.visibility</p:attrName>
@@ -6324,7 +6324,7 @@
                                       <p:cBhvr>
                                         <p:cTn id="27" dur="1000"/>
                                         <p:tgtEl>
-                                          <p:spTgt spid="414"/>
+                                          <p:spTgt spid="430"/>
                                         </p:tgtEl>
                                       </p:cBhvr>
                                     </p:animEffect>
@@ -6362,7 +6362,7 @@
                                       <p:cBhvr>
                                         <p:cTn id="31" fill="hold"/>
                                         <p:tgtEl>
-                                          <p:spTgt spid="418"/>
+                                          <p:spTgt spid="434"/>
                                         </p:tgtEl>
                                         <p:attrNameLst>
                                           <p:attrName>style.visibility</p:attrName>
@@ -6376,7 +6376,7 @@
                                       <p:cBhvr>
                                         <p:cTn id="32" dur="1000"/>
                                         <p:tgtEl>
-                                          <p:spTgt spid="418"/>
+                                          <p:spTgt spid="434"/>
                                         </p:tgtEl>
                                       </p:cBhvr>
                                     </p:animEffect>
@@ -6411,12 +6411,12 @@
       </p:par>
     </p:tnLst>
     <p:bldLst>
-      <p:bldP build="whole" bldLvl="1" animBg="1" rev="0" advAuto="0" spid="392" grpId="2"/>
-      <p:bldP build="whole" bldLvl="1" animBg="1" rev="0" advAuto="0" spid="414" grpId="5"/>
-      <p:bldP build="whole" bldLvl="1" animBg="1" rev="0" advAuto="0" spid="418" grpId="6"/>
-      <p:bldP build="whole" bldLvl="1" animBg="1" rev="0" advAuto="0" spid="415" grpId="4"/>
-      <p:bldP build="whole" bldLvl="1" animBg="1" rev="0" advAuto="0" spid="409" grpId="1"/>
-      <p:bldP build="whole" bldLvl="1" animBg="1" rev="0" advAuto="0" spid="417" grpId="3"/>
+      <p:bldP build="whole" bldLvl="1" animBg="1" rev="0" advAuto="0" spid="425" grpId="1"/>
+      <p:bldP build="whole" bldLvl="1" animBg="1" rev="0" advAuto="0" spid="433" grpId="3"/>
+      <p:bldP build="whole" bldLvl="1" animBg="1" rev="0" advAuto="0" spid="408" grpId="2"/>
+      <p:bldP build="whole" bldLvl="1" animBg="1" rev="0" advAuto="0" spid="434" grpId="6"/>
+      <p:bldP build="whole" bldLvl="1" animBg="1" rev="0" advAuto="0" spid="431" grpId="4"/>
+      <p:bldP build="whole" bldLvl="1" animBg="1" rev="0" advAuto="0" spid="430" grpId="5"/>
     </p:bldLst>
   </p:timing>
 </p:sld>
@@ -6441,7 +6441,7 @@
       </p:grpSpPr>
       <p:sp>
         <p:nvSpPr>
-          <p:cNvPr id="420" name="Hands on 2"/>
+          <p:cNvPr id="436" name="Hands on 2"/>
           <p:cNvSpPr txBox="1"/>
           <p:nvPr/>
         </p:nvSpPr>
@@ -6486,14 +6486,14 @@
       </p:sp>
       <p:sp>
         <p:nvSpPr>
-          <p:cNvPr id="421" name="四角形"/>
+          <p:cNvPr id="437" name="四角形"/>
           <p:cNvSpPr/>
           <p:nvPr/>
         </p:nvSpPr>
         <p:spPr>
           <a:xfrm>
-            <a:off x="1257300" y="3060700"/>
-            <a:ext cx="7303404" cy="4064000"/>
+            <a:off x="1291040" y="2121973"/>
+            <a:ext cx="7237314" cy="3779673"/>
           </a:xfrm>
           <a:prstGeom prst="rect">
             <a:avLst/>
@@ -6525,14 +6525,14 @@
       </p:sp>
       <p:sp>
         <p:nvSpPr>
-          <p:cNvPr id="422" name="HelloGit.txtを編集してください…"/>
+          <p:cNvPr id="438" name="HelloGit.txtを編集してください…"/>
           <p:cNvSpPr txBox="1"/>
           <p:nvPr/>
         </p:nvSpPr>
         <p:spPr>
           <a:xfrm>
-            <a:off x="1675221" y="3364943"/>
-            <a:ext cx="4740555" cy="4064001"/>
+            <a:off x="1642870" y="2227061"/>
+            <a:ext cx="4740556" cy="4064001"/>
           </a:xfrm>
           <a:prstGeom prst="rect">
             <a:avLst/>
@@ -6632,7 +6632,7 @@
               </a:defRPr>
             </a:pPr>
             <a:r>
-              <a:t>#git reflog</a:t>
+              <a:t>#git log —all</a:t>
             </a:r>
           </a:p>
           <a:p>
@@ -6651,13 +6651,13 @@
       </p:sp>
       <p:sp>
         <p:nvSpPr>
-          <p:cNvPr id="423" name="四角形"/>
+          <p:cNvPr id="439" name="四角形"/>
           <p:cNvSpPr/>
           <p:nvPr/>
         </p:nvSpPr>
         <p:spPr>
           <a:xfrm>
-            <a:off x="9006811" y="3568460"/>
+            <a:off x="8990636" y="2689380"/>
             <a:ext cx="2168129" cy="2871888"/>
           </a:xfrm>
           <a:prstGeom prst="rect">
@@ -6690,13 +6690,13 @@
       </p:sp>
       <p:sp>
         <p:nvSpPr>
-          <p:cNvPr id="424" name="HelloGit.txt"/>
+          <p:cNvPr id="440" name="HelloGit.txt"/>
           <p:cNvSpPr txBox="1"/>
           <p:nvPr/>
         </p:nvSpPr>
         <p:spPr>
           <a:xfrm>
-            <a:off x="8935931" y="2988442"/>
+            <a:off x="8919756" y="2109362"/>
             <a:ext cx="1920241" cy="406400"/>
           </a:xfrm>
           <a:prstGeom prst="rect">
@@ -6726,13 +6726,13 @@
       </p:sp>
       <p:sp>
         <p:nvSpPr>
-          <p:cNvPr id="425" name="I like Git"/>
+          <p:cNvPr id="441" name="I like Git"/>
           <p:cNvSpPr txBox="1"/>
           <p:nvPr/>
         </p:nvSpPr>
         <p:spPr>
           <a:xfrm>
-            <a:off x="9180508" y="3733641"/>
+            <a:off x="9164333" y="2854561"/>
             <a:ext cx="1420369" cy="406400"/>
           </a:xfrm>
           <a:prstGeom prst="rect">
@@ -6762,13 +6762,13 @@
       </p:sp>
       <p:sp>
         <p:nvSpPr>
-          <p:cNvPr id="426" name="Let’s go"/>
+          <p:cNvPr id="442" name="Let’s go"/>
           <p:cNvSpPr txBox="1"/>
           <p:nvPr/>
         </p:nvSpPr>
         <p:spPr>
           <a:xfrm>
-            <a:off x="9195189" y="4190841"/>
+            <a:off x="9179014" y="3311761"/>
             <a:ext cx="1416407" cy="406400"/>
           </a:xfrm>
           <a:prstGeom prst="rect">
@@ -6798,14 +6798,14 @@
       </p:sp>
       <p:sp>
         <p:nvSpPr>
-          <p:cNvPr id="427" name="git status   現在のリポジトリとインディクスもしくは編集分の差分を表示する…"/>
+          <p:cNvPr id="443" name="git status    ・現在いるブランチの表示 ・編集されたファイルの表示 ・trackingされてないファイルの表示 ・インデックスの状態…"/>
           <p:cNvSpPr txBox="1"/>
           <p:nvPr/>
         </p:nvSpPr>
         <p:spPr>
           <a:xfrm>
-            <a:off x="1340482" y="7554850"/>
-            <a:ext cx="12289080" cy="1320801"/>
+            <a:off x="1257020" y="5996492"/>
+            <a:ext cx="10490760" cy="3606801"/>
           </a:xfrm>
           <a:prstGeom prst="rect">
             <a:avLst/>
@@ -6830,7 +6830,23 @@
               <a:buAutoNum type="arabicPeriod" startAt="1"/>
             </a:pPr>
             <a:r>
-              <a:t>git status   現在のリポジトリとインディクスもしくは編集分の差分を表示する      </a:t>
+              <a:t>git status   </a:t>
+            </a:r>
+            <a:br/>
+            <a:r>
+              <a:t>・現在いるブランチの表示</a:t>
+            </a:r>
+            <a:br/>
+            <a:r>
+              <a:t>・編集されたファイルの表示</a:t>
+            </a:r>
+            <a:br/>
+            <a:r>
+              <a:t>・trackingされてないファイルの表示</a:t>
+            </a:r>
+            <a:br/>
+            <a:r>
+              <a:t>・インデックスの状態     </a:t>
             </a:r>
           </a:p>
           <a:p>
@@ -6839,7 +6855,16 @@
               <a:buAutoNum type="arabicPeriod" startAt="1"/>
             </a:pPr>
             <a:r>
-              <a:t>git reflog       過去コミットしたリポジトリの履歴を確認する</a:t>
+              <a:t>git diff.          現在のリポジトリとインデックスもしくは編集分の差分</a:t>
+            </a:r>
+          </a:p>
+          <a:p>
+            <a:pPr marL="476250" indent="-476250" algn="l">
+              <a:buSzPct val="100000"/>
+              <a:buAutoNum type="arabicPeriod" startAt="1"/>
+            </a:pPr>
+            <a:r>
+              <a:t>git log —all       過去コミットしたリポジトリの履歴を確認する</a:t>
             </a:r>
           </a:p>
           <a:p>
@@ -6881,7 +6906,7 @@
       </p:grpSpPr>
       <p:grpSp>
         <p:nvGrpSpPr>
-          <p:cNvPr id="436" name="グループ"/>
+          <p:cNvPr id="452" name="グループ"/>
           <p:cNvGrpSpPr/>
           <p:nvPr/>
         </p:nvGrpSpPr>
@@ -6895,7 +6920,7 @@
         </p:grpSpPr>
         <p:pic>
           <p:nvPicPr>
-            <p:cNvPr id="429" name="brick.jpg" descr="brick.jpg"/>
+            <p:cNvPr id="445" name="brick.jpg" descr="brick.jpg"/>
             <p:cNvPicPr>
               <a:picLocks noChangeAspect="1"/>
             </p:cNvPicPr>
@@ -6926,7 +6951,7 @@
         </p:pic>
         <p:pic>
           <p:nvPicPr>
-            <p:cNvPr id="430" name="brick.jpg" descr="brick.jpg"/>
+            <p:cNvPr id="446" name="brick.jpg" descr="brick.jpg"/>
             <p:cNvPicPr>
               <a:picLocks noChangeAspect="1"/>
             </p:cNvPicPr>
@@ -6957,7 +6982,7 @@
         </p:pic>
         <p:pic>
           <p:nvPicPr>
-            <p:cNvPr id="431" name="brick.jpg" descr="brick.jpg"/>
+            <p:cNvPr id="447" name="brick.jpg" descr="brick.jpg"/>
             <p:cNvPicPr>
               <a:picLocks noChangeAspect="1"/>
             </p:cNvPicPr>
@@ -6988,7 +7013,7 @@
         </p:pic>
         <p:pic>
           <p:nvPicPr>
-            <p:cNvPr id="432" name="brick.jpg" descr="brick.jpg"/>
+            <p:cNvPr id="448" name="brick.jpg" descr="brick.jpg"/>
             <p:cNvPicPr>
               <a:picLocks noChangeAspect="1"/>
             </p:cNvPicPr>
@@ -7019,7 +7044,7 @@
         </p:pic>
         <p:pic>
           <p:nvPicPr>
-            <p:cNvPr id="433" name="brick.jpg" descr="brick.jpg"/>
+            <p:cNvPr id="449" name="brick.jpg" descr="brick.jpg"/>
             <p:cNvPicPr>
               <a:picLocks noChangeAspect="1"/>
             </p:cNvPicPr>
@@ -7050,7 +7075,7 @@
         </p:pic>
         <p:pic>
           <p:nvPicPr>
-            <p:cNvPr id="434" name="brick.jpg" descr="brick.jpg"/>
+            <p:cNvPr id="450" name="brick.jpg" descr="brick.jpg"/>
             <p:cNvPicPr>
               <a:picLocks noChangeAspect="1"/>
             </p:cNvPicPr>
@@ -7081,7 +7106,7 @@
         </p:pic>
         <p:pic>
           <p:nvPicPr>
-            <p:cNvPr id="435" name="brick.jpg" descr="brick.jpg"/>
+            <p:cNvPr id="451" name="brick.jpg" descr="brick.jpg"/>
             <p:cNvPicPr>
               <a:picLocks noChangeAspect="1"/>
             </p:cNvPicPr>
@@ -7113,7 +7138,7 @@
       </p:grpSp>
       <p:grpSp>
         <p:nvGrpSpPr>
-          <p:cNvPr id="439" name="グループ"/>
+          <p:cNvPr id="455" name="グループ"/>
           <p:cNvGrpSpPr/>
           <p:nvPr/>
         </p:nvGrpSpPr>
@@ -7127,7 +7152,7 @@
         </p:grpSpPr>
         <p:pic>
           <p:nvPicPr>
-            <p:cNvPr id="437" name="brickBlue.jpg" descr="brickBlue.jpg"/>
+            <p:cNvPr id="453" name="brickBlue.jpg" descr="brickBlue.jpg"/>
             <p:cNvPicPr>
               <a:picLocks noChangeAspect="1"/>
             </p:cNvPicPr>
@@ -7158,7 +7183,7 @@
         </p:pic>
         <p:pic>
           <p:nvPicPr>
-            <p:cNvPr id="438" name="brickBlue.jpg" descr="brickBlue.jpg"/>
+            <p:cNvPr id="454" name="brickBlue.jpg" descr="brickBlue.jpg"/>
             <p:cNvPicPr>
               <a:picLocks noChangeAspect="1"/>
             </p:cNvPicPr>
@@ -7190,7 +7215,7 @@
       </p:grpSp>
       <p:grpSp>
         <p:nvGrpSpPr>
-          <p:cNvPr id="456" name="グループ"/>
+          <p:cNvPr id="472" name="グループ"/>
           <p:cNvGrpSpPr/>
           <p:nvPr/>
         </p:nvGrpSpPr>
@@ -7204,7 +7229,7 @@
         </p:grpSpPr>
         <p:grpSp>
           <p:nvGrpSpPr>
-            <p:cNvPr id="447" name="グループ"/>
+            <p:cNvPr id="463" name="グループ"/>
             <p:cNvGrpSpPr/>
             <p:nvPr/>
           </p:nvGrpSpPr>
@@ -7218,7 +7243,7 @@
           </p:grpSpPr>
           <p:pic>
             <p:nvPicPr>
-              <p:cNvPr id="440" name="brick.jpg" descr="brick.jpg"/>
+              <p:cNvPr id="456" name="brick.jpg" descr="brick.jpg"/>
               <p:cNvPicPr>
                 <a:picLocks noChangeAspect="1"/>
               </p:cNvPicPr>
@@ -7249,7 +7274,7 @@
           </p:pic>
           <p:pic>
             <p:nvPicPr>
-              <p:cNvPr id="441" name="brick.jpg" descr="brick.jpg"/>
+              <p:cNvPr id="457" name="brick.jpg" descr="brick.jpg"/>
               <p:cNvPicPr>
                 <a:picLocks noChangeAspect="1"/>
               </p:cNvPicPr>
@@ -7280,7 +7305,7 @@
           </p:pic>
           <p:pic>
             <p:nvPicPr>
-              <p:cNvPr id="442" name="brick.jpg" descr="brick.jpg"/>
+              <p:cNvPr id="458" name="brick.jpg" descr="brick.jpg"/>
               <p:cNvPicPr>
                 <a:picLocks noChangeAspect="1"/>
               </p:cNvPicPr>
@@ -7311,7 +7336,7 @@
           </p:pic>
           <p:pic>
             <p:nvPicPr>
-              <p:cNvPr id="443" name="brick.jpg" descr="brick.jpg"/>
+              <p:cNvPr id="459" name="brick.jpg" descr="brick.jpg"/>
               <p:cNvPicPr>
                 <a:picLocks noChangeAspect="1"/>
               </p:cNvPicPr>
@@ -7342,7 +7367,7 @@
           </p:pic>
           <p:pic>
             <p:nvPicPr>
-              <p:cNvPr id="444" name="brick.jpg" descr="brick.jpg"/>
+              <p:cNvPr id="460" name="brick.jpg" descr="brick.jpg"/>
               <p:cNvPicPr>
                 <a:picLocks noChangeAspect="1"/>
               </p:cNvPicPr>
@@ -7373,7 +7398,7 @@
           </p:pic>
           <p:pic>
             <p:nvPicPr>
-              <p:cNvPr id="445" name="brick.jpg" descr="brick.jpg"/>
+              <p:cNvPr id="461" name="brick.jpg" descr="brick.jpg"/>
               <p:cNvPicPr>
                 <a:picLocks noChangeAspect="1"/>
               </p:cNvPicPr>
@@ -7404,7 +7429,7 @@
           </p:pic>
           <p:pic>
             <p:nvPicPr>
-              <p:cNvPr id="446" name="brick.jpg" descr="brick.jpg"/>
+              <p:cNvPr id="462" name="brick.jpg" descr="brick.jpg"/>
               <p:cNvPicPr>
                 <a:picLocks noChangeAspect="1"/>
               </p:cNvPicPr>
@@ -7437,7 +7462,7 @@
         </p:grpSp>
         <p:grpSp>
           <p:nvGrpSpPr>
-            <p:cNvPr id="455" name="グループ"/>
+            <p:cNvPr id="471" name="グループ"/>
             <p:cNvGrpSpPr/>
             <p:nvPr/>
           </p:nvGrpSpPr>
@@ -7451,7 +7476,7 @@
           </p:grpSpPr>
           <p:pic>
             <p:nvPicPr>
-              <p:cNvPr id="448" name="brick.jpg" descr="brick.jpg"/>
+              <p:cNvPr id="464" name="brick.jpg" descr="brick.jpg"/>
               <p:cNvPicPr>
                 <a:picLocks noChangeAspect="1"/>
               </p:cNvPicPr>
@@ -7482,7 +7507,7 @@
           </p:pic>
           <p:pic>
             <p:nvPicPr>
-              <p:cNvPr id="449" name="brick.jpg" descr="brick.jpg"/>
+              <p:cNvPr id="465" name="brick.jpg" descr="brick.jpg"/>
               <p:cNvPicPr>
                 <a:picLocks noChangeAspect="1"/>
               </p:cNvPicPr>
@@ -7513,7 +7538,7 @@
           </p:pic>
           <p:pic>
             <p:nvPicPr>
-              <p:cNvPr id="450" name="brick.jpg" descr="brick.jpg"/>
+              <p:cNvPr id="466" name="brick.jpg" descr="brick.jpg"/>
               <p:cNvPicPr>
                 <a:picLocks noChangeAspect="1"/>
               </p:cNvPicPr>
@@ -7544,7 +7569,7 @@
           </p:pic>
           <p:pic>
             <p:nvPicPr>
-              <p:cNvPr id="451" name="brick.jpg" descr="brick.jpg"/>
+              <p:cNvPr id="467" name="brick.jpg" descr="brick.jpg"/>
               <p:cNvPicPr>
                 <a:picLocks noChangeAspect="1"/>
               </p:cNvPicPr>
@@ -7575,7 +7600,7 @@
           </p:pic>
           <p:pic>
             <p:nvPicPr>
-              <p:cNvPr id="452" name="brick.jpg" descr="brick.jpg"/>
+              <p:cNvPr id="468" name="brick.jpg" descr="brick.jpg"/>
               <p:cNvPicPr>
                 <a:picLocks noChangeAspect="1"/>
               </p:cNvPicPr>
@@ -7606,7 +7631,7 @@
           </p:pic>
           <p:pic>
             <p:nvPicPr>
-              <p:cNvPr id="453" name="brick.jpg" descr="brick.jpg"/>
+              <p:cNvPr id="469" name="brick.jpg" descr="brick.jpg"/>
               <p:cNvPicPr>
                 <a:picLocks noChangeAspect="1"/>
               </p:cNvPicPr>
@@ -7637,7 +7662,7 @@
           </p:pic>
           <p:pic>
             <p:nvPicPr>
-              <p:cNvPr id="454" name="brick.jpg" descr="brick.jpg"/>
+              <p:cNvPr id="470" name="brick.jpg" descr="brick.jpg"/>
               <p:cNvPicPr>
                 <a:picLocks noChangeAspect="1"/>
               </p:cNvPicPr>
@@ -7670,7 +7695,7 @@
       </p:grpSp>
       <p:grpSp>
         <p:nvGrpSpPr>
-          <p:cNvPr id="459" name="グループ"/>
+          <p:cNvPr id="475" name="グループ"/>
           <p:cNvGrpSpPr/>
           <p:nvPr/>
         </p:nvGrpSpPr>
@@ -7684,7 +7709,7 @@
         </p:grpSpPr>
         <p:pic>
           <p:nvPicPr>
-            <p:cNvPr id="457" name="brickBlue.jpg" descr="brickBlue.jpg"/>
+            <p:cNvPr id="473" name="brickBlue.jpg" descr="brickBlue.jpg"/>
             <p:cNvPicPr>
               <a:picLocks noChangeAspect="1"/>
             </p:cNvPicPr>
@@ -7715,7 +7740,7 @@
         </p:pic>
         <p:pic>
           <p:nvPicPr>
-            <p:cNvPr id="458" name="brickBlue.jpg" descr="brickBlue.jpg"/>
+            <p:cNvPr id="474" name="brickBlue.jpg" descr="brickBlue.jpg"/>
             <p:cNvPicPr>
               <a:picLocks noChangeAspect="1"/>
             </p:cNvPicPr>
@@ -7747,7 +7772,7 @@
       </p:grpSp>
       <p:pic>
         <p:nvPicPr>
-          <p:cNvPr id="460" name="brickBlue.jpg" descr="brickBlue.jpg"/>
+          <p:cNvPr id="476" name="brickBlue.jpg" descr="brickBlue.jpg"/>
           <p:cNvPicPr>
             <a:picLocks noChangeAspect="1"/>
           </p:cNvPicPr>
@@ -7776,7 +7801,7 @@
       </p:pic>
       <p:pic>
         <p:nvPicPr>
-          <p:cNvPr id="461" name="brickBlue.jpg" descr="brickBlue.jpg"/>
+          <p:cNvPr id="477" name="brickBlue.jpg" descr="brickBlue.jpg"/>
           <p:cNvPicPr>
             <a:picLocks noChangeAspect="1"/>
           </p:cNvPicPr>
@@ -7805,7 +7830,7 @@
       </p:pic>
       <p:pic>
         <p:nvPicPr>
-          <p:cNvPr id="462" name="brickBlue.jpg" descr="brickBlue.jpg"/>
+          <p:cNvPr id="478" name="brickBlue.jpg" descr="brickBlue.jpg"/>
           <p:cNvPicPr>
             <a:picLocks noChangeAspect="1"/>
           </p:cNvPicPr>
@@ -7834,7 +7859,7 @@
       </p:pic>
       <p:grpSp>
         <p:nvGrpSpPr>
-          <p:cNvPr id="465" name="グループ"/>
+          <p:cNvPr id="481" name="グループ"/>
           <p:cNvGrpSpPr/>
           <p:nvPr/>
         </p:nvGrpSpPr>
@@ -7848,7 +7873,7 @@
         </p:grpSpPr>
         <p:pic>
           <p:nvPicPr>
-            <p:cNvPr id="463" name="brickYellow.jpg" descr="brickYellow.jpg"/>
+            <p:cNvPr id="479" name="brickYellow.jpg" descr="brickYellow.jpg"/>
             <p:cNvPicPr>
               <a:picLocks noChangeAspect="0"/>
             </p:cNvPicPr>
@@ -7880,7 +7905,7 @@
         </p:pic>
         <p:pic>
           <p:nvPicPr>
-            <p:cNvPr id="464" name="brickYellow.jpg" descr="brickYellow.jpg"/>
+            <p:cNvPr id="480" name="brickYellow.jpg" descr="brickYellow.jpg"/>
             <p:cNvPicPr>
               <a:picLocks noChangeAspect="0"/>
             </p:cNvPicPr>
@@ -7913,7 +7938,7 @@
       </p:grpSp>
       <p:grpSp>
         <p:nvGrpSpPr>
-          <p:cNvPr id="468" name="グループ"/>
+          <p:cNvPr id="484" name="グループ"/>
           <p:cNvGrpSpPr/>
           <p:nvPr/>
         </p:nvGrpSpPr>
@@ -7927,7 +7952,7 @@
         </p:grpSpPr>
         <p:pic>
           <p:nvPicPr>
-            <p:cNvPr id="466" name="brickYellow.jpg" descr="brickYellow.jpg"/>
+            <p:cNvPr id="482" name="brickYellow.jpg" descr="brickYellow.jpg"/>
             <p:cNvPicPr>
               <a:picLocks noChangeAspect="0"/>
             </p:cNvPicPr>
@@ -7959,7 +7984,7 @@
         </p:pic>
         <p:pic>
           <p:nvPicPr>
-            <p:cNvPr id="467" name="brickYellow.jpg" descr="brickYellow.jpg"/>
+            <p:cNvPr id="483" name="brickYellow.jpg" descr="brickYellow.jpg"/>
             <p:cNvPicPr>
               <a:picLocks noChangeAspect="0"/>
             </p:cNvPicPr>
@@ -7992,7 +8017,7 @@
       </p:grpSp>
       <p:pic>
         <p:nvPicPr>
-          <p:cNvPr id="469" name="brickYellow.jpg" descr="brickYellow.jpg"/>
+          <p:cNvPr id="485" name="brickYellow.jpg" descr="brickYellow.jpg"/>
           <p:cNvPicPr>
             <a:picLocks noChangeAspect="0"/>
           </p:cNvPicPr>
@@ -8022,7 +8047,7 @@
       </p:pic>
       <p:pic>
         <p:nvPicPr>
-          <p:cNvPr id="470" name="brickYellow.jpg" descr="brickYellow.jpg"/>
+          <p:cNvPr id="486" name="brickYellow.jpg" descr="brickYellow.jpg"/>
           <p:cNvPicPr>
             <a:picLocks noChangeAspect="0"/>
           </p:cNvPicPr>
@@ -8052,7 +8077,7 @@
       </p:pic>
       <p:sp>
         <p:nvSpPr>
-          <p:cNvPr id="471" name="Gitの同時開発"/>
+          <p:cNvPr id="487" name="Gitの同時開発"/>
           <p:cNvSpPr txBox="1"/>
           <p:nvPr>
             <p:ph type="ctrTitle"/>
@@ -8117,7 +8142,7 @@
                                       <p:cBhvr>
                                         <p:cTn id="6" fill="hold"/>
                                         <p:tgtEl>
-                                          <p:spTgt spid="436"/>
+                                          <p:spTgt spid="452"/>
                                         </p:tgtEl>
                                         <p:attrNameLst>
                                           <p:attrName>style.visibility</p:attrName>
@@ -8131,7 +8156,7 @@
                                       <p:cBhvr>
                                         <p:cTn id="7" dur="1000"/>
                                         <p:tgtEl>
-                                          <p:spTgt spid="436"/>
+                                          <p:spTgt spid="452"/>
                                         </p:tgtEl>
                                       </p:cBhvr>
                                     </p:animEffect>
@@ -8169,7 +8194,7 @@
                                       <p:cBhvr>
                                         <p:cTn id="11" dur="1000" fill="hold"/>
                                         <p:tgtEl>
-                                          <p:spTgt spid="436"/>
+                                          <p:spTgt spid="452"/>
                                         </p:tgtEl>
                                       </p:cBhvr>
                                     </p:animEffect>
@@ -8181,7 +8206,7 @@
                                           </p:stCondLst>
                                         </p:cTn>
                                         <p:tgtEl>
-                                          <p:spTgt spid="436"/>
+                                          <p:spTgt spid="452"/>
                                         </p:tgtEl>
                                         <p:attrNameLst>
                                           <p:attrName>style.visibility</p:attrName>
@@ -8225,7 +8250,7 @@
                                       <p:cBhvr>
                                         <p:cTn id="16" fill="hold"/>
                                         <p:tgtEl>
-                                          <p:spTgt spid="456"/>
+                                          <p:spTgt spid="472"/>
                                         </p:tgtEl>
                                         <p:attrNameLst>
                                           <p:attrName>style.visibility</p:attrName>
@@ -8239,7 +8264,7 @@
                                       <p:cBhvr>
                                         <p:cTn id="17" dur="1000"/>
                                         <p:tgtEl>
-                                          <p:spTgt spid="456"/>
+                                          <p:spTgt spid="472"/>
                                         </p:tgtEl>
                                       </p:cBhvr>
                                     </p:animEffect>
@@ -8277,7 +8302,7 @@
                                       <p:cBhvr>
                                         <p:cTn id="21" fill="hold"/>
                                         <p:tgtEl>
-                                          <p:spTgt spid="439"/>
+                                          <p:spTgt spid="455"/>
                                         </p:tgtEl>
                                         <p:attrNameLst>
                                           <p:attrName>style.visibility</p:attrName>
@@ -8291,7 +8316,7 @@
                                       <p:cBhvr>
                                         <p:cTn id="22" dur="1000"/>
                                         <p:tgtEl>
-                                          <p:spTgt spid="439"/>
+                                          <p:spTgt spid="455"/>
                                         </p:tgtEl>
                                       </p:cBhvr>
                                     </p:animEffect>
@@ -8329,7 +8354,7 @@
                                       <p:cBhvr>
                                         <p:cTn id="26" fill="hold"/>
                                         <p:tgtEl>
-                                          <p:spTgt spid="465"/>
+                                          <p:spTgt spid="481"/>
                                         </p:tgtEl>
                                         <p:attrNameLst>
                                           <p:attrName>style.visibility</p:attrName>
@@ -8343,7 +8368,7 @@
                                       <p:cBhvr>
                                         <p:cTn id="27" dur="1000"/>
                                         <p:tgtEl>
-                                          <p:spTgt spid="465"/>
+                                          <p:spTgt spid="481"/>
                                         </p:tgtEl>
                                       </p:cBhvr>
                                     </p:animEffect>
@@ -8381,7 +8406,7 @@
                                       <p:cBhvr>
                                         <p:cTn id="31" fill="hold"/>
                                         <p:tgtEl>
-                                          <p:spTgt spid="459"/>
+                                          <p:spTgt spid="475"/>
                                         </p:tgtEl>
                                         <p:attrNameLst>
                                           <p:attrName>style.visibility</p:attrName>
@@ -8395,7 +8420,7 @@
                                       <p:cBhvr>
                                         <p:cTn id="32" dur="1000"/>
                                         <p:tgtEl>
-                                          <p:spTgt spid="459"/>
+                                          <p:spTgt spid="475"/>
                                         </p:tgtEl>
                                       </p:cBhvr>
                                     </p:animEffect>
@@ -8433,7 +8458,7 @@
                                       <p:cBhvr>
                                         <p:cTn id="36" fill="hold"/>
                                         <p:tgtEl>
-                                          <p:spTgt spid="468"/>
+                                          <p:spTgt spid="484"/>
                                         </p:tgtEl>
                                         <p:attrNameLst>
                                           <p:attrName>style.visibility</p:attrName>
@@ -8447,7 +8472,7 @@
                                       <p:cBhvr>
                                         <p:cTn id="37" dur="1000"/>
                                         <p:tgtEl>
-                                          <p:spTgt spid="468"/>
+                                          <p:spTgt spid="484"/>
                                         </p:tgtEl>
                                       </p:cBhvr>
                                     </p:animEffect>
@@ -8485,7 +8510,7 @@
                                       <p:cBhvr>
                                         <p:cTn id="41" fill="hold"/>
                                         <p:tgtEl>
-                                          <p:spTgt spid="460"/>
+                                          <p:spTgt spid="476"/>
                                         </p:tgtEl>
                                         <p:attrNameLst>
                                           <p:attrName>style.visibility</p:attrName>
@@ -8499,7 +8524,7 @@
                                       <p:cBhvr>
                                         <p:cTn id="42" dur="1000"/>
                                         <p:tgtEl>
-                                          <p:spTgt spid="460"/>
+                                          <p:spTgt spid="476"/>
                                         </p:tgtEl>
                                       </p:cBhvr>
                                     </p:animEffect>
@@ -8537,7 +8562,7 @@
                                       <p:cBhvr>
                                         <p:cTn id="46" fill="hold"/>
                                         <p:tgtEl>
-                                          <p:spTgt spid="461"/>
+                                          <p:spTgt spid="477"/>
                                         </p:tgtEl>
                                         <p:attrNameLst>
                                           <p:attrName>style.visibility</p:attrName>
@@ -8551,7 +8576,7 @@
                                       <p:cBhvr>
                                         <p:cTn id="47" dur="1000"/>
                                         <p:tgtEl>
-                                          <p:spTgt spid="461"/>
+                                          <p:spTgt spid="477"/>
                                         </p:tgtEl>
                                       </p:cBhvr>
                                     </p:animEffect>
@@ -8589,7 +8614,7 @@
                                       <p:cBhvr>
                                         <p:cTn id="51" fill="hold"/>
                                         <p:tgtEl>
-                                          <p:spTgt spid="462"/>
+                                          <p:spTgt spid="478"/>
                                         </p:tgtEl>
                                         <p:attrNameLst>
                                           <p:attrName>style.visibility</p:attrName>
@@ -8603,7 +8628,7 @@
                                       <p:cBhvr>
                                         <p:cTn id="52" dur="1000"/>
                                         <p:tgtEl>
-                                          <p:spTgt spid="462"/>
+                                          <p:spTgt spid="478"/>
                                         </p:tgtEl>
                                       </p:cBhvr>
                                     </p:animEffect>
@@ -8641,7 +8666,7 @@
                                       <p:cBhvr>
                                         <p:cTn id="56" fill="hold"/>
                                         <p:tgtEl>
-                                          <p:spTgt spid="470"/>
+                                          <p:spTgt spid="486"/>
                                         </p:tgtEl>
                                         <p:attrNameLst>
                                           <p:attrName>style.visibility</p:attrName>
@@ -8655,7 +8680,7 @@
                                       <p:cBhvr>
                                         <p:cTn id="57" dur="1000"/>
                                         <p:tgtEl>
-                                          <p:spTgt spid="470"/>
+                                          <p:spTgt spid="486"/>
                                         </p:tgtEl>
                                       </p:cBhvr>
                                     </p:animEffect>
@@ -8693,7 +8718,7 @@
                                       <p:cBhvr>
                                         <p:cTn id="61" fill="hold"/>
                                         <p:tgtEl>
-                                          <p:spTgt spid="469"/>
+                                          <p:spTgt spid="485"/>
                                         </p:tgtEl>
                                         <p:attrNameLst>
                                           <p:attrName>style.visibility</p:attrName>
@@ -8707,7 +8732,7 @@
                                       <p:cBhvr>
                                         <p:cTn id="62" dur="1000"/>
                                         <p:tgtEl>
-                                          <p:spTgt spid="469"/>
+                                          <p:spTgt spid="485"/>
                                         </p:tgtEl>
                                       </p:cBhvr>
                                     </p:animEffect>
@@ -8742,18 +8767,18 @@
       </p:par>
     </p:tnLst>
     <p:bldLst>
-      <p:bldP build="whole" bldLvl="1" animBg="1" rev="0" advAuto="0" spid="468" grpId="7"/>
-      <p:bldP build="whole" bldLvl="1" animBg="1" rev="0" advAuto="0" spid="456" grpId="3"/>
-      <p:bldP build="whole" bldLvl="1" animBg="1" rev="0" advAuto="0" spid="439" grpId="4"/>
-      <p:bldP build="whole" bldLvl="1" animBg="1" rev="0" advAuto="0" spid="465" grpId="5"/>
-      <p:bldP build="whole" bldLvl="1" animBg="1" rev="0" advAuto="0" spid="460" grpId="8"/>
-      <p:bldP build="whole" bldLvl="1" animBg="1" rev="0" advAuto="0" spid="462" grpId="10"/>
-      <p:bldP build="whole" bldLvl="1" animBg="1" rev="0" advAuto="0" spid="461" grpId="9"/>
-      <p:bldP build="whole" bldLvl="1" animBg="1" rev="0" advAuto="0" spid="436" grpId="1"/>
-      <p:bldP build="whole" bldLvl="1" animBg="1" rev="0" advAuto="0" spid="459" grpId="6"/>
-      <p:bldP build="whole" bldLvl="1" animBg="1" rev="0" advAuto="0" spid="436" grpId="2"/>
-      <p:bldP build="whole" bldLvl="1" animBg="1" rev="0" advAuto="0" spid="469" grpId="12"/>
-      <p:bldP build="whole" bldLvl="1" animBg="1" rev="0" advAuto="0" spid="470" grpId="11"/>
+      <p:bldP build="whole" bldLvl="1" animBg="1" rev="0" advAuto="0" spid="485" grpId="12"/>
+      <p:bldP build="whole" bldLvl="1" animBg="1" rev="0" advAuto="0" spid="475" grpId="6"/>
+      <p:bldP build="whole" bldLvl="1" animBg="1" rev="0" advAuto="0" spid="484" grpId="7"/>
+      <p:bldP build="whole" bldLvl="1" animBg="1" rev="0" advAuto="0" spid="477" grpId="9"/>
+      <p:bldP build="whole" bldLvl="1" animBg="1" rev="0" advAuto="0" spid="472" grpId="3"/>
+      <p:bldP build="whole" bldLvl="1" animBg="1" rev="0" advAuto="0" spid="478" grpId="10"/>
+      <p:bldP build="whole" bldLvl="1" animBg="1" rev="0" advAuto="0" spid="455" grpId="4"/>
+      <p:bldP build="whole" bldLvl="1" animBg="1" rev="0" advAuto="0" spid="486" grpId="11"/>
+      <p:bldP build="whole" bldLvl="1" animBg="1" rev="0" advAuto="0" spid="476" grpId="8"/>
+      <p:bldP build="whole" bldLvl="1" animBg="1" rev="0" advAuto="0" spid="481" grpId="5"/>
+      <p:bldP build="whole" bldLvl="1" animBg="1" rev="0" advAuto="0" spid="452" grpId="1"/>
+      <p:bldP build="whole" bldLvl="1" animBg="1" rev="0" advAuto="0" spid="452" grpId="2"/>
     </p:bldLst>
   </p:timing>
 </p:sld>
@@ -8778,475 +8803,13 @@
       </p:grpSpPr>
       <p:grpSp>
         <p:nvGrpSpPr>
-          <p:cNvPr id="480" name="グループ"/>
+          <p:cNvPr id="496" name="グループ"/>
           <p:cNvGrpSpPr/>
           <p:nvPr/>
         </p:nvGrpSpPr>
         <p:grpSpPr>
           <a:xfrm>
             <a:off x="1729495" y="4957079"/>
-            <a:ext cx="3505201" cy="500882"/>
-            <a:chOff x="0" y="0"/>
-            <a:chExt cx="3505200" cy="500880"/>
-          </a:xfrm>
-        </p:grpSpPr>
-        <p:pic>
-          <p:nvPicPr>
-            <p:cNvPr id="473" name="brick.jpg" descr="brick.jpg"/>
-            <p:cNvPicPr>
-              <a:picLocks noChangeAspect="1"/>
-            </p:cNvPicPr>
-            <p:nvPr/>
-          </p:nvPicPr>
-          <p:blipFill>
-            <a:blip r:embed="rId2">
-              <a:extLst/>
-            </a:blip>
-            <a:stretch>
-              <a:fillRect/>
-            </a:stretch>
-          </p:blipFill>
-          <p:spPr>
-            <a:xfrm>
-              <a:off x="0" y="279400"/>
-              <a:ext cx="762000" cy="221481"/>
-            </a:xfrm>
-            <a:prstGeom prst="rect">
-              <a:avLst/>
-            </a:prstGeom>
-            <a:ln w="12700" cap="flat">
-              <a:noFill/>
-              <a:miter lim="400000"/>
-            </a:ln>
-            <a:effectLst/>
-          </p:spPr>
-        </p:pic>
-        <p:pic>
-          <p:nvPicPr>
-            <p:cNvPr id="474" name="brick.jpg" descr="brick.jpg"/>
-            <p:cNvPicPr>
-              <a:picLocks noChangeAspect="1"/>
-            </p:cNvPicPr>
-            <p:nvPr/>
-          </p:nvPicPr>
-          <p:blipFill>
-            <a:blip r:embed="rId2">
-              <a:extLst/>
-            </a:blip>
-            <a:stretch>
-              <a:fillRect/>
-            </a:stretch>
-          </p:blipFill>
-          <p:spPr>
-            <a:xfrm>
-              <a:off x="914399" y="279400"/>
-              <a:ext cx="762001" cy="221481"/>
-            </a:xfrm>
-            <a:prstGeom prst="rect">
-              <a:avLst/>
-            </a:prstGeom>
-            <a:ln w="12700" cap="flat">
-              <a:noFill/>
-              <a:miter lim="400000"/>
-            </a:ln>
-            <a:effectLst/>
-          </p:spPr>
-        </p:pic>
-        <p:pic>
-          <p:nvPicPr>
-            <p:cNvPr id="475" name="brick.jpg" descr="brick.jpg"/>
-            <p:cNvPicPr>
-              <a:picLocks noChangeAspect="1"/>
-            </p:cNvPicPr>
-            <p:nvPr/>
-          </p:nvPicPr>
-          <p:blipFill>
-            <a:blip r:embed="rId2">
-              <a:extLst/>
-            </a:blip>
-            <a:stretch>
-              <a:fillRect/>
-            </a:stretch>
-          </p:blipFill>
-          <p:spPr>
-            <a:xfrm>
-              <a:off x="1828800" y="279400"/>
-              <a:ext cx="762000" cy="221481"/>
-            </a:xfrm>
-            <a:prstGeom prst="rect">
-              <a:avLst/>
-            </a:prstGeom>
-            <a:ln w="12700" cap="flat">
-              <a:noFill/>
-              <a:miter lim="400000"/>
-            </a:ln>
-            <a:effectLst/>
-          </p:spPr>
-        </p:pic>
-        <p:pic>
-          <p:nvPicPr>
-            <p:cNvPr id="476" name="brick.jpg" descr="brick.jpg"/>
-            <p:cNvPicPr>
-              <a:picLocks noChangeAspect="1"/>
-            </p:cNvPicPr>
-            <p:nvPr/>
-          </p:nvPicPr>
-          <p:blipFill>
-            <a:blip r:embed="rId2">
-              <a:extLst/>
-            </a:blip>
-            <a:stretch>
-              <a:fillRect/>
-            </a:stretch>
-          </p:blipFill>
-          <p:spPr>
-            <a:xfrm>
-              <a:off x="2743200" y="279400"/>
-              <a:ext cx="762000" cy="221481"/>
-            </a:xfrm>
-            <a:prstGeom prst="rect">
-              <a:avLst/>
-            </a:prstGeom>
-            <a:ln w="12700" cap="flat">
-              <a:noFill/>
-              <a:miter lim="400000"/>
-            </a:ln>
-            <a:effectLst/>
-          </p:spPr>
-        </p:pic>
-        <p:pic>
-          <p:nvPicPr>
-            <p:cNvPr id="477" name="brick.jpg" descr="brick.jpg"/>
-            <p:cNvPicPr>
-              <a:picLocks noChangeAspect="1"/>
-            </p:cNvPicPr>
-            <p:nvPr/>
-          </p:nvPicPr>
-          <p:blipFill>
-            <a:blip r:embed="rId2">
-              <a:extLst/>
-            </a:blip>
-            <a:stretch>
-              <a:fillRect/>
-            </a:stretch>
-          </p:blipFill>
-          <p:spPr>
-            <a:xfrm>
-              <a:off x="457199" y="0"/>
-              <a:ext cx="762001" cy="221481"/>
-            </a:xfrm>
-            <a:prstGeom prst="rect">
-              <a:avLst/>
-            </a:prstGeom>
-            <a:ln w="12700" cap="flat">
-              <a:noFill/>
-              <a:miter lim="400000"/>
-            </a:ln>
-            <a:effectLst/>
-          </p:spPr>
-        </p:pic>
-        <p:pic>
-          <p:nvPicPr>
-            <p:cNvPr id="478" name="brick.jpg" descr="brick.jpg"/>
-            <p:cNvPicPr>
-              <a:picLocks noChangeAspect="1"/>
-            </p:cNvPicPr>
-            <p:nvPr/>
-          </p:nvPicPr>
-          <p:blipFill>
-            <a:blip r:embed="rId2">
-              <a:extLst/>
-            </a:blip>
-            <a:stretch>
-              <a:fillRect/>
-            </a:stretch>
-          </p:blipFill>
-          <p:spPr>
-            <a:xfrm>
-              <a:off x="1371599" y="0"/>
-              <a:ext cx="762001" cy="221481"/>
-            </a:xfrm>
-            <a:prstGeom prst="rect">
-              <a:avLst/>
-            </a:prstGeom>
-            <a:ln w="12700" cap="flat">
-              <a:noFill/>
-              <a:miter lim="400000"/>
-            </a:ln>
-            <a:effectLst/>
-          </p:spPr>
-        </p:pic>
-        <p:pic>
-          <p:nvPicPr>
-            <p:cNvPr id="479" name="brick.jpg" descr="brick.jpg"/>
-            <p:cNvPicPr>
-              <a:picLocks noChangeAspect="1"/>
-            </p:cNvPicPr>
-            <p:nvPr/>
-          </p:nvPicPr>
-          <p:blipFill>
-            <a:blip r:embed="rId2">
-              <a:extLst/>
-            </a:blip>
-            <a:stretch>
-              <a:fillRect/>
-            </a:stretch>
-          </p:blipFill>
-          <p:spPr>
-            <a:xfrm>
-              <a:off x="2286000" y="0"/>
-              <a:ext cx="762000" cy="221481"/>
-            </a:xfrm>
-            <a:prstGeom prst="rect">
-              <a:avLst/>
-            </a:prstGeom>
-            <a:ln w="12700" cap="flat">
-              <a:noFill/>
-              <a:miter lim="400000"/>
-            </a:ln>
-            <a:effectLst/>
-          </p:spPr>
-        </p:pic>
-      </p:grpSp>
-      <p:grpSp>
-        <p:nvGrpSpPr>
-          <p:cNvPr id="485" name="グループ"/>
-          <p:cNvGrpSpPr/>
-          <p:nvPr/>
-        </p:nvGrpSpPr>
-        <p:grpSpPr>
-          <a:xfrm>
-            <a:off x="2427995" y="4397292"/>
-            <a:ext cx="1676401" cy="501309"/>
-            <a:chOff x="0" y="0"/>
-            <a:chExt cx="1676400" cy="501308"/>
-          </a:xfrm>
-        </p:grpSpPr>
-        <p:pic>
-          <p:nvPicPr>
-            <p:cNvPr id="481" name="brickBlue.jpg" descr="brickBlue.jpg"/>
-            <p:cNvPicPr>
-              <a:picLocks noChangeAspect="1"/>
-            </p:cNvPicPr>
-            <p:nvPr/>
-          </p:nvPicPr>
-          <p:blipFill>
-            <a:blip r:embed="rId3">
-              <a:extLst/>
-            </a:blip>
-            <a:srcRect l="0" t="0" r="0" b="0"/>
-            <a:stretch>
-              <a:fillRect/>
-            </a:stretch>
-          </p:blipFill>
-          <p:spPr>
-            <a:xfrm>
-              <a:off x="0" y="279827"/>
-              <a:ext cx="762000" cy="221482"/>
-            </a:xfrm>
-            <a:prstGeom prst="rect">
-              <a:avLst/>
-            </a:prstGeom>
-            <a:ln w="12700" cap="flat">
-              <a:noFill/>
-              <a:miter lim="400000"/>
-            </a:ln>
-            <a:effectLst/>
-          </p:spPr>
-        </p:pic>
-        <p:pic>
-          <p:nvPicPr>
-            <p:cNvPr id="482" name="brickBlue.jpg" descr="brickBlue.jpg"/>
-            <p:cNvPicPr>
-              <a:picLocks noChangeAspect="1"/>
-            </p:cNvPicPr>
-            <p:nvPr/>
-          </p:nvPicPr>
-          <p:blipFill>
-            <a:blip r:embed="rId3">
-              <a:extLst/>
-            </a:blip>
-            <a:srcRect l="0" t="0" r="0" b="0"/>
-            <a:stretch>
-              <a:fillRect/>
-            </a:stretch>
-          </p:blipFill>
-          <p:spPr>
-            <a:xfrm>
-              <a:off x="914400" y="279827"/>
-              <a:ext cx="762001" cy="221482"/>
-            </a:xfrm>
-            <a:prstGeom prst="rect">
-              <a:avLst/>
-            </a:prstGeom>
-            <a:ln w="12700" cap="flat">
-              <a:noFill/>
-              <a:miter lim="400000"/>
-            </a:ln>
-            <a:effectLst/>
-          </p:spPr>
-        </p:pic>
-        <p:pic>
-          <p:nvPicPr>
-            <p:cNvPr id="483" name="brickBlue.jpg" descr="brickBlue.jpg"/>
-            <p:cNvPicPr>
-              <a:picLocks noChangeAspect="1"/>
-            </p:cNvPicPr>
-            <p:nvPr/>
-          </p:nvPicPr>
-          <p:blipFill>
-            <a:blip r:embed="rId3">
-              <a:extLst/>
-            </a:blip>
-            <a:srcRect l="0" t="0" r="0" b="0"/>
-            <a:stretch>
-              <a:fillRect/>
-            </a:stretch>
-          </p:blipFill>
-          <p:spPr>
-            <a:xfrm>
-              <a:off x="0" y="0"/>
-              <a:ext cx="762000" cy="221481"/>
-            </a:xfrm>
-            <a:prstGeom prst="rect">
-              <a:avLst/>
-            </a:prstGeom>
-            <a:ln w="12700" cap="flat">
-              <a:noFill/>
-              <a:miter lim="400000"/>
-            </a:ln>
-            <a:effectLst/>
-          </p:spPr>
-        </p:pic>
-        <p:pic>
-          <p:nvPicPr>
-            <p:cNvPr id="484" name="brickBlue.jpg" descr="brickBlue.jpg"/>
-            <p:cNvPicPr>
-              <a:picLocks noChangeAspect="1"/>
-            </p:cNvPicPr>
-            <p:nvPr/>
-          </p:nvPicPr>
-          <p:blipFill>
-            <a:blip r:embed="rId3">
-              <a:extLst/>
-            </a:blip>
-            <a:srcRect l="0" t="0" r="0" b="0"/>
-            <a:stretch>
-              <a:fillRect/>
-            </a:stretch>
-          </p:blipFill>
-          <p:spPr>
-            <a:xfrm>
-              <a:off x="914400" y="0"/>
-              <a:ext cx="762001" cy="221481"/>
-            </a:xfrm>
-            <a:prstGeom prst="rect">
-              <a:avLst/>
-            </a:prstGeom>
-            <a:ln w="12700" cap="flat">
-              <a:noFill/>
-              <a:miter lim="400000"/>
-            </a:ln>
-            <a:effectLst/>
-          </p:spPr>
-        </p:pic>
-      </p:grpSp>
-      <p:pic>
-        <p:nvPicPr>
-          <p:cNvPr id="486" name="brickBlue.jpg" descr="brickBlue.jpg"/>
-          <p:cNvPicPr>
-            <a:picLocks noChangeAspect="1"/>
-          </p:cNvPicPr>
-          <p:nvPr/>
-        </p:nvPicPr>
-        <p:blipFill>
-          <a:blip r:embed="rId3">
-            <a:extLst/>
-          </a:blip>
-          <a:stretch>
-            <a:fillRect/>
-          </a:stretch>
-        </p:blipFill>
-        <p:spPr>
-          <a:xfrm>
-            <a:off x="2885195" y="4117917"/>
-            <a:ext cx="762001" cy="221482"/>
-          </a:xfrm>
-          <a:prstGeom prst="rect">
-            <a:avLst/>
-          </a:prstGeom>
-          <a:ln w="12700">
-            <a:miter lim="400000"/>
-          </a:ln>
-        </p:spPr>
-      </p:pic>
-      <p:pic>
-        <p:nvPicPr>
-          <p:cNvPr id="487" name="brickBlue.jpg" descr="brickBlue.jpg"/>
-          <p:cNvPicPr>
-            <a:picLocks noChangeAspect="1"/>
-          </p:cNvPicPr>
-          <p:nvPr/>
-        </p:nvPicPr>
-        <p:blipFill>
-          <a:blip r:embed="rId3">
-            <a:extLst/>
-          </a:blip>
-          <a:stretch>
-            <a:fillRect/>
-          </a:stretch>
-        </p:blipFill>
-        <p:spPr>
-          <a:xfrm>
-            <a:off x="2885195" y="3838089"/>
-            <a:ext cx="762001" cy="221482"/>
-          </a:xfrm>
-          <a:prstGeom prst="rect">
-            <a:avLst/>
-          </a:prstGeom>
-          <a:ln w="12700">
-            <a:miter lim="400000"/>
-          </a:ln>
-        </p:spPr>
-      </p:pic>
-      <p:pic>
-        <p:nvPicPr>
-          <p:cNvPr id="488" name="brickBlue.jpg" descr="brickBlue.jpg"/>
-          <p:cNvPicPr>
-            <a:picLocks noChangeAspect="1"/>
-          </p:cNvPicPr>
-          <p:nvPr/>
-        </p:nvPicPr>
-        <p:blipFill>
-          <a:blip r:embed="rId3">
-            <a:extLst/>
-          </a:blip>
-          <a:stretch>
-            <a:fillRect/>
-          </a:stretch>
-        </p:blipFill>
-        <p:spPr>
-          <a:xfrm>
-            <a:off x="2885195" y="3558714"/>
-            <a:ext cx="762001" cy="221482"/>
-          </a:xfrm>
-          <a:prstGeom prst="rect">
-            <a:avLst/>
-          </a:prstGeom>
-          <a:ln w="12700">
-            <a:miter lim="400000"/>
-          </a:ln>
-        </p:spPr>
-      </p:pic>
-      <p:grpSp>
-        <p:nvGrpSpPr>
-          <p:cNvPr id="496" name="グループ"/>
-          <p:cNvGrpSpPr/>
-          <p:nvPr/>
-        </p:nvGrpSpPr>
-        <p:grpSpPr>
-          <a:xfrm>
-            <a:off x="1729495" y="8525195"/>
             <a:ext cx="3505201" cy="500882"/>
             <a:chOff x="0" y="0"/>
             <a:chExt cx="3505200" cy="500880"/>
@@ -9301,8 +8864,8 @@
           </p:blipFill>
           <p:spPr>
             <a:xfrm>
-              <a:off x="914400" y="279400"/>
-              <a:ext cx="762000" cy="221481"/>
+              <a:off x="914399" y="279400"/>
+              <a:ext cx="762001" cy="221481"/>
             </a:xfrm>
             <a:prstGeom prst="rect">
               <a:avLst/>
@@ -9333,7 +8896,7 @@
           <p:spPr>
             <a:xfrm>
               <a:off x="1828800" y="279400"/>
-              <a:ext cx="762001" cy="221481"/>
+              <a:ext cx="762000" cy="221481"/>
             </a:xfrm>
             <a:prstGeom prst="rect">
               <a:avLst/>
@@ -9364,6 +8927,37 @@
           <p:spPr>
             <a:xfrm>
               <a:off x="2743200" y="279400"/>
+              <a:ext cx="762000" cy="221481"/>
+            </a:xfrm>
+            <a:prstGeom prst="rect">
+              <a:avLst/>
+            </a:prstGeom>
+            <a:ln w="12700" cap="flat">
+              <a:noFill/>
+              <a:miter lim="400000"/>
+            </a:ln>
+            <a:effectLst/>
+          </p:spPr>
+        </p:pic>
+        <p:pic>
+          <p:nvPicPr>
+            <p:cNvPr id="493" name="brick.jpg" descr="brick.jpg"/>
+            <p:cNvPicPr>
+              <a:picLocks noChangeAspect="1"/>
+            </p:cNvPicPr>
+            <p:nvPr/>
+          </p:nvPicPr>
+          <p:blipFill>
+            <a:blip r:embed="rId2">
+              <a:extLst/>
+            </a:blip>
+            <a:stretch>
+              <a:fillRect/>
+            </a:stretch>
+          </p:blipFill>
+          <p:spPr>
+            <a:xfrm>
+              <a:off x="457199" y="0"/>
               <a:ext cx="762001" cy="221481"/>
             </a:xfrm>
             <a:prstGeom prst="rect">
@@ -9378,7 +8972,438 @@
         </p:pic>
         <p:pic>
           <p:nvPicPr>
-            <p:cNvPr id="493" name="brick.jpg" descr="brick.jpg"/>
+            <p:cNvPr id="494" name="brick.jpg" descr="brick.jpg"/>
+            <p:cNvPicPr>
+              <a:picLocks noChangeAspect="1"/>
+            </p:cNvPicPr>
+            <p:nvPr/>
+          </p:nvPicPr>
+          <p:blipFill>
+            <a:blip r:embed="rId2">
+              <a:extLst/>
+            </a:blip>
+            <a:stretch>
+              <a:fillRect/>
+            </a:stretch>
+          </p:blipFill>
+          <p:spPr>
+            <a:xfrm>
+              <a:off x="1371599" y="0"/>
+              <a:ext cx="762001" cy="221481"/>
+            </a:xfrm>
+            <a:prstGeom prst="rect">
+              <a:avLst/>
+            </a:prstGeom>
+            <a:ln w="12700" cap="flat">
+              <a:noFill/>
+              <a:miter lim="400000"/>
+            </a:ln>
+            <a:effectLst/>
+          </p:spPr>
+        </p:pic>
+        <p:pic>
+          <p:nvPicPr>
+            <p:cNvPr id="495" name="brick.jpg" descr="brick.jpg"/>
+            <p:cNvPicPr>
+              <a:picLocks noChangeAspect="1"/>
+            </p:cNvPicPr>
+            <p:nvPr/>
+          </p:nvPicPr>
+          <p:blipFill>
+            <a:blip r:embed="rId2">
+              <a:extLst/>
+            </a:blip>
+            <a:stretch>
+              <a:fillRect/>
+            </a:stretch>
+          </p:blipFill>
+          <p:spPr>
+            <a:xfrm>
+              <a:off x="2286000" y="0"/>
+              <a:ext cx="762000" cy="221481"/>
+            </a:xfrm>
+            <a:prstGeom prst="rect">
+              <a:avLst/>
+            </a:prstGeom>
+            <a:ln w="12700" cap="flat">
+              <a:noFill/>
+              <a:miter lim="400000"/>
+            </a:ln>
+            <a:effectLst/>
+          </p:spPr>
+        </p:pic>
+      </p:grpSp>
+      <p:grpSp>
+        <p:nvGrpSpPr>
+          <p:cNvPr id="501" name="グループ"/>
+          <p:cNvGrpSpPr/>
+          <p:nvPr/>
+        </p:nvGrpSpPr>
+        <p:grpSpPr>
+          <a:xfrm>
+            <a:off x="2427995" y="4397292"/>
+            <a:ext cx="1676401" cy="501309"/>
+            <a:chOff x="0" y="0"/>
+            <a:chExt cx="1676400" cy="501308"/>
+          </a:xfrm>
+        </p:grpSpPr>
+        <p:pic>
+          <p:nvPicPr>
+            <p:cNvPr id="497" name="brickBlue.jpg" descr="brickBlue.jpg"/>
+            <p:cNvPicPr>
+              <a:picLocks noChangeAspect="1"/>
+            </p:cNvPicPr>
+            <p:nvPr/>
+          </p:nvPicPr>
+          <p:blipFill>
+            <a:blip r:embed="rId3">
+              <a:extLst/>
+            </a:blip>
+            <a:srcRect l="0" t="0" r="0" b="0"/>
+            <a:stretch>
+              <a:fillRect/>
+            </a:stretch>
+          </p:blipFill>
+          <p:spPr>
+            <a:xfrm>
+              <a:off x="0" y="279827"/>
+              <a:ext cx="762000" cy="221482"/>
+            </a:xfrm>
+            <a:prstGeom prst="rect">
+              <a:avLst/>
+            </a:prstGeom>
+            <a:ln w="12700" cap="flat">
+              <a:noFill/>
+              <a:miter lim="400000"/>
+            </a:ln>
+            <a:effectLst/>
+          </p:spPr>
+        </p:pic>
+        <p:pic>
+          <p:nvPicPr>
+            <p:cNvPr id="498" name="brickBlue.jpg" descr="brickBlue.jpg"/>
+            <p:cNvPicPr>
+              <a:picLocks noChangeAspect="1"/>
+            </p:cNvPicPr>
+            <p:nvPr/>
+          </p:nvPicPr>
+          <p:blipFill>
+            <a:blip r:embed="rId3">
+              <a:extLst/>
+            </a:blip>
+            <a:srcRect l="0" t="0" r="0" b="0"/>
+            <a:stretch>
+              <a:fillRect/>
+            </a:stretch>
+          </p:blipFill>
+          <p:spPr>
+            <a:xfrm>
+              <a:off x="914400" y="279827"/>
+              <a:ext cx="762001" cy="221482"/>
+            </a:xfrm>
+            <a:prstGeom prst="rect">
+              <a:avLst/>
+            </a:prstGeom>
+            <a:ln w="12700" cap="flat">
+              <a:noFill/>
+              <a:miter lim="400000"/>
+            </a:ln>
+            <a:effectLst/>
+          </p:spPr>
+        </p:pic>
+        <p:pic>
+          <p:nvPicPr>
+            <p:cNvPr id="499" name="brickBlue.jpg" descr="brickBlue.jpg"/>
+            <p:cNvPicPr>
+              <a:picLocks noChangeAspect="1"/>
+            </p:cNvPicPr>
+            <p:nvPr/>
+          </p:nvPicPr>
+          <p:blipFill>
+            <a:blip r:embed="rId3">
+              <a:extLst/>
+            </a:blip>
+            <a:srcRect l="0" t="0" r="0" b="0"/>
+            <a:stretch>
+              <a:fillRect/>
+            </a:stretch>
+          </p:blipFill>
+          <p:spPr>
+            <a:xfrm>
+              <a:off x="0" y="0"/>
+              <a:ext cx="762000" cy="221481"/>
+            </a:xfrm>
+            <a:prstGeom prst="rect">
+              <a:avLst/>
+            </a:prstGeom>
+            <a:ln w="12700" cap="flat">
+              <a:noFill/>
+              <a:miter lim="400000"/>
+            </a:ln>
+            <a:effectLst/>
+          </p:spPr>
+        </p:pic>
+        <p:pic>
+          <p:nvPicPr>
+            <p:cNvPr id="500" name="brickBlue.jpg" descr="brickBlue.jpg"/>
+            <p:cNvPicPr>
+              <a:picLocks noChangeAspect="1"/>
+            </p:cNvPicPr>
+            <p:nvPr/>
+          </p:nvPicPr>
+          <p:blipFill>
+            <a:blip r:embed="rId3">
+              <a:extLst/>
+            </a:blip>
+            <a:srcRect l="0" t="0" r="0" b="0"/>
+            <a:stretch>
+              <a:fillRect/>
+            </a:stretch>
+          </p:blipFill>
+          <p:spPr>
+            <a:xfrm>
+              <a:off x="914400" y="0"/>
+              <a:ext cx="762001" cy="221481"/>
+            </a:xfrm>
+            <a:prstGeom prst="rect">
+              <a:avLst/>
+            </a:prstGeom>
+            <a:ln w="12700" cap="flat">
+              <a:noFill/>
+              <a:miter lim="400000"/>
+            </a:ln>
+            <a:effectLst/>
+          </p:spPr>
+        </p:pic>
+      </p:grpSp>
+      <p:pic>
+        <p:nvPicPr>
+          <p:cNvPr id="502" name="brickBlue.jpg" descr="brickBlue.jpg"/>
+          <p:cNvPicPr>
+            <a:picLocks noChangeAspect="1"/>
+          </p:cNvPicPr>
+          <p:nvPr/>
+        </p:nvPicPr>
+        <p:blipFill>
+          <a:blip r:embed="rId3">
+            <a:extLst/>
+          </a:blip>
+          <a:stretch>
+            <a:fillRect/>
+          </a:stretch>
+        </p:blipFill>
+        <p:spPr>
+          <a:xfrm>
+            <a:off x="2885195" y="4117917"/>
+            <a:ext cx="762001" cy="221482"/>
+          </a:xfrm>
+          <a:prstGeom prst="rect">
+            <a:avLst/>
+          </a:prstGeom>
+          <a:ln w="12700">
+            <a:miter lim="400000"/>
+          </a:ln>
+        </p:spPr>
+      </p:pic>
+      <p:pic>
+        <p:nvPicPr>
+          <p:cNvPr id="503" name="brickBlue.jpg" descr="brickBlue.jpg"/>
+          <p:cNvPicPr>
+            <a:picLocks noChangeAspect="1"/>
+          </p:cNvPicPr>
+          <p:nvPr/>
+        </p:nvPicPr>
+        <p:blipFill>
+          <a:blip r:embed="rId3">
+            <a:extLst/>
+          </a:blip>
+          <a:stretch>
+            <a:fillRect/>
+          </a:stretch>
+        </p:blipFill>
+        <p:spPr>
+          <a:xfrm>
+            <a:off x="2885195" y="3838089"/>
+            <a:ext cx="762001" cy="221482"/>
+          </a:xfrm>
+          <a:prstGeom prst="rect">
+            <a:avLst/>
+          </a:prstGeom>
+          <a:ln w="12700">
+            <a:miter lim="400000"/>
+          </a:ln>
+        </p:spPr>
+      </p:pic>
+      <p:pic>
+        <p:nvPicPr>
+          <p:cNvPr id="504" name="brickBlue.jpg" descr="brickBlue.jpg"/>
+          <p:cNvPicPr>
+            <a:picLocks noChangeAspect="1"/>
+          </p:cNvPicPr>
+          <p:nvPr/>
+        </p:nvPicPr>
+        <p:blipFill>
+          <a:blip r:embed="rId3">
+            <a:extLst/>
+          </a:blip>
+          <a:stretch>
+            <a:fillRect/>
+          </a:stretch>
+        </p:blipFill>
+        <p:spPr>
+          <a:xfrm>
+            <a:off x="2885195" y="3558714"/>
+            <a:ext cx="762001" cy="221482"/>
+          </a:xfrm>
+          <a:prstGeom prst="rect">
+            <a:avLst/>
+          </a:prstGeom>
+          <a:ln w="12700">
+            <a:miter lim="400000"/>
+          </a:ln>
+        </p:spPr>
+      </p:pic>
+      <p:grpSp>
+        <p:nvGrpSpPr>
+          <p:cNvPr id="512" name="グループ"/>
+          <p:cNvGrpSpPr/>
+          <p:nvPr/>
+        </p:nvGrpSpPr>
+        <p:grpSpPr>
+          <a:xfrm>
+            <a:off x="1729495" y="8525195"/>
+            <a:ext cx="3505201" cy="500882"/>
+            <a:chOff x="0" y="0"/>
+            <a:chExt cx="3505200" cy="500880"/>
+          </a:xfrm>
+        </p:grpSpPr>
+        <p:pic>
+          <p:nvPicPr>
+            <p:cNvPr id="505" name="brick.jpg" descr="brick.jpg"/>
+            <p:cNvPicPr>
+              <a:picLocks noChangeAspect="1"/>
+            </p:cNvPicPr>
+            <p:nvPr/>
+          </p:nvPicPr>
+          <p:blipFill>
+            <a:blip r:embed="rId2">
+              <a:extLst/>
+            </a:blip>
+            <a:stretch>
+              <a:fillRect/>
+            </a:stretch>
+          </p:blipFill>
+          <p:spPr>
+            <a:xfrm>
+              <a:off x="0" y="279400"/>
+              <a:ext cx="762000" cy="221481"/>
+            </a:xfrm>
+            <a:prstGeom prst="rect">
+              <a:avLst/>
+            </a:prstGeom>
+            <a:ln w="12700" cap="flat">
+              <a:noFill/>
+              <a:miter lim="400000"/>
+            </a:ln>
+            <a:effectLst/>
+          </p:spPr>
+        </p:pic>
+        <p:pic>
+          <p:nvPicPr>
+            <p:cNvPr id="506" name="brick.jpg" descr="brick.jpg"/>
+            <p:cNvPicPr>
+              <a:picLocks noChangeAspect="1"/>
+            </p:cNvPicPr>
+            <p:nvPr/>
+          </p:nvPicPr>
+          <p:blipFill>
+            <a:blip r:embed="rId2">
+              <a:extLst/>
+            </a:blip>
+            <a:stretch>
+              <a:fillRect/>
+            </a:stretch>
+          </p:blipFill>
+          <p:spPr>
+            <a:xfrm>
+              <a:off x="914400" y="279400"/>
+              <a:ext cx="762000" cy="221481"/>
+            </a:xfrm>
+            <a:prstGeom prst="rect">
+              <a:avLst/>
+            </a:prstGeom>
+            <a:ln w="12700" cap="flat">
+              <a:noFill/>
+              <a:miter lim="400000"/>
+            </a:ln>
+            <a:effectLst/>
+          </p:spPr>
+        </p:pic>
+        <p:pic>
+          <p:nvPicPr>
+            <p:cNvPr id="507" name="brick.jpg" descr="brick.jpg"/>
+            <p:cNvPicPr>
+              <a:picLocks noChangeAspect="1"/>
+            </p:cNvPicPr>
+            <p:nvPr/>
+          </p:nvPicPr>
+          <p:blipFill>
+            <a:blip r:embed="rId2">
+              <a:extLst/>
+            </a:blip>
+            <a:stretch>
+              <a:fillRect/>
+            </a:stretch>
+          </p:blipFill>
+          <p:spPr>
+            <a:xfrm>
+              <a:off x="1828800" y="279400"/>
+              <a:ext cx="762001" cy="221481"/>
+            </a:xfrm>
+            <a:prstGeom prst="rect">
+              <a:avLst/>
+            </a:prstGeom>
+            <a:ln w="12700" cap="flat">
+              <a:noFill/>
+              <a:miter lim="400000"/>
+            </a:ln>
+            <a:effectLst/>
+          </p:spPr>
+        </p:pic>
+        <p:pic>
+          <p:nvPicPr>
+            <p:cNvPr id="508" name="brick.jpg" descr="brick.jpg"/>
+            <p:cNvPicPr>
+              <a:picLocks noChangeAspect="1"/>
+            </p:cNvPicPr>
+            <p:nvPr/>
+          </p:nvPicPr>
+          <p:blipFill>
+            <a:blip r:embed="rId2">
+              <a:extLst/>
+            </a:blip>
+            <a:stretch>
+              <a:fillRect/>
+            </a:stretch>
+          </p:blipFill>
+          <p:spPr>
+            <a:xfrm>
+              <a:off x="2743200" y="279400"/>
+              <a:ext cx="762001" cy="221481"/>
+            </a:xfrm>
+            <a:prstGeom prst="rect">
+              <a:avLst/>
+            </a:prstGeom>
+            <a:ln w="12700" cap="flat">
+              <a:noFill/>
+              <a:miter lim="400000"/>
+            </a:ln>
+            <a:effectLst/>
+          </p:spPr>
+        </p:pic>
+        <p:pic>
+          <p:nvPicPr>
+            <p:cNvPr id="509" name="brick.jpg" descr="brick.jpg"/>
             <p:cNvPicPr>
               <a:picLocks noChangeAspect="1"/>
             </p:cNvPicPr>
@@ -9409,7 +9434,7 @@
         </p:pic>
         <p:pic>
           <p:nvPicPr>
-            <p:cNvPr id="494" name="brick.jpg" descr="brick.jpg"/>
+            <p:cNvPr id="510" name="brick.jpg" descr="brick.jpg"/>
             <p:cNvPicPr>
               <a:picLocks noChangeAspect="1"/>
             </p:cNvPicPr>
@@ -9440,7 +9465,7 @@
         </p:pic>
         <p:pic>
           <p:nvPicPr>
-            <p:cNvPr id="495" name="brick.jpg" descr="brick.jpg"/>
+            <p:cNvPr id="511" name="brick.jpg" descr="brick.jpg"/>
             <p:cNvPicPr>
               <a:picLocks noChangeAspect="1"/>
             </p:cNvPicPr>
@@ -9472,7 +9497,7 @@
       </p:grpSp>
       <p:grpSp>
         <p:nvGrpSpPr>
-          <p:cNvPr id="500" name="グループ"/>
+          <p:cNvPr id="516" name="グループ"/>
           <p:cNvGrpSpPr/>
           <p:nvPr/>
         </p:nvGrpSpPr>
@@ -9486,7 +9511,7 @@
         </p:grpSpPr>
         <p:pic>
           <p:nvPicPr>
-            <p:cNvPr id="497" name="brickYellow.jpg" descr="brickYellow.jpg"/>
+            <p:cNvPr id="513" name="brickYellow.jpg" descr="brickYellow.jpg"/>
             <p:cNvPicPr>
               <a:picLocks noChangeAspect="0"/>
             </p:cNvPicPr>
@@ -9518,7 +9543,7 @@
         </p:pic>
         <p:pic>
           <p:nvPicPr>
-            <p:cNvPr id="498" name="brickYellow.jpg" descr="brickYellow.jpg"/>
+            <p:cNvPr id="514" name="brickYellow.jpg" descr="brickYellow.jpg"/>
             <p:cNvPicPr>
               <a:picLocks noChangeAspect="0"/>
             </p:cNvPicPr>
@@ -9550,7 +9575,7 @@
         </p:pic>
         <p:pic>
           <p:nvPicPr>
-            <p:cNvPr id="499" name="brickYellow.jpg" descr="brickYellow.jpg"/>
+            <p:cNvPr id="515" name="brickYellow.jpg" descr="brickYellow.jpg"/>
             <p:cNvPicPr>
               <a:picLocks noChangeAspect="0"/>
             </p:cNvPicPr>
@@ -9583,7 +9608,7 @@
       </p:grpSp>
       <p:grpSp>
         <p:nvGrpSpPr>
-          <p:cNvPr id="504" name="グループ"/>
+          <p:cNvPr id="520" name="グループ"/>
           <p:cNvGrpSpPr/>
           <p:nvPr/>
         </p:nvGrpSpPr>
@@ -9597,7 +9622,7 @@
         </p:grpSpPr>
         <p:pic>
           <p:nvPicPr>
-            <p:cNvPr id="501" name="brickYellow.jpg" descr="brickYellow.jpg"/>
+            <p:cNvPr id="517" name="brickYellow.jpg" descr="brickYellow.jpg"/>
             <p:cNvPicPr>
               <a:picLocks noChangeAspect="0"/>
             </p:cNvPicPr>
@@ -9629,7 +9654,7 @@
         </p:pic>
         <p:pic>
           <p:nvPicPr>
-            <p:cNvPr id="502" name="brickYellow.jpg" descr="brickYellow.jpg"/>
+            <p:cNvPr id="518" name="brickYellow.jpg" descr="brickYellow.jpg"/>
             <p:cNvPicPr>
               <a:picLocks noChangeAspect="0"/>
             </p:cNvPicPr>
@@ -9661,7 +9686,7 @@
         </p:pic>
         <p:pic>
           <p:nvPicPr>
-            <p:cNvPr id="503" name="brickYellow.jpg" descr="brickYellow.jpg"/>
+            <p:cNvPr id="519" name="brickYellow.jpg" descr="brickYellow.jpg"/>
             <p:cNvPicPr>
               <a:picLocks noChangeAspect="0"/>
             </p:cNvPicPr>
@@ -9694,7 +9719,7 @@
       </p:grpSp>
       <p:sp>
         <p:nvSpPr>
-          <p:cNvPr id="505" name="Gitで修正内容の統合"/>
+          <p:cNvPr id="521" name="Gitで修正内容の統合"/>
           <p:cNvSpPr txBox="1"/>
           <p:nvPr>
             <p:ph type="ctrTitle"/>
@@ -9756,7 +9781,7 @@
                                       <p:cBhvr>
                                         <p:cTn id="6" dur="1000" fill="hold"/>
                                         <p:tgtEl>
-                                          <p:spTgt spid="480"/>
+                                          <p:spTgt spid="496"/>
                                         </p:tgtEl>
                                         <p:attrNameLst>
                                           <p:attrName>ppt_x</p:attrName>
@@ -9795,7 +9820,7 @@
                                       <p:cBhvr>
                                         <p:cTn id="10" dur="1000" fill="hold"/>
                                         <p:tgtEl>
-                                          <p:spTgt spid="496"/>
+                                          <p:spTgt spid="512"/>
                                         </p:tgtEl>
                                         <p:attrNameLst>
                                           <p:attrName>ppt_x</p:attrName>
@@ -9837,7 +9862,7 @@
                                       <p:cBhvr>
                                         <p:cTn id="14" dur="100" fill="hold"/>
                                         <p:tgtEl>
-                                          <p:spTgt spid="496"/>
+                                          <p:spTgt spid="512"/>
                                         </p:tgtEl>
                                       </p:cBhvr>
                                     </p:animEffect>
@@ -9849,7 +9874,7 @@
                                           </p:stCondLst>
                                         </p:cTn>
                                         <p:tgtEl>
-                                          <p:spTgt spid="496"/>
+                                          <p:spTgt spid="512"/>
                                         </p:tgtEl>
                                         <p:attrNameLst>
                                           <p:attrName>style.visibility</p:attrName>
@@ -9890,7 +9915,7 @@
                                       <p:cBhvr>
                                         <p:cTn id="19" dur="1000" fill="hold"/>
                                         <p:tgtEl>
-                                          <p:spTgt spid="496"/>
+                                          <p:spTgt spid="512"/>
                                         </p:tgtEl>
                                         <p:attrNameLst>
                                           <p:attrName>ppt_x</p:attrName>
@@ -9929,7 +9954,7 @@
                                       <p:cBhvr>
                                         <p:cTn id="23" dur="1000" fill="hold"/>
                                         <p:tgtEl>
-                                          <p:spTgt spid="480"/>
+                                          <p:spTgt spid="496"/>
                                         </p:tgtEl>
                                         <p:attrNameLst>
                                           <p:attrName>ppt_x</p:attrName>
@@ -9968,7 +9993,7 @@
                                       <p:cBhvr>
                                         <p:cTn id="27" dur="1000" fill="hold"/>
                                         <p:tgtEl>
-                                          <p:spTgt spid="500"/>
+                                          <p:spTgt spid="516"/>
                                         </p:tgtEl>
                                         <p:attrNameLst>
                                           <p:attrName>ppt_x</p:attrName>
@@ -10007,7 +10032,7 @@
                                       <p:cBhvr>
                                         <p:cTn id="31" dur="1000" fill="hold"/>
                                         <p:tgtEl>
-                                          <p:spTgt spid="504"/>
+                                          <p:spTgt spid="520"/>
                                         </p:tgtEl>
                                         <p:attrNameLst>
                                           <p:attrName>ppt_x</p:attrName>
@@ -10046,7 +10071,7 @@
                                       <p:cBhvr>
                                         <p:cTn id="35" dur="1000" fill="hold"/>
                                         <p:tgtEl>
-                                          <p:spTgt spid="485"/>
+                                          <p:spTgt spid="501"/>
                                         </p:tgtEl>
                                         <p:attrNameLst>
                                           <p:attrName>ppt_x</p:attrName>
@@ -10085,7 +10110,7 @@
                                       <p:cBhvr>
                                         <p:cTn id="39" dur="1000" fill="hold"/>
                                         <p:tgtEl>
-                                          <p:spTgt spid="486"/>
+                                          <p:spTgt spid="502"/>
                                         </p:tgtEl>
                                         <p:attrNameLst>
                                           <p:attrName>ppt_x</p:attrName>
@@ -10124,7 +10149,7 @@
                                       <p:cBhvr>
                                         <p:cTn id="43" dur="1000" fill="hold"/>
                                         <p:tgtEl>
-                                          <p:spTgt spid="487"/>
+                                          <p:spTgt spid="503"/>
                                         </p:tgtEl>
                                         <p:attrNameLst>
                                           <p:attrName>ppt_x</p:attrName>
@@ -10163,7 +10188,7 @@
                                       <p:cBhvr>
                                         <p:cTn id="47" dur="1000" fill="hold"/>
                                         <p:tgtEl>
-                                          <p:spTgt spid="488"/>
+                                          <p:spTgt spid="504"/>
                                         </p:tgtEl>
                                         <p:attrNameLst>
                                           <p:attrName>ppt_x</p:attrName>
@@ -10202,7 +10227,7 @@
       </p:par>
     </p:tnLst>
     <p:bldLst>
-      <p:bldP build="whole" bldLvl="1" animBg="1" rev="0" advAuto="0" spid="496" grpId="3"/>
+      <p:bldP build="whole" bldLvl="1" animBg="1" rev="0" advAuto="0" spid="512" grpId="3"/>
     </p:bldLst>
   </p:timing>
 </p:sld>
@@ -10227,7 +10252,7 @@
       </p:grpSpPr>
       <p:grpSp>
         <p:nvGrpSpPr>
-          <p:cNvPr id="514" name="グループ"/>
+          <p:cNvPr id="530" name="グループ"/>
           <p:cNvGrpSpPr/>
           <p:nvPr/>
         </p:nvGrpSpPr>
@@ -10241,7 +10266,7 @@
         </p:grpSpPr>
         <p:pic>
           <p:nvPicPr>
-            <p:cNvPr id="507" name="brick.jpg" descr="brick.jpg"/>
+            <p:cNvPr id="523" name="brick.jpg" descr="brick.jpg"/>
             <p:cNvPicPr>
               <a:picLocks noChangeAspect="1"/>
             </p:cNvPicPr>
@@ -10272,7 +10297,7 @@
         </p:pic>
         <p:pic>
           <p:nvPicPr>
-            <p:cNvPr id="508" name="brick.jpg" descr="brick.jpg"/>
+            <p:cNvPr id="524" name="brick.jpg" descr="brick.jpg"/>
             <p:cNvPicPr>
               <a:picLocks noChangeAspect="1"/>
             </p:cNvPicPr>
@@ -10303,7 +10328,7 @@
         </p:pic>
         <p:pic>
           <p:nvPicPr>
-            <p:cNvPr id="509" name="brick.jpg" descr="brick.jpg"/>
+            <p:cNvPr id="525" name="brick.jpg" descr="brick.jpg"/>
             <p:cNvPicPr>
               <a:picLocks noChangeAspect="1"/>
             </p:cNvPicPr>
@@ -10334,7 +10359,7 @@
         </p:pic>
         <p:pic>
           <p:nvPicPr>
-            <p:cNvPr id="510" name="brick.jpg" descr="brick.jpg"/>
+            <p:cNvPr id="526" name="brick.jpg" descr="brick.jpg"/>
             <p:cNvPicPr>
               <a:picLocks noChangeAspect="1"/>
             </p:cNvPicPr>
@@ -10365,7 +10390,7 @@
         </p:pic>
         <p:pic>
           <p:nvPicPr>
-            <p:cNvPr id="511" name="brick.jpg" descr="brick.jpg"/>
+            <p:cNvPr id="527" name="brick.jpg" descr="brick.jpg"/>
             <p:cNvPicPr>
               <a:picLocks noChangeAspect="1"/>
             </p:cNvPicPr>
@@ -10396,7 +10421,7 @@
         </p:pic>
         <p:pic>
           <p:nvPicPr>
-            <p:cNvPr id="512" name="brick.jpg" descr="brick.jpg"/>
+            <p:cNvPr id="528" name="brick.jpg" descr="brick.jpg"/>
             <p:cNvPicPr>
               <a:picLocks noChangeAspect="1"/>
             </p:cNvPicPr>
@@ -10427,7 +10452,7 @@
         </p:pic>
         <p:pic>
           <p:nvPicPr>
-            <p:cNvPr id="513" name="brick.jpg" descr="brick.jpg"/>
+            <p:cNvPr id="529" name="brick.jpg" descr="brick.jpg"/>
             <p:cNvPicPr>
               <a:picLocks noChangeAspect="1"/>
             </p:cNvPicPr>
@@ -10459,7 +10484,7 @@
       </p:grpSp>
       <p:grpSp>
         <p:nvGrpSpPr>
-          <p:cNvPr id="522" name="グループ"/>
+          <p:cNvPr id="538" name="グループ"/>
           <p:cNvGrpSpPr/>
           <p:nvPr/>
         </p:nvGrpSpPr>
@@ -10473,7 +10498,7 @@
         </p:grpSpPr>
         <p:pic>
           <p:nvPicPr>
-            <p:cNvPr id="515" name="brick.jpg" descr="brick.jpg"/>
+            <p:cNvPr id="531" name="brick.jpg" descr="brick.jpg"/>
             <p:cNvPicPr>
               <a:picLocks noChangeAspect="1"/>
             </p:cNvPicPr>
@@ -10504,7 +10529,7 @@
         </p:pic>
         <p:pic>
           <p:nvPicPr>
-            <p:cNvPr id="516" name="brick.jpg" descr="brick.jpg"/>
+            <p:cNvPr id="532" name="brick.jpg" descr="brick.jpg"/>
             <p:cNvPicPr>
               <a:picLocks noChangeAspect="1"/>
             </p:cNvPicPr>
@@ -10535,7 +10560,7 @@
         </p:pic>
         <p:pic>
           <p:nvPicPr>
-            <p:cNvPr id="517" name="brick.jpg" descr="brick.jpg"/>
+            <p:cNvPr id="533" name="brick.jpg" descr="brick.jpg"/>
             <p:cNvPicPr>
               <a:picLocks noChangeAspect="1"/>
             </p:cNvPicPr>
@@ -10566,7 +10591,7 @@
         </p:pic>
         <p:pic>
           <p:nvPicPr>
-            <p:cNvPr id="518" name="brick.jpg" descr="brick.jpg"/>
+            <p:cNvPr id="534" name="brick.jpg" descr="brick.jpg"/>
             <p:cNvPicPr>
               <a:picLocks noChangeAspect="1"/>
             </p:cNvPicPr>
@@ -10597,7 +10622,7 @@
         </p:pic>
         <p:pic>
           <p:nvPicPr>
-            <p:cNvPr id="519" name="brick.jpg" descr="brick.jpg"/>
+            <p:cNvPr id="535" name="brick.jpg" descr="brick.jpg"/>
             <p:cNvPicPr>
               <a:picLocks noChangeAspect="1"/>
             </p:cNvPicPr>
@@ -10628,7 +10653,7 @@
         </p:pic>
         <p:pic>
           <p:nvPicPr>
-            <p:cNvPr id="520" name="brick.jpg" descr="brick.jpg"/>
+            <p:cNvPr id="536" name="brick.jpg" descr="brick.jpg"/>
             <p:cNvPicPr>
               <a:picLocks noChangeAspect="1"/>
             </p:cNvPicPr>
@@ -10659,7 +10684,7 @@
         </p:pic>
         <p:pic>
           <p:nvPicPr>
-            <p:cNvPr id="521" name="brick.jpg" descr="brick.jpg"/>
+            <p:cNvPr id="537" name="brick.jpg" descr="brick.jpg"/>
             <p:cNvPicPr>
               <a:picLocks noChangeAspect="1"/>
             </p:cNvPicPr>
@@ -10691,7 +10716,7 @@
       </p:grpSp>
       <p:grpSp>
         <p:nvGrpSpPr>
-          <p:cNvPr id="527" name="グループ"/>
+          <p:cNvPr id="543" name="グループ"/>
           <p:cNvGrpSpPr/>
           <p:nvPr/>
         </p:nvGrpSpPr>
@@ -10705,7 +10730,7 @@
         </p:grpSpPr>
         <p:pic>
           <p:nvPicPr>
-            <p:cNvPr id="523" name="brickBlue.jpg" descr="brickBlue.jpg"/>
+            <p:cNvPr id="539" name="brickBlue.jpg" descr="brickBlue.jpg"/>
             <p:cNvPicPr>
               <a:picLocks noChangeAspect="1"/>
             </p:cNvPicPr>
@@ -10737,7 +10762,7 @@
         </p:pic>
         <p:pic>
           <p:nvPicPr>
-            <p:cNvPr id="524" name="brickBlue.jpg" descr="brickBlue.jpg"/>
+            <p:cNvPr id="540" name="brickBlue.jpg" descr="brickBlue.jpg"/>
             <p:cNvPicPr>
               <a:picLocks noChangeAspect="1"/>
             </p:cNvPicPr>
@@ -10769,7 +10794,7 @@
         </p:pic>
         <p:pic>
           <p:nvPicPr>
-            <p:cNvPr id="525" name="brickBlue.jpg" descr="brickBlue.jpg"/>
+            <p:cNvPr id="541" name="brickBlue.jpg" descr="brickBlue.jpg"/>
             <p:cNvPicPr>
               <a:picLocks noChangeAspect="1"/>
             </p:cNvPicPr>
@@ -10801,7 +10826,7 @@
         </p:pic>
         <p:pic>
           <p:nvPicPr>
-            <p:cNvPr id="526" name="brickBlue.jpg" descr="brickBlue.jpg"/>
+            <p:cNvPr id="542" name="brickBlue.jpg" descr="brickBlue.jpg"/>
             <p:cNvPicPr>
               <a:picLocks noChangeAspect="1"/>
             </p:cNvPicPr>
@@ -10834,7 +10859,7 @@
       </p:grpSp>
       <p:grpSp>
         <p:nvGrpSpPr>
-          <p:cNvPr id="531" name="グループ"/>
+          <p:cNvPr id="547" name="グループ"/>
           <p:cNvGrpSpPr/>
           <p:nvPr/>
         </p:nvGrpSpPr>
@@ -10848,7 +10873,7 @@
         </p:grpSpPr>
         <p:pic>
           <p:nvPicPr>
-            <p:cNvPr id="528" name="brickYellow.jpg" descr="brickYellow.jpg"/>
+            <p:cNvPr id="544" name="brickYellow.jpg" descr="brickYellow.jpg"/>
             <p:cNvPicPr>
               <a:picLocks noChangeAspect="0"/>
             </p:cNvPicPr>
@@ -10880,7 +10905,7 @@
         </p:pic>
         <p:pic>
           <p:nvPicPr>
-            <p:cNvPr id="529" name="brickYellow.jpg" descr="brickYellow.jpg"/>
+            <p:cNvPr id="545" name="brickYellow.jpg" descr="brickYellow.jpg"/>
             <p:cNvPicPr>
               <a:picLocks noChangeAspect="0"/>
             </p:cNvPicPr>
@@ -10912,7 +10937,7 @@
         </p:pic>
         <p:pic>
           <p:nvPicPr>
-            <p:cNvPr id="530" name="brickYellow.jpg" descr="brickYellow.jpg"/>
+            <p:cNvPr id="546" name="brickYellow.jpg" descr="brickYellow.jpg"/>
             <p:cNvPicPr>
               <a:picLocks noChangeAspect="0"/>
             </p:cNvPicPr>
@@ -10945,7 +10970,7 @@
       </p:grpSp>
       <p:sp>
         <p:nvSpPr>
-          <p:cNvPr id="532" name="四角形"/>
+          <p:cNvPr id="548" name="四角形"/>
           <p:cNvSpPr/>
           <p:nvPr/>
         </p:nvSpPr>
@@ -10986,7 +11011,7 @@
       </p:sp>
       <p:grpSp>
         <p:nvGrpSpPr>
-          <p:cNvPr id="546" name="グループ"/>
+          <p:cNvPr id="562" name="グループ"/>
           <p:cNvGrpSpPr/>
           <p:nvPr/>
         </p:nvGrpSpPr>
@@ -11000,7 +11025,7 @@
         </p:grpSpPr>
         <p:grpSp>
           <p:nvGrpSpPr>
-            <p:cNvPr id="540" name="グループ"/>
+            <p:cNvPr id="556" name="グループ"/>
             <p:cNvGrpSpPr/>
             <p:nvPr/>
           </p:nvGrpSpPr>
@@ -11014,7 +11039,7 @@
           </p:grpSpPr>
           <p:pic>
             <p:nvPicPr>
-              <p:cNvPr id="533" name="brick.jpg" descr="brick.jpg"/>
+              <p:cNvPr id="549" name="brick.jpg" descr="brick.jpg"/>
               <p:cNvPicPr>
                 <a:picLocks noChangeAspect="1"/>
               </p:cNvPicPr>
@@ -11045,7 +11070,7 @@
           </p:pic>
           <p:pic>
             <p:nvPicPr>
-              <p:cNvPr id="534" name="brick.jpg" descr="brick.jpg"/>
+              <p:cNvPr id="550" name="brick.jpg" descr="brick.jpg"/>
               <p:cNvPicPr>
                 <a:picLocks noChangeAspect="1"/>
               </p:cNvPicPr>
@@ -11076,7 +11101,7 @@
           </p:pic>
           <p:pic>
             <p:nvPicPr>
-              <p:cNvPr id="535" name="brick.jpg" descr="brick.jpg"/>
+              <p:cNvPr id="551" name="brick.jpg" descr="brick.jpg"/>
               <p:cNvPicPr>
                 <a:picLocks noChangeAspect="1"/>
               </p:cNvPicPr>
@@ -11107,7 +11132,7 @@
           </p:pic>
           <p:pic>
             <p:nvPicPr>
-              <p:cNvPr id="536" name="brick.jpg" descr="brick.jpg"/>
+              <p:cNvPr id="552" name="brick.jpg" descr="brick.jpg"/>
               <p:cNvPicPr>
                 <a:picLocks noChangeAspect="1"/>
               </p:cNvPicPr>
@@ -11138,7 +11163,7 @@
           </p:pic>
           <p:pic>
             <p:nvPicPr>
-              <p:cNvPr id="537" name="brick.jpg" descr="brick.jpg"/>
+              <p:cNvPr id="553" name="brick.jpg" descr="brick.jpg"/>
               <p:cNvPicPr>
                 <a:picLocks noChangeAspect="1"/>
               </p:cNvPicPr>
@@ -11169,7 +11194,7 @@
           </p:pic>
           <p:pic>
             <p:nvPicPr>
-              <p:cNvPr id="538" name="brick.jpg" descr="brick.jpg"/>
+              <p:cNvPr id="554" name="brick.jpg" descr="brick.jpg"/>
               <p:cNvPicPr>
                 <a:picLocks noChangeAspect="1"/>
               </p:cNvPicPr>
@@ -11200,7 +11225,7 @@
           </p:pic>
           <p:pic>
             <p:nvPicPr>
-              <p:cNvPr id="539" name="brick.jpg" descr="brick.jpg"/>
+              <p:cNvPr id="555" name="brick.jpg" descr="brick.jpg"/>
               <p:cNvPicPr>
                 <a:picLocks noChangeAspect="1"/>
               </p:cNvPicPr>
@@ -11232,7 +11257,7 @@
         </p:grpSp>
         <p:grpSp>
           <p:nvGrpSpPr>
-            <p:cNvPr id="545" name="グループ"/>
+            <p:cNvPr id="561" name="グループ"/>
             <p:cNvGrpSpPr/>
             <p:nvPr/>
           </p:nvGrpSpPr>
@@ -11246,7 +11271,7 @@
           </p:grpSpPr>
           <p:pic>
             <p:nvPicPr>
-              <p:cNvPr id="541" name="brickBlue.jpg" descr="brickBlue.jpg"/>
+              <p:cNvPr id="557" name="brickBlue.jpg" descr="brickBlue.jpg"/>
               <p:cNvPicPr>
                 <a:picLocks noChangeAspect="1"/>
               </p:cNvPicPr>
@@ -11278,7 +11303,7 @@
           </p:pic>
           <p:pic>
             <p:nvPicPr>
-              <p:cNvPr id="542" name="brickBlue.jpg" descr="brickBlue.jpg"/>
+              <p:cNvPr id="558" name="brickBlue.jpg" descr="brickBlue.jpg"/>
               <p:cNvPicPr>
                 <a:picLocks noChangeAspect="1"/>
               </p:cNvPicPr>
@@ -11310,7 +11335,7 @@
           </p:pic>
           <p:pic>
             <p:nvPicPr>
-              <p:cNvPr id="543" name="brickBlue.jpg" descr="brickBlue.jpg"/>
+              <p:cNvPr id="559" name="brickBlue.jpg" descr="brickBlue.jpg"/>
               <p:cNvPicPr>
                 <a:picLocks noChangeAspect="1"/>
               </p:cNvPicPr>
@@ -11342,7 +11367,7 @@
           </p:pic>
           <p:pic>
             <p:nvPicPr>
-              <p:cNvPr id="544" name="brickBlue.jpg" descr="brickBlue.jpg"/>
+              <p:cNvPr id="560" name="brickBlue.jpg" descr="brickBlue.jpg"/>
               <p:cNvPicPr>
                 <a:picLocks noChangeAspect="1"/>
               </p:cNvPicPr>
@@ -11376,7 +11401,7 @@
       </p:grpSp>
       <p:grpSp>
         <p:nvGrpSpPr>
-          <p:cNvPr id="559" name="グループ"/>
+          <p:cNvPr id="575" name="グループ"/>
           <p:cNvGrpSpPr/>
           <p:nvPr/>
         </p:nvGrpSpPr>
@@ -11390,7 +11415,7 @@
         </p:grpSpPr>
         <p:grpSp>
           <p:nvGrpSpPr>
-            <p:cNvPr id="554" name="グループ"/>
+            <p:cNvPr id="570" name="グループ"/>
             <p:cNvGrpSpPr/>
             <p:nvPr/>
           </p:nvGrpSpPr>
@@ -11404,7 +11429,7 @@
           </p:grpSpPr>
           <p:pic>
             <p:nvPicPr>
-              <p:cNvPr id="547" name="brick.jpg" descr="brick.jpg"/>
+              <p:cNvPr id="563" name="brick.jpg" descr="brick.jpg"/>
               <p:cNvPicPr>
                 <a:picLocks noChangeAspect="1"/>
               </p:cNvPicPr>
@@ -11435,7 +11460,7 @@
           </p:pic>
           <p:pic>
             <p:nvPicPr>
-              <p:cNvPr id="548" name="brick.jpg" descr="brick.jpg"/>
+              <p:cNvPr id="564" name="brick.jpg" descr="brick.jpg"/>
               <p:cNvPicPr>
                 <a:picLocks noChangeAspect="1"/>
               </p:cNvPicPr>
@@ -11466,7 +11491,7 @@
           </p:pic>
           <p:pic>
             <p:nvPicPr>
-              <p:cNvPr id="549" name="brick.jpg" descr="brick.jpg"/>
+              <p:cNvPr id="565" name="brick.jpg" descr="brick.jpg"/>
               <p:cNvPicPr>
                 <a:picLocks noChangeAspect="1"/>
               </p:cNvPicPr>
@@ -11497,7 +11522,7 @@
           </p:pic>
           <p:pic>
             <p:nvPicPr>
-              <p:cNvPr id="550" name="brick.jpg" descr="brick.jpg"/>
+              <p:cNvPr id="566" name="brick.jpg" descr="brick.jpg"/>
               <p:cNvPicPr>
                 <a:picLocks noChangeAspect="1"/>
               </p:cNvPicPr>
@@ -11528,7 +11553,7 @@
           </p:pic>
           <p:pic>
             <p:nvPicPr>
-              <p:cNvPr id="551" name="brick.jpg" descr="brick.jpg"/>
+              <p:cNvPr id="567" name="brick.jpg" descr="brick.jpg"/>
               <p:cNvPicPr>
                 <a:picLocks noChangeAspect="1"/>
               </p:cNvPicPr>
@@ -11559,7 +11584,7 @@
           </p:pic>
           <p:pic>
             <p:nvPicPr>
-              <p:cNvPr id="552" name="brick.jpg" descr="brick.jpg"/>
+              <p:cNvPr id="568" name="brick.jpg" descr="brick.jpg"/>
               <p:cNvPicPr>
                 <a:picLocks noChangeAspect="1"/>
               </p:cNvPicPr>
@@ -11590,7 +11615,7 @@
           </p:pic>
           <p:pic>
             <p:nvPicPr>
-              <p:cNvPr id="553" name="brick.jpg" descr="brick.jpg"/>
+              <p:cNvPr id="569" name="brick.jpg" descr="brick.jpg"/>
               <p:cNvPicPr>
                 <a:picLocks noChangeAspect="1"/>
               </p:cNvPicPr>
@@ -11622,7 +11647,7 @@
         </p:grpSp>
         <p:grpSp>
           <p:nvGrpSpPr>
-            <p:cNvPr id="558" name="グループ"/>
+            <p:cNvPr id="574" name="グループ"/>
             <p:cNvGrpSpPr/>
             <p:nvPr/>
           </p:nvGrpSpPr>
@@ -11636,7 +11661,7 @@
           </p:grpSpPr>
           <p:pic>
             <p:nvPicPr>
-              <p:cNvPr id="555" name="brickYellow.jpg" descr="brickYellow.jpg"/>
+              <p:cNvPr id="571" name="brickYellow.jpg" descr="brickYellow.jpg"/>
               <p:cNvPicPr>
                 <a:picLocks noChangeAspect="0"/>
               </p:cNvPicPr>
@@ -11668,7 +11693,7 @@
           </p:pic>
           <p:pic>
             <p:nvPicPr>
-              <p:cNvPr id="556" name="brickYellow.jpg" descr="brickYellow.jpg"/>
+              <p:cNvPr id="572" name="brickYellow.jpg" descr="brickYellow.jpg"/>
               <p:cNvPicPr>
                 <a:picLocks noChangeAspect="0"/>
               </p:cNvPicPr>
@@ -11700,7 +11725,7 @@
           </p:pic>
           <p:pic>
             <p:nvPicPr>
-              <p:cNvPr id="557" name="brickYellow.jpg" descr="brickYellow.jpg"/>
+              <p:cNvPr id="573" name="brickYellow.jpg" descr="brickYellow.jpg"/>
               <p:cNvPicPr>
                 <a:picLocks noChangeAspect="0"/>
               </p:cNvPicPr>
@@ -11734,7 +11759,7 @@
       </p:grpSp>
       <p:grpSp>
         <p:nvGrpSpPr>
-          <p:cNvPr id="572" name="グループ"/>
+          <p:cNvPr id="588" name="グループ"/>
           <p:cNvGrpSpPr/>
           <p:nvPr/>
         </p:nvGrpSpPr>
@@ -11748,7 +11773,7 @@
         </p:grpSpPr>
         <p:grpSp>
           <p:nvGrpSpPr>
-            <p:cNvPr id="567" name="グループ"/>
+            <p:cNvPr id="583" name="グループ"/>
             <p:cNvGrpSpPr/>
             <p:nvPr/>
           </p:nvGrpSpPr>
@@ -11762,7 +11787,7 @@
           </p:grpSpPr>
           <p:pic>
             <p:nvPicPr>
-              <p:cNvPr id="560" name="brick.jpg" descr="brick.jpg"/>
+              <p:cNvPr id="576" name="brick.jpg" descr="brick.jpg"/>
               <p:cNvPicPr>
                 <a:picLocks noChangeAspect="1"/>
               </p:cNvPicPr>
@@ -11793,7 +11818,7 @@
           </p:pic>
           <p:pic>
             <p:nvPicPr>
-              <p:cNvPr id="561" name="brick.jpg" descr="brick.jpg"/>
+              <p:cNvPr id="577" name="brick.jpg" descr="brick.jpg"/>
               <p:cNvPicPr>
                 <a:picLocks noChangeAspect="1"/>
               </p:cNvPicPr>
@@ -11824,7 +11849,7 @@
           </p:pic>
           <p:pic>
             <p:nvPicPr>
-              <p:cNvPr id="562" name="brick.jpg" descr="brick.jpg"/>
+              <p:cNvPr id="578" name="brick.jpg" descr="brick.jpg"/>
               <p:cNvPicPr>
                 <a:picLocks noChangeAspect="1"/>
               </p:cNvPicPr>
@@ -11855,7 +11880,7 @@
           </p:pic>
           <p:pic>
             <p:nvPicPr>
-              <p:cNvPr id="563" name="brick.jpg" descr="brick.jpg"/>
+              <p:cNvPr id="579" name="brick.jpg" descr="brick.jpg"/>
               <p:cNvPicPr>
                 <a:picLocks noChangeAspect="1"/>
               </p:cNvPicPr>
@@ -11886,7 +11911,7 @@
           </p:pic>
           <p:pic>
             <p:nvPicPr>
-              <p:cNvPr id="564" name="brick.jpg" descr="brick.jpg"/>
+              <p:cNvPr id="580" name="brick.jpg" descr="brick.jpg"/>
               <p:cNvPicPr>
                 <a:picLocks noChangeAspect="1"/>
               </p:cNvPicPr>
@@ -11917,7 +11942,7 @@
           </p:pic>
           <p:pic>
             <p:nvPicPr>
-              <p:cNvPr id="565" name="brick.jpg" descr="brick.jpg"/>
+              <p:cNvPr id="581" name="brick.jpg" descr="brick.jpg"/>
               <p:cNvPicPr>
                 <a:picLocks noChangeAspect="1"/>
               </p:cNvPicPr>
@@ -11948,7 +11973,7 @@
           </p:pic>
           <p:pic>
             <p:nvPicPr>
-              <p:cNvPr id="566" name="brick.jpg" descr="brick.jpg"/>
+              <p:cNvPr id="582" name="brick.jpg" descr="brick.jpg"/>
               <p:cNvPicPr>
                 <a:picLocks noChangeAspect="1"/>
               </p:cNvPicPr>
@@ -11980,7 +12005,7 @@
         </p:grpSp>
         <p:pic>
           <p:nvPicPr>
-            <p:cNvPr id="568" name="brickBlue.jpg" descr="brickBlue.jpg"/>
+            <p:cNvPr id="584" name="brickBlue.jpg" descr="brickBlue.jpg"/>
             <p:cNvPicPr>
               <a:picLocks noChangeAspect="1"/>
             </p:cNvPicPr>
@@ -12012,7 +12037,7 @@
         </p:pic>
         <p:pic>
           <p:nvPicPr>
-            <p:cNvPr id="569" name="brickBlue.jpg" descr="brickBlue.jpg"/>
+            <p:cNvPr id="585" name="brickBlue.jpg" descr="brickBlue.jpg"/>
             <p:cNvPicPr>
               <a:picLocks noChangeAspect="1"/>
             </p:cNvPicPr>
@@ -12044,7 +12069,7 @@
         </p:pic>
         <p:pic>
           <p:nvPicPr>
-            <p:cNvPr id="570" name="brickYellow.jpg" descr="brickYellow.jpg"/>
+            <p:cNvPr id="586" name="brickYellow.jpg" descr="brickYellow.jpg"/>
             <p:cNvPicPr>
               <a:picLocks noChangeAspect="0"/>
             </p:cNvPicPr>
@@ -12076,7 +12101,7 @@
         </p:pic>
         <p:pic>
           <p:nvPicPr>
-            <p:cNvPr id="571" name="brickYellow.jpg" descr="brickYellow.jpg"/>
+            <p:cNvPr id="587" name="brickYellow.jpg" descr="brickYellow.jpg"/>
             <p:cNvPicPr>
               <a:picLocks noChangeAspect="0"/>
             </p:cNvPicPr>
@@ -12109,7 +12134,7 @@
       </p:grpSp>
       <p:sp>
         <p:nvSpPr>
-          <p:cNvPr id="573" name="矢印"/>
+          <p:cNvPr id="589" name="矢印"/>
           <p:cNvSpPr/>
           <p:nvPr/>
         </p:nvSpPr>
@@ -12151,7 +12176,7 @@
       </p:sp>
       <p:sp>
         <p:nvSpPr>
-          <p:cNvPr id="574" name="矢印"/>
+          <p:cNvPr id="590" name="矢印"/>
           <p:cNvSpPr/>
           <p:nvPr/>
         </p:nvSpPr>
@@ -12193,7 +12218,7 @@
       </p:sp>
       <p:sp>
         <p:nvSpPr>
-          <p:cNvPr id="575" name="矢印"/>
+          <p:cNvPr id="591" name="矢印"/>
           <p:cNvSpPr/>
           <p:nvPr/>
         </p:nvSpPr>
@@ -12235,7 +12260,7 @@
       </p:sp>
       <p:sp>
         <p:nvSpPr>
-          <p:cNvPr id="576" name="修正内容の重複"/>
+          <p:cNvPr id="592" name="修正内容の重複"/>
           <p:cNvSpPr txBox="1"/>
           <p:nvPr>
             <p:ph type="ctrTitle"/>
@@ -12297,7 +12322,7 @@
                                       <p:cBhvr>
                                         <p:cTn id="6" dur="1000" fill="hold"/>
                                         <p:tgtEl>
-                                          <p:spTgt spid="514"/>
+                                          <p:spTgt spid="530"/>
                                         </p:tgtEl>
                                         <p:attrNameLst>
                                           <p:attrName>ppt_x</p:attrName>
@@ -12336,7 +12361,7 @@
                                       <p:cBhvr>
                                         <p:cTn id="10" dur="1000" fill="hold"/>
                                         <p:tgtEl>
-                                          <p:spTgt spid="522"/>
+                                          <p:spTgt spid="538"/>
                                         </p:tgtEl>
                                         <p:attrNameLst>
                                           <p:attrName>ppt_x</p:attrName>
@@ -12375,7 +12400,7 @@
                                       <p:cBhvr>
                                         <p:cTn id="14" dur="1000" fill="hold"/>
                                         <p:tgtEl>
-                                          <p:spTgt spid="527"/>
+                                          <p:spTgt spid="543"/>
                                         </p:tgtEl>
                                         <p:attrNameLst>
                                           <p:attrName>ppt_x</p:attrName>
@@ -12417,7 +12442,7 @@
                                       <p:cBhvr>
                                         <p:cTn id="18" fill="hold"/>
                                         <p:tgtEl>
-                                          <p:spTgt spid="532"/>
+                                          <p:spTgt spid="548"/>
                                         </p:tgtEl>
                                         <p:attrNameLst>
                                           <p:attrName>style.visibility</p:attrName>
@@ -12431,7 +12456,7 @@
                                       <p:cBhvr>
                                         <p:cTn id="19" dur="1000"/>
                                         <p:tgtEl>
-                                          <p:spTgt spid="532"/>
+                                          <p:spTgt spid="548"/>
                                         </p:tgtEl>
                                       </p:cBhvr>
                                     </p:animEffect>
@@ -12466,7 +12491,7 @@
                                       <p:cBhvr>
                                         <p:cTn id="23" dur="1000" fill="hold"/>
                                         <p:tgtEl>
-                                          <p:spTgt spid="531"/>
+                                          <p:spTgt spid="547"/>
                                         </p:tgtEl>
                                         <p:attrNameLst>
                                           <p:attrName>ppt_x</p:attrName>
@@ -12505,7 +12530,7 @@
                                       <p:cBhvr>
                                         <p:cTn id="27" dur="1000" fill="hold" tmFilter="0, 0; .2, .5; .8, .5; 1, 0"/>
                                         <p:tgtEl>
-                                          <p:spTgt spid="531"/>
+                                          <p:spTgt spid="547"/>
                                         </p:tgtEl>
                                       </p:cBhvr>
                                     </p:animEffect>
@@ -12513,7 +12538,7 @@
                                       <p:cBhvr>
                                         <p:cTn id="28" dur="500" fill="hold" autoRev="1"/>
                                         <p:tgtEl>
-                                          <p:spTgt spid="531"/>
+                                          <p:spTgt spid="547"/>
                                         </p:tgtEl>
                                       </p:cBhvr>
                                       <p:by x="105000" y="105000"/>
@@ -12549,7 +12574,7 @@
                                       <p:cBhvr>
                                         <p:cTn id="32" dur="1000" fill="hold"/>
                                         <p:tgtEl>
-                                          <p:spTgt spid="531"/>
+                                          <p:spTgt spid="547"/>
                                         </p:tgtEl>
                                         <p:attrNameLst>
                                           <p:attrName>ppt_x</p:attrName>
@@ -12591,7 +12616,7 @@
                                       <p:cBhvr>
                                         <p:cTn id="36" fill="hold"/>
                                         <p:tgtEl>
-                                          <p:spTgt spid="575"/>
+                                          <p:spTgt spid="591"/>
                                         </p:tgtEl>
                                         <p:attrNameLst>
                                           <p:attrName>style.visibility</p:attrName>
@@ -12605,7 +12630,7 @@
                                       <p:cBhvr>
                                         <p:cTn id="37" dur="1000"/>
                                         <p:tgtEl>
-                                          <p:spTgt spid="575"/>
+                                          <p:spTgt spid="591"/>
                                         </p:tgtEl>
                                       </p:cBhvr>
                                     </p:animEffect>
@@ -12643,7 +12668,7 @@
                                       <p:cBhvr>
                                         <p:cTn id="41" fill="hold"/>
                                         <p:tgtEl>
-                                          <p:spTgt spid="546"/>
+                                          <p:spTgt spid="562"/>
                                         </p:tgtEl>
                                         <p:attrNameLst>
                                           <p:attrName>style.visibility</p:attrName>
@@ -12657,7 +12682,7 @@
                                       <p:cBhvr>
                                         <p:cTn id="42" dur="1000"/>
                                         <p:tgtEl>
-                                          <p:spTgt spid="546"/>
+                                          <p:spTgt spid="562"/>
                                         </p:tgtEl>
                                       </p:cBhvr>
                                     </p:animEffect>
@@ -12695,7 +12720,7 @@
                                       <p:cBhvr>
                                         <p:cTn id="46" fill="hold"/>
                                         <p:tgtEl>
-                                          <p:spTgt spid="573"/>
+                                          <p:spTgt spid="589"/>
                                         </p:tgtEl>
                                         <p:attrNameLst>
                                           <p:attrName>style.visibility</p:attrName>
@@ -12709,7 +12734,7 @@
                                       <p:cBhvr>
                                         <p:cTn id="47" dur="1000"/>
                                         <p:tgtEl>
-                                          <p:spTgt spid="573"/>
+                                          <p:spTgt spid="589"/>
                                         </p:tgtEl>
                                       </p:cBhvr>
                                     </p:animEffect>
@@ -12747,7 +12772,7 @@
                                       <p:cBhvr>
                                         <p:cTn id="51" fill="hold"/>
                                         <p:tgtEl>
-                                          <p:spTgt spid="559"/>
+                                          <p:spTgt spid="575"/>
                                         </p:tgtEl>
                                         <p:attrNameLst>
                                           <p:attrName>style.visibility</p:attrName>
@@ -12761,7 +12786,7 @@
                                       <p:cBhvr>
                                         <p:cTn id="52" dur="1000"/>
                                         <p:tgtEl>
-                                          <p:spTgt spid="559"/>
+                                          <p:spTgt spid="575"/>
                                         </p:tgtEl>
                                       </p:cBhvr>
                                     </p:animEffect>
@@ -12799,7 +12824,7 @@
                                       <p:cBhvr>
                                         <p:cTn id="56" fill="hold"/>
                                         <p:tgtEl>
-                                          <p:spTgt spid="574"/>
+                                          <p:spTgt spid="590"/>
                                         </p:tgtEl>
                                         <p:attrNameLst>
                                           <p:attrName>style.visibility</p:attrName>
@@ -12813,7 +12838,7 @@
                                       <p:cBhvr>
                                         <p:cTn id="57" dur="1000"/>
                                         <p:tgtEl>
-                                          <p:spTgt spid="574"/>
+                                          <p:spTgt spid="590"/>
                                         </p:tgtEl>
                                       </p:cBhvr>
                                     </p:animEffect>
@@ -12851,7 +12876,7 @@
                                       <p:cBhvr>
                                         <p:cTn id="61" fill="hold"/>
                                         <p:tgtEl>
-                                          <p:spTgt spid="572"/>
+                                          <p:spTgt spid="588"/>
                                         </p:tgtEl>
                                         <p:attrNameLst>
                                           <p:attrName>style.visibility</p:attrName>
@@ -12865,7 +12890,7 @@
                                       <p:cBhvr>
                                         <p:cTn id="62" dur="1000"/>
                                         <p:tgtEl>
-                                          <p:spTgt spid="572"/>
+                                          <p:spTgt spid="588"/>
                                         </p:tgtEl>
                                       </p:cBhvr>
                                     </p:animEffect>
@@ -12900,14 +12925,14 @@
       </p:par>
     </p:tnLst>
     <p:bldLst>
-      <p:bldP build="whole" bldLvl="1" animBg="1" rev="0" advAuto="0" spid="531" grpId="6"/>
-      <p:bldP build="whole" bldLvl="1" animBg="1" rev="0" advAuto="0" spid="532" grpId="4"/>
-      <p:bldP build="whole" bldLvl="1" animBg="1" rev="0" advAuto="0" spid="559" grpId="11"/>
-      <p:bldP build="whole" bldLvl="1" animBg="1" rev="0" advAuto="0" spid="573" grpId="10"/>
-      <p:bldP build="whole" bldLvl="1" animBg="1" rev="0" advAuto="0" spid="575" grpId="8"/>
-      <p:bldP build="whole" bldLvl="1" animBg="1" rev="0" advAuto="0" spid="546" grpId="9"/>
-      <p:bldP build="whole" bldLvl="1" animBg="1" rev="0" advAuto="0" spid="574" grpId="12"/>
-      <p:bldP build="whole" bldLvl="1" animBg="1" rev="0" advAuto="0" spid="572" grpId="13"/>
+      <p:bldP build="whole" bldLvl="1" animBg="1" rev="0" advAuto="0" spid="589" grpId="10"/>
+      <p:bldP build="whole" bldLvl="1" animBg="1" rev="0" advAuto="0" spid="562" grpId="9"/>
+      <p:bldP build="whole" bldLvl="1" animBg="1" rev="0" advAuto="0" spid="575" grpId="11"/>
+      <p:bldP build="whole" bldLvl="1" animBg="1" rev="0" advAuto="0" spid="588" grpId="13"/>
+      <p:bldP build="whole" bldLvl="1" animBg="1" rev="0" advAuto="0" spid="591" grpId="8"/>
+      <p:bldP build="whole" bldLvl="1" animBg="1" rev="0" advAuto="0" spid="547" grpId="6"/>
+      <p:bldP build="whole" bldLvl="1" animBg="1" rev="0" advAuto="0" spid="548" grpId="4"/>
+      <p:bldP build="whole" bldLvl="1" animBg="1" rev="0" advAuto="0" spid="590" grpId="12"/>
     </p:bldLst>
   </p:timing>
 </p:sld>
@@ -12932,7 +12957,7 @@
       </p:grpSpPr>
       <p:sp>
         <p:nvSpPr>
-          <p:cNvPr id="578" name="円形"/>
+          <p:cNvPr id="594" name="円形"/>
           <p:cNvSpPr/>
           <p:nvPr/>
         </p:nvSpPr>
@@ -12975,7 +13000,7 @@
       </p:sp>
       <p:grpSp>
         <p:nvGrpSpPr>
-          <p:cNvPr id="583" name="グループ"/>
+          <p:cNvPr id="599" name="グループ"/>
           <p:cNvGrpSpPr/>
           <p:nvPr/>
         </p:nvGrpSpPr>
@@ -12989,7 +13014,7 @@
         </p:grpSpPr>
         <p:pic>
           <p:nvPicPr>
-            <p:cNvPr id="579" name="brick.jpg" descr="brick.jpg"/>
+            <p:cNvPr id="595" name="brick.jpg" descr="brick.jpg"/>
             <p:cNvPicPr>
               <a:picLocks noChangeAspect="1"/>
             </p:cNvPicPr>
@@ -13020,7 +13045,7 @@
         </p:pic>
         <p:pic>
           <p:nvPicPr>
-            <p:cNvPr id="580" name="brick.jpg" descr="brick.jpg"/>
+            <p:cNvPr id="596" name="brick.jpg" descr="brick.jpg"/>
             <p:cNvPicPr>
               <a:picLocks noChangeAspect="1"/>
             </p:cNvPicPr>
@@ -13051,7 +13076,7 @@
         </p:pic>
         <p:pic>
           <p:nvPicPr>
-            <p:cNvPr id="581" name="brick.jpg" descr="brick.jpg"/>
+            <p:cNvPr id="597" name="brick.jpg" descr="brick.jpg"/>
             <p:cNvPicPr>
               <a:picLocks noChangeAspect="1"/>
             </p:cNvPicPr>
@@ -13082,7 +13107,7 @@
         </p:pic>
         <p:pic>
           <p:nvPicPr>
-            <p:cNvPr id="582" name="brick.jpg" descr="brick.jpg"/>
+            <p:cNvPr id="598" name="brick.jpg" descr="brick.jpg"/>
             <p:cNvPicPr>
               <a:picLocks noChangeAspect="1"/>
             </p:cNvPicPr>
@@ -13114,7 +13139,7 @@
       </p:grpSp>
       <p:grpSp>
         <p:nvGrpSpPr>
-          <p:cNvPr id="594" name="グループ"/>
+          <p:cNvPr id="610" name="グループ"/>
           <p:cNvGrpSpPr/>
           <p:nvPr/>
         </p:nvGrpSpPr>
@@ -13128,7 +13153,7 @@
         </p:grpSpPr>
         <p:grpSp>
           <p:nvGrpSpPr>
-            <p:cNvPr id="588" name="グループ"/>
+            <p:cNvPr id="604" name="グループ"/>
             <p:cNvGrpSpPr/>
             <p:nvPr/>
           </p:nvGrpSpPr>
@@ -13142,7 +13167,7 @@
           </p:grpSpPr>
           <p:pic>
             <p:nvPicPr>
-              <p:cNvPr id="584" name="brick.jpg" descr="brick.jpg"/>
+              <p:cNvPr id="600" name="brick.jpg" descr="brick.jpg"/>
               <p:cNvPicPr>
                 <a:picLocks noChangeAspect="1"/>
               </p:cNvPicPr>
@@ -13173,7 +13198,7 @@
           </p:pic>
           <p:pic>
             <p:nvPicPr>
-              <p:cNvPr id="585" name="brick.jpg" descr="brick.jpg"/>
+              <p:cNvPr id="601" name="brick.jpg" descr="brick.jpg"/>
               <p:cNvPicPr>
                 <a:picLocks noChangeAspect="1"/>
               </p:cNvPicPr>
@@ -13204,7 +13229,7 @@
           </p:pic>
           <p:pic>
             <p:nvPicPr>
-              <p:cNvPr id="586" name="brick.jpg" descr="brick.jpg"/>
+              <p:cNvPr id="602" name="brick.jpg" descr="brick.jpg"/>
               <p:cNvPicPr>
                 <a:picLocks noChangeAspect="1"/>
               </p:cNvPicPr>
@@ -13235,7 +13260,7 @@
           </p:pic>
           <p:pic>
             <p:nvPicPr>
-              <p:cNvPr id="587" name="brick.jpg" descr="brick.jpg"/>
+              <p:cNvPr id="603" name="brick.jpg" descr="brick.jpg"/>
               <p:cNvPicPr>
                 <a:picLocks noChangeAspect="1"/>
               </p:cNvPicPr>
@@ -13267,7 +13292,7 @@
         </p:grpSp>
         <p:grpSp>
           <p:nvGrpSpPr>
-            <p:cNvPr id="593" name="グループ"/>
+            <p:cNvPr id="609" name="グループ"/>
             <p:cNvGrpSpPr/>
             <p:nvPr/>
           </p:nvGrpSpPr>
@@ -13281,7 +13306,7 @@
           </p:grpSpPr>
           <p:pic>
             <p:nvPicPr>
-              <p:cNvPr id="589" name="brick.jpg" descr="brick.jpg"/>
+              <p:cNvPr id="605" name="brick.jpg" descr="brick.jpg"/>
               <p:cNvPicPr>
                 <a:picLocks noChangeAspect="1"/>
               </p:cNvPicPr>
@@ -13312,7 +13337,7 @@
           </p:pic>
           <p:pic>
             <p:nvPicPr>
-              <p:cNvPr id="590" name="brick.jpg" descr="brick.jpg"/>
+              <p:cNvPr id="606" name="brick.jpg" descr="brick.jpg"/>
               <p:cNvPicPr>
                 <a:picLocks noChangeAspect="1"/>
               </p:cNvPicPr>
@@ -13343,7 +13368,7 @@
           </p:pic>
           <p:pic>
             <p:nvPicPr>
-              <p:cNvPr id="591" name="brick.jpg" descr="brick.jpg"/>
+              <p:cNvPr id="607" name="brick.jpg" descr="brick.jpg"/>
               <p:cNvPicPr>
                 <a:picLocks noChangeAspect="1"/>
               </p:cNvPicPr>
@@ -13374,7 +13399,7 @@
           </p:pic>
           <p:pic>
             <p:nvPicPr>
-              <p:cNvPr id="592" name="brick.jpg" descr="brick.jpg"/>
+              <p:cNvPr id="608" name="brick.jpg" descr="brick.jpg"/>
               <p:cNvPicPr>
                 <a:picLocks noChangeAspect="1"/>
               </p:cNvPicPr>
@@ -13407,7 +13432,7 @@
       </p:grpSp>
       <p:grpSp>
         <p:nvGrpSpPr>
-          <p:cNvPr id="597" name="グループ"/>
+          <p:cNvPr id="613" name="グループ"/>
           <p:cNvGrpSpPr/>
           <p:nvPr/>
         </p:nvGrpSpPr>
@@ -13421,7 +13446,7 @@
         </p:grpSpPr>
         <p:pic>
           <p:nvPicPr>
-            <p:cNvPr id="595" name="brickYellow.jpg" descr="brickYellow.jpg"/>
+            <p:cNvPr id="611" name="brickYellow.jpg" descr="brickYellow.jpg"/>
             <p:cNvPicPr>
               <a:picLocks noChangeAspect="0"/>
             </p:cNvPicPr>
@@ -13453,7 +13478,7 @@
         </p:pic>
         <p:pic>
           <p:nvPicPr>
-            <p:cNvPr id="596" name="brickYellow.jpg" descr="brickYellow.jpg"/>
+            <p:cNvPr id="612" name="brickYellow.jpg" descr="brickYellow.jpg"/>
             <p:cNvPicPr>
               <a:picLocks noChangeAspect="0"/>
             </p:cNvPicPr>
@@ -13486,7 +13511,7 @@
       </p:grpSp>
       <p:grpSp>
         <p:nvGrpSpPr>
-          <p:cNvPr id="601" name="グループ"/>
+          <p:cNvPr id="617" name="グループ"/>
           <p:cNvGrpSpPr/>
           <p:nvPr/>
         </p:nvGrpSpPr>
@@ -13500,7 +13525,7 @@
         </p:grpSpPr>
         <p:pic>
           <p:nvPicPr>
-            <p:cNvPr id="598" name="brick.jpg" descr="brick.jpg"/>
+            <p:cNvPr id="614" name="brick.jpg" descr="brick.jpg"/>
             <p:cNvPicPr>
               <a:picLocks noChangeAspect="1"/>
             </p:cNvPicPr>
@@ -13531,7 +13556,7 @@
         </p:pic>
         <p:pic>
           <p:nvPicPr>
-            <p:cNvPr id="599" name="brick.jpg" descr="brick.jpg"/>
+            <p:cNvPr id="615" name="brick.jpg" descr="brick.jpg"/>
             <p:cNvPicPr>
               <a:picLocks noChangeAspect="1"/>
             </p:cNvPicPr>
@@ -13562,7 +13587,7 @@
         </p:pic>
         <p:pic>
           <p:nvPicPr>
-            <p:cNvPr id="600" name="brick.jpg" descr="brick.jpg"/>
+            <p:cNvPr id="616" name="brick.jpg" descr="brick.jpg"/>
             <p:cNvPicPr>
               <a:picLocks noChangeAspect="1"/>
             </p:cNvPicPr>
@@ -13594,7 +13619,7 @@
       </p:grpSp>
       <p:grpSp>
         <p:nvGrpSpPr>
-          <p:cNvPr id="604" name="グループ"/>
+          <p:cNvPr id="620" name="グループ"/>
           <p:cNvGrpSpPr/>
           <p:nvPr/>
         </p:nvGrpSpPr>
@@ -13608,7 +13633,7 @@
         </p:grpSpPr>
         <p:pic>
           <p:nvPicPr>
-            <p:cNvPr id="602" name="brick.jpg" descr="brick.jpg"/>
+            <p:cNvPr id="618" name="brick.jpg" descr="brick.jpg"/>
             <p:cNvPicPr>
               <a:picLocks noChangeAspect="1"/>
             </p:cNvPicPr>
@@ -13639,7 +13664,7 @@
         </p:pic>
         <p:pic>
           <p:nvPicPr>
-            <p:cNvPr id="603" name="brick.jpg" descr="brick.jpg"/>
+            <p:cNvPr id="619" name="brick.jpg" descr="brick.jpg"/>
             <p:cNvPicPr>
               <a:picLocks noChangeAspect="1"/>
             </p:cNvPicPr>
@@ -13671,7 +13696,7 @@
       </p:grpSp>
       <p:grpSp>
         <p:nvGrpSpPr>
-          <p:cNvPr id="607" name="グループ"/>
+          <p:cNvPr id="623" name="グループ"/>
           <p:cNvGrpSpPr/>
           <p:nvPr/>
         </p:nvGrpSpPr>
@@ -13685,7 +13710,7 @@
         </p:grpSpPr>
         <p:pic>
           <p:nvPicPr>
-            <p:cNvPr id="605" name="brickYellow.jpg" descr="brickYellow.jpg"/>
+            <p:cNvPr id="621" name="brickYellow.jpg" descr="brickYellow.jpg"/>
             <p:cNvPicPr>
               <a:picLocks noChangeAspect="0"/>
             </p:cNvPicPr>
@@ -13717,7 +13742,7 @@
         </p:pic>
         <p:pic>
           <p:nvPicPr>
-            <p:cNvPr id="606" name="brickYellow.jpg" descr="brickYellow.jpg"/>
+            <p:cNvPr id="622" name="brickYellow.jpg" descr="brickYellow.jpg"/>
             <p:cNvPicPr>
               <a:picLocks noChangeAspect="0"/>
             </p:cNvPicPr>
@@ -13750,7 +13775,7 @@
       </p:grpSp>
       <p:grpSp>
         <p:nvGrpSpPr>
-          <p:cNvPr id="612" name="グループ"/>
+          <p:cNvPr id="628" name="グループ"/>
           <p:cNvGrpSpPr/>
           <p:nvPr/>
         </p:nvGrpSpPr>
@@ -13764,7 +13789,7 @@
         </p:grpSpPr>
         <p:pic>
           <p:nvPicPr>
-            <p:cNvPr id="608" name="brick.jpg" descr="brick.jpg"/>
+            <p:cNvPr id="624" name="brick.jpg" descr="brick.jpg"/>
             <p:cNvPicPr>
               <a:picLocks noChangeAspect="1"/>
             </p:cNvPicPr>
@@ -13795,7 +13820,7 @@
         </p:pic>
         <p:pic>
           <p:nvPicPr>
-            <p:cNvPr id="609" name="brick.jpg" descr="brick.jpg"/>
+            <p:cNvPr id="625" name="brick.jpg" descr="brick.jpg"/>
             <p:cNvPicPr>
               <a:picLocks noChangeAspect="1"/>
             </p:cNvPicPr>
@@ -13826,7 +13851,7 @@
         </p:pic>
         <p:pic>
           <p:nvPicPr>
-            <p:cNvPr id="610" name="brick.jpg" descr="brick.jpg"/>
+            <p:cNvPr id="626" name="brick.jpg" descr="brick.jpg"/>
             <p:cNvPicPr>
               <a:picLocks noChangeAspect="1"/>
             </p:cNvPicPr>
@@ -13857,7 +13882,7 @@
         </p:pic>
         <p:pic>
           <p:nvPicPr>
-            <p:cNvPr id="611" name="brick.jpg" descr="brick.jpg"/>
+            <p:cNvPr id="627" name="brick.jpg" descr="brick.jpg"/>
             <p:cNvPicPr>
               <a:picLocks noChangeAspect="1"/>
             </p:cNvPicPr>
@@ -13889,7 +13914,7 @@
       </p:grpSp>
       <p:sp>
         <p:nvSpPr>
-          <p:cNvPr id="613" name="12:00"/>
+          <p:cNvPr id="629" name="12:00"/>
           <p:cNvSpPr txBox="1"/>
           <p:nvPr/>
         </p:nvSpPr>
@@ -13925,7 +13950,7 @@
       </p:sp>
       <p:sp>
         <p:nvSpPr>
-          <p:cNvPr id="614" name="12:30"/>
+          <p:cNvPr id="630" name="12:30"/>
           <p:cNvSpPr txBox="1"/>
           <p:nvPr/>
         </p:nvSpPr>
@@ -13961,7 +13986,7 @@
       </p:sp>
       <p:sp>
         <p:nvSpPr>
-          <p:cNvPr id="615" name="12:45"/>
+          <p:cNvPr id="631" name="12:45"/>
           <p:cNvSpPr txBox="1"/>
           <p:nvPr/>
         </p:nvSpPr>
@@ -13997,7 +14022,7 @@
       </p:sp>
       <p:sp>
         <p:nvSpPr>
-          <p:cNvPr id="616" name="13:30"/>
+          <p:cNvPr id="632" name="13:30"/>
           <p:cNvSpPr txBox="1"/>
           <p:nvPr/>
         </p:nvSpPr>
@@ -14033,7 +14058,7 @@
       </p:sp>
       <p:sp>
         <p:nvSpPr>
-          <p:cNvPr id="617" name="四角形"/>
+          <p:cNvPr id="633" name="四角形"/>
           <p:cNvSpPr/>
           <p:nvPr/>
         </p:nvSpPr>
@@ -14079,7 +14104,7 @@
       </p:sp>
       <p:grpSp>
         <p:nvGrpSpPr>
-          <p:cNvPr id="620" name="グループ"/>
+          <p:cNvPr id="636" name="グループ"/>
           <p:cNvGrpSpPr/>
           <p:nvPr/>
         </p:nvGrpSpPr>
@@ -14093,7 +14118,7 @@
         </p:grpSpPr>
         <p:sp>
           <p:nvSpPr>
-            <p:cNvPr id="618" name="円形"/>
+            <p:cNvPr id="634" name="円形"/>
             <p:cNvSpPr/>
             <p:nvPr/>
           </p:nvSpPr>
@@ -14140,7 +14165,7 @@
         </p:sp>
         <p:sp>
           <p:nvSpPr>
-            <p:cNvPr id="619" name="四角形"/>
+            <p:cNvPr id="635" name="四角形"/>
             <p:cNvSpPr/>
             <p:nvPr/>
           </p:nvSpPr>
@@ -14188,7 +14213,7 @@
       </p:grpSp>
       <p:grpSp>
         <p:nvGrpSpPr>
-          <p:cNvPr id="623" name="グループ"/>
+          <p:cNvPr id="639" name="グループ"/>
           <p:cNvGrpSpPr/>
           <p:nvPr/>
         </p:nvGrpSpPr>
@@ -14202,7 +14227,7 @@
         </p:grpSpPr>
         <p:sp>
           <p:nvSpPr>
-            <p:cNvPr id="621" name="円形"/>
+            <p:cNvPr id="637" name="円形"/>
             <p:cNvSpPr/>
             <p:nvPr/>
           </p:nvSpPr>
@@ -14249,7 +14274,7 @@
         </p:sp>
         <p:sp>
           <p:nvSpPr>
-            <p:cNvPr id="622" name="四角形"/>
+            <p:cNvPr id="638" name="四角形"/>
             <p:cNvSpPr/>
             <p:nvPr/>
           </p:nvSpPr>
@@ -14297,7 +14322,7 @@
       </p:grpSp>
       <p:grpSp>
         <p:nvGrpSpPr>
-          <p:cNvPr id="626" name="グループ"/>
+          <p:cNvPr id="642" name="グループ"/>
           <p:cNvGrpSpPr/>
           <p:nvPr/>
         </p:nvGrpSpPr>
@@ -14311,7 +14336,7 @@
         </p:grpSpPr>
         <p:sp>
           <p:nvSpPr>
-            <p:cNvPr id="624" name="円形"/>
+            <p:cNvPr id="640" name="円形"/>
             <p:cNvSpPr/>
             <p:nvPr/>
           </p:nvSpPr>
@@ -14358,7 +14383,7 @@
         </p:sp>
         <p:sp>
           <p:nvSpPr>
-            <p:cNvPr id="625" name="四角形"/>
+            <p:cNvPr id="641" name="四角形"/>
             <p:cNvSpPr/>
             <p:nvPr/>
           </p:nvSpPr>
@@ -14406,7 +14431,7 @@
       </p:grpSp>
       <p:grpSp>
         <p:nvGrpSpPr>
-          <p:cNvPr id="629" name="グループ"/>
+          <p:cNvPr id="645" name="グループ"/>
           <p:cNvGrpSpPr/>
           <p:nvPr/>
         </p:nvGrpSpPr>
@@ -14420,7 +14445,7 @@
         </p:grpSpPr>
         <p:sp>
           <p:nvSpPr>
-            <p:cNvPr id="627" name="円形"/>
+            <p:cNvPr id="643" name="円形"/>
             <p:cNvSpPr/>
             <p:nvPr/>
           </p:nvSpPr>
@@ -14467,7 +14492,7 @@
         </p:sp>
         <p:sp>
           <p:nvSpPr>
-            <p:cNvPr id="628" name="四角形"/>
+            <p:cNvPr id="644" name="四角形"/>
             <p:cNvSpPr/>
             <p:nvPr/>
           </p:nvSpPr>
@@ -14515,7 +14540,7 @@
       </p:grpSp>
       <p:grpSp>
         <p:nvGrpSpPr>
-          <p:cNvPr id="633" name="グループ"/>
+          <p:cNvPr id="649" name="グループ"/>
           <p:cNvGrpSpPr/>
           <p:nvPr/>
         </p:nvGrpSpPr>
@@ -14529,7 +14554,7 @@
         </p:grpSpPr>
         <p:sp>
           <p:nvSpPr>
-            <p:cNvPr id="630" name="円形"/>
+            <p:cNvPr id="646" name="円形"/>
             <p:cNvSpPr/>
             <p:nvPr/>
           </p:nvSpPr>
@@ -14576,7 +14601,7 @@
         </p:sp>
         <p:sp>
           <p:nvSpPr>
-            <p:cNvPr id="631" name="四角形"/>
+            <p:cNvPr id="647" name="四角形"/>
             <p:cNvSpPr/>
             <p:nvPr/>
           </p:nvSpPr>
@@ -14623,7 +14648,7 @@
         </p:sp>
         <p:sp>
           <p:nvSpPr>
-            <p:cNvPr id="632" name="四角形"/>
+            <p:cNvPr id="648" name="四角形"/>
             <p:cNvSpPr/>
             <p:nvPr/>
           </p:nvSpPr>
@@ -14671,7 +14696,7 @@
       </p:grpSp>
       <p:sp>
         <p:nvSpPr>
-          <p:cNvPr id="634" name="Git開発の全体イメージ"/>
+          <p:cNvPr id="650" name="Git開発の全体イメージ"/>
           <p:cNvSpPr txBox="1"/>
           <p:nvPr>
             <p:ph type="ctrTitle"/>
@@ -14703,7 +14728,7 @@
       </p:sp>
       <p:sp>
         <p:nvSpPr>
-          <p:cNvPr id="635" name="13:00"/>
+          <p:cNvPr id="651" name="13:00"/>
           <p:cNvSpPr txBox="1"/>
           <p:nvPr/>
         </p:nvSpPr>
@@ -14739,7 +14764,7 @@
       </p:sp>
       <p:grpSp>
         <p:nvGrpSpPr>
-          <p:cNvPr id="642" name="グループ"/>
+          <p:cNvPr id="658" name="グループ"/>
           <p:cNvGrpSpPr/>
           <p:nvPr/>
         </p:nvGrpSpPr>
@@ -14753,7 +14778,7 @@
         </p:grpSpPr>
         <p:sp>
           <p:nvSpPr>
-            <p:cNvPr id="636" name="リポジトリ:13:30"/>
+            <p:cNvPr id="652" name="リポジトリ:13:30"/>
             <p:cNvSpPr txBox="1"/>
             <p:nvPr/>
           </p:nvSpPr>
@@ -14796,7 +14821,7 @@
         </p:sp>
         <p:sp>
           <p:nvSpPr>
-            <p:cNvPr id="637" name="リポジトリ:13:00"/>
+            <p:cNvPr id="653" name="リポジトリ:13:00"/>
             <p:cNvSpPr txBox="1"/>
             <p:nvPr/>
           </p:nvSpPr>
@@ -14839,7 +14864,7 @@
         </p:sp>
         <p:sp>
           <p:nvSpPr>
-            <p:cNvPr id="638" name="リポジトリ:12:45"/>
+            <p:cNvPr id="654" name="リポジトリ:12:45"/>
             <p:cNvSpPr txBox="1"/>
             <p:nvPr/>
           </p:nvSpPr>
@@ -14882,7 +14907,7 @@
         </p:sp>
         <p:sp>
           <p:nvSpPr>
-            <p:cNvPr id="639" name="リポジトリ:12:30"/>
+            <p:cNvPr id="655" name="リポジトリ:12:30"/>
             <p:cNvSpPr txBox="1"/>
             <p:nvPr/>
           </p:nvSpPr>
@@ -14925,7 +14950,7 @@
         </p:sp>
         <p:sp>
           <p:nvSpPr>
-            <p:cNvPr id="640" name="リポジトリ:12:30"/>
+            <p:cNvPr id="656" name="リポジトリ:12:30"/>
             <p:cNvSpPr txBox="1"/>
             <p:nvPr/>
           </p:nvSpPr>
@@ -14968,7 +14993,7 @@
         </p:sp>
         <p:sp>
           <p:nvSpPr>
-            <p:cNvPr id="641" name="リポジトリ:12:00"/>
+            <p:cNvPr id="657" name="リポジトリ:12:00"/>
             <p:cNvSpPr txBox="1"/>
             <p:nvPr/>
           </p:nvSpPr>
@@ -15012,7 +15037,7 @@
       </p:grpSp>
       <p:sp>
         <p:nvSpPr>
-          <p:cNvPr id="643" name="四角形"/>
+          <p:cNvPr id="659" name="四角形"/>
           <p:cNvSpPr/>
           <p:nvPr/>
         </p:nvSpPr>
@@ -15055,7 +15080,7 @@
       </p:sp>
       <p:sp>
         <p:nvSpPr>
-          <p:cNvPr id="644" name="四角形"/>
+          <p:cNvPr id="660" name="四角形"/>
           <p:cNvSpPr/>
           <p:nvPr/>
         </p:nvSpPr>
@@ -15094,7 +15119,7 @@
       </p:sp>
       <p:sp>
         <p:nvSpPr>
-          <p:cNvPr id="645" name="ブランチ…"/>
+          <p:cNvPr id="661" name="ブランチ…"/>
           <p:cNvSpPr txBox="1"/>
           <p:nvPr/>
         </p:nvSpPr>
@@ -15136,7 +15161,7 @@
       </p:sp>
       <p:sp>
         <p:nvSpPr>
-          <p:cNvPr id="646" name="ブランチ…"/>
+          <p:cNvPr id="662" name="ブランチ…"/>
           <p:cNvSpPr txBox="1"/>
           <p:nvPr/>
         </p:nvSpPr>
@@ -15178,7 +15203,7 @@
       </p:sp>
       <p:sp>
         <p:nvSpPr>
-          <p:cNvPr id="647" name="↓"/>
+          <p:cNvPr id="663" name="↓"/>
           <p:cNvSpPr txBox="1"/>
           <p:nvPr/>
         </p:nvSpPr>
@@ -15218,7 +15243,7 @@
       </p:sp>
       <p:sp>
         <p:nvSpPr>
-          <p:cNvPr id="648" name="ブランチマージ"/>
+          <p:cNvPr id="664" name="ブランチマージ"/>
           <p:cNvSpPr txBox="1"/>
           <p:nvPr/>
         </p:nvSpPr>
@@ -15291,7 +15316,7 @@
                                       <p:cBhvr>
                                         <p:cTn id="6" fill="hold"/>
                                         <p:tgtEl>
-                                          <p:spTgt spid="617"/>
+                                          <p:spTgt spid="633"/>
                                         </p:tgtEl>
                                         <p:attrNameLst>
                                           <p:attrName>style.visibility</p:attrName>
@@ -15305,7 +15330,7 @@
                                       <p:cBhvr>
                                         <p:cTn id="7" dur="1000"/>
                                         <p:tgtEl>
-                                          <p:spTgt spid="617"/>
+                                          <p:spTgt spid="633"/>
                                         </p:tgtEl>
                                       </p:cBhvr>
                                     </p:animEffect>
@@ -15343,7 +15368,7 @@
                                       <p:cBhvr>
                                         <p:cTn id="11" fill="hold"/>
                                         <p:tgtEl>
-                                          <p:spTgt spid="583"/>
+                                          <p:spTgt spid="599"/>
                                         </p:tgtEl>
                                         <p:attrNameLst>
                                           <p:attrName>style.visibility</p:attrName>
@@ -15357,7 +15382,7 @@
                                       <p:cBhvr>
                                         <p:cTn id="12" dur="1000"/>
                                         <p:tgtEl>
-                                          <p:spTgt spid="583"/>
+                                          <p:spTgt spid="599"/>
                                         </p:tgtEl>
                                       </p:cBhvr>
                                     </p:animEffect>
@@ -15395,7 +15420,7 @@
                                       <p:cBhvr>
                                         <p:cTn id="16" fill="hold"/>
                                         <p:tgtEl>
-                                          <p:spTgt spid="578"/>
+                                          <p:spTgt spid="594"/>
                                         </p:tgtEl>
                                         <p:attrNameLst>
                                           <p:attrName>style.visibility</p:attrName>
@@ -15409,7 +15434,7 @@
                                       <p:cBhvr>
                                         <p:cTn id="17" dur="1000"/>
                                         <p:tgtEl>
-                                          <p:spTgt spid="578"/>
+                                          <p:spTgt spid="594"/>
                                         </p:tgtEl>
                                       </p:cBhvr>
                                     </p:animEffect>
@@ -15447,7 +15472,7 @@
                                       <p:cBhvr>
                                         <p:cTn id="21" dur="1000" fill="hold"/>
                                         <p:tgtEl>
-                                          <p:spTgt spid="583"/>
+                                          <p:spTgt spid="599"/>
                                         </p:tgtEl>
                                       </p:cBhvr>
                                     </p:animEffect>
@@ -15459,7 +15484,7 @@
                                           </p:stCondLst>
                                         </p:cTn>
                                         <p:tgtEl>
-                                          <p:spTgt spid="583"/>
+                                          <p:spTgt spid="599"/>
                                         </p:tgtEl>
                                         <p:attrNameLst>
                                           <p:attrName>style.visibility</p:attrName>
@@ -15500,7 +15525,7 @@
                                       <p:cBhvr>
                                         <p:cTn id="26" dur="1000" fill="hold"/>
                                         <p:tgtEl>
-                                          <p:spTgt spid="617"/>
+                                          <p:spTgt spid="633"/>
                                         </p:tgtEl>
                                         <p:attrNameLst>
                                           <p:attrName>ppt_x</p:attrName>
@@ -15542,7 +15567,7 @@
                                       <p:cBhvr>
                                         <p:cTn id="30" fill="hold"/>
                                         <p:tgtEl>
-                                          <p:spTgt spid="594"/>
+                                          <p:spTgt spid="610"/>
                                         </p:tgtEl>
                                         <p:attrNameLst>
                                           <p:attrName>style.visibility</p:attrName>
@@ -15556,7 +15581,7 @@
                                       <p:cBhvr>
                                         <p:cTn id="31" dur="1000"/>
                                         <p:tgtEl>
-                                          <p:spTgt spid="594"/>
+                                          <p:spTgt spid="610"/>
                                         </p:tgtEl>
                                       </p:cBhvr>
                                     </p:animEffect>
@@ -15594,7 +15619,7 @@
                                       <p:cBhvr>
                                         <p:cTn id="35" fill="hold"/>
                                         <p:tgtEl>
-                                          <p:spTgt spid="601"/>
+                                          <p:spTgt spid="617"/>
                                         </p:tgtEl>
                                         <p:attrNameLst>
                                           <p:attrName>style.visibility</p:attrName>
@@ -15608,7 +15633,7 @@
                                       <p:cBhvr>
                                         <p:cTn id="36" dur="1000"/>
                                         <p:tgtEl>
-                                          <p:spTgt spid="601"/>
+                                          <p:spTgt spid="617"/>
                                         </p:tgtEl>
                                       </p:cBhvr>
                                     </p:animEffect>
@@ -15646,7 +15671,7 @@
                                       <p:cBhvr>
                                         <p:cTn id="40" fill="hold"/>
                                         <p:tgtEl>
-                                          <p:spTgt spid="620"/>
+                                          <p:spTgt spid="636"/>
                                         </p:tgtEl>
                                         <p:attrNameLst>
                                           <p:attrName>style.visibility</p:attrName>
@@ -15660,7 +15685,7 @@
                                       <p:cBhvr>
                                         <p:cTn id="41" dur="1000"/>
                                         <p:tgtEl>
-                                          <p:spTgt spid="620"/>
+                                          <p:spTgt spid="636"/>
                                         </p:tgtEl>
                                       </p:cBhvr>
                                     </p:animEffect>
@@ -15698,7 +15723,7 @@
                                       <p:cBhvr>
                                         <p:cTn id="45" fill="hold"/>
                                         <p:tgtEl>
-                                          <p:spTgt spid="597"/>
+                                          <p:spTgt spid="613"/>
                                         </p:tgtEl>
                                         <p:attrNameLst>
                                           <p:attrName>style.visibility</p:attrName>
@@ -15712,7 +15737,7 @@
                                       <p:cBhvr>
                                         <p:cTn id="46" dur="1000"/>
                                         <p:tgtEl>
-                                          <p:spTgt spid="597"/>
+                                          <p:spTgt spid="613"/>
                                         </p:tgtEl>
                                       </p:cBhvr>
                                     </p:animEffect>
@@ -15750,7 +15775,7 @@
                                       <p:cBhvr>
                                         <p:cTn id="50" fill="hold"/>
                                         <p:tgtEl>
-                                          <p:spTgt spid="626"/>
+                                          <p:spTgt spid="642"/>
                                         </p:tgtEl>
                                         <p:attrNameLst>
                                           <p:attrName>style.visibility</p:attrName>
@@ -15764,7 +15789,7 @@
                                       <p:cBhvr>
                                         <p:cTn id="51" dur="1000"/>
                                         <p:tgtEl>
-                                          <p:spTgt spid="626"/>
+                                          <p:spTgt spid="642"/>
                                         </p:tgtEl>
                                       </p:cBhvr>
                                     </p:animEffect>
@@ -15799,7 +15824,7 @@
                                       <p:cBhvr>
                                         <p:cTn id="55" dur="1000" fill="hold"/>
                                         <p:tgtEl>
-                                          <p:spTgt spid="617"/>
+                                          <p:spTgt spid="633"/>
                                         </p:tgtEl>
                                         <p:attrNameLst>
                                           <p:attrName>ppt_x</p:attrName>
@@ -15841,7 +15866,7 @@
                                       <p:cBhvr>
                                         <p:cTn id="59" fill="hold"/>
                                         <p:tgtEl>
-                                          <p:spTgt spid="604"/>
+                                          <p:spTgt spid="620"/>
                                         </p:tgtEl>
                                         <p:attrNameLst>
                                           <p:attrName>style.visibility</p:attrName>
@@ -15855,7 +15880,7 @@
                                       <p:cBhvr>
                                         <p:cTn id="60" dur="1000"/>
                                         <p:tgtEl>
-                                          <p:spTgt spid="604"/>
+                                          <p:spTgt spid="620"/>
                                         </p:tgtEl>
                                       </p:cBhvr>
                                     </p:animEffect>
@@ -15893,7 +15918,7 @@
                                       <p:cBhvr>
                                         <p:cTn id="64" fill="hold"/>
                                         <p:tgtEl>
-                                          <p:spTgt spid="623"/>
+                                          <p:spTgt spid="639"/>
                                         </p:tgtEl>
                                         <p:attrNameLst>
                                           <p:attrName>style.visibility</p:attrName>
@@ -15907,7 +15932,7 @@
                                       <p:cBhvr>
                                         <p:cTn id="65" dur="1000"/>
                                         <p:tgtEl>
-                                          <p:spTgt spid="623"/>
+                                          <p:spTgt spid="639"/>
                                         </p:tgtEl>
                                       </p:cBhvr>
                                     </p:animEffect>
@@ -15942,7 +15967,7 @@
                                       <p:cBhvr>
                                         <p:cTn id="69" dur="1000" fill="hold"/>
                                         <p:tgtEl>
-                                          <p:spTgt spid="617"/>
+                                          <p:spTgt spid="633"/>
                                         </p:tgtEl>
                                         <p:attrNameLst>
                                           <p:attrName>ppt_x</p:attrName>
@@ -15984,7 +16009,7 @@
                                       <p:cBhvr>
                                         <p:cTn id="73" fill="hold"/>
                                         <p:tgtEl>
-                                          <p:spTgt spid="607"/>
+                                          <p:spTgt spid="623"/>
                                         </p:tgtEl>
                                         <p:attrNameLst>
                                           <p:attrName>style.visibility</p:attrName>
@@ -15998,7 +16023,7 @@
                                       <p:cBhvr>
                                         <p:cTn id="74" dur="1000"/>
                                         <p:tgtEl>
-                                          <p:spTgt spid="607"/>
+                                          <p:spTgt spid="623"/>
                                         </p:tgtEl>
                                       </p:cBhvr>
                                     </p:animEffect>
@@ -16036,7 +16061,7 @@
                                       <p:cBhvr>
                                         <p:cTn id="78" fill="hold"/>
                                         <p:tgtEl>
-                                          <p:spTgt spid="629"/>
+                                          <p:spTgt spid="645"/>
                                         </p:tgtEl>
                                         <p:attrNameLst>
                                           <p:attrName>style.visibility</p:attrName>
@@ -16050,7 +16075,7 @@
                                       <p:cBhvr>
                                         <p:cTn id="79" dur="500"/>
                                         <p:tgtEl>
-                                          <p:spTgt spid="629"/>
+                                          <p:spTgt spid="645"/>
                                         </p:tgtEl>
                                       </p:cBhvr>
                                     </p:animEffect>
@@ -16085,7 +16110,7 @@
                                       <p:cBhvr>
                                         <p:cTn id="83" dur="1000" fill="hold"/>
                                         <p:tgtEl>
-                                          <p:spTgt spid="617"/>
+                                          <p:spTgt spid="633"/>
                                         </p:tgtEl>
                                         <p:attrNameLst>
                                           <p:attrName>ppt_x</p:attrName>
@@ -16127,7 +16152,7 @@
                                       <p:cBhvr>
                                         <p:cTn id="87" dur="1000" fill="hold"/>
                                         <p:tgtEl>
-                                          <p:spTgt spid="594"/>
+                                          <p:spTgt spid="610"/>
                                         </p:tgtEl>
                                       </p:cBhvr>
                                     </p:animEffect>
@@ -16139,7 +16164,7 @@
                                           </p:stCondLst>
                                         </p:cTn>
                                         <p:tgtEl>
-                                          <p:spTgt spid="594"/>
+                                          <p:spTgt spid="610"/>
                                         </p:tgtEl>
                                         <p:attrNameLst>
                                           <p:attrName>style.visibility</p:attrName>
@@ -16183,7 +16208,7 @@
                                       <p:cBhvr>
                                         <p:cTn id="92" fill="hold"/>
                                         <p:tgtEl>
-                                          <p:spTgt spid="612"/>
+                                          <p:spTgt spid="628"/>
                                         </p:tgtEl>
                                         <p:attrNameLst>
                                           <p:attrName>style.visibility</p:attrName>
@@ -16197,7 +16222,7 @@
                                       <p:cBhvr>
                                         <p:cTn id="93" dur="1000"/>
                                         <p:tgtEl>
-                                          <p:spTgt spid="612"/>
+                                          <p:spTgt spid="628"/>
                                         </p:tgtEl>
                                       </p:cBhvr>
                                     </p:animEffect>
@@ -16232,7 +16257,7 @@
                                       <p:cBhvr>
                                         <p:cTn id="97" dur="1000" fill="hold"/>
                                         <p:tgtEl>
-                                          <p:spTgt spid="601"/>
+                                          <p:spTgt spid="617"/>
                                         </p:tgtEl>
                                         <p:attrNameLst>
                                           <p:attrName>ppt_x</p:attrName>
@@ -16271,7 +16296,7 @@
                                       <p:cBhvr>
                                         <p:cTn id="101" dur="1000" fill="hold"/>
                                         <p:tgtEl>
-                                          <p:spTgt spid="604"/>
+                                          <p:spTgt spid="620"/>
                                         </p:tgtEl>
                                         <p:attrNameLst>
                                           <p:attrName>ppt_x</p:attrName>
@@ -16310,7 +16335,7 @@
                                       <p:cBhvr>
                                         <p:cTn id="105" dur="1000" fill="hold"/>
                                         <p:tgtEl>
-                                          <p:spTgt spid="597"/>
+                                          <p:spTgt spid="613"/>
                                         </p:tgtEl>
                                         <p:attrNameLst>
                                           <p:attrName>ppt_x</p:attrName>
@@ -16349,7 +16374,7 @@
                                       <p:cBhvr>
                                         <p:cTn id="109" dur="1000" fill="hold"/>
                                         <p:tgtEl>
-                                          <p:spTgt spid="607"/>
+                                          <p:spTgt spid="623"/>
                                         </p:tgtEl>
                                         <p:attrNameLst>
                                           <p:attrName>ppt_x</p:attrName>
@@ -16391,7 +16416,7 @@
                                       <p:cBhvr>
                                         <p:cTn id="113" fill="hold"/>
                                         <p:tgtEl>
-                                          <p:spTgt spid="633"/>
+                                          <p:spTgt spid="649"/>
                                         </p:tgtEl>
                                         <p:attrNameLst>
                                           <p:attrName>style.visibility</p:attrName>
@@ -16405,7 +16430,7 @@
                                       <p:cBhvr>
                                         <p:cTn id="114" dur="1000"/>
                                         <p:tgtEl>
-                                          <p:spTgt spid="633"/>
+                                          <p:spTgt spid="649"/>
                                         </p:tgtEl>
                                       </p:cBhvr>
                                     </p:animEffect>
@@ -16443,7 +16468,7 @@
                                       <p:cBhvr>
                                         <p:cTn id="118" fill="hold"/>
                                         <p:tgtEl>
-                                          <p:spTgt spid="642"/>
+                                          <p:spTgt spid="658"/>
                                         </p:tgtEl>
                                         <p:attrNameLst>
                                           <p:attrName>style.visibility</p:attrName>
@@ -16457,7 +16482,7 @@
                                       <p:cBhvr>
                                         <p:cTn id="119" dur="1500"/>
                                         <p:tgtEl>
-                                          <p:spTgt spid="642"/>
+                                          <p:spTgt spid="658"/>
                                         </p:tgtEl>
                                       </p:cBhvr>
                                     </p:animEffect>
@@ -16495,7 +16520,7 @@
                                       <p:cBhvr>
                                         <p:cTn id="123" dur="1000" fill="hold"/>
                                         <p:tgtEl>
-                                          <p:spTgt spid="642"/>
+                                          <p:spTgt spid="658"/>
                                         </p:tgtEl>
                                       </p:cBhvr>
                                     </p:animEffect>
@@ -16507,7 +16532,7 @@
                                           </p:stCondLst>
                                         </p:cTn>
                                         <p:tgtEl>
-                                          <p:spTgt spid="642"/>
+                                          <p:spTgt spid="658"/>
                                         </p:tgtEl>
                                         <p:attrNameLst>
                                           <p:attrName>style.visibility</p:attrName>
@@ -16551,7 +16576,7 @@
                                       <p:cBhvr>
                                         <p:cTn id="128" fill="hold"/>
                                         <p:tgtEl>
-                                          <p:spTgt spid="643"/>
+                                          <p:spTgt spid="659"/>
                                         </p:tgtEl>
                                         <p:attrNameLst>
                                           <p:attrName>style.visibility</p:attrName>
@@ -16565,7 +16590,7 @@
                                       <p:cBhvr>
                                         <p:cTn id="129" dur="1000"/>
                                         <p:tgtEl>
-                                          <p:spTgt spid="643"/>
+                                          <p:spTgt spid="659"/>
                                         </p:tgtEl>
                                       </p:cBhvr>
                                     </p:animEffect>
@@ -16603,7 +16628,7 @@
                                       <p:cBhvr>
                                         <p:cTn id="133" fill="hold"/>
                                         <p:tgtEl>
-                                          <p:spTgt spid="644"/>
+                                          <p:spTgt spid="660"/>
                                         </p:tgtEl>
                                         <p:attrNameLst>
                                           <p:attrName>style.visibility</p:attrName>
@@ -16617,7 +16642,7 @@
                                       <p:cBhvr>
                                         <p:cTn id="134" dur="1000"/>
                                         <p:tgtEl>
-                                          <p:spTgt spid="644"/>
+                                          <p:spTgt spid="660"/>
                                         </p:tgtEl>
                                       </p:cBhvr>
                                     </p:animEffect>
@@ -16655,7 +16680,7 @@
                                       <p:cBhvr>
                                         <p:cTn id="138" fill="hold"/>
                                         <p:tgtEl>
-                                          <p:spTgt spid="645"/>
+                                          <p:spTgt spid="661"/>
                                         </p:tgtEl>
                                         <p:attrNameLst>
                                           <p:attrName>style.visibility</p:attrName>
@@ -16669,7 +16694,7 @@
                                       <p:cBhvr>
                                         <p:cTn id="139" dur="1000"/>
                                         <p:tgtEl>
-                                          <p:spTgt spid="645"/>
+                                          <p:spTgt spid="661"/>
                                         </p:tgtEl>
                                       </p:cBhvr>
                                     </p:animEffect>
@@ -16707,7 +16732,7 @@
                                       <p:cBhvr>
                                         <p:cTn id="143" fill="hold"/>
                                         <p:tgtEl>
-                                          <p:spTgt spid="646"/>
+                                          <p:spTgt spid="662"/>
                                         </p:tgtEl>
                                         <p:attrNameLst>
                                           <p:attrName>style.visibility</p:attrName>
@@ -16721,7 +16746,7 @@
                                       <p:cBhvr>
                                         <p:cTn id="144" dur="1000"/>
                                         <p:tgtEl>
-                                          <p:spTgt spid="646"/>
+                                          <p:spTgt spid="662"/>
                                         </p:tgtEl>
                                       </p:cBhvr>
                                     </p:animEffect>
@@ -16759,7 +16784,7 @@
                                       <p:cBhvr>
                                         <p:cTn id="148" fill="hold"/>
                                         <p:tgtEl>
-                                          <p:spTgt spid="648"/>
+                                          <p:spTgt spid="664"/>
                                         </p:tgtEl>
                                         <p:attrNameLst>
                                           <p:attrName>style.visibility</p:attrName>
@@ -16773,7 +16798,7 @@
                                       <p:cBhvr>
                                         <p:cTn id="149" dur="1000"/>
                                         <p:tgtEl>
-                                          <p:spTgt spid="648"/>
+                                          <p:spTgt spid="664"/>
                                         </p:tgtEl>
                                       </p:cBhvr>
                                     </p:animEffect>
@@ -16811,7 +16836,7 @@
                                       <p:cBhvr>
                                         <p:cTn id="153" fill="hold"/>
                                         <p:tgtEl>
-                                          <p:spTgt spid="647"/>
+                                          <p:spTgt spid="663"/>
                                         </p:tgtEl>
                                         <p:attrNameLst>
                                           <p:attrName>style.visibility</p:attrName>
@@ -16825,7 +16850,7 @@
                                       <p:cBhvr>
                                         <p:cTn id="154" dur="1000"/>
                                         <p:tgtEl>
-                                          <p:spTgt spid="647"/>
+                                          <p:spTgt spid="663"/>
                                         </p:tgtEl>
                                       </p:cBhvr>
                                     </p:animEffect>
@@ -16860,30 +16885,30 @@
       </p:par>
     </p:tnLst>
     <p:bldLst>
-      <p:bldP build="whole" bldLvl="1" animBg="1" rev="0" advAuto="0" spid="601" grpId="7"/>
-      <p:bldP build="whole" bldLvl="1" animBg="1" rev="0" advAuto="0" spid="629" grpId="16"/>
-      <p:bldP build="whole" bldLvl="1" animBg="1" rev="0" advAuto="0" spid="612" grpId="19"/>
-      <p:bldP build="whole" bldLvl="1" animBg="1" rev="0" advAuto="0" spid="645" grpId="29"/>
-      <p:bldP build="whole" bldLvl="1" animBg="1" rev="0" advAuto="0" spid="623" grpId="13"/>
-      <p:bldP build="whole" bldLvl="1" animBg="1" rev="0" advAuto="0" spid="604" grpId="12"/>
-      <p:bldP build="whole" bldLvl="1" animBg="1" rev="0" advAuto="0" spid="607" grpId="15"/>
-      <p:bldP build="whole" bldLvl="1" animBg="1" rev="0" advAuto="0" spid="646" grpId="30"/>
-      <p:bldP build="whole" bldLvl="1" animBg="1" rev="0" advAuto="0" spid="648" grpId="31"/>
-      <p:bldP build="whole" bldLvl="1" animBg="1" rev="0" advAuto="0" spid="578" grpId="3"/>
-      <p:bldP build="whole" bldLvl="1" animBg="1" rev="0" advAuto="0" spid="643" grpId="27"/>
-      <p:bldP build="whole" bldLvl="1" animBg="1" rev="0" advAuto="0" spid="626" grpId="10"/>
-      <p:bldP build="whole" bldLvl="1" animBg="1" rev="0" advAuto="0" spid="617" grpId="1"/>
-      <p:bldP build="whole" bldLvl="1" animBg="1" rev="0" advAuto="0" spid="594" grpId="6"/>
-      <p:bldP build="whole" bldLvl="1" animBg="1" rev="0" advAuto="0" spid="642" grpId="26"/>
-      <p:bldP build="whole" bldLvl="1" animBg="1" rev="0" advAuto="0" spid="620" grpId="8"/>
-      <p:bldP build="whole" bldLvl="1" animBg="1" rev="0" advAuto="0" spid="633" grpId="24"/>
-      <p:bldP build="whole" bldLvl="1" animBg="1" rev="0" advAuto="0" spid="597" grpId="9"/>
-      <p:bldP build="whole" bldLvl="1" animBg="1" rev="0" advAuto="0" spid="642" grpId="25"/>
-      <p:bldP build="whole" bldLvl="1" animBg="1" rev="0" advAuto="0" spid="647" grpId="32"/>
-      <p:bldP build="whole" bldLvl="1" animBg="1" rev="0" advAuto="0" spid="583" grpId="2"/>
-      <p:bldP build="whole" bldLvl="1" animBg="1" rev="0" advAuto="0" spid="583" grpId="4"/>
-      <p:bldP build="whole" bldLvl="1" animBg="1" rev="0" advAuto="0" spid="594" grpId="18"/>
-      <p:bldP build="whole" bldLvl="1" animBg="1" rev="0" advAuto="0" spid="644" grpId="28"/>
+      <p:bldP build="whole" bldLvl="1" animBg="1" rev="0" advAuto="0" spid="642" grpId="10"/>
+      <p:bldP build="whole" bldLvl="1" animBg="1" rev="0" advAuto="0" spid="659" grpId="27"/>
+      <p:bldP build="whole" bldLvl="1" animBg="1" rev="0" advAuto="0" spid="610" grpId="6"/>
+      <p:bldP build="whole" bldLvl="1" animBg="1" rev="0" advAuto="0" spid="649" grpId="24"/>
+      <p:bldP build="whole" bldLvl="1" animBg="1" rev="0" advAuto="0" spid="658" grpId="25"/>
+      <p:bldP build="whole" bldLvl="1" animBg="1" rev="0" advAuto="0" spid="658" grpId="26"/>
+      <p:bldP build="whole" bldLvl="1" animBg="1" rev="0" advAuto="0" spid="613" grpId="9"/>
+      <p:bldP build="whole" bldLvl="1" animBg="1" rev="0" advAuto="0" spid="633" grpId="1"/>
+      <p:bldP build="whole" bldLvl="1" animBg="1" rev="0" advAuto="0" spid="599" grpId="2"/>
+      <p:bldP build="whole" bldLvl="1" animBg="1" rev="0" advAuto="0" spid="636" grpId="8"/>
+      <p:bldP build="whole" bldLvl="1" animBg="1" rev="0" advAuto="0" spid="599" grpId="4"/>
+      <p:bldP build="whole" bldLvl="1" animBg="1" rev="0" advAuto="0" spid="660" grpId="28"/>
+      <p:bldP build="whole" bldLvl="1" animBg="1" rev="0" advAuto="0" spid="661" grpId="29"/>
+      <p:bldP build="whole" bldLvl="1" animBg="1" rev="0" advAuto="0" spid="610" grpId="18"/>
+      <p:bldP build="whole" bldLvl="1" animBg="1" rev="0" advAuto="0" spid="617" grpId="7"/>
+      <p:bldP build="whole" bldLvl="1" animBg="1" rev="0" advAuto="0" spid="645" grpId="16"/>
+      <p:bldP build="whole" bldLvl="1" animBg="1" rev="0" advAuto="0" spid="594" grpId="3"/>
+      <p:bldP build="whole" bldLvl="1" animBg="1" rev="0" advAuto="0" spid="628" grpId="19"/>
+      <p:bldP build="whole" bldLvl="1" animBg="1" rev="0" advAuto="0" spid="639" grpId="13"/>
+      <p:bldP build="whole" bldLvl="1" animBg="1" rev="0" advAuto="0" spid="620" grpId="12"/>
+      <p:bldP build="whole" bldLvl="1" animBg="1" rev="0" advAuto="0" spid="662" grpId="30"/>
+      <p:bldP build="whole" bldLvl="1" animBg="1" rev="0" advAuto="0" spid="623" grpId="15"/>
+      <p:bldP build="whole" bldLvl="1" animBg="1" rev="0" advAuto="0" spid="663" grpId="32"/>
+      <p:bldP build="whole" bldLvl="1" animBg="1" rev="0" advAuto="0" spid="664" grpId="31"/>
     </p:bldLst>
   </p:timing>
 </p:sld>
@@ -16908,7 +16933,7 @@
       </p:grpSpPr>
       <p:sp>
         <p:nvSpPr>
-          <p:cNvPr id="650" name="Hands on 3"/>
+          <p:cNvPr id="666" name="Hands on 3"/>
           <p:cNvSpPr txBox="1"/>
           <p:nvPr/>
         </p:nvSpPr>
@@ -16953,7 +16978,7 @@
       </p:sp>
       <p:sp>
         <p:nvSpPr>
-          <p:cNvPr id="651" name="四角形"/>
+          <p:cNvPr id="667" name="四角形"/>
           <p:cNvSpPr/>
           <p:nvPr/>
         </p:nvSpPr>
@@ -16992,7 +17017,7 @@
       </p:sp>
       <p:sp>
         <p:nvSpPr>
-          <p:cNvPr id="652" name="四角形"/>
+          <p:cNvPr id="668" name="四角形"/>
           <p:cNvSpPr/>
           <p:nvPr/>
         </p:nvSpPr>
@@ -17031,7 +17056,7 @@
       </p:sp>
       <p:sp>
         <p:nvSpPr>
-          <p:cNvPr id="653" name="HelloGit.txt"/>
+          <p:cNvPr id="669" name="HelloGit.txt"/>
           <p:cNvSpPr txBox="1"/>
           <p:nvPr/>
         </p:nvSpPr>
@@ -17067,7 +17092,7 @@
       </p:sp>
       <p:sp>
         <p:nvSpPr>
-          <p:cNvPr id="654" name="I like Git"/>
+          <p:cNvPr id="670" name="I like Git"/>
           <p:cNvSpPr txBox="1"/>
           <p:nvPr/>
         </p:nvSpPr>
@@ -17103,7 +17128,7 @@
       </p:sp>
       <p:sp>
         <p:nvSpPr>
-          <p:cNvPr id="655" name="Let’s go"/>
+          <p:cNvPr id="671" name="Let’s go"/>
           <p:cNvSpPr txBox="1"/>
           <p:nvPr/>
         </p:nvSpPr>
@@ -17139,7 +17164,7 @@
       </p:sp>
       <p:sp>
         <p:nvSpPr>
-          <p:cNvPr id="656" name="#git reset —hard…"/>
+          <p:cNvPr id="672" name="#git reset —hard…"/>
           <p:cNvSpPr txBox="1"/>
           <p:nvPr/>
         </p:nvSpPr>
@@ -17265,7 +17290,7 @@
       </p:sp>
       <p:sp>
         <p:nvSpPr>
-          <p:cNvPr id="657" name="四角形"/>
+          <p:cNvPr id="673" name="四角形"/>
           <p:cNvSpPr/>
           <p:nvPr/>
         </p:nvSpPr>
@@ -17304,7 +17329,7 @@
       </p:sp>
       <p:sp>
         <p:nvSpPr>
-          <p:cNvPr id="658" name="HelloGit.txt"/>
+          <p:cNvPr id="674" name="HelloGit.txt"/>
           <p:cNvSpPr txBox="1"/>
           <p:nvPr/>
         </p:nvSpPr>
@@ -17340,7 +17365,7 @@
       </p:sp>
       <p:sp>
         <p:nvSpPr>
-          <p:cNvPr id="659" name="I like Git"/>
+          <p:cNvPr id="675" name="I like Git"/>
           <p:cNvSpPr txBox="1"/>
           <p:nvPr/>
         </p:nvSpPr>
@@ -17376,7 +17401,7 @@
       </p:sp>
       <p:sp>
         <p:nvSpPr>
-          <p:cNvPr id="660" name="Let’s go"/>
+          <p:cNvPr id="676" name="Let’s go"/>
           <p:cNvSpPr txBox="1"/>
           <p:nvPr/>
         </p:nvSpPr>
@@ -17412,7 +17437,7 @@
       </p:sp>
       <p:sp>
         <p:nvSpPr>
-          <p:cNvPr id="661" name="I am monster"/>
+          <p:cNvPr id="677" name="I am monster"/>
           <p:cNvSpPr txBox="1"/>
           <p:nvPr/>
         </p:nvSpPr>
@@ -17452,7 +17477,7 @@
       </p:sp>
       <p:sp>
         <p:nvSpPr>
-          <p:cNvPr id="662" name="矢印"/>
+          <p:cNvPr id="678" name="矢印"/>
           <p:cNvSpPr/>
           <p:nvPr/>
         </p:nvSpPr>
@@ -17494,7 +17519,7 @@
       </p:sp>
       <p:sp>
         <p:nvSpPr>
-          <p:cNvPr id="663" name="branch:master"/>
+          <p:cNvPr id="679" name="branch:master"/>
           <p:cNvSpPr txBox="1"/>
           <p:nvPr/>
         </p:nvSpPr>
@@ -17530,7 +17555,7 @@
       </p:sp>
       <p:sp>
         <p:nvSpPr>
-          <p:cNvPr id="664" name="branch:monster"/>
+          <p:cNvPr id="680" name="branch:monster"/>
           <p:cNvSpPr txBox="1"/>
           <p:nvPr/>
         </p:nvSpPr>
@@ -17566,7 +17591,7 @@
       </p:sp>
       <p:sp>
         <p:nvSpPr>
-          <p:cNvPr id="665" name="四角形"/>
+          <p:cNvPr id="681" name="四角形"/>
           <p:cNvSpPr/>
           <p:nvPr/>
         </p:nvSpPr>
@@ -17605,7 +17630,7 @@
       </p:sp>
       <p:sp>
         <p:nvSpPr>
-          <p:cNvPr id="666" name="HelloGit.txt"/>
+          <p:cNvPr id="682" name="HelloGit.txt"/>
           <p:cNvSpPr txBox="1"/>
           <p:nvPr/>
         </p:nvSpPr>
@@ -17641,7 +17666,7 @@
       </p:sp>
       <p:sp>
         <p:nvSpPr>
-          <p:cNvPr id="667" name="I like Git"/>
+          <p:cNvPr id="683" name="I like Git"/>
           <p:cNvSpPr txBox="1"/>
           <p:nvPr/>
         </p:nvSpPr>
@@ -17677,7 +17702,7 @@
       </p:sp>
       <p:sp>
         <p:nvSpPr>
-          <p:cNvPr id="668" name="Let’s go"/>
+          <p:cNvPr id="684" name="Let’s go"/>
           <p:cNvSpPr txBox="1"/>
           <p:nvPr/>
         </p:nvSpPr>
@@ -17713,7 +17738,7 @@
       </p:sp>
       <p:sp>
         <p:nvSpPr>
-          <p:cNvPr id="669" name="I am monster"/>
+          <p:cNvPr id="685" name="I am monster"/>
           <p:cNvSpPr txBox="1"/>
           <p:nvPr/>
         </p:nvSpPr>
@@ -17753,7 +17778,7 @@
       </p:sp>
       <p:sp>
         <p:nvSpPr>
-          <p:cNvPr id="670" name="git reset —hard.              既存の編集とインディクスを廃棄…"/>
+          <p:cNvPr id="686" name="git reset —hard.              既存の編集とインディクスを廃棄…"/>
           <p:cNvSpPr txBox="1"/>
           <p:nvPr/>
         </p:nvSpPr>
@@ -17819,7 +17844,7 @@
       </p:sp>
       <p:sp>
         <p:nvSpPr>
-          <p:cNvPr id="671" name="矢印"/>
+          <p:cNvPr id="687" name="矢印"/>
           <p:cNvSpPr/>
           <p:nvPr/>
         </p:nvSpPr>
@@ -17887,7 +17912,7 @@
       </p:grpSpPr>
       <p:sp>
         <p:nvSpPr>
-          <p:cNvPr id="673" name="Hands on 4"/>
+          <p:cNvPr id="689" name="Hands on 4"/>
           <p:cNvSpPr txBox="1"/>
           <p:nvPr/>
         </p:nvSpPr>
@@ -17932,7 +17957,7 @@
       </p:sp>
       <p:sp>
         <p:nvSpPr>
-          <p:cNvPr id="674" name="四角形"/>
+          <p:cNvPr id="690" name="四角形"/>
           <p:cNvSpPr/>
           <p:nvPr/>
         </p:nvSpPr>
@@ -17971,7 +17996,7 @@
       </p:sp>
       <p:sp>
         <p:nvSpPr>
-          <p:cNvPr id="675" name="HelloGit.txtを編集する…"/>
+          <p:cNvPr id="691" name="HelloGit.txtを編集する…"/>
           <p:cNvSpPr txBox="1"/>
           <p:nvPr/>
         </p:nvSpPr>
@@ -18018,7 +18043,7 @@
               </a:defRPr>
             </a:pPr>
             <a:r>
-              <a:t>git status</a:t>
+              <a:t>#git status</a:t>
             </a:r>
           </a:p>
           <a:p>
@@ -18030,7 +18055,7 @@
               </a:defRPr>
             </a:pPr>
             <a:r>
-              <a:t>git diff</a:t>
+              <a:t>#git diff</a:t>
             </a:r>
           </a:p>
           <a:p>
@@ -18042,7 +18067,7 @@
               </a:defRPr>
             </a:pPr>
             <a:r>
-              <a:t>git stash</a:t>
+              <a:t>#git stash</a:t>
             </a:r>
           </a:p>
           <a:p>
@@ -18054,7 +18079,7 @@
               </a:defRPr>
             </a:pPr>
             <a:r>
-              <a:t>git stash pop</a:t>
+              <a:t>#git stash pop</a:t>
             </a:r>
           </a:p>
           <a:p>
@@ -18066,14 +18091,14 @@
               </a:defRPr>
             </a:pPr>
             <a:r>
-              <a:t>git status </a:t>
+              <a:t>#git status </a:t>
             </a:r>
           </a:p>
         </p:txBody>
       </p:sp>
       <p:sp>
         <p:nvSpPr>
-          <p:cNvPr id="676" name="四角形"/>
+          <p:cNvPr id="692" name="四角形"/>
           <p:cNvSpPr/>
           <p:nvPr/>
         </p:nvSpPr>
@@ -18112,7 +18137,7 @@
       </p:sp>
       <p:sp>
         <p:nvSpPr>
-          <p:cNvPr id="677" name="HelloGit.txt"/>
+          <p:cNvPr id="693" name="HelloGit.txt"/>
           <p:cNvSpPr txBox="1"/>
           <p:nvPr/>
         </p:nvSpPr>
@@ -18148,7 +18173,7 @@
       </p:sp>
       <p:sp>
         <p:nvSpPr>
-          <p:cNvPr id="678" name="I like Git"/>
+          <p:cNvPr id="694" name="I like Git"/>
           <p:cNvSpPr txBox="1"/>
           <p:nvPr/>
         </p:nvSpPr>
@@ -18184,7 +18209,7 @@
       </p:sp>
       <p:sp>
         <p:nvSpPr>
-          <p:cNvPr id="679" name="Let’s go"/>
+          <p:cNvPr id="695" name="Let’s go"/>
           <p:cNvSpPr txBox="1"/>
           <p:nvPr/>
         </p:nvSpPr>
@@ -18220,7 +18245,7 @@
       </p:sp>
       <p:sp>
         <p:nvSpPr>
-          <p:cNvPr id="680" name="四角形"/>
+          <p:cNvPr id="696" name="四角形"/>
           <p:cNvSpPr/>
           <p:nvPr/>
         </p:nvSpPr>
@@ -18259,7 +18284,7 @@
       </p:sp>
       <p:sp>
         <p:nvSpPr>
-          <p:cNvPr id="681" name="HelloGit.txt"/>
+          <p:cNvPr id="697" name="HelloGit.txt"/>
           <p:cNvSpPr txBox="1"/>
           <p:nvPr/>
         </p:nvSpPr>
@@ -18295,7 +18320,7 @@
       </p:sp>
       <p:sp>
         <p:nvSpPr>
-          <p:cNvPr id="682" name="I like Git"/>
+          <p:cNvPr id="698" name="I like Git"/>
           <p:cNvSpPr txBox="1"/>
           <p:nvPr/>
         </p:nvSpPr>
@@ -18331,7 +18356,7 @@
       </p:sp>
       <p:sp>
         <p:nvSpPr>
-          <p:cNvPr id="683" name="Let’s go"/>
+          <p:cNvPr id="699" name="Let’s go"/>
           <p:cNvSpPr txBox="1"/>
           <p:nvPr/>
         </p:nvSpPr>
@@ -18367,7 +18392,7 @@
       </p:sp>
       <p:sp>
         <p:nvSpPr>
-          <p:cNvPr id="684" name="Follow me"/>
+          <p:cNvPr id="700" name="Follow me"/>
           <p:cNvSpPr txBox="1"/>
           <p:nvPr/>
         </p:nvSpPr>
@@ -18411,7 +18436,7 @@
       </p:sp>
       <p:sp>
         <p:nvSpPr>
-          <p:cNvPr id="685" name="矢印"/>
+          <p:cNvPr id="701" name="矢印"/>
           <p:cNvSpPr/>
           <p:nvPr/>
         </p:nvSpPr>
@@ -18453,7 +18478,7 @@
       </p:sp>
       <p:sp>
         <p:nvSpPr>
-          <p:cNvPr id="686" name="四角形"/>
+          <p:cNvPr id="702" name="四角形"/>
           <p:cNvSpPr/>
           <p:nvPr/>
         </p:nvSpPr>
@@ -18492,7 +18517,7 @@
       </p:sp>
       <p:sp>
         <p:nvSpPr>
-          <p:cNvPr id="687" name="Follow me"/>
+          <p:cNvPr id="703" name="Follow me"/>
           <p:cNvSpPr txBox="1"/>
           <p:nvPr/>
         </p:nvSpPr>
@@ -18536,7 +18561,7 @@
       </p:sp>
       <p:sp>
         <p:nvSpPr>
-          <p:cNvPr id="688" name="HelloGit.txt"/>
+          <p:cNvPr id="704" name="HelloGit.txt"/>
           <p:cNvSpPr txBox="1"/>
           <p:nvPr/>
         </p:nvSpPr>
@@ -18572,7 +18597,7 @@
       </p:sp>
       <p:sp>
         <p:nvSpPr>
-          <p:cNvPr id="689" name="I like Git"/>
+          <p:cNvPr id="705" name="I like Git"/>
           <p:cNvSpPr txBox="1"/>
           <p:nvPr/>
         </p:nvSpPr>
@@ -18608,7 +18633,7 @@
       </p:sp>
       <p:sp>
         <p:nvSpPr>
-          <p:cNvPr id="690" name="Let’s go"/>
+          <p:cNvPr id="706" name="Let’s go"/>
           <p:cNvSpPr txBox="1"/>
           <p:nvPr/>
         </p:nvSpPr>
@@ -18644,7 +18669,7 @@
       </p:sp>
       <p:sp>
         <p:nvSpPr>
-          <p:cNvPr id="691" name="Stash zone"/>
+          <p:cNvPr id="707" name="Stash zone"/>
           <p:cNvSpPr txBox="1"/>
           <p:nvPr/>
         </p:nvSpPr>
@@ -18680,7 +18705,7 @@
       </p:sp>
       <p:sp>
         <p:nvSpPr>
-          <p:cNvPr id="692" name="git stash            編集分とインディクスを一時退避する…"/>
+          <p:cNvPr id="708" name="git stash            編集分とインディクスを一時退避する…"/>
           <p:cNvSpPr txBox="1"/>
           <p:nvPr/>
         </p:nvSpPr>
@@ -22163,14 +22188,14 @@
       </p:par>
     </p:tnLst>
     <p:bldLst>
-      <p:bldP build="whole" bldLvl="1" animBg="1" rev="0" advAuto="0" spid="144" grpId="7"/>
+      <p:bldP build="whole" bldLvl="1" animBg="1" rev="0" advAuto="0" spid="123" grpId="2"/>
       <p:bldP build="whole" bldLvl="1" animBg="1" rev="0" advAuto="0" spid="129" grpId="5"/>
+      <p:bldP build="whole" bldLvl="1" animBg="1" rev="0" advAuto="0" spid="143" grpId="6"/>
+      <p:bldP build="whole" bldLvl="1" animBg="1" rev="0" advAuto="0" spid="126" grpId="4"/>
       <p:bldP build="whole" bldLvl="1" animBg="1" rev="0" advAuto="0" spid="140" grpId="3"/>
-      <p:bldP build="whole" bldLvl="1" animBg="1" rev="0" advAuto="0" spid="123" grpId="2"/>
-      <p:bldP build="whole" bldLvl="1" animBg="1" rev="0" advAuto="0" spid="126" grpId="4"/>
-      <p:bldP build="whole" bldLvl="1" animBg="1" rev="0" advAuto="0" spid="143" grpId="6"/>
       <p:bldP build="whole" bldLvl="1" animBg="1" rev="0" advAuto="0" spid="144" grpId="16"/>
       <p:bldP build="whole" bldLvl="1" animBg="1" rev="0" advAuto="0" spid="132" grpId="1"/>
+      <p:bldP build="whole" bldLvl="1" animBg="1" rev="0" advAuto="0" spid="144" grpId="7"/>
     </p:bldLst>
   </p:timing>
 </p:sld>
@@ -22712,14 +22737,14 @@
       </p:sp>
       <p:sp>
         <p:nvSpPr>
-          <p:cNvPr id="160" name="天気がいいね散歩しましょう"/>
+          <p:cNvPr id="160" name="A支店"/>
           <p:cNvSpPr txBox="1"/>
           <p:nvPr/>
         </p:nvSpPr>
         <p:spPr>
           <a:xfrm>
-            <a:off x="1900564" y="3362412"/>
-            <a:ext cx="3581401" cy="374651"/>
+            <a:off x="2038400" y="3778337"/>
+            <a:ext cx="863195" cy="374651"/>
           </a:xfrm>
           <a:prstGeom prst="rect">
             <a:avLst/>
@@ -22745,381 +22770,21 @@
           <a:p>
             <a:pPr/>
             <a:r>
-              <a:t>天気がいいね散歩しましょう</a:t>
+              <a:t>A支店</a:t>
             </a:r>
           </a:p>
         </p:txBody>
       </p:sp>
       <p:sp>
         <p:nvSpPr>
-          <p:cNvPr id="161" name="天気がいいね散歩しましょう"/>
+          <p:cNvPr id="161" name="PLVer5.91.zip"/>
           <p:cNvSpPr txBox="1"/>
           <p:nvPr/>
         </p:nvSpPr>
         <p:spPr>
           <a:xfrm>
-            <a:off x="1900564" y="3794212"/>
-            <a:ext cx="3581401" cy="374651"/>
-          </a:xfrm>
-          <a:prstGeom prst="rect">
-            <a:avLst/>
-          </a:prstGeom>
-          <a:ln w="12700">
-            <a:miter lim="400000"/>
-          </a:ln>
-          <a:extLst>
-            <a:ext uri="{C572A759-6A51-4108-AA02-DFA0A04FC94B}">
-              <ma14:wrappingTextBoxFlag xmlns:ma14="http://schemas.microsoft.com/office/mac/drawingml/2011/main" val="1"/>
-            </a:ext>
-          </a:extLst>
-        </p:spPr>
-        <p:txBody>
-          <a:bodyPr wrap="none" lIns="50800" tIns="50800" rIns="50800" bIns="50800" anchor="ctr">
-            <a:spAutoFit/>
-          </a:bodyPr>
-          <a:lstStyle>
-            <a:lvl1pPr>
-              <a:defRPr sz="2100"/>
-            </a:lvl1pPr>
-          </a:lstStyle>
-          <a:p>
-            <a:pPr/>
-            <a:r>
-              <a:t>天気がいいね散歩しましょう</a:t>
-            </a:r>
-          </a:p>
-        </p:txBody>
-      </p:sp>
-      <p:sp>
-        <p:nvSpPr>
-          <p:cNvPr id="162" name="天気がいいね散歩しましょう"/>
-          <p:cNvSpPr txBox="1"/>
-          <p:nvPr/>
-        </p:nvSpPr>
-        <p:spPr>
-          <a:xfrm>
-            <a:off x="1900564" y="4226012"/>
-            <a:ext cx="3581401" cy="374651"/>
-          </a:xfrm>
-          <a:prstGeom prst="rect">
-            <a:avLst/>
-          </a:prstGeom>
-          <a:ln w="12700">
-            <a:miter lim="400000"/>
-          </a:ln>
-          <a:extLst>
-            <a:ext uri="{C572A759-6A51-4108-AA02-DFA0A04FC94B}">
-              <ma14:wrappingTextBoxFlag xmlns:ma14="http://schemas.microsoft.com/office/mac/drawingml/2011/main" val="1"/>
-            </a:ext>
-          </a:extLst>
-        </p:spPr>
-        <p:txBody>
-          <a:bodyPr wrap="none" lIns="50800" tIns="50800" rIns="50800" bIns="50800" anchor="ctr">
-            <a:spAutoFit/>
-          </a:bodyPr>
-          <a:lstStyle>
-            <a:lvl1pPr>
-              <a:defRPr sz="2100"/>
-            </a:lvl1pPr>
-          </a:lstStyle>
-          <a:p>
-            <a:pPr/>
-            <a:r>
-              <a:t>天気がいいね散歩しましょう</a:t>
-            </a:r>
-          </a:p>
-        </p:txBody>
-      </p:sp>
-      <p:sp>
-        <p:nvSpPr>
-          <p:cNvPr id="163" name="天気がいいね散歩しましょう"/>
-          <p:cNvSpPr txBox="1"/>
-          <p:nvPr/>
-        </p:nvSpPr>
-        <p:spPr>
-          <a:xfrm>
-            <a:off x="1900564" y="4657811"/>
-            <a:ext cx="3581401" cy="374651"/>
-          </a:xfrm>
-          <a:prstGeom prst="rect">
-            <a:avLst/>
-          </a:prstGeom>
-          <a:ln w="12700">
-            <a:miter lim="400000"/>
-          </a:ln>
-          <a:extLst>
-            <a:ext uri="{C572A759-6A51-4108-AA02-DFA0A04FC94B}">
-              <ma14:wrappingTextBoxFlag xmlns:ma14="http://schemas.microsoft.com/office/mac/drawingml/2011/main" val="1"/>
-            </a:ext>
-          </a:extLst>
-        </p:spPr>
-        <p:txBody>
-          <a:bodyPr wrap="none" lIns="50800" tIns="50800" rIns="50800" bIns="50800" anchor="ctr">
-            <a:spAutoFit/>
-          </a:bodyPr>
-          <a:lstStyle>
-            <a:lvl1pPr>
-              <a:defRPr sz="2100"/>
-            </a:lvl1pPr>
-          </a:lstStyle>
-          <a:p>
-            <a:pPr/>
-            <a:r>
-              <a:t>天気がいいね散歩しましょう</a:t>
-            </a:r>
-          </a:p>
-        </p:txBody>
-      </p:sp>
-      <p:sp>
-        <p:nvSpPr>
-          <p:cNvPr id="164" name="天気がいいね散歩しましょう"/>
-          <p:cNvSpPr txBox="1"/>
-          <p:nvPr/>
-        </p:nvSpPr>
-        <p:spPr>
-          <a:xfrm>
-            <a:off x="1900564" y="5081861"/>
-            <a:ext cx="3581401" cy="374651"/>
-          </a:xfrm>
-          <a:prstGeom prst="rect">
-            <a:avLst/>
-          </a:prstGeom>
-          <a:ln w="12700">
-            <a:miter lim="400000"/>
-          </a:ln>
-          <a:extLst>
-            <a:ext uri="{C572A759-6A51-4108-AA02-DFA0A04FC94B}">
-              <ma14:wrappingTextBoxFlag xmlns:ma14="http://schemas.microsoft.com/office/mac/drawingml/2011/main" val="1"/>
-            </a:ext>
-          </a:extLst>
-        </p:spPr>
-        <p:txBody>
-          <a:bodyPr wrap="none" lIns="50800" tIns="50800" rIns="50800" bIns="50800" anchor="ctr">
-            <a:spAutoFit/>
-          </a:bodyPr>
-          <a:lstStyle>
-            <a:lvl1pPr>
-              <a:defRPr sz="2100"/>
-            </a:lvl1pPr>
-          </a:lstStyle>
-          <a:p>
-            <a:pPr/>
-            <a:r>
-              <a:t>天気がいいね散歩しましょう</a:t>
-            </a:r>
-          </a:p>
-        </p:txBody>
-      </p:sp>
-      <p:sp>
-        <p:nvSpPr>
-          <p:cNvPr id="165" name="天気がいいね散歩しましょう"/>
-          <p:cNvSpPr txBox="1"/>
-          <p:nvPr/>
-        </p:nvSpPr>
-        <p:spPr>
-          <a:xfrm>
-            <a:off x="1900564" y="5521411"/>
-            <a:ext cx="3581401" cy="374651"/>
-          </a:xfrm>
-          <a:prstGeom prst="rect">
-            <a:avLst/>
-          </a:prstGeom>
-          <a:ln w="12700">
-            <a:miter lim="400000"/>
-          </a:ln>
-          <a:extLst>
-            <a:ext uri="{C572A759-6A51-4108-AA02-DFA0A04FC94B}">
-              <ma14:wrappingTextBoxFlag xmlns:ma14="http://schemas.microsoft.com/office/mac/drawingml/2011/main" val="1"/>
-            </a:ext>
-          </a:extLst>
-        </p:spPr>
-        <p:txBody>
-          <a:bodyPr wrap="none" lIns="50800" tIns="50800" rIns="50800" bIns="50800" anchor="ctr">
-            <a:spAutoFit/>
-          </a:bodyPr>
-          <a:lstStyle>
-            <a:lvl1pPr>
-              <a:defRPr sz="2100"/>
-            </a:lvl1pPr>
-          </a:lstStyle>
-          <a:p>
-            <a:pPr/>
-            <a:r>
-              <a:t>天気がいいね散歩しましょう</a:t>
-            </a:r>
-          </a:p>
-        </p:txBody>
-      </p:sp>
-      <p:sp>
-        <p:nvSpPr>
-          <p:cNvPr id="166" name="天気がいいね散歩しましょう"/>
-          <p:cNvSpPr txBox="1"/>
-          <p:nvPr/>
-        </p:nvSpPr>
-        <p:spPr>
-          <a:xfrm>
-            <a:off x="1900564" y="5953211"/>
-            <a:ext cx="3581401" cy="374651"/>
-          </a:xfrm>
-          <a:prstGeom prst="rect">
-            <a:avLst/>
-          </a:prstGeom>
-          <a:ln w="12700">
-            <a:miter lim="400000"/>
-          </a:ln>
-          <a:extLst>
-            <a:ext uri="{C572A759-6A51-4108-AA02-DFA0A04FC94B}">
-              <ma14:wrappingTextBoxFlag xmlns:ma14="http://schemas.microsoft.com/office/mac/drawingml/2011/main" val="1"/>
-            </a:ext>
-          </a:extLst>
-        </p:spPr>
-        <p:txBody>
-          <a:bodyPr wrap="none" lIns="50800" tIns="50800" rIns="50800" bIns="50800" anchor="ctr">
-            <a:spAutoFit/>
-          </a:bodyPr>
-          <a:lstStyle>
-            <a:lvl1pPr>
-              <a:defRPr sz="2100"/>
-            </a:lvl1pPr>
-          </a:lstStyle>
-          <a:p>
-            <a:pPr/>
-            <a:r>
-              <a:t>天気がいいね散歩しましょう</a:t>
-            </a:r>
-          </a:p>
-        </p:txBody>
-      </p:sp>
-      <p:sp>
-        <p:nvSpPr>
-          <p:cNvPr id="167" name="天気がいいね散歩しましょう"/>
-          <p:cNvSpPr txBox="1"/>
-          <p:nvPr/>
-        </p:nvSpPr>
-        <p:spPr>
-          <a:xfrm>
-            <a:off x="1900564" y="6385011"/>
-            <a:ext cx="3581401" cy="374651"/>
-          </a:xfrm>
-          <a:prstGeom prst="rect">
-            <a:avLst/>
-          </a:prstGeom>
-          <a:ln w="12700">
-            <a:miter lim="400000"/>
-          </a:ln>
-          <a:extLst>
-            <a:ext uri="{C572A759-6A51-4108-AA02-DFA0A04FC94B}">
-              <ma14:wrappingTextBoxFlag xmlns:ma14="http://schemas.microsoft.com/office/mac/drawingml/2011/main" val="1"/>
-            </a:ext>
-          </a:extLst>
-        </p:spPr>
-        <p:txBody>
-          <a:bodyPr wrap="none" lIns="50800" tIns="50800" rIns="50800" bIns="50800" anchor="ctr">
-            <a:spAutoFit/>
-          </a:bodyPr>
-          <a:lstStyle>
-            <a:lvl1pPr>
-              <a:defRPr sz="2100"/>
-            </a:lvl1pPr>
-          </a:lstStyle>
-          <a:p>
-            <a:pPr/>
-            <a:r>
-              <a:t>天気がいいね散歩しましょう</a:t>
-            </a:r>
-          </a:p>
-        </p:txBody>
-      </p:sp>
-      <p:sp>
-        <p:nvSpPr>
-          <p:cNvPr id="168" name="天気がいいね散歩しましょう"/>
-          <p:cNvSpPr txBox="1"/>
-          <p:nvPr/>
-        </p:nvSpPr>
-        <p:spPr>
-          <a:xfrm>
-            <a:off x="1900564" y="6816811"/>
-            <a:ext cx="3581401" cy="374650"/>
-          </a:xfrm>
-          <a:prstGeom prst="rect">
-            <a:avLst/>
-          </a:prstGeom>
-          <a:ln w="12700">
-            <a:miter lim="400000"/>
-          </a:ln>
-          <a:extLst>
-            <a:ext uri="{C572A759-6A51-4108-AA02-DFA0A04FC94B}">
-              <ma14:wrappingTextBoxFlag xmlns:ma14="http://schemas.microsoft.com/office/mac/drawingml/2011/main" val="1"/>
-            </a:ext>
-          </a:extLst>
-        </p:spPr>
-        <p:txBody>
-          <a:bodyPr wrap="none" lIns="50800" tIns="50800" rIns="50800" bIns="50800" anchor="ctr">
-            <a:spAutoFit/>
-          </a:bodyPr>
-          <a:lstStyle>
-            <a:lvl1pPr>
-              <a:defRPr sz="2100"/>
-            </a:lvl1pPr>
-          </a:lstStyle>
-          <a:p>
-            <a:pPr/>
-            <a:r>
-              <a:t>天気がいいね散歩しましょう</a:t>
-            </a:r>
-          </a:p>
-        </p:txBody>
-      </p:sp>
-      <p:sp>
-        <p:nvSpPr>
-          <p:cNvPr id="169" name="天気がいいね散歩しましょう"/>
-          <p:cNvSpPr txBox="1"/>
-          <p:nvPr/>
-        </p:nvSpPr>
-        <p:spPr>
-          <a:xfrm>
-            <a:off x="1900564" y="7215461"/>
-            <a:ext cx="3581401" cy="374650"/>
-          </a:xfrm>
-          <a:prstGeom prst="rect">
-            <a:avLst/>
-          </a:prstGeom>
-          <a:ln w="12700">
-            <a:miter lim="400000"/>
-          </a:ln>
-          <a:extLst>
-            <a:ext uri="{C572A759-6A51-4108-AA02-DFA0A04FC94B}">
-              <ma14:wrappingTextBoxFlag xmlns:ma14="http://schemas.microsoft.com/office/mac/drawingml/2011/main" val="1"/>
-            </a:ext>
-          </a:extLst>
-        </p:spPr>
-        <p:txBody>
-          <a:bodyPr wrap="none" lIns="50800" tIns="50800" rIns="50800" bIns="50800" anchor="ctr">
-            <a:spAutoFit/>
-          </a:bodyPr>
-          <a:lstStyle>
-            <a:lvl1pPr>
-              <a:defRPr sz="2100"/>
-            </a:lvl1pPr>
-          </a:lstStyle>
-          <a:p>
-            <a:pPr/>
-            <a:r>
-              <a:t>天気がいいね散歩しましょう</a:t>
-            </a:r>
-          </a:p>
-        </p:txBody>
-      </p:sp>
-      <p:sp>
-        <p:nvSpPr>
-          <p:cNvPr id="170" name="ccAPPVer5.99.zip"/>
-          <p:cNvSpPr txBox="1"/>
-          <p:nvPr/>
-        </p:nvSpPr>
-        <p:spPr>
-          <a:xfrm>
-            <a:off x="6513779" y="3626124"/>
-            <a:ext cx="3021788" cy="406400"/>
+            <a:off x="6853021" y="3269863"/>
+            <a:ext cx="2343304" cy="406401"/>
           </a:xfrm>
           <a:prstGeom prst="rect">
             <a:avLst/>
@@ -23141,21 +22806,21 @@
           <a:p>
             <a:pPr/>
             <a:r>
-              <a:t>ccAPPVer5.99.zip</a:t>
+              <a:t>PLVer5.91.zip</a:t>
             </a:r>
           </a:p>
         </p:txBody>
       </p:sp>
       <p:sp>
         <p:nvSpPr>
-          <p:cNvPr id="171" name="2018年5月18日12時18分"/>
+          <p:cNvPr id="162" name="2018年5月18日12時18分"/>
           <p:cNvSpPr txBox="1"/>
           <p:nvPr/>
         </p:nvSpPr>
         <p:spPr>
           <a:xfrm>
-            <a:off x="9455302" y="3664224"/>
-            <a:ext cx="3047696" cy="330200"/>
+            <a:off x="9277376" y="3307963"/>
+            <a:ext cx="3047696" cy="330201"/>
           </a:xfrm>
           <a:prstGeom prst="rect">
             <a:avLst/>
@@ -23188,151 +22853,7 @@
       </p:sp>
       <p:sp>
         <p:nvSpPr>
-          <p:cNvPr id="172" name="ccAPPVer5.99.zip"/>
-          <p:cNvSpPr txBox="1"/>
-          <p:nvPr/>
-        </p:nvSpPr>
-        <p:spPr>
-          <a:xfrm>
-            <a:off x="6513779" y="4130762"/>
-            <a:ext cx="3021788" cy="406401"/>
-          </a:xfrm>
-          <a:prstGeom prst="rect">
-            <a:avLst/>
-          </a:prstGeom>
-          <a:ln w="12700">
-            <a:miter lim="400000"/>
-          </a:ln>
-          <a:extLst>
-            <a:ext uri="{C572A759-6A51-4108-AA02-DFA0A04FC94B}">
-              <ma14:wrappingTextBoxFlag xmlns:ma14="http://schemas.microsoft.com/office/mac/drawingml/2011/main" val="1"/>
-            </a:ext>
-          </a:extLst>
-        </p:spPr>
-        <p:txBody>
-          <a:bodyPr wrap="none" lIns="50800" tIns="50800" rIns="50800" bIns="50800" anchor="ctr">
-            <a:spAutoFit/>
-          </a:bodyPr>
-          <a:lstStyle/>
-          <a:p>
-            <a:pPr/>
-            <a:r>
-              <a:t>ccAPPVer5.99.zip</a:t>
-            </a:r>
-          </a:p>
-        </p:txBody>
-      </p:sp>
-      <p:sp>
-        <p:nvSpPr>
-          <p:cNvPr id="173" name="ccAPPVer5.99.zip"/>
-          <p:cNvSpPr txBox="1"/>
-          <p:nvPr/>
-        </p:nvSpPr>
-        <p:spPr>
-          <a:xfrm>
-            <a:off x="6556375" y="4629236"/>
-            <a:ext cx="3021788" cy="406401"/>
-          </a:xfrm>
-          <a:prstGeom prst="rect">
-            <a:avLst/>
-          </a:prstGeom>
-          <a:ln w="12700">
-            <a:miter lim="400000"/>
-          </a:ln>
-          <a:extLst>
-            <a:ext uri="{C572A759-6A51-4108-AA02-DFA0A04FC94B}">
-              <ma14:wrappingTextBoxFlag xmlns:ma14="http://schemas.microsoft.com/office/mac/drawingml/2011/main" val="1"/>
-            </a:ext>
-          </a:extLst>
-        </p:spPr>
-        <p:txBody>
-          <a:bodyPr wrap="none" lIns="50800" tIns="50800" rIns="50800" bIns="50800" anchor="ctr">
-            <a:spAutoFit/>
-          </a:bodyPr>
-          <a:lstStyle/>
-          <a:p>
-            <a:pPr/>
-            <a:r>
-              <a:t>ccAPPVer5.99.zip</a:t>
-            </a:r>
-          </a:p>
-        </p:txBody>
-      </p:sp>
-      <p:sp>
-        <p:nvSpPr>
-          <p:cNvPr id="174" name="ccAPPVer5.99.zip"/>
-          <p:cNvSpPr txBox="1"/>
-          <p:nvPr/>
-        </p:nvSpPr>
-        <p:spPr>
-          <a:xfrm>
-            <a:off x="6556375" y="5127711"/>
-            <a:ext cx="3021788" cy="406401"/>
-          </a:xfrm>
-          <a:prstGeom prst="rect">
-            <a:avLst/>
-          </a:prstGeom>
-          <a:ln w="12700">
-            <a:miter lim="400000"/>
-          </a:ln>
-          <a:extLst>
-            <a:ext uri="{C572A759-6A51-4108-AA02-DFA0A04FC94B}">
-              <ma14:wrappingTextBoxFlag xmlns:ma14="http://schemas.microsoft.com/office/mac/drawingml/2011/main" val="1"/>
-            </a:ext>
-          </a:extLst>
-        </p:spPr>
-        <p:txBody>
-          <a:bodyPr wrap="none" lIns="50800" tIns="50800" rIns="50800" bIns="50800" anchor="ctr">
-            <a:spAutoFit/>
-          </a:bodyPr>
-          <a:lstStyle/>
-          <a:p>
-            <a:pPr/>
-            <a:r>
-              <a:t>ccAPPVer5.99.zip</a:t>
-            </a:r>
-          </a:p>
-        </p:txBody>
-      </p:sp>
-      <p:sp>
-        <p:nvSpPr>
-          <p:cNvPr id="175" name="ccAPPVer5.99.zip"/>
-          <p:cNvSpPr txBox="1"/>
-          <p:nvPr/>
-        </p:nvSpPr>
-        <p:spPr>
-          <a:xfrm>
-            <a:off x="6513779" y="5632349"/>
-            <a:ext cx="3021788" cy="406401"/>
-          </a:xfrm>
-          <a:prstGeom prst="rect">
-            <a:avLst/>
-          </a:prstGeom>
-          <a:ln w="12700">
-            <a:miter lim="400000"/>
-          </a:ln>
-          <a:extLst>
-            <a:ext uri="{C572A759-6A51-4108-AA02-DFA0A04FC94B}">
-              <ma14:wrappingTextBoxFlag xmlns:ma14="http://schemas.microsoft.com/office/mac/drawingml/2011/main" val="1"/>
-            </a:ext>
-          </a:extLst>
-        </p:spPr>
-        <p:txBody>
-          <a:bodyPr wrap="none" lIns="50800" tIns="50800" rIns="50800" bIns="50800" anchor="ctr">
-            <a:spAutoFit/>
-          </a:bodyPr>
-          <a:lstStyle/>
-          <a:p>
-            <a:pPr/>
-            <a:r>
-              <a:t>ccAPPVer5.99.zip</a:t>
-            </a:r>
-          </a:p>
-        </p:txBody>
-      </p:sp>
-      <p:sp>
-        <p:nvSpPr>
-          <p:cNvPr id="176" name="ファイルサーバーでの管理"/>
+          <p:cNvPr id="163" name="ファイルサーバーでの管理"/>
           <p:cNvSpPr txBox="1"/>
           <p:nvPr/>
         </p:nvSpPr>
@@ -23368,13 +22889,193 @@
       </p:sp>
       <p:sp>
         <p:nvSpPr>
-          <p:cNvPr id="177" name="2018年5月19日12時18分"/>
+          <p:cNvPr id="164" name="PLVer5.92.zip"/>
           <p:cNvSpPr txBox="1"/>
           <p:nvPr/>
         </p:nvSpPr>
         <p:spPr>
           <a:xfrm>
-            <a:off x="9455302" y="4206962"/>
+            <a:off x="6853021" y="3778337"/>
+            <a:ext cx="2343304" cy="406401"/>
+          </a:xfrm>
+          <a:prstGeom prst="rect">
+            <a:avLst/>
+          </a:prstGeom>
+          <a:ln w="12700">
+            <a:miter lim="400000"/>
+          </a:ln>
+          <a:extLst>
+            <a:ext uri="{C572A759-6A51-4108-AA02-DFA0A04FC94B}">
+              <ma14:wrappingTextBoxFlag xmlns:ma14="http://schemas.microsoft.com/office/mac/drawingml/2011/main" val="1"/>
+            </a:ext>
+          </a:extLst>
+        </p:spPr>
+        <p:txBody>
+          <a:bodyPr wrap="none" lIns="50800" tIns="50800" rIns="50800" bIns="50800" anchor="ctr">
+            <a:spAutoFit/>
+          </a:bodyPr>
+          <a:lstStyle/>
+          <a:p>
+            <a:pPr/>
+            <a:r>
+              <a:t>PLVer5.92.zip</a:t>
+            </a:r>
+          </a:p>
+        </p:txBody>
+      </p:sp>
+      <p:sp>
+        <p:nvSpPr>
+          <p:cNvPr id="165" name="PLVer5.93.zip"/>
+          <p:cNvSpPr txBox="1"/>
+          <p:nvPr/>
+        </p:nvSpPr>
+        <p:spPr>
+          <a:xfrm>
+            <a:off x="6853021" y="4283063"/>
+            <a:ext cx="2343304" cy="406400"/>
+          </a:xfrm>
+          <a:prstGeom prst="rect">
+            <a:avLst/>
+          </a:prstGeom>
+          <a:ln w="12700">
+            <a:miter lim="400000"/>
+          </a:ln>
+          <a:extLst>
+            <a:ext uri="{C572A759-6A51-4108-AA02-DFA0A04FC94B}">
+              <ma14:wrappingTextBoxFlag xmlns:ma14="http://schemas.microsoft.com/office/mac/drawingml/2011/main" val="1"/>
+            </a:ext>
+          </a:extLst>
+        </p:spPr>
+        <p:txBody>
+          <a:bodyPr wrap="none" lIns="50800" tIns="50800" rIns="50800" bIns="50800" anchor="ctr">
+            <a:spAutoFit/>
+          </a:bodyPr>
+          <a:lstStyle/>
+          <a:p>
+            <a:pPr/>
+            <a:r>
+              <a:t>PLVer5.93.zip</a:t>
+            </a:r>
+          </a:p>
+        </p:txBody>
+      </p:sp>
+      <p:sp>
+        <p:nvSpPr>
+          <p:cNvPr id="166" name="PLVer5.94.zip"/>
+          <p:cNvSpPr txBox="1"/>
+          <p:nvPr/>
+        </p:nvSpPr>
+        <p:spPr>
+          <a:xfrm>
+            <a:off x="6853021" y="4789842"/>
+            <a:ext cx="2343304" cy="406400"/>
+          </a:xfrm>
+          <a:prstGeom prst="rect">
+            <a:avLst/>
+          </a:prstGeom>
+          <a:ln w="12700">
+            <a:miter lim="400000"/>
+          </a:ln>
+          <a:extLst>
+            <a:ext uri="{C572A759-6A51-4108-AA02-DFA0A04FC94B}">
+              <ma14:wrappingTextBoxFlag xmlns:ma14="http://schemas.microsoft.com/office/mac/drawingml/2011/main" val="1"/>
+            </a:ext>
+          </a:extLst>
+        </p:spPr>
+        <p:txBody>
+          <a:bodyPr wrap="none" lIns="50800" tIns="50800" rIns="50800" bIns="50800" anchor="ctr">
+            <a:spAutoFit/>
+          </a:bodyPr>
+          <a:lstStyle/>
+          <a:p>
+            <a:pPr/>
+            <a:r>
+              <a:t>PLVer5.94.zip</a:t>
+            </a:r>
+          </a:p>
+        </p:txBody>
+      </p:sp>
+      <p:sp>
+        <p:nvSpPr>
+          <p:cNvPr id="167" name="PLVer5.95.zip"/>
+          <p:cNvSpPr txBox="1"/>
+          <p:nvPr/>
+        </p:nvSpPr>
+        <p:spPr>
+          <a:xfrm>
+            <a:off x="6853021" y="5296262"/>
+            <a:ext cx="2343304" cy="406400"/>
+          </a:xfrm>
+          <a:prstGeom prst="rect">
+            <a:avLst/>
+          </a:prstGeom>
+          <a:ln w="12700">
+            <a:miter lim="400000"/>
+          </a:ln>
+          <a:extLst>
+            <a:ext uri="{C572A759-6A51-4108-AA02-DFA0A04FC94B}">
+              <ma14:wrappingTextBoxFlag xmlns:ma14="http://schemas.microsoft.com/office/mac/drawingml/2011/main" val="1"/>
+            </a:ext>
+          </a:extLst>
+        </p:spPr>
+        <p:txBody>
+          <a:bodyPr wrap="none" lIns="50800" tIns="50800" rIns="50800" bIns="50800" anchor="ctr">
+            <a:spAutoFit/>
+          </a:bodyPr>
+          <a:lstStyle/>
+          <a:p>
+            <a:pPr/>
+            <a:r>
+              <a:t>PLVer5.95.zip</a:t>
+            </a:r>
+          </a:p>
+        </p:txBody>
+      </p:sp>
+      <p:sp>
+        <p:nvSpPr>
+          <p:cNvPr id="168" name="PLVer6.01.zip"/>
+          <p:cNvSpPr txBox="1"/>
+          <p:nvPr/>
+        </p:nvSpPr>
+        <p:spPr>
+          <a:xfrm>
+            <a:off x="6853021" y="5803041"/>
+            <a:ext cx="2343304" cy="406400"/>
+          </a:xfrm>
+          <a:prstGeom prst="rect">
+            <a:avLst/>
+          </a:prstGeom>
+          <a:ln w="12700">
+            <a:miter lim="400000"/>
+          </a:ln>
+          <a:extLst>
+            <a:ext uri="{C572A759-6A51-4108-AA02-DFA0A04FC94B}">
+              <ma14:wrappingTextBoxFlag xmlns:ma14="http://schemas.microsoft.com/office/mac/drawingml/2011/main" val="1"/>
+            </a:ext>
+          </a:extLst>
+        </p:spPr>
+        <p:txBody>
+          <a:bodyPr wrap="none" lIns="50800" tIns="50800" rIns="50800" bIns="50800" anchor="ctr">
+            <a:spAutoFit/>
+          </a:bodyPr>
+          <a:lstStyle/>
+          <a:p>
+            <a:pPr/>
+            <a:r>
+              <a:t>PLVer6.01.zip</a:t>
+            </a:r>
+          </a:p>
+        </p:txBody>
+      </p:sp>
+      <p:sp>
+        <p:nvSpPr>
+          <p:cNvPr id="169" name="2018年5月21日05時21分"/>
+          <p:cNvSpPr txBox="1"/>
+          <p:nvPr/>
+        </p:nvSpPr>
+        <p:spPr>
+          <a:xfrm>
+            <a:off x="9277376" y="3816437"/>
             <a:ext cx="3047696" cy="330201"/>
           </a:xfrm>
           <a:prstGeom prst="rect">
@@ -23401,20 +23102,20 @@
           <a:p>
             <a:pPr/>
             <a:r>
-              <a:t>2018年5月19日12時18分</a:t>
+              <a:t>2018年5月21日05時21分</a:t>
             </a:r>
           </a:p>
         </p:txBody>
       </p:sp>
       <p:sp>
         <p:nvSpPr>
-          <p:cNvPr id="178" name="2018年5月20日12時18分"/>
+          <p:cNvPr id="170" name="2018年5月22日15時52分"/>
           <p:cNvSpPr txBox="1"/>
           <p:nvPr/>
         </p:nvSpPr>
         <p:spPr>
           <a:xfrm>
-            <a:off x="9455302" y="4680036"/>
+            <a:off x="9277376" y="4324910"/>
             <a:ext cx="3047696" cy="330201"/>
           </a:xfrm>
           <a:prstGeom prst="rect">
@@ -23441,21 +23142,21 @@
           <a:p>
             <a:pPr/>
             <a:r>
-              <a:t>2018年5月20日12時18分</a:t>
+              <a:t>2018年5月22日15時52分</a:t>
             </a:r>
           </a:p>
         </p:txBody>
       </p:sp>
       <p:sp>
         <p:nvSpPr>
-          <p:cNvPr id="179" name="2018年5月21日12時18分"/>
+          <p:cNvPr id="171" name="2018年5月23日18時12分"/>
           <p:cNvSpPr txBox="1"/>
           <p:nvPr/>
         </p:nvSpPr>
         <p:spPr>
           <a:xfrm>
-            <a:off x="9455302" y="5156193"/>
-            <a:ext cx="3047696" cy="330201"/>
+            <a:off x="9277376" y="4866042"/>
+            <a:ext cx="3047696" cy="330200"/>
           </a:xfrm>
           <a:prstGeom prst="rect">
             <a:avLst/>
@@ -23481,21 +23182,21 @@
           <a:p>
             <a:pPr/>
             <a:r>
-              <a:t>2018年5月21日12時18分</a:t>
+              <a:t>2018年5月23日18時12分</a:t>
             </a:r>
           </a:p>
         </p:txBody>
       </p:sp>
       <p:sp>
         <p:nvSpPr>
-          <p:cNvPr id="180" name="2018年5月22日12時18分"/>
+          <p:cNvPr id="172" name="2018年6月13日12時11分"/>
           <p:cNvSpPr txBox="1"/>
           <p:nvPr/>
         </p:nvSpPr>
         <p:spPr>
           <a:xfrm>
-            <a:off x="9455302" y="5713549"/>
-            <a:ext cx="3047696" cy="330201"/>
+            <a:off x="9277376" y="5359762"/>
+            <a:ext cx="3047696" cy="330200"/>
           </a:xfrm>
           <a:prstGeom prst="rect">
             <a:avLst/>
@@ -23521,7 +23222,967 @@
           <a:p>
             <a:pPr/>
             <a:r>
-              <a:t>2018年5月22日12時18分</a:t>
+              <a:t>2018年6月13日12時11分</a:t>
+            </a:r>
+          </a:p>
+        </p:txBody>
+      </p:sp>
+      <p:sp>
+        <p:nvSpPr>
+          <p:cNvPr id="173" name="2018年6月13日13時15分"/>
+          <p:cNvSpPr txBox="1"/>
+          <p:nvPr/>
+        </p:nvSpPr>
+        <p:spPr>
+          <a:xfrm>
+            <a:off x="9277376" y="5841141"/>
+            <a:ext cx="3047696" cy="330200"/>
+          </a:xfrm>
+          <a:prstGeom prst="rect">
+            <a:avLst/>
+          </a:prstGeom>
+          <a:ln w="12700">
+            <a:miter lim="400000"/>
+          </a:ln>
+          <a:extLst>
+            <a:ext uri="{C572A759-6A51-4108-AA02-DFA0A04FC94B}">
+              <ma14:wrappingTextBoxFlag xmlns:ma14="http://schemas.microsoft.com/office/mac/drawingml/2011/main" val="1"/>
+            </a:ext>
+          </a:extLst>
+        </p:spPr>
+        <p:txBody>
+          <a:bodyPr wrap="none" lIns="50800" tIns="50800" rIns="50800" bIns="50800" anchor="ctr">
+            <a:spAutoFit/>
+          </a:bodyPr>
+          <a:lstStyle>
+            <a:lvl1pPr>
+              <a:defRPr sz="1800"/>
+            </a:lvl1pPr>
+          </a:lstStyle>
+          <a:p>
+            <a:pPr/>
+            <a:r>
+              <a:t>2018年6月13日13時15分</a:t>
+            </a:r>
+          </a:p>
+        </p:txBody>
+      </p:sp>
+      <p:sp>
+        <p:nvSpPr>
+          <p:cNvPr id="174" name="50人"/>
+          <p:cNvSpPr txBox="1"/>
+          <p:nvPr/>
+        </p:nvSpPr>
+        <p:spPr>
+          <a:xfrm>
+            <a:off x="3257340" y="3762462"/>
+            <a:ext cx="760782" cy="374651"/>
+          </a:xfrm>
+          <a:prstGeom prst="rect">
+            <a:avLst/>
+          </a:prstGeom>
+          <a:ln w="12700">
+            <a:miter lim="400000"/>
+          </a:ln>
+          <a:extLst>
+            <a:ext uri="{C572A759-6A51-4108-AA02-DFA0A04FC94B}">
+              <ma14:wrappingTextBoxFlag xmlns:ma14="http://schemas.microsoft.com/office/mac/drawingml/2011/main" val="1"/>
+            </a:ext>
+          </a:extLst>
+        </p:spPr>
+        <p:txBody>
+          <a:bodyPr wrap="none" lIns="50800" tIns="50800" rIns="50800" bIns="50800" anchor="ctr">
+            <a:spAutoFit/>
+          </a:bodyPr>
+          <a:lstStyle>
+            <a:lvl1pPr>
+              <a:defRPr sz="2100"/>
+            </a:lvl1pPr>
+          </a:lstStyle>
+          <a:p>
+            <a:pPr/>
+            <a:r>
+              <a:t>50人</a:t>
+            </a:r>
+          </a:p>
+        </p:txBody>
+      </p:sp>
+      <p:sp>
+        <p:nvSpPr>
+          <p:cNvPr id="175" name="30.56"/>
+          <p:cNvSpPr txBox="1"/>
+          <p:nvPr/>
+        </p:nvSpPr>
+        <p:spPr>
+          <a:xfrm>
+            <a:off x="4398257" y="3778337"/>
+            <a:ext cx="945872" cy="374651"/>
+          </a:xfrm>
+          <a:prstGeom prst="rect">
+            <a:avLst/>
+          </a:prstGeom>
+          <a:ln w="12700">
+            <a:miter lim="400000"/>
+          </a:ln>
+          <a:extLst>
+            <a:ext uri="{C572A759-6A51-4108-AA02-DFA0A04FC94B}">
+              <ma14:wrappingTextBoxFlag xmlns:ma14="http://schemas.microsoft.com/office/mac/drawingml/2011/main" val="1"/>
+            </a:ext>
+          </a:extLst>
+        </p:spPr>
+        <p:txBody>
+          <a:bodyPr wrap="none" lIns="50800" tIns="50800" rIns="50800" bIns="50800" anchor="ctr">
+            <a:spAutoFit/>
+          </a:bodyPr>
+          <a:lstStyle>
+            <a:lvl1pPr>
+              <a:defRPr sz="2100"/>
+            </a:lvl1pPr>
+          </a:lstStyle>
+          <a:p>
+            <a:pPr/>
+            <a:r>
+              <a:t>30.56</a:t>
+            </a:r>
+          </a:p>
+        </p:txBody>
+      </p:sp>
+      <p:sp>
+        <p:nvSpPr>
+          <p:cNvPr id="176" name="店名"/>
+          <p:cNvSpPr txBox="1"/>
+          <p:nvPr/>
+        </p:nvSpPr>
+        <p:spPr>
+          <a:xfrm>
+            <a:off x="2158378" y="3269863"/>
+            <a:ext cx="647701" cy="374651"/>
+          </a:xfrm>
+          <a:prstGeom prst="rect">
+            <a:avLst/>
+          </a:prstGeom>
+          <a:ln w="12700">
+            <a:miter lim="400000"/>
+          </a:ln>
+          <a:extLst>
+            <a:ext uri="{C572A759-6A51-4108-AA02-DFA0A04FC94B}">
+              <ma14:wrappingTextBoxFlag xmlns:ma14="http://schemas.microsoft.com/office/mac/drawingml/2011/main" val="1"/>
+            </a:ext>
+          </a:extLst>
+        </p:spPr>
+        <p:txBody>
+          <a:bodyPr wrap="none" lIns="50800" tIns="50800" rIns="50800" bIns="50800" anchor="ctr">
+            <a:spAutoFit/>
+          </a:bodyPr>
+          <a:lstStyle>
+            <a:lvl1pPr>
+              <a:defRPr sz="2100"/>
+            </a:lvl1pPr>
+          </a:lstStyle>
+          <a:p>
+            <a:pPr/>
+            <a:r>
+              <a:t>店名</a:t>
+            </a:r>
+          </a:p>
+        </p:txBody>
+      </p:sp>
+      <p:sp>
+        <p:nvSpPr>
+          <p:cNvPr id="177" name="人数"/>
+          <p:cNvSpPr txBox="1"/>
+          <p:nvPr/>
+        </p:nvSpPr>
+        <p:spPr>
+          <a:xfrm>
+            <a:off x="3198406" y="3269863"/>
+            <a:ext cx="647701" cy="374651"/>
+          </a:xfrm>
+          <a:prstGeom prst="rect">
+            <a:avLst/>
+          </a:prstGeom>
+          <a:ln w="12700">
+            <a:miter lim="400000"/>
+          </a:ln>
+          <a:extLst>
+            <a:ext uri="{C572A759-6A51-4108-AA02-DFA0A04FC94B}">
+              <ma14:wrappingTextBoxFlag xmlns:ma14="http://schemas.microsoft.com/office/mac/drawingml/2011/main" val="1"/>
+            </a:ext>
+          </a:extLst>
+        </p:spPr>
+        <p:txBody>
+          <a:bodyPr wrap="none" lIns="50800" tIns="50800" rIns="50800" bIns="50800" anchor="ctr">
+            <a:spAutoFit/>
+          </a:bodyPr>
+          <a:lstStyle>
+            <a:lvl1pPr>
+              <a:defRPr sz="2100"/>
+            </a:lvl1pPr>
+          </a:lstStyle>
+          <a:p>
+            <a:pPr/>
+            <a:r>
+              <a:t>人数</a:t>
+            </a:r>
+          </a:p>
+        </p:txBody>
+      </p:sp>
+      <p:sp>
+        <p:nvSpPr>
+          <p:cNvPr id="178" name="サイコパス"/>
+          <p:cNvSpPr txBox="1"/>
+          <p:nvPr/>
+        </p:nvSpPr>
+        <p:spPr>
+          <a:xfrm>
+            <a:off x="4105649" y="3269863"/>
+            <a:ext cx="1447801" cy="374651"/>
+          </a:xfrm>
+          <a:prstGeom prst="rect">
+            <a:avLst/>
+          </a:prstGeom>
+          <a:ln w="12700">
+            <a:miter lim="400000"/>
+          </a:ln>
+          <a:extLst>
+            <a:ext uri="{C572A759-6A51-4108-AA02-DFA0A04FC94B}">
+              <ma14:wrappingTextBoxFlag xmlns:ma14="http://schemas.microsoft.com/office/mac/drawingml/2011/main" val="1"/>
+            </a:ext>
+          </a:extLst>
+        </p:spPr>
+        <p:txBody>
+          <a:bodyPr wrap="none" lIns="50800" tIns="50800" rIns="50800" bIns="50800" anchor="ctr">
+            <a:spAutoFit/>
+          </a:bodyPr>
+          <a:lstStyle>
+            <a:lvl1pPr>
+              <a:defRPr sz="2100"/>
+            </a:lvl1pPr>
+          </a:lstStyle>
+          <a:p>
+            <a:pPr/>
+            <a:r>
+              <a:t>サイコパス</a:t>
+            </a:r>
+          </a:p>
+        </p:txBody>
+      </p:sp>
+      <p:sp>
+        <p:nvSpPr>
+          <p:cNvPr id="179" name="A支店"/>
+          <p:cNvSpPr txBox="1"/>
+          <p:nvPr/>
+        </p:nvSpPr>
+        <p:spPr>
+          <a:xfrm>
+            <a:off x="2038400" y="4242577"/>
+            <a:ext cx="863195" cy="374651"/>
+          </a:xfrm>
+          <a:prstGeom prst="rect">
+            <a:avLst/>
+          </a:prstGeom>
+          <a:ln w="12700">
+            <a:miter lim="400000"/>
+          </a:ln>
+          <a:extLst>
+            <a:ext uri="{C572A759-6A51-4108-AA02-DFA0A04FC94B}">
+              <ma14:wrappingTextBoxFlag xmlns:ma14="http://schemas.microsoft.com/office/mac/drawingml/2011/main" val="1"/>
+            </a:ext>
+          </a:extLst>
+        </p:spPr>
+        <p:txBody>
+          <a:bodyPr wrap="none" lIns="50800" tIns="50800" rIns="50800" bIns="50800" anchor="ctr">
+            <a:spAutoFit/>
+          </a:bodyPr>
+          <a:lstStyle>
+            <a:lvl1pPr>
+              <a:defRPr sz="2100"/>
+            </a:lvl1pPr>
+          </a:lstStyle>
+          <a:p>
+            <a:pPr/>
+            <a:r>
+              <a:t>A支店</a:t>
+            </a:r>
+          </a:p>
+        </p:txBody>
+      </p:sp>
+      <p:sp>
+        <p:nvSpPr>
+          <p:cNvPr id="180" name="50人"/>
+          <p:cNvSpPr txBox="1"/>
+          <p:nvPr/>
+        </p:nvSpPr>
+        <p:spPr>
+          <a:xfrm>
+            <a:off x="3257340" y="4226702"/>
+            <a:ext cx="760782" cy="374651"/>
+          </a:xfrm>
+          <a:prstGeom prst="rect">
+            <a:avLst/>
+          </a:prstGeom>
+          <a:ln w="12700">
+            <a:miter lim="400000"/>
+          </a:ln>
+          <a:extLst>
+            <a:ext uri="{C572A759-6A51-4108-AA02-DFA0A04FC94B}">
+              <ma14:wrappingTextBoxFlag xmlns:ma14="http://schemas.microsoft.com/office/mac/drawingml/2011/main" val="1"/>
+            </a:ext>
+          </a:extLst>
+        </p:spPr>
+        <p:txBody>
+          <a:bodyPr wrap="none" lIns="50800" tIns="50800" rIns="50800" bIns="50800" anchor="ctr">
+            <a:spAutoFit/>
+          </a:bodyPr>
+          <a:lstStyle>
+            <a:lvl1pPr>
+              <a:defRPr sz="2100"/>
+            </a:lvl1pPr>
+          </a:lstStyle>
+          <a:p>
+            <a:pPr/>
+            <a:r>
+              <a:t>50人</a:t>
+            </a:r>
+          </a:p>
+        </p:txBody>
+      </p:sp>
+      <p:sp>
+        <p:nvSpPr>
+          <p:cNvPr id="181" name="30.56"/>
+          <p:cNvSpPr txBox="1"/>
+          <p:nvPr/>
+        </p:nvSpPr>
+        <p:spPr>
+          <a:xfrm>
+            <a:off x="4398257" y="4242577"/>
+            <a:ext cx="945872" cy="374651"/>
+          </a:xfrm>
+          <a:prstGeom prst="rect">
+            <a:avLst/>
+          </a:prstGeom>
+          <a:ln w="12700">
+            <a:miter lim="400000"/>
+          </a:ln>
+          <a:extLst>
+            <a:ext uri="{C572A759-6A51-4108-AA02-DFA0A04FC94B}">
+              <ma14:wrappingTextBoxFlag xmlns:ma14="http://schemas.microsoft.com/office/mac/drawingml/2011/main" val="1"/>
+            </a:ext>
+          </a:extLst>
+        </p:spPr>
+        <p:txBody>
+          <a:bodyPr wrap="none" lIns="50800" tIns="50800" rIns="50800" bIns="50800" anchor="ctr">
+            <a:spAutoFit/>
+          </a:bodyPr>
+          <a:lstStyle>
+            <a:lvl1pPr>
+              <a:defRPr sz="2100"/>
+            </a:lvl1pPr>
+          </a:lstStyle>
+          <a:p>
+            <a:pPr/>
+            <a:r>
+              <a:t>30.56</a:t>
+            </a:r>
+          </a:p>
+        </p:txBody>
+      </p:sp>
+      <p:sp>
+        <p:nvSpPr>
+          <p:cNvPr id="182" name="A支店"/>
+          <p:cNvSpPr txBox="1"/>
+          <p:nvPr/>
+        </p:nvSpPr>
+        <p:spPr>
+          <a:xfrm>
+            <a:off x="2038400" y="4697412"/>
+            <a:ext cx="863195" cy="374651"/>
+          </a:xfrm>
+          <a:prstGeom prst="rect">
+            <a:avLst/>
+          </a:prstGeom>
+          <a:ln w="12700">
+            <a:miter lim="400000"/>
+          </a:ln>
+          <a:extLst>
+            <a:ext uri="{C572A759-6A51-4108-AA02-DFA0A04FC94B}">
+              <ma14:wrappingTextBoxFlag xmlns:ma14="http://schemas.microsoft.com/office/mac/drawingml/2011/main" val="1"/>
+            </a:ext>
+          </a:extLst>
+        </p:spPr>
+        <p:txBody>
+          <a:bodyPr wrap="none" lIns="50800" tIns="50800" rIns="50800" bIns="50800" anchor="ctr">
+            <a:spAutoFit/>
+          </a:bodyPr>
+          <a:lstStyle>
+            <a:lvl1pPr>
+              <a:defRPr sz="2100"/>
+            </a:lvl1pPr>
+          </a:lstStyle>
+          <a:p>
+            <a:pPr/>
+            <a:r>
+              <a:t>A支店</a:t>
+            </a:r>
+          </a:p>
+        </p:txBody>
+      </p:sp>
+      <p:sp>
+        <p:nvSpPr>
+          <p:cNvPr id="183" name="50人"/>
+          <p:cNvSpPr txBox="1"/>
+          <p:nvPr/>
+        </p:nvSpPr>
+        <p:spPr>
+          <a:xfrm>
+            <a:off x="3257340" y="4681537"/>
+            <a:ext cx="760782" cy="374651"/>
+          </a:xfrm>
+          <a:prstGeom prst="rect">
+            <a:avLst/>
+          </a:prstGeom>
+          <a:ln w="12700">
+            <a:miter lim="400000"/>
+          </a:ln>
+          <a:extLst>
+            <a:ext uri="{C572A759-6A51-4108-AA02-DFA0A04FC94B}">
+              <ma14:wrappingTextBoxFlag xmlns:ma14="http://schemas.microsoft.com/office/mac/drawingml/2011/main" val="1"/>
+            </a:ext>
+          </a:extLst>
+        </p:spPr>
+        <p:txBody>
+          <a:bodyPr wrap="none" lIns="50800" tIns="50800" rIns="50800" bIns="50800" anchor="ctr">
+            <a:spAutoFit/>
+          </a:bodyPr>
+          <a:lstStyle>
+            <a:lvl1pPr>
+              <a:defRPr sz="2100"/>
+            </a:lvl1pPr>
+          </a:lstStyle>
+          <a:p>
+            <a:pPr/>
+            <a:r>
+              <a:t>50人</a:t>
+            </a:r>
+          </a:p>
+        </p:txBody>
+      </p:sp>
+      <p:sp>
+        <p:nvSpPr>
+          <p:cNvPr id="184" name="30.56"/>
+          <p:cNvSpPr txBox="1"/>
+          <p:nvPr/>
+        </p:nvSpPr>
+        <p:spPr>
+          <a:xfrm>
+            <a:off x="4398257" y="4697412"/>
+            <a:ext cx="945872" cy="374651"/>
+          </a:xfrm>
+          <a:prstGeom prst="rect">
+            <a:avLst/>
+          </a:prstGeom>
+          <a:ln w="12700">
+            <a:miter lim="400000"/>
+          </a:ln>
+          <a:extLst>
+            <a:ext uri="{C572A759-6A51-4108-AA02-DFA0A04FC94B}">
+              <ma14:wrappingTextBoxFlag xmlns:ma14="http://schemas.microsoft.com/office/mac/drawingml/2011/main" val="1"/>
+            </a:ext>
+          </a:extLst>
+        </p:spPr>
+        <p:txBody>
+          <a:bodyPr wrap="none" lIns="50800" tIns="50800" rIns="50800" bIns="50800" anchor="ctr">
+            <a:spAutoFit/>
+          </a:bodyPr>
+          <a:lstStyle>
+            <a:lvl1pPr>
+              <a:defRPr sz="2100"/>
+            </a:lvl1pPr>
+          </a:lstStyle>
+          <a:p>
+            <a:pPr/>
+            <a:r>
+              <a:t>30.56</a:t>
+            </a:r>
+          </a:p>
+        </p:txBody>
+      </p:sp>
+      <p:sp>
+        <p:nvSpPr>
+          <p:cNvPr id="185" name="A支店"/>
+          <p:cNvSpPr txBox="1"/>
+          <p:nvPr/>
+        </p:nvSpPr>
+        <p:spPr>
+          <a:xfrm>
+            <a:off x="2038400" y="5152247"/>
+            <a:ext cx="863195" cy="374651"/>
+          </a:xfrm>
+          <a:prstGeom prst="rect">
+            <a:avLst/>
+          </a:prstGeom>
+          <a:ln w="12700">
+            <a:miter lim="400000"/>
+          </a:ln>
+          <a:extLst>
+            <a:ext uri="{C572A759-6A51-4108-AA02-DFA0A04FC94B}">
+              <ma14:wrappingTextBoxFlag xmlns:ma14="http://schemas.microsoft.com/office/mac/drawingml/2011/main" val="1"/>
+            </a:ext>
+          </a:extLst>
+        </p:spPr>
+        <p:txBody>
+          <a:bodyPr wrap="none" lIns="50800" tIns="50800" rIns="50800" bIns="50800" anchor="ctr">
+            <a:spAutoFit/>
+          </a:bodyPr>
+          <a:lstStyle>
+            <a:lvl1pPr>
+              <a:defRPr sz="2100"/>
+            </a:lvl1pPr>
+          </a:lstStyle>
+          <a:p>
+            <a:pPr/>
+            <a:r>
+              <a:t>A支店</a:t>
+            </a:r>
+          </a:p>
+        </p:txBody>
+      </p:sp>
+      <p:sp>
+        <p:nvSpPr>
+          <p:cNvPr id="186" name="50人"/>
+          <p:cNvSpPr txBox="1"/>
+          <p:nvPr/>
+        </p:nvSpPr>
+        <p:spPr>
+          <a:xfrm>
+            <a:off x="3257340" y="5136372"/>
+            <a:ext cx="760782" cy="374651"/>
+          </a:xfrm>
+          <a:prstGeom prst="rect">
+            <a:avLst/>
+          </a:prstGeom>
+          <a:ln w="12700">
+            <a:miter lim="400000"/>
+          </a:ln>
+          <a:extLst>
+            <a:ext uri="{C572A759-6A51-4108-AA02-DFA0A04FC94B}">
+              <ma14:wrappingTextBoxFlag xmlns:ma14="http://schemas.microsoft.com/office/mac/drawingml/2011/main" val="1"/>
+            </a:ext>
+          </a:extLst>
+        </p:spPr>
+        <p:txBody>
+          <a:bodyPr wrap="none" lIns="50800" tIns="50800" rIns="50800" bIns="50800" anchor="ctr">
+            <a:spAutoFit/>
+          </a:bodyPr>
+          <a:lstStyle>
+            <a:lvl1pPr>
+              <a:defRPr sz="2100"/>
+            </a:lvl1pPr>
+          </a:lstStyle>
+          <a:p>
+            <a:pPr/>
+            <a:r>
+              <a:t>50人</a:t>
+            </a:r>
+          </a:p>
+        </p:txBody>
+      </p:sp>
+      <p:sp>
+        <p:nvSpPr>
+          <p:cNvPr id="187" name="30.56"/>
+          <p:cNvSpPr txBox="1"/>
+          <p:nvPr/>
+        </p:nvSpPr>
+        <p:spPr>
+          <a:xfrm>
+            <a:off x="4398257" y="5152247"/>
+            <a:ext cx="945872" cy="374651"/>
+          </a:xfrm>
+          <a:prstGeom prst="rect">
+            <a:avLst/>
+          </a:prstGeom>
+          <a:ln w="12700">
+            <a:miter lim="400000"/>
+          </a:ln>
+          <a:extLst>
+            <a:ext uri="{C572A759-6A51-4108-AA02-DFA0A04FC94B}">
+              <ma14:wrappingTextBoxFlag xmlns:ma14="http://schemas.microsoft.com/office/mac/drawingml/2011/main" val="1"/>
+            </a:ext>
+          </a:extLst>
+        </p:spPr>
+        <p:txBody>
+          <a:bodyPr wrap="none" lIns="50800" tIns="50800" rIns="50800" bIns="50800" anchor="ctr">
+            <a:spAutoFit/>
+          </a:bodyPr>
+          <a:lstStyle>
+            <a:lvl1pPr>
+              <a:defRPr sz="2100"/>
+            </a:lvl1pPr>
+          </a:lstStyle>
+          <a:p>
+            <a:pPr/>
+            <a:r>
+              <a:t>30.56</a:t>
+            </a:r>
+          </a:p>
+        </p:txBody>
+      </p:sp>
+      <p:sp>
+        <p:nvSpPr>
+          <p:cNvPr id="188" name="A支店"/>
+          <p:cNvSpPr txBox="1"/>
+          <p:nvPr/>
+        </p:nvSpPr>
+        <p:spPr>
+          <a:xfrm>
+            <a:off x="2038400" y="5632362"/>
+            <a:ext cx="863195" cy="374651"/>
+          </a:xfrm>
+          <a:prstGeom prst="rect">
+            <a:avLst/>
+          </a:prstGeom>
+          <a:ln w="12700">
+            <a:miter lim="400000"/>
+          </a:ln>
+          <a:extLst>
+            <a:ext uri="{C572A759-6A51-4108-AA02-DFA0A04FC94B}">
+              <ma14:wrappingTextBoxFlag xmlns:ma14="http://schemas.microsoft.com/office/mac/drawingml/2011/main" val="1"/>
+            </a:ext>
+          </a:extLst>
+        </p:spPr>
+        <p:txBody>
+          <a:bodyPr wrap="none" lIns="50800" tIns="50800" rIns="50800" bIns="50800" anchor="ctr">
+            <a:spAutoFit/>
+          </a:bodyPr>
+          <a:lstStyle>
+            <a:lvl1pPr>
+              <a:defRPr sz="2100"/>
+            </a:lvl1pPr>
+          </a:lstStyle>
+          <a:p>
+            <a:pPr/>
+            <a:r>
+              <a:t>A支店</a:t>
+            </a:r>
+          </a:p>
+        </p:txBody>
+      </p:sp>
+      <p:sp>
+        <p:nvSpPr>
+          <p:cNvPr id="189" name="50人"/>
+          <p:cNvSpPr txBox="1"/>
+          <p:nvPr/>
+        </p:nvSpPr>
+        <p:spPr>
+          <a:xfrm>
+            <a:off x="3257340" y="5616487"/>
+            <a:ext cx="760782" cy="374651"/>
+          </a:xfrm>
+          <a:prstGeom prst="rect">
+            <a:avLst/>
+          </a:prstGeom>
+          <a:ln w="12700">
+            <a:miter lim="400000"/>
+          </a:ln>
+          <a:extLst>
+            <a:ext uri="{C572A759-6A51-4108-AA02-DFA0A04FC94B}">
+              <ma14:wrappingTextBoxFlag xmlns:ma14="http://schemas.microsoft.com/office/mac/drawingml/2011/main" val="1"/>
+            </a:ext>
+          </a:extLst>
+        </p:spPr>
+        <p:txBody>
+          <a:bodyPr wrap="none" lIns="50800" tIns="50800" rIns="50800" bIns="50800" anchor="ctr">
+            <a:spAutoFit/>
+          </a:bodyPr>
+          <a:lstStyle>
+            <a:lvl1pPr>
+              <a:defRPr sz="2100"/>
+            </a:lvl1pPr>
+          </a:lstStyle>
+          <a:p>
+            <a:pPr/>
+            <a:r>
+              <a:t>50人</a:t>
+            </a:r>
+          </a:p>
+        </p:txBody>
+      </p:sp>
+      <p:sp>
+        <p:nvSpPr>
+          <p:cNvPr id="190" name="30.56"/>
+          <p:cNvSpPr txBox="1"/>
+          <p:nvPr/>
+        </p:nvSpPr>
+        <p:spPr>
+          <a:xfrm>
+            <a:off x="4398257" y="5632362"/>
+            <a:ext cx="945872" cy="374651"/>
+          </a:xfrm>
+          <a:prstGeom prst="rect">
+            <a:avLst/>
+          </a:prstGeom>
+          <a:ln w="12700">
+            <a:miter lim="400000"/>
+          </a:ln>
+          <a:extLst>
+            <a:ext uri="{C572A759-6A51-4108-AA02-DFA0A04FC94B}">
+              <ma14:wrappingTextBoxFlag xmlns:ma14="http://schemas.microsoft.com/office/mac/drawingml/2011/main" val="1"/>
+            </a:ext>
+          </a:extLst>
+        </p:spPr>
+        <p:txBody>
+          <a:bodyPr wrap="none" lIns="50800" tIns="50800" rIns="50800" bIns="50800" anchor="ctr">
+            <a:spAutoFit/>
+          </a:bodyPr>
+          <a:lstStyle>
+            <a:lvl1pPr>
+              <a:defRPr sz="2100"/>
+            </a:lvl1pPr>
+          </a:lstStyle>
+          <a:p>
+            <a:pPr/>
+            <a:r>
+              <a:t>30.56</a:t>
+            </a:r>
+          </a:p>
+        </p:txBody>
+      </p:sp>
+      <p:sp>
+        <p:nvSpPr>
+          <p:cNvPr id="191" name="A支店"/>
+          <p:cNvSpPr txBox="1"/>
+          <p:nvPr/>
+        </p:nvSpPr>
+        <p:spPr>
+          <a:xfrm>
+            <a:off x="2038400" y="6105338"/>
+            <a:ext cx="863195" cy="374651"/>
+          </a:xfrm>
+          <a:prstGeom prst="rect">
+            <a:avLst/>
+          </a:prstGeom>
+          <a:ln w="12700">
+            <a:miter lim="400000"/>
+          </a:ln>
+          <a:extLst>
+            <a:ext uri="{C572A759-6A51-4108-AA02-DFA0A04FC94B}">
+              <ma14:wrappingTextBoxFlag xmlns:ma14="http://schemas.microsoft.com/office/mac/drawingml/2011/main" val="1"/>
+            </a:ext>
+          </a:extLst>
+        </p:spPr>
+        <p:txBody>
+          <a:bodyPr wrap="none" lIns="50800" tIns="50800" rIns="50800" bIns="50800" anchor="ctr">
+            <a:spAutoFit/>
+          </a:bodyPr>
+          <a:lstStyle>
+            <a:lvl1pPr>
+              <a:defRPr sz="2100"/>
+            </a:lvl1pPr>
+          </a:lstStyle>
+          <a:p>
+            <a:pPr/>
+            <a:r>
+              <a:t>A支店</a:t>
+            </a:r>
+          </a:p>
+        </p:txBody>
+      </p:sp>
+      <p:sp>
+        <p:nvSpPr>
+          <p:cNvPr id="192" name="50人"/>
+          <p:cNvSpPr txBox="1"/>
+          <p:nvPr/>
+        </p:nvSpPr>
+        <p:spPr>
+          <a:xfrm>
+            <a:off x="3257340" y="6089463"/>
+            <a:ext cx="760782" cy="374651"/>
+          </a:xfrm>
+          <a:prstGeom prst="rect">
+            <a:avLst/>
+          </a:prstGeom>
+          <a:ln w="12700">
+            <a:miter lim="400000"/>
+          </a:ln>
+          <a:extLst>
+            <a:ext uri="{C572A759-6A51-4108-AA02-DFA0A04FC94B}">
+              <ma14:wrappingTextBoxFlag xmlns:ma14="http://schemas.microsoft.com/office/mac/drawingml/2011/main" val="1"/>
+            </a:ext>
+          </a:extLst>
+        </p:spPr>
+        <p:txBody>
+          <a:bodyPr wrap="none" lIns="50800" tIns="50800" rIns="50800" bIns="50800" anchor="ctr">
+            <a:spAutoFit/>
+          </a:bodyPr>
+          <a:lstStyle>
+            <a:lvl1pPr>
+              <a:defRPr sz="2100"/>
+            </a:lvl1pPr>
+          </a:lstStyle>
+          <a:p>
+            <a:pPr/>
+            <a:r>
+              <a:t>50人</a:t>
+            </a:r>
+          </a:p>
+        </p:txBody>
+      </p:sp>
+      <p:sp>
+        <p:nvSpPr>
+          <p:cNvPr id="193" name="30.56"/>
+          <p:cNvSpPr txBox="1"/>
+          <p:nvPr/>
+        </p:nvSpPr>
+        <p:spPr>
+          <a:xfrm>
+            <a:off x="4398257" y="6105338"/>
+            <a:ext cx="945872" cy="374651"/>
+          </a:xfrm>
+          <a:prstGeom prst="rect">
+            <a:avLst/>
+          </a:prstGeom>
+          <a:ln w="12700">
+            <a:miter lim="400000"/>
+          </a:ln>
+          <a:extLst>
+            <a:ext uri="{C572A759-6A51-4108-AA02-DFA0A04FC94B}">
+              <ma14:wrappingTextBoxFlag xmlns:ma14="http://schemas.microsoft.com/office/mac/drawingml/2011/main" val="1"/>
+            </a:ext>
+          </a:extLst>
+        </p:spPr>
+        <p:txBody>
+          <a:bodyPr wrap="none" lIns="50800" tIns="50800" rIns="50800" bIns="50800" anchor="ctr">
+            <a:spAutoFit/>
+          </a:bodyPr>
+          <a:lstStyle>
+            <a:lvl1pPr>
+              <a:defRPr sz="2100"/>
+            </a:lvl1pPr>
+          </a:lstStyle>
+          <a:p>
+            <a:pPr/>
+            <a:r>
+              <a:t>30.56</a:t>
+            </a:r>
+          </a:p>
+        </p:txBody>
+      </p:sp>
+      <p:sp>
+        <p:nvSpPr>
+          <p:cNvPr id="194" name="A支店"/>
+          <p:cNvSpPr txBox="1"/>
+          <p:nvPr/>
+        </p:nvSpPr>
+        <p:spPr>
+          <a:xfrm>
+            <a:off x="2038400" y="6594189"/>
+            <a:ext cx="863195" cy="374651"/>
+          </a:xfrm>
+          <a:prstGeom prst="rect">
+            <a:avLst/>
+          </a:prstGeom>
+          <a:ln w="12700">
+            <a:miter lim="400000"/>
+          </a:ln>
+          <a:extLst>
+            <a:ext uri="{C572A759-6A51-4108-AA02-DFA0A04FC94B}">
+              <ma14:wrappingTextBoxFlag xmlns:ma14="http://schemas.microsoft.com/office/mac/drawingml/2011/main" val="1"/>
+            </a:ext>
+          </a:extLst>
+        </p:spPr>
+        <p:txBody>
+          <a:bodyPr wrap="none" lIns="50800" tIns="50800" rIns="50800" bIns="50800" anchor="ctr">
+            <a:spAutoFit/>
+          </a:bodyPr>
+          <a:lstStyle>
+            <a:lvl1pPr>
+              <a:defRPr sz="2100"/>
+            </a:lvl1pPr>
+          </a:lstStyle>
+          <a:p>
+            <a:pPr/>
+            <a:r>
+              <a:t>A支店</a:t>
+            </a:r>
+          </a:p>
+        </p:txBody>
+      </p:sp>
+      <p:sp>
+        <p:nvSpPr>
+          <p:cNvPr id="195" name="50人"/>
+          <p:cNvSpPr txBox="1"/>
+          <p:nvPr/>
+        </p:nvSpPr>
+        <p:spPr>
+          <a:xfrm>
+            <a:off x="3257340" y="6578314"/>
+            <a:ext cx="760782" cy="374651"/>
+          </a:xfrm>
+          <a:prstGeom prst="rect">
+            <a:avLst/>
+          </a:prstGeom>
+          <a:ln w="12700">
+            <a:miter lim="400000"/>
+          </a:ln>
+          <a:extLst>
+            <a:ext uri="{C572A759-6A51-4108-AA02-DFA0A04FC94B}">
+              <ma14:wrappingTextBoxFlag xmlns:ma14="http://schemas.microsoft.com/office/mac/drawingml/2011/main" val="1"/>
+            </a:ext>
+          </a:extLst>
+        </p:spPr>
+        <p:txBody>
+          <a:bodyPr wrap="none" lIns="50800" tIns="50800" rIns="50800" bIns="50800" anchor="ctr">
+            <a:spAutoFit/>
+          </a:bodyPr>
+          <a:lstStyle>
+            <a:lvl1pPr>
+              <a:defRPr sz="2100"/>
+            </a:lvl1pPr>
+          </a:lstStyle>
+          <a:p>
+            <a:pPr/>
+            <a:r>
+              <a:t>50人</a:t>
+            </a:r>
+          </a:p>
+        </p:txBody>
+      </p:sp>
+      <p:sp>
+        <p:nvSpPr>
+          <p:cNvPr id="196" name="30.56"/>
+          <p:cNvSpPr txBox="1"/>
+          <p:nvPr/>
+        </p:nvSpPr>
+        <p:spPr>
+          <a:xfrm>
+            <a:off x="4398257" y="6594189"/>
+            <a:ext cx="945872" cy="374651"/>
+          </a:xfrm>
+          <a:prstGeom prst="rect">
+            <a:avLst/>
+          </a:prstGeom>
+          <a:ln w="12700">
+            <a:miter lim="400000"/>
+          </a:ln>
+          <a:extLst>
+            <a:ext uri="{C572A759-6A51-4108-AA02-DFA0A04FC94B}">
+              <ma14:wrappingTextBoxFlag xmlns:ma14="http://schemas.microsoft.com/office/mac/drawingml/2011/main" val="1"/>
+            </a:ext>
+          </a:extLst>
+        </p:spPr>
+        <p:txBody>
+          <a:bodyPr wrap="none" lIns="50800" tIns="50800" rIns="50800" bIns="50800" anchor="ctr">
+            <a:spAutoFit/>
+          </a:bodyPr>
+          <a:lstStyle>
+            <a:lvl1pPr>
+              <a:defRPr sz="2100"/>
+            </a:lvl1pPr>
+          </a:lstStyle>
+          <a:p>
+            <a:pPr/>
+            <a:r>
+              <a:t>30.56</a:t>
             </a:r>
           </a:p>
         </p:txBody>
@@ -23554,7 +24215,7 @@
       </p:grpSpPr>
       <p:sp>
         <p:nvSpPr>
-          <p:cNvPr id="182" name="ビルを建てる"/>
+          <p:cNvPr id="198" name="ビルを建てる"/>
           <p:cNvSpPr txBox="1"/>
           <p:nvPr>
             <p:ph type="ctrTitle"/>
@@ -23582,7 +24243,7 @@
       </p:sp>
       <p:sp>
         <p:nvSpPr>
-          <p:cNvPr id="183" name="3月:"/>
+          <p:cNvPr id="199" name="3月:"/>
           <p:cNvSpPr txBox="1"/>
           <p:nvPr/>
         </p:nvSpPr>
@@ -23633,7 +24294,7 @@
       </p:sp>
       <p:grpSp>
         <p:nvGrpSpPr>
-          <p:cNvPr id="186" name="グループ"/>
+          <p:cNvPr id="202" name="グループ"/>
           <p:cNvGrpSpPr/>
           <p:nvPr/>
         </p:nvGrpSpPr>
@@ -23647,7 +24308,7 @@
         </p:grpSpPr>
         <p:pic>
           <p:nvPicPr>
-            <p:cNvPr id="184" name="brick.jpg" descr="brick.jpg"/>
+            <p:cNvPr id="200" name="brick.jpg" descr="brick.jpg"/>
             <p:cNvPicPr>
               <a:picLocks noChangeAspect="1"/>
             </p:cNvPicPr>
@@ -23678,7 +24339,7 @@
         </p:pic>
         <p:sp>
           <p:nvSpPr>
-            <p:cNvPr id="185" name="1日"/>
+            <p:cNvPr id="201" name="1日"/>
             <p:cNvSpPr txBox="1"/>
             <p:nvPr/>
           </p:nvSpPr>
@@ -23732,7 +24393,7 @@
       </p:grpSp>
       <p:grpSp>
         <p:nvGrpSpPr>
-          <p:cNvPr id="189" name="グループ"/>
+          <p:cNvPr id="205" name="グループ"/>
           <p:cNvGrpSpPr/>
           <p:nvPr/>
         </p:nvGrpSpPr>
@@ -23746,7 +24407,7 @@
         </p:grpSpPr>
         <p:pic>
           <p:nvPicPr>
-            <p:cNvPr id="187" name="brick.jpg" descr="brick.jpg"/>
+            <p:cNvPr id="203" name="brick.jpg" descr="brick.jpg"/>
             <p:cNvPicPr>
               <a:picLocks noChangeAspect="1"/>
             </p:cNvPicPr>
@@ -23777,7 +24438,7 @@
         </p:pic>
         <p:sp>
           <p:nvSpPr>
-            <p:cNvPr id="188" name="2日"/>
+            <p:cNvPr id="204" name="2日"/>
             <p:cNvSpPr txBox="1"/>
             <p:nvPr/>
           </p:nvSpPr>
@@ -23831,7 +24492,7 @@
       </p:grpSp>
       <p:grpSp>
         <p:nvGrpSpPr>
-          <p:cNvPr id="192" name="グループ"/>
+          <p:cNvPr id="208" name="グループ"/>
           <p:cNvGrpSpPr/>
           <p:nvPr/>
         </p:nvGrpSpPr>
@@ -23845,7 +24506,7 @@
         </p:grpSpPr>
         <p:pic>
           <p:nvPicPr>
-            <p:cNvPr id="190" name="brick.jpg" descr="brick.jpg"/>
+            <p:cNvPr id="206" name="brick.jpg" descr="brick.jpg"/>
             <p:cNvPicPr>
               <a:picLocks noChangeAspect="1"/>
             </p:cNvPicPr>
@@ -23876,7 +24537,7 @@
         </p:pic>
         <p:sp>
           <p:nvSpPr>
-            <p:cNvPr id="191" name="3日"/>
+            <p:cNvPr id="207" name="3日"/>
             <p:cNvSpPr txBox="1"/>
             <p:nvPr/>
           </p:nvSpPr>
@@ -23930,7 +24591,7 @@
       </p:grpSp>
       <p:grpSp>
         <p:nvGrpSpPr>
-          <p:cNvPr id="195" name="グループ"/>
+          <p:cNvPr id="211" name="グループ"/>
           <p:cNvGrpSpPr/>
           <p:nvPr/>
         </p:nvGrpSpPr>
@@ -23944,7 +24605,7 @@
         </p:grpSpPr>
         <p:pic>
           <p:nvPicPr>
-            <p:cNvPr id="193" name="brick.jpg" descr="brick.jpg"/>
+            <p:cNvPr id="209" name="brick.jpg" descr="brick.jpg"/>
             <p:cNvPicPr>
               <a:picLocks noChangeAspect="1"/>
             </p:cNvPicPr>
@@ -23975,7 +24636,7 @@
         </p:pic>
         <p:sp>
           <p:nvSpPr>
-            <p:cNvPr id="194" name="4日"/>
+            <p:cNvPr id="210" name="4日"/>
             <p:cNvSpPr txBox="1"/>
             <p:nvPr/>
           </p:nvSpPr>
@@ -24029,7 +24690,7 @@
       </p:grpSp>
       <p:grpSp>
         <p:nvGrpSpPr>
-          <p:cNvPr id="198" name="グループ"/>
+          <p:cNvPr id="214" name="グループ"/>
           <p:cNvGrpSpPr/>
           <p:nvPr/>
         </p:nvGrpSpPr>
@@ -24043,7 +24704,7 @@
         </p:grpSpPr>
         <p:pic>
           <p:nvPicPr>
-            <p:cNvPr id="196" name="brick.jpg" descr="brick.jpg"/>
+            <p:cNvPr id="212" name="brick.jpg" descr="brick.jpg"/>
             <p:cNvPicPr>
               <a:picLocks noChangeAspect="1"/>
             </p:cNvPicPr>
@@ -24074,7 +24735,7 @@
         </p:pic>
         <p:sp>
           <p:nvSpPr>
-            <p:cNvPr id="197" name="5日"/>
+            <p:cNvPr id="213" name="5日"/>
             <p:cNvSpPr txBox="1"/>
             <p:nvPr/>
           </p:nvSpPr>
@@ -24128,7 +24789,7 @@
       </p:grpSp>
       <p:grpSp>
         <p:nvGrpSpPr>
-          <p:cNvPr id="201" name="グループ"/>
+          <p:cNvPr id="217" name="グループ"/>
           <p:cNvGrpSpPr/>
           <p:nvPr/>
         </p:nvGrpSpPr>
@@ -24142,7 +24803,7 @@
         </p:grpSpPr>
         <p:pic>
           <p:nvPicPr>
-            <p:cNvPr id="199" name="brick.jpg" descr="brick.jpg"/>
+            <p:cNvPr id="215" name="brick.jpg" descr="brick.jpg"/>
             <p:cNvPicPr>
               <a:picLocks noChangeAspect="1"/>
             </p:cNvPicPr>
@@ -24173,7 +24834,7 @@
         </p:pic>
         <p:sp>
           <p:nvSpPr>
-            <p:cNvPr id="200" name="6日"/>
+            <p:cNvPr id="216" name="6日"/>
             <p:cNvSpPr txBox="1"/>
             <p:nvPr/>
           </p:nvSpPr>
@@ -24227,7 +24888,7 @@
       </p:grpSp>
       <p:grpSp>
         <p:nvGrpSpPr>
-          <p:cNvPr id="204" name="グループ"/>
+          <p:cNvPr id="220" name="グループ"/>
           <p:cNvGrpSpPr/>
           <p:nvPr/>
         </p:nvGrpSpPr>
@@ -24241,7 +24902,7 @@
         </p:grpSpPr>
         <p:pic>
           <p:nvPicPr>
-            <p:cNvPr id="202" name="brick.jpg" descr="brick.jpg"/>
+            <p:cNvPr id="218" name="brick.jpg" descr="brick.jpg"/>
             <p:cNvPicPr>
               <a:picLocks noChangeAspect="1"/>
             </p:cNvPicPr>
@@ -24273,7 +24934,7 @@
         </p:pic>
         <p:sp>
           <p:nvSpPr>
-            <p:cNvPr id="203" name="7日"/>
+            <p:cNvPr id="219" name="7日"/>
             <p:cNvSpPr txBox="1"/>
             <p:nvPr/>
           </p:nvSpPr>
@@ -24327,7 +24988,7 @@
       </p:grpSp>
       <p:grpSp>
         <p:nvGrpSpPr>
-          <p:cNvPr id="207" name="グループ"/>
+          <p:cNvPr id="223" name="グループ"/>
           <p:cNvGrpSpPr/>
           <p:nvPr/>
         </p:nvGrpSpPr>
@@ -24341,7 +25002,7 @@
         </p:grpSpPr>
         <p:pic>
           <p:nvPicPr>
-            <p:cNvPr id="205" name="brickBlue.jpg" descr="brickBlue.jpg"/>
+            <p:cNvPr id="221" name="brickBlue.jpg" descr="brickBlue.jpg"/>
             <p:cNvPicPr>
               <a:picLocks noChangeAspect="1"/>
             </p:cNvPicPr>
@@ -24372,7 +25033,7 @@
         </p:pic>
         <p:sp>
           <p:nvSpPr>
-            <p:cNvPr id="206" name="8日"/>
+            <p:cNvPr id="222" name="8日"/>
             <p:cNvSpPr txBox="1"/>
             <p:nvPr/>
           </p:nvSpPr>
@@ -24426,7 +25087,7 @@
       </p:grpSp>
       <p:grpSp>
         <p:nvGrpSpPr>
-          <p:cNvPr id="210" name="グループ"/>
+          <p:cNvPr id="226" name="グループ"/>
           <p:cNvGrpSpPr/>
           <p:nvPr/>
         </p:nvGrpSpPr>
@@ -24440,7 +25101,7 @@
         </p:grpSpPr>
         <p:pic>
           <p:nvPicPr>
-            <p:cNvPr id="208" name="brickBlue.jpg" descr="brickBlue.jpg"/>
+            <p:cNvPr id="224" name="brickBlue.jpg" descr="brickBlue.jpg"/>
             <p:cNvPicPr>
               <a:picLocks noChangeAspect="1"/>
             </p:cNvPicPr>
@@ -24471,7 +25132,7 @@
         </p:pic>
         <p:sp>
           <p:nvSpPr>
-            <p:cNvPr id="209" name="9日"/>
+            <p:cNvPr id="225" name="9日"/>
             <p:cNvSpPr txBox="1"/>
             <p:nvPr/>
           </p:nvSpPr>
@@ -24525,7 +25186,7 @@
       </p:grpSp>
       <p:grpSp>
         <p:nvGrpSpPr>
-          <p:cNvPr id="213" name="グループ"/>
+          <p:cNvPr id="229" name="グループ"/>
           <p:cNvGrpSpPr/>
           <p:nvPr/>
         </p:nvGrpSpPr>
@@ -24539,7 +25200,7 @@
         </p:grpSpPr>
         <p:pic>
           <p:nvPicPr>
-            <p:cNvPr id="211" name="brickBlue.jpg" descr="brickBlue.jpg"/>
+            <p:cNvPr id="227" name="brickBlue.jpg" descr="brickBlue.jpg"/>
             <p:cNvPicPr>
               <a:picLocks noChangeAspect="1"/>
             </p:cNvPicPr>
@@ -24570,7 +25231,7 @@
         </p:pic>
         <p:sp>
           <p:nvSpPr>
-            <p:cNvPr id="212" name="10日"/>
+            <p:cNvPr id="228" name="10日"/>
             <p:cNvSpPr txBox="1"/>
             <p:nvPr/>
           </p:nvSpPr>
@@ -24624,7 +25285,7 @@
       </p:grpSp>
       <p:grpSp>
         <p:nvGrpSpPr>
-          <p:cNvPr id="216" name="グループ"/>
+          <p:cNvPr id="232" name="グループ"/>
           <p:cNvGrpSpPr/>
           <p:nvPr/>
         </p:nvGrpSpPr>
@@ -24638,7 +25299,7 @@
         </p:grpSpPr>
         <p:pic>
           <p:nvPicPr>
-            <p:cNvPr id="214" name="brickBlue.jpg" descr="brickBlue.jpg"/>
+            <p:cNvPr id="230" name="brickBlue.jpg" descr="brickBlue.jpg"/>
             <p:cNvPicPr>
               <a:picLocks noChangeAspect="1"/>
             </p:cNvPicPr>
@@ -24669,7 +25330,7 @@
         </p:pic>
         <p:sp>
           <p:nvSpPr>
-            <p:cNvPr id="215" name="11日"/>
+            <p:cNvPr id="231" name="11日"/>
             <p:cNvSpPr txBox="1"/>
             <p:nvPr/>
           </p:nvSpPr>
@@ -24723,7 +25384,7 @@
       </p:grpSp>
       <p:grpSp>
         <p:nvGrpSpPr>
-          <p:cNvPr id="219" name="グループ"/>
+          <p:cNvPr id="235" name="グループ"/>
           <p:cNvGrpSpPr/>
           <p:nvPr/>
         </p:nvGrpSpPr>
@@ -24737,7 +25398,7 @@
         </p:grpSpPr>
         <p:pic>
           <p:nvPicPr>
-            <p:cNvPr id="217" name="brickBlue.jpg" descr="brickBlue.jpg"/>
+            <p:cNvPr id="233" name="brickBlue.jpg" descr="brickBlue.jpg"/>
             <p:cNvPicPr>
               <a:picLocks noChangeAspect="1"/>
             </p:cNvPicPr>
@@ -24768,7 +25429,7 @@
         </p:pic>
         <p:sp>
           <p:nvSpPr>
-            <p:cNvPr id="218" name="12日"/>
+            <p:cNvPr id="234" name="12日"/>
             <p:cNvSpPr txBox="1"/>
             <p:nvPr/>
           </p:nvSpPr>
@@ -24822,7 +25483,7 @@
       </p:grpSp>
       <p:grpSp>
         <p:nvGrpSpPr>
-          <p:cNvPr id="222" name="グループ"/>
+          <p:cNvPr id="238" name="グループ"/>
           <p:cNvGrpSpPr/>
           <p:nvPr/>
         </p:nvGrpSpPr>
@@ -24836,7 +25497,7 @@
         </p:grpSpPr>
         <p:pic>
           <p:nvPicPr>
-            <p:cNvPr id="220" name="brickBlue.jpg" descr="brickBlue.jpg"/>
+            <p:cNvPr id="236" name="brickBlue.jpg" descr="brickBlue.jpg"/>
             <p:cNvPicPr>
               <a:picLocks noChangeAspect="1"/>
             </p:cNvPicPr>
@@ -24867,7 +25528,7 @@
         </p:pic>
         <p:sp>
           <p:nvSpPr>
-            <p:cNvPr id="221" name="13日"/>
+            <p:cNvPr id="237" name="13日"/>
             <p:cNvSpPr txBox="1"/>
             <p:nvPr/>
           </p:nvSpPr>
@@ -24921,7 +25582,7 @@
       </p:grpSp>
       <p:grpSp>
         <p:nvGrpSpPr>
-          <p:cNvPr id="225" name="グループ"/>
+          <p:cNvPr id="241" name="グループ"/>
           <p:cNvGrpSpPr/>
           <p:nvPr/>
         </p:nvGrpSpPr>
@@ -24935,7 +25596,7 @@
         </p:grpSpPr>
         <p:pic>
           <p:nvPicPr>
-            <p:cNvPr id="223" name="brickBlue.jpg" descr="brickBlue.jpg"/>
+            <p:cNvPr id="239" name="brickBlue.jpg" descr="brickBlue.jpg"/>
             <p:cNvPicPr>
               <a:picLocks noChangeAspect="1"/>
             </p:cNvPicPr>
@@ -24966,7 +25627,7 @@
         </p:pic>
         <p:sp>
           <p:nvSpPr>
-            <p:cNvPr id="224" name="14日"/>
+            <p:cNvPr id="240" name="14日"/>
             <p:cNvSpPr txBox="1"/>
             <p:nvPr/>
           </p:nvSpPr>
@@ -25020,7 +25681,7 @@
       </p:grpSp>
       <p:grpSp>
         <p:nvGrpSpPr>
-          <p:cNvPr id="228" name="グループ"/>
+          <p:cNvPr id="244" name="グループ"/>
           <p:cNvGrpSpPr/>
           <p:nvPr/>
         </p:nvGrpSpPr>
@@ -25034,7 +25695,7 @@
         </p:grpSpPr>
         <p:pic>
           <p:nvPicPr>
-            <p:cNvPr id="226" name="brickYellow.jpg" descr="brickYellow.jpg"/>
+            <p:cNvPr id="242" name="brickYellow.jpg" descr="brickYellow.jpg"/>
             <p:cNvPicPr>
               <a:picLocks noChangeAspect="0"/>
             </p:cNvPicPr>
@@ -25066,7 +25727,7 @@
         </p:pic>
         <p:sp>
           <p:nvSpPr>
-            <p:cNvPr id="227" name="15日"/>
+            <p:cNvPr id="243" name="15日"/>
             <p:cNvSpPr txBox="1"/>
             <p:nvPr/>
           </p:nvSpPr>
@@ -25120,7 +25781,7 @@
       </p:grpSp>
       <p:grpSp>
         <p:nvGrpSpPr>
-          <p:cNvPr id="231" name="グループ"/>
+          <p:cNvPr id="247" name="グループ"/>
           <p:cNvGrpSpPr/>
           <p:nvPr/>
         </p:nvGrpSpPr>
@@ -25134,7 +25795,7 @@
         </p:grpSpPr>
         <p:pic>
           <p:nvPicPr>
-            <p:cNvPr id="229" name="brickYellow.jpg" descr="brickYellow.jpg"/>
+            <p:cNvPr id="245" name="brickYellow.jpg" descr="brickYellow.jpg"/>
             <p:cNvPicPr>
               <a:picLocks noChangeAspect="0"/>
             </p:cNvPicPr>
@@ -25166,7 +25827,7 @@
         </p:pic>
         <p:sp>
           <p:nvSpPr>
-            <p:cNvPr id="230" name="16日"/>
+            <p:cNvPr id="246" name="16日"/>
             <p:cNvSpPr txBox="1"/>
             <p:nvPr/>
           </p:nvSpPr>
@@ -25220,7 +25881,7 @@
       </p:grpSp>
       <p:grpSp>
         <p:nvGrpSpPr>
-          <p:cNvPr id="234" name="グループ"/>
+          <p:cNvPr id="250" name="グループ"/>
           <p:cNvGrpSpPr/>
           <p:nvPr/>
         </p:nvGrpSpPr>
@@ -25234,7 +25895,7 @@
         </p:grpSpPr>
         <p:pic>
           <p:nvPicPr>
-            <p:cNvPr id="232" name="brickYellow.jpg" descr="brickYellow.jpg"/>
+            <p:cNvPr id="248" name="brickYellow.jpg" descr="brickYellow.jpg"/>
             <p:cNvPicPr>
               <a:picLocks noChangeAspect="0"/>
             </p:cNvPicPr>
@@ -25266,7 +25927,7 @@
         </p:pic>
         <p:sp>
           <p:nvSpPr>
-            <p:cNvPr id="233" name="17日"/>
+            <p:cNvPr id="249" name="17日"/>
             <p:cNvSpPr txBox="1"/>
             <p:nvPr/>
           </p:nvSpPr>
@@ -25320,7 +25981,7 @@
       </p:grpSp>
       <p:grpSp>
         <p:nvGrpSpPr>
-          <p:cNvPr id="237" name="グループ"/>
+          <p:cNvPr id="253" name="グループ"/>
           <p:cNvGrpSpPr/>
           <p:nvPr/>
         </p:nvGrpSpPr>
@@ -25334,7 +25995,7 @@
         </p:grpSpPr>
         <p:pic>
           <p:nvPicPr>
-            <p:cNvPr id="235" name="brickYellow.jpg" descr="brickYellow.jpg"/>
+            <p:cNvPr id="251" name="brickYellow.jpg" descr="brickYellow.jpg"/>
             <p:cNvPicPr>
               <a:picLocks noChangeAspect="0"/>
             </p:cNvPicPr>
@@ -25366,7 +26027,7 @@
         </p:pic>
         <p:sp>
           <p:nvSpPr>
-            <p:cNvPr id="236" name="18日"/>
+            <p:cNvPr id="252" name="18日"/>
             <p:cNvSpPr txBox="1"/>
             <p:nvPr/>
           </p:nvSpPr>
@@ -25420,7 +26081,7 @@
       </p:grpSp>
       <p:grpSp>
         <p:nvGrpSpPr>
-          <p:cNvPr id="240" name="グループ"/>
+          <p:cNvPr id="256" name="グループ"/>
           <p:cNvGrpSpPr/>
           <p:nvPr/>
         </p:nvGrpSpPr>
@@ -25434,7 +26095,7 @@
         </p:grpSpPr>
         <p:pic>
           <p:nvPicPr>
-            <p:cNvPr id="238" name="brickYellow.jpg" descr="brickYellow.jpg"/>
+            <p:cNvPr id="254" name="brickYellow.jpg" descr="brickYellow.jpg"/>
             <p:cNvPicPr>
               <a:picLocks noChangeAspect="0"/>
             </p:cNvPicPr>
@@ -25466,7 +26127,7 @@
         </p:pic>
         <p:sp>
           <p:nvSpPr>
-            <p:cNvPr id="239" name="19日"/>
+            <p:cNvPr id="255" name="19日"/>
             <p:cNvSpPr txBox="1"/>
             <p:nvPr/>
           </p:nvSpPr>
@@ -25520,7 +26181,7 @@
       </p:grpSp>
       <p:grpSp>
         <p:nvGrpSpPr>
-          <p:cNvPr id="243" name="グループ"/>
+          <p:cNvPr id="259" name="グループ"/>
           <p:cNvGrpSpPr/>
           <p:nvPr/>
         </p:nvGrpSpPr>
@@ -25534,7 +26195,7 @@
         </p:grpSpPr>
         <p:pic>
           <p:nvPicPr>
-            <p:cNvPr id="241" name="brickYellow.jpg" descr="brickYellow.jpg"/>
+            <p:cNvPr id="257" name="brickYellow.jpg" descr="brickYellow.jpg"/>
             <p:cNvPicPr>
               <a:picLocks noChangeAspect="0"/>
             </p:cNvPicPr>
@@ -25566,7 +26227,7 @@
         </p:pic>
         <p:sp>
           <p:nvSpPr>
-            <p:cNvPr id="242" name="20日"/>
+            <p:cNvPr id="258" name="20日"/>
             <p:cNvSpPr txBox="1"/>
             <p:nvPr/>
           </p:nvSpPr>
@@ -25620,7 +26281,7 @@
       </p:grpSp>
       <p:sp>
         <p:nvSpPr>
-          <p:cNvPr id="244" name="3月14日に戻りたい"/>
+          <p:cNvPr id="260" name="3月14日に戻りたい"/>
           <p:cNvSpPr txBox="1"/>
           <p:nvPr/>
         </p:nvSpPr>
@@ -25656,7 +26317,7 @@
       </p:sp>
       <p:grpSp>
         <p:nvGrpSpPr>
-          <p:cNvPr id="265" name="グループ"/>
+          <p:cNvPr id="281" name="グループ"/>
           <p:cNvGrpSpPr/>
           <p:nvPr/>
         </p:nvGrpSpPr>
@@ -25670,7 +26331,7 @@
         </p:grpSpPr>
         <p:pic>
           <p:nvPicPr>
-            <p:cNvPr id="245" name="brick.jpg" descr="brick.jpg"/>
+            <p:cNvPr id="261" name="brick.jpg" descr="brick.jpg"/>
             <p:cNvPicPr>
               <a:picLocks noChangeAspect="1"/>
             </p:cNvPicPr>
@@ -25701,7 +26362,7 @@
         </p:pic>
         <p:pic>
           <p:nvPicPr>
-            <p:cNvPr id="246" name="brick.jpg" descr="brick.jpg"/>
+            <p:cNvPr id="262" name="brick.jpg" descr="brick.jpg"/>
             <p:cNvPicPr>
               <a:picLocks noChangeAspect="1"/>
             </p:cNvPicPr>
@@ -25732,7 +26393,7 @@
         </p:pic>
         <p:pic>
           <p:nvPicPr>
-            <p:cNvPr id="247" name="brick.jpg" descr="brick.jpg"/>
+            <p:cNvPr id="263" name="brick.jpg" descr="brick.jpg"/>
             <p:cNvPicPr>
               <a:picLocks noChangeAspect="1"/>
             </p:cNvPicPr>
@@ -25763,7 +26424,7 @@
         </p:pic>
         <p:pic>
           <p:nvPicPr>
-            <p:cNvPr id="248" name="brick.jpg" descr="brick.jpg"/>
+            <p:cNvPr id="264" name="brick.jpg" descr="brick.jpg"/>
             <p:cNvPicPr>
               <a:picLocks noChangeAspect="1"/>
             </p:cNvPicPr>
@@ -25794,7 +26455,7 @@
         </p:pic>
         <p:pic>
           <p:nvPicPr>
-            <p:cNvPr id="249" name="brick.jpg" descr="brick.jpg"/>
+            <p:cNvPr id="265" name="brick.jpg" descr="brick.jpg"/>
             <p:cNvPicPr>
               <a:picLocks noChangeAspect="1"/>
             </p:cNvPicPr>
@@ -25825,7 +26486,7 @@
         </p:pic>
         <p:pic>
           <p:nvPicPr>
-            <p:cNvPr id="250" name="brick.jpg" descr="brick.jpg"/>
+            <p:cNvPr id="266" name="brick.jpg" descr="brick.jpg"/>
             <p:cNvPicPr>
               <a:picLocks noChangeAspect="1"/>
             </p:cNvPicPr>
@@ -25856,7 +26517,7 @@
         </p:pic>
         <p:pic>
           <p:nvPicPr>
-            <p:cNvPr id="251" name="brick.jpg" descr="brick.jpg"/>
+            <p:cNvPr id="267" name="brick.jpg" descr="brick.jpg"/>
             <p:cNvPicPr>
               <a:picLocks noChangeAspect="1"/>
             </p:cNvPicPr>
@@ -25887,7 +26548,7 @@
         </p:pic>
         <p:pic>
           <p:nvPicPr>
-            <p:cNvPr id="252" name="brickBlue.jpg" descr="brickBlue.jpg"/>
+            <p:cNvPr id="268" name="brickBlue.jpg" descr="brickBlue.jpg"/>
             <p:cNvPicPr>
               <a:picLocks noChangeAspect="1"/>
             </p:cNvPicPr>
@@ -25919,7 +26580,7 @@
         </p:pic>
         <p:pic>
           <p:nvPicPr>
-            <p:cNvPr id="253" name="brickBlue.jpg" descr="brickBlue.jpg"/>
+            <p:cNvPr id="269" name="brickBlue.jpg" descr="brickBlue.jpg"/>
             <p:cNvPicPr>
               <a:picLocks noChangeAspect="1"/>
             </p:cNvPicPr>
@@ -25951,7 +26612,7 @@
         </p:pic>
         <p:pic>
           <p:nvPicPr>
-            <p:cNvPr id="254" name="brickBlue.jpg" descr="brickBlue.jpg"/>
+            <p:cNvPr id="270" name="brickBlue.jpg" descr="brickBlue.jpg"/>
             <p:cNvPicPr>
               <a:picLocks noChangeAspect="1"/>
             </p:cNvPicPr>
@@ -25983,7 +26644,7 @@
         </p:pic>
         <p:pic>
           <p:nvPicPr>
-            <p:cNvPr id="255" name="brickBlue.jpg" descr="brickBlue.jpg"/>
+            <p:cNvPr id="271" name="brickBlue.jpg" descr="brickBlue.jpg"/>
             <p:cNvPicPr>
               <a:picLocks noChangeAspect="1"/>
             </p:cNvPicPr>
@@ -26015,7 +26676,7 @@
         </p:pic>
         <p:pic>
           <p:nvPicPr>
-            <p:cNvPr id="256" name="brickYellow.jpg" descr="brickYellow.jpg"/>
+            <p:cNvPr id="272" name="brickYellow.jpg" descr="brickYellow.jpg"/>
             <p:cNvPicPr>
               <a:picLocks noChangeAspect="0"/>
             </p:cNvPicPr>
@@ -26047,7 +26708,7 @@
         </p:pic>
         <p:pic>
           <p:nvPicPr>
-            <p:cNvPr id="257" name="brickYellow.jpg" descr="brickYellow.jpg"/>
+            <p:cNvPr id="273" name="brickYellow.jpg" descr="brickYellow.jpg"/>
             <p:cNvPicPr>
               <a:picLocks noChangeAspect="0"/>
             </p:cNvPicPr>
@@ -26079,7 +26740,7 @@
         </p:pic>
         <p:pic>
           <p:nvPicPr>
-            <p:cNvPr id="258" name="brickYellow.jpg" descr="brickYellow.jpg"/>
+            <p:cNvPr id="274" name="brickYellow.jpg" descr="brickYellow.jpg"/>
             <p:cNvPicPr>
               <a:picLocks noChangeAspect="0"/>
             </p:cNvPicPr>
@@ -26111,7 +26772,7 @@
         </p:pic>
         <p:pic>
           <p:nvPicPr>
-            <p:cNvPr id="259" name="brickYellow.jpg" descr="brickYellow.jpg"/>
+            <p:cNvPr id="275" name="brickYellow.jpg" descr="brickYellow.jpg"/>
             <p:cNvPicPr>
               <a:picLocks noChangeAspect="0"/>
             </p:cNvPicPr>
@@ -26143,7 +26804,7 @@
         </p:pic>
         <p:pic>
           <p:nvPicPr>
-            <p:cNvPr id="260" name="brickYellow.jpg" descr="brickYellow.jpg"/>
+            <p:cNvPr id="276" name="brickYellow.jpg" descr="brickYellow.jpg"/>
             <p:cNvPicPr>
               <a:picLocks noChangeAspect="0"/>
             </p:cNvPicPr>
@@ -26175,7 +26836,7 @@
         </p:pic>
         <p:pic>
           <p:nvPicPr>
-            <p:cNvPr id="261" name="brickYellow.jpg" descr="brickYellow.jpg"/>
+            <p:cNvPr id="277" name="brickYellow.jpg" descr="brickYellow.jpg"/>
             <p:cNvPicPr>
               <a:picLocks noChangeAspect="0"/>
             </p:cNvPicPr>
@@ -26207,7 +26868,7 @@
         </p:pic>
         <p:pic>
           <p:nvPicPr>
-            <p:cNvPr id="262" name="brickBlue.jpg" descr="brickBlue.jpg"/>
+            <p:cNvPr id="278" name="brickBlue.jpg" descr="brickBlue.jpg"/>
             <p:cNvPicPr>
               <a:picLocks noChangeAspect="1"/>
             </p:cNvPicPr>
@@ -26239,7 +26900,7 @@
         </p:pic>
         <p:pic>
           <p:nvPicPr>
-            <p:cNvPr id="263" name="brickBlue.jpg" descr="brickBlue.jpg"/>
+            <p:cNvPr id="279" name="brickBlue.jpg" descr="brickBlue.jpg"/>
             <p:cNvPicPr>
               <a:picLocks noChangeAspect="1"/>
             </p:cNvPicPr>
@@ -26271,7 +26932,7 @@
         </p:pic>
         <p:pic>
           <p:nvPicPr>
-            <p:cNvPr id="264" name="brickBlue.jpg" descr="brickBlue.jpg"/>
+            <p:cNvPr id="280" name="brickBlue.jpg" descr="brickBlue.jpg"/>
             <p:cNvPicPr>
               <a:picLocks noChangeAspect="1"/>
             </p:cNvPicPr>
@@ -26304,7 +26965,7 @@
       </p:grpSp>
       <p:sp>
         <p:nvSpPr>
-          <p:cNvPr id="266" name="四角形"/>
+          <p:cNvPr id="282" name="四角形"/>
           <p:cNvSpPr/>
           <p:nvPr/>
         </p:nvSpPr>
@@ -26343,7 +27004,7 @@
       </p:sp>
       <p:sp>
         <p:nvSpPr>
-          <p:cNvPr id="267" name="3月20日…"/>
+          <p:cNvPr id="283" name="3月20日…"/>
           <p:cNvSpPr txBox="1"/>
           <p:nvPr/>
         </p:nvSpPr>
@@ -26389,7 +27050,7 @@
       </p:sp>
       <p:sp>
         <p:nvSpPr>
-          <p:cNvPr id="268" name="3月20日に戻りたい"/>
+          <p:cNvPr id="284" name="3月20日に戻りたい"/>
           <p:cNvSpPr txBox="1"/>
           <p:nvPr/>
         </p:nvSpPr>
@@ -26425,7 +27086,7 @@
       </p:sp>
       <p:grpSp>
         <p:nvGrpSpPr>
-          <p:cNvPr id="275" name="グループ"/>
+          <p:cNvPr id="291" name="グループ"/>
           <p:cNvGrpSpPr/>
           <p:nvPr/>
         </p:nvGrpSpPr>
@@ -26439,7 +27100,7 @@
         </p:grpSpPr>
         <p:pic>
           <p:nvPicPr>
-            <p:cNvPr id="269" name="brickYellow.jpg" descr="brickYellow.jpg"/>
+            <p:cNvPr id="285" name="brickYellow.jpg" descr="brickYellow.jpg"/>
             <p:cNvPicPr>
               <a:picLocks noChangeAspect="0"/>
             </p:cNvPicPr>
@@ -26471,7 +27132,7 @@
         </p:pic>
         <p:pic>
           <p:nvPicPr>
-            <p:cNvPr id="270" name="brickYellow.jpg" descr="brickYellow.jpg"/>
+            <p:cNvPr id="286" name="brickYellow.jpg" descr="brickYellow.jpg"/>
             <p:cNvPicPr>
               <a:picLocks noChangeAspect="0"/>
             </p:cNvPicPr>
@@ -26503,7 +27164,7 @@
         </p:pic>
         <p:pic>
           <p:nvPicPr>
-            <p:cNvPr id="271" name="brickYellow.jpg" descr="brickYellow.jpg"/>
+            <p:cNvPr id="287" name="brickYellow.jpg" descr="brickYellow.jpg"/>
             <p:cNvPicPr>
               <a:picLocks noChangeAspect="0"/>
             </p:cNvPicPr>
@@ -26535,7 +27196,7 @@
         </p:pic>
         <p:pic>
           <p:nvPicPr>
-            <p:cNvPr id="272" name="brickYellow.jpg" descr="brickYellow.jpg"/>
+            <p:cNvPr id="288" name="brickYellow.jpg" descr="brickYellow.jpg"/>
             <p:cNvPicPr>
               <a:picLocks noChangeAspect="0"/>
             </p:cNvPicPr>
@@ -26567,7 +27228,7 @@
         </p:pic>
         <p:pic>
           <p:nvPicPr>
-            <p:cNvPr id="273" name="brickYellow.jpg" descr="brickYellow.jpg"/>
+            <p:cNvPr id="289" name="brickYellow.jpg" descr="brickYellow.jpg"/>
             <p:cNvPicPr>
               <a:picLocks noChangeAspect="0"/>
             </p:cNvPicPr>
@@ -26599,7 +27260,7 @@
         </p:pic>
         <p:pic>
           <p:nvPicPr>
-            <p:cNvPr id="274" name="brickYellow.jpg" descr="brickYellow.jpg"/>
+            <p:cNvPr id="290" name="brickYellow.jpg" descr="brickYellow.jpg"/>
             <p:cNvPicPr>
               <a:picLocks noChangeAspect="0"/>
             </p:cNvPicPr>
@@ -26669,7 +27330,7 @@
                                       <p:cBhvr>
                                         <p:cTn id="6" fill="hold"/>
                                         <p:tgtEl>
-                                          <p:spTgt spid="186"/>
+                                          <p:spTgt spid="202"/>
                                         </p:tgtEl>
                                         <p:attrNameLst>
                                           <p:attrName>style.visibility</p:attrName>
@@ -26683,7 +27344,7 @@
                                       <p:cBhvr>
                                         <p:cTn id="7" dur="499"/>
                                         <p:tgtEl>
-                                          <p:spTgt spid="186"/>
+                                          <p:spTgt spid="202"/>
                                         </p:tgtEl>
                                       </p:cBhvr>
                                     </p:animEffect>
@@ -26721,7 +27382,7 @@
                                       <p:cBhvr>
                                         <p:cTn id="11" fill="hold"/>
                                         <p:tgtEl>
-                                          <p:spTgt spid="189"/>
+                                          <p:spTgt spid="205"/>
                                         </p:tgtEl>
                                         <p:attrNameLst>
                                           <p:attrName>style.visibility</p:attrName>
@@ -26735,7 +27396,7 @@
                                       <p:cBhvr>
                                         <p:cTn id="12" dur="500"/>
                                         <p:tgtEl>
-                                          <p:spTgt spid="189"/>
+                                          <p:spTgt spid="205"/>
                                         </p:tgtEl>
                                       </p:cBhvr>
                                     </p:animEffect>
@@ -26773,7 +27434,7 @@
                                       <p:cBhvr>
                                         <p:cTn id="16" fill="hold"/>
                                         <p:tgtEl>
-                                          <p:spTgt spid="192"/>
+                                          <p:spTgt spid="208"/>
                                         </p:tgtEl>
                                         <p:attrNameLst>
                                           <p:attrName>style.visibility</p:attrName>
@@ -26787,7 +27448,7 @@
                                       <p:cBhvr>
                                         <p:cTn id="17" dur="499"/>
                                         <p:tgtEl>
-                                          <p:spTgt spid="192"/>
+                                          <p:spTgt spid="208"/>
                                         </p:tgtEl>
                                       </p:cBhvr>
                                     </p:animEffect>
@@ -26825,7 +27486,7 @@
                                       <p:cBhvr>
                                         <p:cTn id="21" fill="hold"/>
                                         <p:tgtEl>
-                                          <p:spTgt spid="195"/>
+                                          <p:spTgt spid="211"/>
                                         </p:tgtEl>
                                         <p:attrNameLst>
                                           <p:attrName>style.visibility</p:attrName>
@@ -26839,7 +27500,7 @@
                                       <p:cBhvr>
                                         <p:cTn id="22" dur="499"/>
                                         <p:tgtEl>
-                                          <p:spTgt spid="195"/>
+                                          <p:spTgt spid="211"/>
                                         </p:tgtEl>
                                       </p:cBhvr>
                                     </p:animEffect>
@@ -26877,7 +27538,7 @@
                                       <p:cBhvr>
                                         <p:cTn id="26" fill="hold"/>
                                         <p:tgtEl>
-                                          <p:spTgt spid="198"/>
+                                          <p:spTgt spid="214"/>
                                         </p:tgtEl>
                                         <p:attrNameLst>
                                           <p:attrName>style.visibility</p:attrName>
@@ -26891,7 +27552,7 @@
                                       <p:cBhvr>
                                         <p:cTn id="27" dur="499"/>
                                         <p:tgtEl>
-                                          <p:spTgt spid="198"/>
+                                          <p:spTgt spid="214"/>
                                         </p:tgtEl>
                                       </p:cBhvr>
                                     </p:animEffect>
@@ -26929,7 +27590,7 @@
                                       <p:cBhvr>
                                         <p:cTn id="31" fill="hold"/>
                                         <p:tgtEl>
-                                          <p:spTgt spid="201"/>
+                                          <p:spTgt spid="217"/>
                                         </p:tgtEl>
                                         <p:attrNameLst>
                                           <p:attrName>style.visibility</p:attrName>
@@ -26943,7 +27604,7 @@
                                       <p:cBhvr>
                                         <p:cTn id="32" dur="499"/>
                                         <p:tgtEl>
-                                          <p:spTgt spid="201"/>
+                                          <p:spTgt spid="217"/>
                                         </p:tgtEl>
                                       </p:cBhvr>
                                     </p:animEffect>
@@ -26981,7 +27642,7 @@
                                       <p:cBhvr>
                                         <p:cTn id="36" fill="hold"/>
                                         <p:tgtEl>
-                                          <p:spTgt spid="204"/>
+                                          <p:spTgt spid="220"/>
                                         </p:tgtEl>
                                         <p:attrNameLst>
                                           <p:attrName>style.visibility</p:attrName>
@@ -26995,7 +27656,7 @@
                                       <p:cBhvr>
                                         <p:cTn id="37" dur="499"/>
                                         <p:tgtEl>
-                                          <p:spTgt spid="204"/>
+                                          <p:spTgt spid="220"/>
                                         </p:tgtEl>
                                       </p:cBhvr>
                                     </p:animEffect>
@@ -27033,7 +27694,7 @@
                                       <p:cBhvr>
                                         <p:cTn id="41" fill="hold"/>
                                         <p:tgtEl>
-                                          <p:spTgt spid="207"/>
+                                          <p:spTgt spid="223"/>
                                         </p:tgtEl>
                                         <p:attrNameLst>
                                           <p:attrName>style.visibility</p:attrName>
@@ -27047,7 +27708,7 @@
                                       <p:cBhvr>
                                         <p:cTn id="42" dur="1000"/>
                                         <p:tgtEl>
-                                          <p:spTgt spid="207"/>
+                                          <p:spTgt spid="223"/>
                                         </p:tgtEl>
                                       </p:cBhvr>
                                     </p:animEffect>
@@ -27085,7 +27746,7 @@
                                       <p:cBhvr>
                                         <p:cTn id="46" fill="hold"/>
                                         <p:tgtEl>
-                                          <p:spTgt spid="210"/>
+                                          <p:spTgt spid="226"/>
                                         </p:tgtEl>
                                         <p:attrNameLst>
                                           <p:attrName>style.visibility</p:attrName>
@@ -27099,7 +27760,7 @@
                                       <p:cBhvr>
                                         <p:cTn id="47" dur="1000"/>
                                         <p:tgtEl>
-                                          <p:spTgt spid="210"/>
+                                          <p:spTgt spid="226"/>
                                         </p:tgtEl>
                                       </p:cBhvr>
                                     </p:animEffect>
@@ -27137,7 +27798,7 @@
                                       <p:cBhvr>
                                         <p:cTn id="51" fill="hold"/>
                                         <p:tgtEl>
-                                          <p:spTgt spid="213"/>
+                                          <p:spTgt spid="229"/>
                                         </p:tgtEl>
                                         <p:attrNameLst>
                                           <p:attrName>style.visibility</p:attrName>
@@ -27151,7 +27812,7 @@
                                       <p:cBhvr>
                                         <p:cTn id="52" dur="1000"/>
                                         <p:tgtEl>
-                                          <p:spTgt spid="213"/>
+                                          <p:spTgt spid="229"/>
                                         </p:tgtEl>
                                       </p:cBhvr>
                                     </p:animEffect>
@@ -27189,7 +27850,7 @@
                                       <p:cBhvr>
                                         <p:cTn id="56" fill="hold"/>
                                         <p:tgtEl>
-                                          <p:spTgt spid="216"/>
+                                          <p:spTgt spid="232"/>
                                         </p:tgtEl>
                                         <p:attrNameLst>
                                           <p:attrName>style.visibility</p:attrName>
@@ -27203,7 +27864,7 @@
                                       <p:cBhvr>
                                         <p:cTn id="57" dur="1000"/>
                                         <p:tgtEl>
-                                          <p:spTgt spid="216"/>
+                                          <p:spTgt spid="232"/>
                                         </p:tgtEl>
                                       </p:cBhvr>
                                     </p:animEffect>
@@ -27241,7 +27902,7 @@
                                       <p:cBhvr>
                                         <p:cTn id="61" fill="hold"/>
                                         <p:tgtEl>
-                                          <p:spTgt spid="219"/>
+                                          <p:spTgt spid="235"/>
                                         </p:tgtEl>
                                         <p:attrNameLst>
                                           <p:attrName>style.visibility</p:attrName>
@@ -27255,7 +27916,7 @@
                                       <p:cBhvr>
                                         <p:cTn id="62" dur="499"/>
                                         <p:tgtEl>
-                                          <p:spTgt spid="219"/>
+                                          <p:spTgt spid="235"/>
                                         </p:tgtEl>
                                       </p:cBhvr>
                                     </p:animEffect>
@@ -27293,7 +27954,7 @@
                                       <p:cBhvr>
                                         <p:cTn id="66" fill="hold"/>
                                         <p:tgtEl>
-                                          <p:spTgt spid="222"/>
+                                          <p:spTgt spid="238"/>
                                         </p:tgtEl>
                                         <p:attrNameLst>
                                           <p:attrName>style.visibility</p:attrName>
@@ -27307,7 +27968,7 @@
                                       <p:cBhvr>
                                         <p:cTn id="67" dur="499"/>
                                         <p:tgtEl>
-                                          <p:spTgt spid="222"/>
+                                          <p:spTgt spid="238"/>
                                         </p:tgtEl>
                                       </p:cBhvr>
                                     </p:animEffect>
@@ -27345,7 +28006,7 @@
                                       <p:cBhvr>
                                         <p:cTn id="71" fill="hold"/>
                                         <p:tgtEl>
-                                          <p:spTgt spid="225"/>
+                                          <p:spTgt spid="241"/>
                                         </p:tgtEl>
                                         <p:attrNameLst>
                                           <p:attrName>style.visibility</p:attrName>
@@ -27359,7 +28020,7 @@
                                       <p:cBhvr>
                                         <p:cTn id="72" dur="499"/>
                                         <p:tgtEl>
-                                          <p:spTgt spid="225"/>
+                                          <p:spTgt spid="241"/>
                                         </p:tgtEl>
                                       </p:cBhvr>
                                     </p:animEffect>
@@ -27397,7 +28058,7 @@
                                       <p:cBhvr>
                                         <p:cTn id="76" fill="hold"/>
                                         <p:tgtEl>
-                                          <p:spTgt spid="228"/>
+                                          <p:spTgt spid="244"/>
                                         </p:tgtEl>
                                         <p:attrNameLst>
                                           <p:attrName>style.visibility</p:attrName>
@@ -27411,7 +28072,7 @@
                                       <p:cBhvr>
                                         <p:cTn id="77" dur="499"/>
                                         <p:tgtEl>
-                                          <p:spTgt spid="228"/>
+                                          <p:spTgt spid="244"/>
                                         </p:tgtEl>
                                       </p:cBhvr>
                                     </p:animEffect>
@@ -27449,7 +28110,7 @@
                                       <p:cBhvr>
                                         <p:cTn id="81" fill="hold"/>
                                         <p:tgtEl>
-                                          <p:spTgt spid="231"/>
+                                          <p:spTgt spid="247"/>
                                         </p:tgtEl>
                                         <p:attrNameLst>
                                           <p:attrName>style.visibility</p:attrName>
@@ -27463,7 +28124,7 @@
                                       <p:cBhvr>
                                         <p:cTn id="82" dur="499"/>
                                         <p:tgtEl>
-                                          <p:spTgt spid="231"/>
+                                          <p:spTgt spid="247"/>
                                         </p:tgtEl>
                                       </p:cBhvr>
                                     </p:animEffect>
@@ -27501,7 +28162,7 @@
                                       <p:cBhvr>
                                         <p:cTn id="86" fill="hold"/>
                                         <p:tgtEl>
-                                          <p:spTgt spid="234"/>
+                                          <p:spTgt spid="250"/>
                                         </p:tgtEl>
                                         <p:attrNameLst>
                                           <p:attrName>style.visibility</p:attrName>
@@ -27515,7 +28176,7 @@
                                       <p:cBhvr>
                                         <p:cTn id="87" dur="499"/>
                                         <p:tgtEl>
-                                          <p:spTgt spid="234"/>
+                                          <p:spTgt spid="250"/>
                                         </p:tgtEl>
                                       </p:cBhvr>
                                     </p:animEffect>
@@ -27553,7 +28214,7 @@
                                       <p:cBhvr>
                                         <p:cTn id="91" fill="hold"/>
                                         <p:tgtEl>
-                                          <p:spTgt spid="237"/>
+                                          <p:spTgt spid="253"/>
                                         </p:tgtEl>
                                         <p:attrNameLst>
                                           <p:attrName>style.visibility</p:attrName>
@@ -27567,7 +28228,7 @@
                                       <p:cBhvr>
                                         <p:cTn id="92" dur="499"/>
                                         <p:tgtEl>
-                                          <p:spTgt spid="237"/>
+                                          <p:spTgt spid="253"/>
                                         </p:tgtEl>
                                       </p:cBhvr>
                                     </p:animEffect>
@@ -27605,7 +28266,7 @@
                                       <p:cBhvr>
                                         <p:cTn id="96" fill="hold"/>
                                         <p:tgtEl>
-                                          <p:spTgt spid="240"/>
+                                          <p:spTgt spid="256"/>
                                         </p:tgtEl>
                                         <p:attrNameLst>
                                           <p:attrName>style.visibility</p:attrName>
@@ -27619,7 +28280,7 @@
                                       <p:cBhvr>
                                         <p:cTn id="97" dur="499"/>
                                         <p:tgtEl>
-                                          <p:spTgt spid="240"/>
+                                          <p:spTgt spid="256"/>
                                         </p:tgtEl>
                                       </p:cBhvr>
                                     </p:animEffect>
@@ -27657,7 +28318,7 @@
                                       <p:cBhvr>
                                         <p:cTn id="101" fill="hold"/>
                                         <p:tgtEl>
-                                          <p:spTgt spid="243"/>
+                                          <p:spTgt spid="259"/>
                                         </p:tgtEl>
                                         <p:attrNameLst>
                                           <p:attrName>style.visibility</p:attrName>
@@ -27671,7 +28332,7 @@
                                       <p:cBhvr>
                                         <p:cTn id="102" dur="600"/>
                                         <p:tgtEl>
-                                          <p:spTgt spid="243"/>
+                                          <p:spTgt spid="259"/>
                                         </p:tgtEl>
                                       </p:cBhvr>
                                     </p:animEffect>
@@ -27709,7 +28370,7 @@
                                       <p:cBhvr>
                                         <p:cTn id="106" fill="hold"/>
                                         <p:tgtEl>
-                                          <p:spTgt spid="244"/>
+                                          <p:spTgt spid="260"/>
                                         </p:tgtEl>
                                         <p:attrNameLst>
                                           <p:attrName>style.visibility</p:attrName>
@@ -27723,7 +28384,7 @@
                                       <p:cBhvr>
                                         <p:cTn id="107" dur="1000"/>
                                         <p:tgtEl>
-                                          <p:spTgt spid="244"/>
+                                          <p:spTgt spid="260"/>
                                         </p:tgtEl>
                                       </p:cBhvr>
                                     </p:animEffect>
@@ -27761,7 +28422,7 @@
                                       <p:cBhvr>
                                         <p:cTn id="111" fill="hold"/>
                                         <p:tgtEl>
-                                          <p:spTgt spid="265"/>
+                                          <p:spTgt spid="281"/>
                                         </p:tgtEl>
                                         <p:attrNameLst>
                                           <p:attrName>style.visibility</p:attrName>
@@ -27775,7 +28436,7 @@
                                       <p:cBhvr>
                                         <p:cTn id="112" dur="1000"/>
                                         <p:tgtEl>
-                                          <p:spTgt spid="265"/>
+                                          <p:spTgt spid="281"/>
                                         </p:tgtEl>
                                       </p:cBhvr>
                                     </p:animEffect>
@@ -27810,7 +28471,7 @@
                                       <p:cBhvr>
                                         <p:cTn id="116" dur="1000" fill="hold"/>
                                         <p:tgtEl>
-                                          <p:spTgt spid="265"/>
+                                          <p:spTgt spid="281"/>
                                         </p:tgtEl>
                                         <p:attrNameLst>
                                           <p:attrName>ppt_x</p:attrName>
@@ -27852,7 +28513,7 @@
                                       <p:cBhvr>
                                         <p:cTn id="120" fill="hold"/>
                                         <p:tgtEl>
-                                          <p:spTgt spid="266"/>
+                                          <p:spTgt spid="282"/>
                                         </p:tgtEl>
                                         <p:attrNameLst>
                                           <p:attrName>style.visibility</p:attrName>
@@ -27866,7 +28527,7 @@
                                       <p:cBhvr>
                                         <p:cTn id="121" dur="1000"/>
                                         <p:tgtEl>
-                                          <p:spTgt spid="266"/>
+                                          <p:spTgt spid="282"/>
                                         </p:tgtEl>
                                       </p:cBhvr>
                                     </p:animEffect>
@@ -27904,7 +28565,7 @@
                                       <p:cBhvr>
                                         <p:cTn id="125" fill="hold"/>
                                         <p:tgtEl>
-                                          <p:spTgt spid="267"/>
+                                          <p:spTgt spid="283"/>
                                         </p:tgtEl>
                                         <p:attrNameLst>
                                           <p:attrName>style.visibility</p:attrName>
@@ -27918,7 +28579,7 @@
                                       <p:cBhvr>
                                         <p:cTn id="126" dur="1000"/>
                                         <p:tgtEl>
-                                          <p:spTgt spid="267"/>
+                                          <p:spTgt spid="283"/>
                                         </p:tgtEl>
                                       </p:cBhvr>
                                     </p:animEffect>
@@ -27956,7 +28617,7 @@
                                       <p:cBhvr>
                                         <p:cTn id="130" dur="1000" fill="hold"/>
                                         <p:tgtEl>
-                                          <p:spTgt spid="243"/>
+                                          <p:spTgt spid="259"/>
                                         </p:tgtEl>
                                       </p:cBhvr>
                                     </p:animEffect>
@@ -27968,7 +28629,7 @@
                                           </p:stCondLst>
                                         </p:cTn>
                                         <p:tgtEl>
-                                          <p:spTgt spid="243"/>
+                                          <p:spTgt spid="259"/>
                                         </p:tgtEl>
                                         <p:attrNameLst>
                                           <p:attrName>style.visibility</p:attrName>
@@ -28012,7 +28673,7 @@
                                       <p:cBhvr>
                                         <p:cTn id="135" dur="1000" fill="hold"/>
                                         <p:tgtEl>
-                                          <p:spTgt spid="240"/>
+                                          <p:spTgt spid="256"/>
                                         </p:tgtEl>
                                       </p:cBhvr>
                                     </p:animEffect>
@@ -28024,7 +28685,7 @@
                                           </p:stCondLst>
                                         </p:cTn>
                                         <p:tgtEl>
-                                          <p:spTgt spid="240"/>
+                                          <p:spTgt spid="256"/>
                                         </p:tgtEl>
                                         <p:attrNameLst>
                                           <p:attrName>style.visibility</p:attrName>
@@ -28068,7 +28729,7 @@
                                       <p:cBhvr>
                                         <p:cTn id="140" dur="1000" fill="hold"/>
                                         <p:tgtEl>
-                                          <p:spTgt spid="237"/>
+                                          <p:spTgt spid="253"/>
                                         </p:tgtEl>
                                       </p:cBhvr>
                                     </p:animEffect>
@@ -28080,7 +28741,7 @@
                                           </p:stCondLst>
                                         </p:cTn>
                                         <p:tgtEl>
-                                          <p:spTgt spid="237"/>
+                                          <p:spTgt spid="253"/>
                                         </p:tgtEl>
                                         <p:attrNameLst>
                                           <p:attrName>style.visibility</p:attrName>
@@ -28124,7 +28785,7 @@
                                       <p:cBhvr>
                                         <p:cTn id="145" dur="1000" fill="hold"/>
                                         <p:tgtEl>
-                                          <p:spTgt spid="234"/>
+                                          <p:spTgt spid="250"/>
                                         </p:tgtEl>
                                       </p:cBhvr>
                                     </p:animEffect>
@@ -28136,7 +28797,7 @@
                                           </p:stCondLst>
                                         </p:cTn>
                                         <p:tgtEl>
-                                          <p:spTgt spid="234"/>
+                                          <p:spTgt spid="250"/>
                                         </p:tgtEl>
                                         <p:attrNameLst>
                                           <p:attrName>style.visibility</p:attrName>
@@ -28180,7 +28841,7 @@
                                       <p:cBhvr>
                                         <p:cTn id="150" dur="1000" fill="hold"/>
                                         <p:tgtEl>
-                                          <p:spTgt spid="231"/>
+                                          <p:spTgt spid="247"/>
                                         </p:tgtEl>
                                       </p:cBhvr>
                                     </p:animEffect>
@@ -28192,7 +28853,7 @@
                                           </p:stCondLst>
                                         </p:cTn>
                                         <p:tgtEl>
-                                          <p:spTgt spid="231"/>
+                                          <p:spTgt spid="247"/>
                                         </p:tgtEl>
                                         <p:attrNameLst>
                                           <p:attrName>style.visibility</p:attrName>
@@ -28236,7 +28897,7 @@
                                       <p:cBhvr>
                                         <p:cTn id="155" dur="1000" fill="hold"/>
                                         <p:tgtEl>
-                                          <p:spTgt spid="228"/>
+                                          <p:spTgt spid="244"/>
                                         </p:tgtEl>
                                       </p:cBhvr>
                                     </p:animEffect>
@@ -28248,7 +28909,7 @@
                                           </p:stCondLst>
                                         </p:cTn>
                                         <p:tgtEl>
-                                          <p:spTgt spid="228"/>
+                                          <p:spTgt spid="244"/>
                                         </p:tgtEl>
                                         <p:attrNameLst>
                                           <p:attrName>style.visibility</p:attrName>
@@ -28292,7 +28953,7 @@
                                       <p:cBhvr>
                                         <p:cTn id="160" fill="hold"/>
                                         <p:tgtEl>
-                                          <p:spTgt spid="268"/>
+                                          <p:spTgt spid="284"/>
                                         </p:tgtEl>
                                         <p:attrNameLst>
                                           <p:attrName>style.visibility</p:attrName>
@@ -28306,7 +28967,7 @@
                                       <p:cBhvr>
                                         <p:cTn id="161" dur="1000"/>
                                         <p:tgtEl>
-                                          <p:spTgt spid="268"/>
+                                          <p:spTgt spid="284"/>
                                         </p:tgtEl>
                                       </p:cBhvr>
                                     </p:animEffect>
@@ -28341,7 +29002,7 @@
                                       <p:cBhvr>
                                         <p:cTn id="165" dur="1000" fill="hold"/>
                                         <p:tgtEl>
-                                          <p:spTgt spid="265"/>
+                                          <p:spTgt spid="281"/>
                                         </p:tgtEl>
                                         <p:attrNameLst>
                                           <p:attrName>ppt_x</p:attrName>
@@ -28380,7 +29041,7 @@
                                       <p:cBhvr>
                                         <p:cTn id="169" dur="1000" fill="hold"/>
                                         <p:tgtEl>
-                                          <p:spTgt spid="265"/>
+                                          <p:spTgt spid="281"/>
                                         </p:tgtEl>
                                         <p:attrNameLst>
                                           <p:attrName>ppt_x</p:attrName>
@@ -28422,7 +29083,7 @@
                                       <p:cBhvr>
                                         <p:cTn id="173" dur="1000" fill="hold"/>
                                         <p:tgtEl>
-                                          <p:spTgt spid="265"/>
+                                          <p:spTgt spid="281"/>
                                         </p:tgtEl>
                                       </p:cBhvr>
                                     </p:animEffect>
@@ -28434,7 +29095,7 @@
                                           </p:stCondLst>
                                         </p:cTn>
                                         <p:tgtEl>
-                                          <p:spTgt spid="265"/>
+                                          <p:spTgt spid="281"/>
                                         </p:tgtEl>
                                         <p:attrNameLst>
                                           <p:attrName>style.visibility</p:attrName>
@@ -28478,7 +29139,7 @@
                                       <p:cBhvr>
                                         <p:cTn id="178" fill="hold"/>
                                         <p:tgtEl>
-                                          <p:spTgt spid="275"/>
+                                          <p:spTgt spid="291"/>
                                         </p:tgtEl>
                                         <p:attrNameLst>
                                           <p:attrName>style.visibility</p:attrName>
@@ -28492,7 +29153,7 @@
                                       <p:cBhvr>
                                         <p:cTn id="179" dur="1000"/>
                                         <p:tgtEl>
-                                          <p:spTgt spid="275"/>
+                                          <p:spTgt spid="291"/>
                                         </p:tgtEl>
                                       </p:cBhvr>
                                     </p:animEffect>
@@ -28527,39 +29188,39 @@
       </p:par>
     </p:tnLst>
     <p:bldLst>
-      <p:bldP build="whole" bldLvl="1" animBg="1" rev="0" advAuto="0" spid="210" grpId="9"/>
-      <p:bldP build="whole" bldLvl="1" animBg="1" rev="0" advAuto="0" spid="228" grpId="15"/>
-      <p:bldP build="whole" bldLvl="1" animBg="1" rev="0" advAuto="0" spid="266" grpId="24"/>
-      <p:bldP build="whole" bldLvl="1" animBg="1" rev="0" advAuto="0" spid="198" grpId="5"/>
-      <p:bldP build="whole" bldLvl="1" animBg="1" rev="0" advAuto="0" spid="231" grpId="16"/>
-      <p:bldP build="whole" bldLvl="1" animBg="1" rev="0" advAuto="0" spid="265" grpId="22"/>
-      <p:bldP build="whole" bldLvl="1" animBg="1" rev="0" advAuto="0" spid="201" grpId="6"/>
-      <p:bldP build="whole" bldLvl="1" animBg="1" rev="0" advAuto="0" spid="228" grpId="31"/>
-      <p:bldP build="whole" bldLvl="1" animBg="1" rev="0" advAuto="0" spid="234" grpId="17"/>
-      <p:bldP build="whole" bldLvl="1" animBg="1" rev="0" advAuto="0" spid="216" grpId="11"/>
-      <p:bldP build="whole" bldLvl="1" animBg="1" rev="0" advAuto="0" spid="267" grpId="25"/>
-      <p:bldP build="whole" bldLvl="1" animBg="1" rev="0" advAuto="0" spid="265" grpId="35"/>
-      <p:bldP build="whole" bldLvl="1" animBg="1" rev="0" advAuto="0" spid="231" grpId="30"/>
-      <p:bldP build="whole" bldLvl="1" animBg="1" rev="0" advAuto="0" spid="219" grpId="12"/>
-      <p:bldP build="whole" bldLvl="1" animBg="1" rev="0" advAuto="0" spid="244" grpId="21"/>
-      <p:bldP build="whole" bldLvl="1" animBg="1" rev="0" advAuto="0" spid="237" grpId="18"/>
-      <p:bldP build="whole" bldLvl="1" animBg="1" rev="0" advAuto="0" spid="222" grpId="13"/>
-      <p:bldP build="whole" bldLvl="1" animBg="1" rev="0" advAuto="0" spid="213" grpId="10"/>
-      <p:bldP build="whole" bldLvl="1" animBg="1" rev="0" advAuto="0" spid="234" grpId="29"/>
-      <p:bldP build="whole" bldLvl="1" animBg="1" rev="0" advAuto="0" spid="207" grpId="8"/>
-      <p:bldP build="whole" bldLvl="1" animBg="1" rev="0" advAuto="0" spid="240" grpId="19"/>
-      <p:bldP build="whole" bldLvl="1" animBg="1" rev="0" advAuto="0" spid="225" grpId="14"/>
-      <p:bldP build="whole" bldLvl="1" animBg="1" rev="0" advAuto="0" spid="186" grpId="1"/>
-      <p:bldP build="whole" bldLvl="1" animBg="1" rev="0" advAuto="0" spid="237" grpId="28"/>
-      <p:bldP build="whole" bldLvl="1" animBg="1" rev="0" advAuto="0" spid="275" grpId="36"/>
-      <p:bldP build="whole" bldLvl="1" animBg="1" rev="0" advAuto="0" spid="204" grpId="7"/>
-      <p:bldP build="whole" bldLvl="1" animBg="1" rev="0" advAuto="0" spid="240" grpId="27"/>
-      <p:bldP build="whole" bldLvl="1" animBg="1" rev="0" advAuto="0" spid="243" grpId="20"/>
-      <p:bldP build="whole" bldLvl="1" animBg="1" rev="0" advAuto="0" spid="268" grpId="32"/>
-      <p:bldP build="whole" bldLvl="1" animBg="1" rev="0" advAuto="0" spid="189" grpId="2"/>
-      <p:bldP build="whole" bldLvl="1" animBg="1" rev="0" advAuto="0" spid="243" grpId="26"/>
-      <p:bldP build="whole" bldLvl="1" animBg="1" rev="0" advAuto="0" spid="192" grpId="3"/>
-      <p:bldP build="whole" bldLvl="1" animBg="1" rev="0" advAuto="0" spid="195" grpId="4"/>
+      <p:bldP build="whole" bldLvl="1" animBg="1" rev="0" advAuto="0" spid="247" grpId="16"/>
+      <p:bldP build="whole" bldLvl="1" animBg="1" rev="0" advAuto="0" spid="220" grpId="7"/>
+      <p:bldP build="whole" bldLvl="1" animBg="1" rev="0" advAuto="0" spid="214" grpId="5"/>
+      <p:bldP build="whole" bldLvl="1" animBg="1" rev="0" advAuto="0" spid="282" grpId="24"/>
+      <p:bldP build="whole" bldLvl="1" animBg="1" rev="0" advAuto="0" spid="281" grpId="35"/>
+      <p:bldP build="whole" bldLvl="1" animBg="1" rev="0" advAuto="0" spid="283" grpId="25"/>
+      <p:bldP build="whole" bldLvl="1" animBg="1" rev="0" advAuto="0" spid="235" grpId="12"/>
+      <p:bldP build="whole" bldLvl="1" animBg="1" rev="0" advAuto="0" spid="208" grpId="3"/>
+      <p:bldP build="whole" bldLvl="1" animBg="1" rev="0" advAuto="0" spid="259" grpId="20"/>
+      <p:bldP build="whole" bldLvl="1" animBg="1" rev="0" advAuto="0" spid="291" grpId="36"/>
+      <p:bldP build="whole" bldLvl="1" animBg="1" rev="0" advAuto="0" spid="253" grpId="18"/>
+      <p:bldP build="whole" bldLvl="1" animBg="1" rev="0" advAuto="0" spid="259" grpId="26"/>
+      <p:bldP build="whole" bldLvl="1" animBg="1" rev="0" advAuto="0" spid="250" grpId="17"/>
+      <p:bldP build="whole" bldLvl="1" animBg="1" rev="0" advAuto="0" spid="247" grpId="30"/>
+      <p:bldP build="whole" bldLvl="1" animBg="1" rev="0" advAuto="0" spid="229" grpId="10"/>
+      <p:bldP build="whole" bldLvl="1" animBg="1" rev="0" advAuto="0" spid="202" grpId="1"/>
+      <p:bldP build="whole" bldLvl="1" animBg="1" rev="0" advAuto="0" spid="253" grpId="28"/>
+      <p:bldP build="whole" bldLvl="1" animBg="1" rev="0" advAuto="0" spid="250" grpId="29"/>
+      <p:bldP build="whole" bldLvl="1" animBg="1" rev="0" advAuto="0" spid="211" grpId="4"/>
+      <p:bldP build="whole" bldLvl="1" animBg="1" rev="0" advAuto="0" spid="244" grpId="15"/>
+      <p:bldP build="whole" bldLvl="1" animBg="1" rev="0" advAuto="0" spid="205" grpId="2"/>
+      <p:bldP build="whole" bldLvl="1" animBg="1" rev="0" advAuto="0" spid="232" grpId="11"/>
+      <p:bldP build="whole" bldLvl="1" animBg="1" rev="0" advAuto="0" spid="223" grpId="8"/>
+      <p:bldP build="whole" bldLvl="1" animBg="1" rev="0" advAuto="0" spid="244" grpId="31"/>
+      <p:bldP build="whole" bldLvl="1" animBg="1" rev="0" advAuto="0" spid="256" grpId="19"/>
+      <p:bldP build="whole" bldLvl="1" animBg="1" rev="0" advAuto="0" spid="241" grpId="14"/>
+      <p:bldP build="whole" bldLvl="1" animBg="1" rev="0" advAuto="0" spid="238" grpId="13"/>
+      <p:bldP build="whole" bldLvl="1" animBg="1" rev="0" advAuto="0" spid="256" grpId="27"/>
+      <p:bldP build="whole" bldLvl="1" animBg="1" rev="0" advAuto="0" spid="281" grpId="22"/>
+      <p:bldP build="whole" bldLvl="1" animBg="1" rev="0" advAuto="0" spid="260" grpId="21"/>
+      <p:bldP build="whole" bldLvl="1" animBg="1" rev="0" advAuto="0" spid="284" grpId="32"/>
+      <p:bldP build="whole" bldLvl="1" animBg="1" rev="0" advAuto="0" spid="217" grpId="6"/>
+      <p:bldP build="whole" bldLvl="1" animBg="1" rev="0" advAuto="0" spid="226" grpId="9"/>
     </p:bldLst>
   </p:timing>
 </p:sld>
@@ -28584,7 +29245,7 @@
       </p:grpSpPr>
       <p:sp>
         <p:nvSpPr>
-          <p:cNvPr id="279" name="Gitについて"/>
+          <p:cNvPr id="295" name="Gitについて"/>
           <p:cNvSpPr txBox="1"/>
           <p:nvPr>
             <p:ph type="ctrTitle"/>
@@ -28638,7 +29299,7 @@
       </p:grpSpPr>
       <p:grpSp>
         <p:nvGrpSpPr>
-          <p:cNvPr id="285" name="グループ"/>
+          <p:cNvPr id="301" name="グループ"/>
           <p:cNvGrpSpPr/>
           <p:nvPr/>
         </p:nvGrpSpPr>
@@ -28652,7 +29313,7 @@
         </p:grpSpPr>
         <p:pic>
           <p:nvPicPr>
-            <p:cNvPr id="281" name="brick.jpg" descr="brick.jpg"/>
+            <p:cNvPr id="297" name="brick.jpg" descr="brick.jpg"/>
             <p:cNvPicPr>
               <a:picLocks noChangeAspect="1"/>
             </p:cNvPicPr>
@@ -28683,7 +29344,7 @@
         </p:pic>
         <p:pic>
           <p:nvPicPr>
-            <p:cNvPr id="282" name="brick.jpg" descr="brick.jpg"/>
+            <p:cNvPr id="298" name="brick.jpg" descr="brick.jpg"/>
             <p:cNvPicPr>
               <a:picLocks noChangeAspect="1"/>
             </p:cNvPicPr>
@@ -28714,7 +29375,7 @@
         </p:pic>
         <p:pic>
           <p:nvPicPr>
-            <p:cNvPr id="283" name="brick.jpg" descr="brick.jpg"/>
+            <p:cNvPr id="299" name="brick.jpg" descr="brick.jpg"/>
             <p:cNvPicPr>
               <a:picLocks noChangeAspect="1"/>
             </p:cNvPicPr>
@@ -28745,7 +29406,7 @@
         </p:pic>
         <p:pic>
           <p:nvPicPr>
-            <p:cNvPr id="284" name="brick.jpg" descr="brick.jpg"/>
+            <p:cNvPr id="300" name="brick.jpg" descr="brick.jpg"/>
             <p:cNvPicPr>
               <a:picLocks noChangeAspect="1"/>
             </p:cNvPicPr>
@@ -28777,7 +29438,7 @@
       </p:grpSp>
       <p:grpSp>
         <p:nvGrpSpPr>
-          <p:cNvPr id="292" name="グループ"/>
+          <p:cNvPr id="308" name="グループ"/>
           <p:cNvGrpSpPr/>
           <p:nvPr/>
         </p:nvGrpSpPr>
@@ -28791,7 +29452,7 @@
         </p:grpSpPr>
         <p:pic>
           <p:nvPicPr>
-            <p:cNvPr id="286" name="brick.jpg" descr="brick.jpg"/>
+            <p:cNvPr id="302" name="brick.jpg" descr="brick.jpg"/>
             <p:cNvPicPr>
               <a:picLocks noChangeAspect="1"/>
             </p:cNvPicPr>
@@ -28822,7 +29483,7 @@
         </p:pic>
         <p:pic>
           <p:nvPicPr>
-            <p:cNvPr id="287" name="brick.jpg" descr="brick.jpg"/>
+            <p:cNvPr id="303" name="brick.jpg" descr="brick.jpg"/>
             <p:cNvPicPr>
               <a:picLocks noChangeAspect="1"/>
             </p:cNvPicPr>
@@ -28853,7 +29514,7 @@
         </p:pic>
         <p:pic>
           <p:nvPicPr>
-            <p:cNvPr id="288" name="brick.jpg" descr="brick.jpg"/>
+            <p:cNvPr id="304" name="brick.jpg" descr="brick.jpg"/>
             <p:cNvPicPr>
               <a:picLocks noChangeAspect="1"/>
             </p:cNvPicPr>
@@ -28884,7 +29545,7 @@
         </p:pic>
         <p:pic>
           <p:nvPicPr>
-            <p:cNvPr id="289" name="brick.jpg" descr="brick.jpg"/>
+            <p:cNvPr id="305" name="brick.jpg" descr="brick.jpg"/>
             <p:cNvPicPr>
               <a:picLocks noChangeAspect="1"/>
             </p:cNvPicPr>
@@ -28915,7 +29576,7 @@
         </p:pic>
         <p:pic>
           <p:nvPicPr>
-            <p:cNvPr id="290" name="brick.jpg" descr="brick.jpg"/>
+            <p:cNvPr id="306" name="brick.jpg" descr="brick.jpg"/>
             <p:cNvPicPr>
               <a:picLocks noChangeAspect="1"/>
             </p:cNvPicPr>
@@ -28946,7 +29607,7 @@
         </p:pic>
         <p:pic>
           <p:nvPicPr>
-            <p:cNvPr id="291" name="brick.jpg" descr="brick.jpg"/>
+            <p:cNvPr id="307" name="brick.jpg" descr="brick.jpg"/>
             <p:cNvPicPr>
               <a:picLocks noChangeAspect="1"/>
             </p:cNvPicPr>
@@ -28978,7 +29639,7 @@
       </p:grpSp>
       <p:grpSp>
         <p:nvGrpSpPr>
-          <p:cNvPr id="299" name="グループ"/>
+          <p:cNvPr id="315" name="グループ"/>
           <p:cNvGrpSpPr/>
           <p:nvPr/>
         </p:nvGrpSpPr>
@@ -28992,7 +29653,7 @@
         </p:grpSpPr>
         <p:pic>
           <p:nvPicPr>
-            <p:cNvPr id="293" name="brick.jpg" descr="brick.jpg"/>
+            <p:cNvPr id="309" name="brick.jpg" descr="brick.jpg"/>
             <p:cNvPicPr>
               <a:picLocks noChangeAspect="1"/>
             </p:cNvPicPr>
@@ -29023,7 +29684,7 @@
         </p:pic>
         <p:pic>
           <p:nvPicPr>
-            <p:cNvPr id="294" name="brick.jpg" descr="brick.jpg"/>
+            <p:cNvPr id="310" name="brick.jpg" descr="brick.jpg"/>
             <p:cNvPicPr>
               <a:picLocks noChangeAspect="1"/>
             </p:cNvPicPr>
@@ -29054,7 +29715,7 @@
         </p:pic>
         <p:pic>
           <p:nvPicPr>
-            <p:cNvPr id="295" name="brick.jpg" descr="brick.jpg"/>
+            <p:cNvPr id="311" name="brick.jpg" descr="brick.jpg"/>
             <p:cNvPicPr>
               <a:picLocks noChangeAspect="1"/>
             </p:cNvPicPr>
@@ -29085,7 +29746,7 @@
         </p:pic>
         <p:pic>
           <p:nvPicPr>
-            <p:cNvPr id="296" name="brick.jpg" descr="brick.jpg"/>
+            <p:cNvPr id="312" name="brick.jpg" descr="brick.jpg"/>
             <p:cNvPicPr>
               <a:picLocks noChangeAspect="1"/>
             </p:cNvPicPr>
@@ -29116,7 +29777,7 @@
         </p:pic>
         <p:pic>
           <p:nvPicPr>
-            <p:cNvPr id="297" name="brick.jpg" descr="brick.jpg"/>
+            <p:cNvPr id="313" name="brick.jpg" descr="brick.jpg"/>
             <p:cNvPicPr>
               <a:picLocks noChangeAspect="1"/>
             </p:cNvPicPr>
@@ -29147,7 +29808,7 @@
         </p:pic>
         <p:pic>
           <p:nvPicPr>
-            <p:cNvPr id="298" name="brick.jpg" descr="brick.jpg"/>
+            <p:cNvPr id="314" name="brick.jpg" descr="brick.jpg"/>
             <p:cNvPicPr>
               <a:picLocks noChangeAspect="1"/>
             </p:cNvPicPr>
@@ -29179,7 +29840,7 @@
       </p:grpSp>
       <p:grpSp>
         <p:nvGrpSpPr>
-          <p:cNvPr id="305" name="グループ"/>
+          <p:cNvPr id="321" name="グループ"/>
           <p:cNvGrpSpPr/>
           <p:nvPr/>
         </p:nvGrpSpPr>
@@ -29193,7 +29854,7 @@
         </p:grpSpPr>
         <p:grpSp>
           <p:nvGrpSpPr>
-            <p:cNvPr id="302" name="グループ"/>
+            <p:cNvPr id="318" name="グループ"/>
             <p:cNvGrpSpPr/>
             <p:nvPr/>
           </p:nvGrpSpPr>
@@ -29207,7 +29868,7 @@
           </p:grpSpPr>
           <p:pic>
             <p:nvPicPr>
-              <p:cNvPr id="300" name="brick.jpg" descr="brick.jpg"/>
+              <p:cNvPr id="316" name="brick.jpg" descr="brick.jpg"/>
               <p:cNvPicPr>
                 <a:picLocks noChangeAspect="1"/>
               </p:cNvPicPr>
@@ -29238,7 +29899,7 @@
           </p:pic>
           <p:pic>
             <p:nvPicPr>
-              <p:cNvPr id="301" name="brick.jpg" descr="brick.jpg"/>
+              <p:cNvPr id="317" name="brick.jpg" descr="brick.jpg"/>
               <p:cNvPicPr>
                 <a:picLocks noChangeAspect="1"/>
               </p:cNvPicPr>
@@ -29270,7 +29931,7 @@
         </p:grpSp>
         <p:pic>
           <p:nvPicPr>
-            <p:cNvPr id="303" name="brick.jpg" descr="brick.jpg"/>
+            <p:cNvPr id="319" name="brick.jpg" descr="brick.jpg"/>
             <p:cNvPicPr>
               <a:picLocks noChangeAspect="1"/>
             </p:cNvPicPr>
@@ -29301,7 +29962,7 @@
         </p:pic>
         <p:pic>
           <p:nvPicPr>
-            <p:cNvPr id="304" name="brick.jpg" descr="brick.jpg"/>
+            <p:cNvPr id="320" name="brick.jpg" descr="brick.jpg"/>
             <p:cNvPicPr>
               <a:picLocks noChangeAspect="1"/>
             </p:cNvPicPr>
@@ -29333,7 +29994,7 @@
       </p:grpSp>
       <p:sp>
         <p:nvSpPr>
-          <p:cNvPr id="306" name="12:00"/>
+          <p:cNvPr id="322" name="12:00"/>
           <p:cNvSpPr txBox="1"/>
           <p:nvPr/>
         </p:nvSpPr>
@@ -29369,7 +30030,7 @@
       </p:sp>
       <p:sp>
         <p:nvSpPr>
-          <p:cNvPr id="307" name="12:30"/>
+          <p:cNvPr id="323" name="12:30"/>
           <p:cNvSpPr txBox="1"/>
           <p:nvPr/>
         </p:nvSpPr>
@@ -29405,7 +30066,7 @@
       </p:sp>
       <p:sp>
         <p:nvSpPr>
-          <p:cNvPr id="308" name="13:00"/>
+          <p:cNvPr id="324" name="13:00"/>
           <p:cNvSpPr txBox="1"/>
           <p:nvPr/>
         </p:nvSpPr>
@@ -29441,7 +30102,7 @@
       </p:sp>
       <p:sp>
         <p:nvSpPr>
-          <p:cNvPr id="309" name="13:30"/>
+          <p:cNvPr id="325" name="13:30"/>
           <p:cNvSpPr txBox="1"/>
           <p:nvPr/>
         </p:nvSpPr>
@@ -29477,7 +30138,7 @@
       </p:sp>
       <p:sp>
         <p:nvSpPr>
-          <p:cNvPr id="310" name="13:45"/>
+          <p:cNvPr id="326" name="13:45"/>
           <p:cNvSpPr txBox="1"/>
           <p:nvPr/>
         </p:nvSpPr>
@@ -29513,7 +30174,7 @@
       </p:sp>
       <p:sp>
         <p:nvSpPr>
-          <p:cNvPr id="311" name="四角形"/>
+          <p:cNvPr id="327" name="四角形"/>
           <p:cNvSpPr/>
           <p:nvPr/>
         </p:nvSpPr>
@@ -29559,7 +30220,7 @@
       </p:sp>
       <p:grpSp>
         <p:nvGrpSpPr>
-          <p:cNvPr id="318" name="グループ"/>
+          <p:cNvPr id="334" name="グループ"/>
           <p:cNvGrpSpPr/>
           <p:nvPr/>
         </p:nvGrpSpPr>
@@ -29573,7 +30234,7 @@
         </p:grpSpPr>
         <p:pic>
           <p:nvPicPr>
-            <p:cNvPr id="312" name="brick.jpg" descr="brick.jpg"/>
+            <p:cNvPr id="328" name="brick.jpg" descr="brick.jpg"/>
             <p:cNvPicPr>
               <a:picLocks noChangeAspect="1"/>
             </p:cNvPicPr>
@@ -29604,7 +30265,7 @@
         </p:pic>
         <p:pic>
           <p:nvPicPr>
-            <p:cNvPr id="313" name="brick.jpg" descr="brick.jpg"/>
+            <p:cNvPr id="329" name="brick.jpg" descr="brick.jpg"/>
             <p:cNvPicPr>
               <a:picLocks noChangeAspect="1"/>
             </p:cNvPicPr>
@@ -29635,7 +30296,7 @@
         </p:pic>
         <p:pic>
           <p:nvPicPr>
-            <p:cNvPr id="314" name="brick.jpg" descr="brick.jpg"/>
+            <p:cNvPr id="330" name="brick.jpg" descr="brick.jpg"/>
             <p:cNvPicPr>
               <a:picLocks noChangeAspect="1"/>
             </p:cNvPicPr>
@@ -29666,7 +30327,7 @@
         </p:pic>
         <p:pic>
           <p:nvPicPr>
-            <p:cNvPr id="315" name="brick.jpg" descr="brick.jpg"/>
+            <p:cNvPr id="331" name="brick.jpg" descr="brick.jpg"/>
             <p:cNvPicPr>
               <a:picLocks noChangeAspect="1"/>
             </p:cNvPicPr>
@@ -29697,7 +30358,7 @@
         </p:pic>
         <p:pic>
           <p:nvPicPr>
-            <p:cNvPr id="316" name="brick.jpg" descr="brick.jpg"/>
+            <p:cNvPr id="332" name="brick.jpg" descr="brick.jpg"/>
             <p:cNvPicPr>
               <a:picLocks noChangeAspect="1"/>
             </p:cNvPicPr>
@@ -29728,7 +30389,7 @@
         </p:pic>
         <p:pic>
           <p:nvPicPr>
-            <p:cNvPr id="317" name="brick.jpg" descr="brick.jpg"/>
+            <p:cNvPr id="333" name="brick.jpg" descr="brick.jpg"/>
             <p:cNvPicPr>
               <a:picLocks noChangeAspect="1"/>
             </p:cNvPicPr>
@@ -29760,7 +30421,7 @@
       </p:grpSp>
       <p:sp>
         <p:nvSpPr>
-          <p:cNvPr id="319" name="バージョンの切り替え"/>
+          <p:cNvPr id="335" name="バージョンの切り替え"/>
           <p:cNvSpPr txBox="1"/>
           <p:nvPr>
             <p:ph type="ctrTitle"/>
@@ -29825,7 +30486,7 @@
                                       <p:cBhvr>
                                         <p:cTn id="6" fill="hold"/>
                                         <p:tgtEl>
-                                          <p:spTgt spid="306"/>
+                                          <p:spTgt spid="322"/>
                                         </p:tgtEl>
                                         <p:attrNameLst>
                                           <p:attrName>style.visibility</p:attrName>
@@ -29839,7 +30500,7 @@
                                       <p:cBhvr>
                                         <p:cTn id="7" dur="1000"/>
                                         <p:tgtEl>
-                                          <p:spTgt spid="306"/>
+                                          <p:spTgt spid="322"/>
                                         </p:tgtEl>
                                       </p:cBhvr>
                                     </p:animEffect>
@@ -29877,7 +30538,7 @@
                                       <p:cBhvr>
                                         <p:cTn id="11" fill="hold"/>
                                         <p:tgtEl>
-                                          <p:spTgt spid="311"/>
+                                          <p:spTgt spid="327"/>
                                         </p:tgtEl>
                                         <p:attrNameLst>
                                           <p:attrName>style.visibility</p:attrName>
@@ -29891,7 +30552,7 @@
                                       <p:cBhvr>
                                         <p:cTn id="12" dur="1000"/>
                                         <p:tgtEl>
-                                          <p:spTgt spid="311"/>
+                                          <p:spTgt spid="327"/>
                                         </p:tgtEl>
                                       </p:cBhvr>
                                     </p:animEffect>
@@ -29929,7 +30590,7 @@
                                       <p:cBhvr>
                                         <p:cTn id="16" fill="hold"/>
                                         <p:tgtEl>
-                                          <p:spTgt spid="285"/>
+                                          <p:spTgt spid="301"/>
                                         </p:tgtEl>
                                         <p:attrNameLst>
                                           <p:attrName>style.visibility</p:attrName>
@@ -29943,7 +30604,7 @@
                                       <p:cBhvr>
                                         <p:cTn id="17" dur="1000"/>
                                         <p:tgtEl>
-                                          <p:spTgt spid="285"/>
+                                          <p:spTgt spid="301"/>
                                         </p:tgtEl>
                                       </p:cBhvr>
                                     </p:animEffect>
@@ -29981,7 +30642,7 @@
                                       <p:cBhvr>
                                         <p:cTn id="21" fill="hold"/>
                                         <p:tgtEl>
-                                          <p:spTgt spid="307"/>
+                                          <p:spTgt spid="323"/>
                                         </p:tgtEl>
                                         <p:attrNameLst>
                                           <p:attrName>style.visibility</p:attrName>
@@ -29995,7 +30656,7 @@
                                       <p:cBhvr>
                                         <p:cTn id="22" dur="1000"/>
                                         <p:tgtEl>
-                                          <p:spTgt spid="307"/>
+                                          <p:spTgt spid="323"/>
                                         </p:tgtEl>
                                       </p:cBhvr>
                                     </p:animEffect>
@@ -30030,7 +30691,7 @@
                                       <p:cBhvr>
                                         <p:cTn id="26" dur="1000" fill="hold"/>
                                         <p:tgtEl>
-                                          <p:spTgt spid="311"/>
+                                          <p:spTgt spid="327"/>
                                         </p:tgtEl>
                                         <p:attrNameLst>
                                           <p:attrName>ppt_x</p:attrName>
@@ -30072,7 +30733,7 @@
                                       <p:cBhvr>
                                         <p:cTn id="30" fill="hold"/>
                                         <p:tgtEl>
-                                          <p:spTgt spid="292"/>
+                                          <p:spTgt spid="308"/>
                                         </p:tgtEl>
                                         <p:attrNameLst>
                                           <p:attrName>style.visibility</p:attrName>
@@ -30086,7 +30747,7 @@
                                       <p:cBhvr>
                                         <p:cTn id="31" dur="1000"/>
                                         <p:tgtEl>
-                                          <p:spTgt spid="292"/>
+                                          <p:spTgt spid="308"/>
                                         </p:tgtEl>
                                       </p:cBhvr>
                                     </p:animEffect>
@@ -30124,7 +30785,7 @@
                                       <p:cBhvr>
                                         <p:cTn id="35" fill="hold"/>
                                         <p:tgtEl>
-                                          <p:spTgt spid="308"/>
+                                          <p:spTgt spid="324"/>
                                         </p:tgtEl>
                                         <p:attrNameLst>
                                           <p:attrName>style.visibility</p:attrName>
@@ -30138,7 +30799,7 @@
                                       <p:cBhvr>
                                         <p:cTn id="36" dur="1000"/>
                                         <p:tgtEl>
-                                          <p:spTgt spid="308"/>
+                                          <p:spTgt spid="324"/>
                                         </p:tgtEl>
                                       </p:cBhvr>
                                     </p:animEffect>
@@ -30173,7 +30834,7 @@
                                       <p:cBhvr>
                                         <p:cTn id="40" dur="1000" fill="hold"/>
                                         <p:tgtEl>
-                                          <p:spTgt spid="311"/>
+                                          <p:spTgt spid="327"/>
                                         </p:tgtEl>
                                         <p:attrNameLst>
                                           <p:attrName>ppt_x</p:attrName>
@@ -30215,7 +30876,7 @@
                                       <p:cBhvr>
                                         <p:cTn id="44" fill="hold"/>
                                         <p:tgtEl>
-                                          <p:spTgt spid="299"/>
+                                          <p:spTgt spid="315"/>
                                         </p:tgtEl>
                                         <p:attrNameLst>
                                           <p:attrName>style.visibility</p:attrName>
@@ -30229,7 +30890,7 @@
                                       <p:cBhvr>
                                         <p:cTn id="45" dur="1000"/>
                                         <p:tgtEl>
-                                          <p:spTgt spid="299"/>
+                                          <p:spTgt spid="315"/>
                                         </p:tgtEl>
                                       </p:cBhvr>
                                     </p:animEffect>
@@ -30267,7 +30928,7 @@
                                       <p:cBhvr>
                                         <p:cTn id="49" fill="hold"/>
                                         <p:tgtEl>
-                                          <p:spTgt spid="309"/>
+                                          <p:spTgt spid="325"/>
                                         </p:tgtEl>
                                         <p:attrNameLst>
                                           <p:attrName>style.visibility</p:attrName>
@@ -30281,7 +30942,7 @@
                                       <p:cBhvr>
                                         <p:cTn id="50" dur="1000"/>
                                         <p:tgtEl>
-                                          <p:spTgt spid="309"/>
+                                          <p:spTgt spid="325"/>
                                         </p:tgtEl>
                                       </p:cBhvr>
                                     </p:animEffect>
@@ -30316,7 +30977,7 @@
                                       <p:cBhvr>
                                         <p:cTn id="54" dur="1000" fill="hold"/>
                                         <p:tgtEl>
-                                          <p:spTgt spid="311"/>
+                                          <p:spTgt spid="327"/>
                                         </p:tgtEl>
                                         <p:attrNameLst>
                                           <p:attrName>ppt_x</p:attrName>
@@ -30358,7 +31019,7 @@
                                       <p:cBhvr>
                                         <p:cTn id="58" dur="1000" fill="hold"/>
                                         <p:tgtEl>
-                                          <p:spTgt spid="299"/>
+                                          <p:spTgt spid="315"/>
                                         </p:tgtEl>
                                       </p:cBhvr>
                                     </p:animEffect>
@@ -30370,7 +31031,7 @@
                                           </p:stCondLst>
                                         </p:cTn>
                                         <p:tgtEl>
-                                          <p:spTgt spid="299"/>
+                                          <p:spTgt spid="315"/>
                                         </p:tgtEl>
                                         <p:attrNameLst>
                                           <p:attrName>style.visibility</p:attrName>
@@ -30414,7 +31075,7 @@
                                       <p:cBhvr>
                                         <p:cTn id="63" fill="hold"/>
                                         <p:tgtEl>
-                                          <p:spTgt spid="310"/>
+                                          <p:spTgt spid="326"/>
                                         </p:tgtEl>
                                         <p:attrNameLst>
                                           <p:attrName>style.visibility</p:attrName>
@@ -30428,7 +31089,7 @@
                                       <p:cBhvr>
                                         <p:cTn id="64" dur="1000"/>
                                         <p:tgtEl>
-                                          <p:spTgt spid="310"/>
+                                          <p:spTgt spid="326"/>
                                         </p:tgtEl>
                                       </p:cBhvr>
                                     </p:animEffect>
@@ -30463,7 +31124,7 @@
                                       <p:cBhvr>
                                         <p:cTn id="68" dur="1000" fill="hold"/>
                                         <p:tgtEl>
-                                          <p:spTgt spid="311"/>
+                                          <p:spTgt spid="327"/>
                                         </p:tgtEl>
                                         <p:attrNameLst>
                                           <p:attrName>ppt_x</p:attrName>
@@ -30505,7 +31166,7 @@
                                       <p:cBhvr>
                                         <p:cTn id="72" fill="hold"/>
                                         <p:tgtEl>
-                                          <p:spTgt spid="305"/>
+                                          <p:spTgt spid="321"/>
                                         </p:tgtEl>
                                         <p:attrNameLst>
                                           <p:attrName>style.visibility</p:attrName>
@@ -30519,7 +31180,7 @@
                                       <p:cBhvr>
                                         <p:cTn id="73" dur="1000"/>
                                         <p:tgtEl>
-                                          <p:spTgt spid="305"/>
+                                          <p:spTgt spid="321"/>
                                         </p:tgtEl>
                                       </p:cBhvr>
                                     </p:animEffect>
@@ -30554,7 +31215,7 @@
                                       <p:cBhvr>
                                         <p:cTn id="77" dur="1000" fill="hold"/>
                                         <p:tgtEl>
-                                          <p:spTgt spid="311"/>
+                                          <p:spTgt spid="327"/>
                                         </p:tgtEl>
                                         <p:attrNameLst>
                                           <p:attrName>ppt_x</p:attrName>
@@ -30596,7 +31257,7 @@
                                       <p:cBhvr>
                                         <p:cTn id="81" dur="100" fill="hold"/>
                                         <p:tgtEl>
-                                          <p:spTgt spid="305"/>
+                                          <p:spTgt spid="321"/>
                                         </p:tgtEl>
                                       </p:cBhvr>
                                     </p:animEffect>
@@ -30608,7 +31269,7 @@
                                           </p:stCondLst>
                                         </p:cTn>
                                         <p:tgtEl>
-                                          <p:spTgt spid="305"/>
+                                          <p:spTgt spid="321"/>
                                         </p:tgtEl>
                                         <p:attrNameLst>
                                           <p:attrName>style.visibility</p:attrName>
@@ -30652,7 +31313,7 @@
                                       <p:cBhvr>
                                         <p:cTn id="86" fill="hold"/>
                                         <p:tgtEl>
-                                          <p:spTgt spid="318"/>
+                                          <p:spTgt spid="334"/>
                                         </p:tgtEl>
                                         <p:attrNameLst>
                                           <p:attrName>style.visibility</p:attrName>
@@ -30666,7 +31327,7 @@
                                       <p:cBhvr>
                                         <p:cTn id="87" dur="100"/>
                                         <p:tgtEl>
-                                          <p:spTgt spid="318"/>
+                                          <p:spTgt spid="334"/>
                                         </p:tgtEl>
                                       </p:cBhvr>
                                     </p:animEffect>
@@ -30701,7 +31362,7 @@
                                       <p:cBhvr>
                                         <p:cTn id="91" dur="1000" fill="hold"/>
                                         <p:tgtEl>
-                                          <p:spTgt spid="311"/>
+                                          <p:spTgt spid="327"/>
                                         </p:tgtEl>
                                         <p:attrNameLst>
                                           <p:attrName>ppt_x</p:attrName>
@@ -30743,7 +31404,7 @@
                                       <p:cBhvr>
                                         <p:cTn id="95" dur="100" fill="hold"/>
                                         <p:tgtEl>
-                                          <p:spTgt spid="318"/>
+                                          <p:spTgt spid="334"/>
                                         </p:tgtEl>
                                       </p:cBhvr>
                                     </p:animEffect>
@@ -30755,7 +31416,7 @@
                                           </p:stCondLst>
                                         </p:cTn>
                                         <p:tgtEl>
-                                          <p:spTgt spid="318"/>
+                                          <p:spTgt spid="334"/>
                                         </p:tgtEl>
                                         <p:attrNameLst>
                                           <p:attrName>style.visibility</p:attrName>
@@ -30799,7 +31460,7 @@
                                       <p:cBhvr>
                                         <p:cTn id="100" dur="0" fill="hold"/>
                                         <p:tgtEl>
-                                          <p:spTgt spid="292"/>
+                                          <p:spTgt spid="308"/>
                                         </p:tgtEl>
                                       </p:cBhvr>
                                     </p:animEffect>
@@ -30811,7 +31472,7 @@
                                           </p:stCondLst>
                                         </p:cTn>
                                         <p:tgtEl>
-                                          <p:spTgt spid="292"/>
+                                          <p:spTgt spid="308"/>
                                         </p:tgtEl>
                                         <p:attrNameLst>
                                           <p:attrName>style.visibility</p:attrName>
@@ -30852,21 +31513,21 @@
       </p:par>
     </p:tnLst>
     <p:bldLst>
-      <p:bldP build="whole" bldLvl="1" animBg="1" rev="0" advAuto="0" spid="307" grpId="4"/>
-      <p:bldP build="whole" bldLvl="1" animBg="1" rev="0" advAuto="0" spid="318" grpId="18"/>
-      <p:bldP build="whole" bldLvl="1" animBg="1" rev="0" advAuto="0" spid="310" grpId="13"/>
-      <p:bldP build="whole" bldLvl="1" animBg="1" rev="0" advAuto="0" spid="285" grpId="3"/>
-      <p:bldP build="whole" bldLvl="1" animBg="1" rev="0" advAuto="0" spid="306" grpId="1"/>
-      <p:bldP build="whole" bldLvl="1" animBg="1" rev="0" advAuto="0" spid="318" grpId="20"/>
-      <p:bldP build="whole" bldLvl="1" animBg="1" rev="0" advAuto="0" spid="308" grpId="7"/>
-      <p:bldP build="whole" bldLvl="1" animBg="1" rev="0" advAuto="0" spid="292" grpId="21"/>
-      <p:bldP build="whole" bldLvl="1" animBg="1" rev="0" advAuto="0" spid="311" grpId="2"/>
-      <p:bldP build="whole" bldLvl="1" animBg="1" rev="0" advAuto="0" spid="299" grpId="9"/>
-      <p:bldP build="whole" bldLvl="1" animBg="1" rev="0" advAuto="0" spid="299" grpId="12"/>
-      <p:bldP build="whole" bldLvl="1" animBg="1" rev="0" advAuto="0" spid="292" grpId="6"/>
-      <p:bldP build="whole" bldLvl="1" animBg="1" rev="0" advAuto="0" spid="309" grpId="10"/>
-      <p:bldP build="whole" bldLvl="1" animBg="1" rev="0" advAuto="0" spid="305" grpId="15"/>
-      <p:bldP build="whole" bldLvl="1" animBg="1" rev="0" advAuto="0" spid="305" grpId="17"/>
+      <p:bldP build="whole" bldLvl="1" animBg="1" rev="0" advAuto="0" spid="323" grpId="4"/>
+      <p:bldP build="whole" bldLvl="1" animBg="1" rev="0" advAuto="0" spid="321" grpId="17"/>
+      <p:bldP build="whole" bldLvl="1" animBg="1" rev="0" advAuto="0" spid="308" grpId="21"/>
+      <p:bldP build="whole" bldLvl="1" animBg="1" rev="0" advAuto="0" spid="322" grpId="1"/>
+      <p:bldP build="whole" bldLvl="1" animBg="1" rev="0" advAuto="0" spid="315" grpId="9"/>
+      <p:bldP build="whole" bldLvl="1" animBg="1" rev="0" advAuto="0" spid="334" grpId="18"/>
+      <p:bldP build="whole" bldLvl="1" animBg="1" rev="0" advAuto="0" spid="325" grpId="10"/>
+      <p:bldP build="whole" bldLvl="1" animBg="1" rev="0" advAuto="0" spid="315" grpId="12"/>
+      <p:bldP build="whole" bldLvl="1" animBg="1" rev="0" advAuto="0" spid="324" grpId="7"/>
+      <p:bldP build="whole" bldLvl="1" animBg="1" rev="0" advAuto="0" spid="301" grpId="3"/>
+      <p:bldP build="whole" bldLvl="1" animBg="1" rev="0" advAuto="0" spid="326" grpId="13"/>
+      <p:bldP build="whole" bldLvl="1" animBg="1" rev="0" advAuto="0" spid="321" grpId="15"/>
+      <p:bldP build="whole" bldLvl="1" animBg="1" rev="0" advAuto="0" spid="334" grpId="20"/>
+      <p:bldP build="whole" bldLvl="1" animBg="1" rev="0" advAuto="0" spid="308" grpId="6"/>
+      <p:bldP build="whole" bldLvl="1" animBg="1" rev="0" advAuto="0" spid="327" grpId="2"/>
     </p:bldLst>
   </p:timing>
 </p:sld>
@@ -30891,7 +31552,7 @@
       </p:grpSpPr>
       <p:sp>
         <p:nvSpPr>
-          <p:cNvPr id="323" name="Hands on 1"/>
+          <p:cNvPr id="339" name="Hands on 1"/>
           <p:cNvSpPr txBox="1"/>
           <p:nvPr/>
         </p:nvSpPr>
@@ -30936,7 +31597,7 @@
       </p:sp>
       <p:sp>
         <p:nvSpPr>
-          <p:cNvPr id="324" name="四角形"/>
+          <p:cNvPr id="340" name="四角形"/>
           <p:cNvSpPr/>
           <p:nvPr/>
         </p:nvSpPr>
@@ -30975,14 +31636,14 @@
       </p:sp>
       <p:sp>
         <p:nvSpPr>
-          <p:cNvPr id="325" name="#git init…"/>
+          <p:cNvPr id="341" name="#git init…"/>
           <p:cNvSpPr txBox="1"/>
           <p:nvPr/>
         </p:nvSpPr>
         <p:spPr>
           <a:xfrm>
-            <a:off x="1797823" y="3092030"/>
-            <a:ext cx="4062070" cy="1778000"/>
+            <a:off x="1733122" y="3743569"/>
+            <a:ext cx="4062071" cy="1778001"/>
           </a:xfrm>
           <a:prstGeom prst="rect">
             <a:avLst/>
@@ -31053,7 +31714,7 @@
       </p:sp>
       <p:sp>
         <p:nvSpPr>
-          <p:cNvPr id="326" name="四角形"/>
+          <p:cNvPr id="342" name="四角形"/>
           <p:cNvSpPr/>
           <p:nvPr/>
         </p:nvSpPr>
@@ -31092,7 +31753,7 @@
       </p:sp>
       <p:sp>
         <p:nvSpPr>
-          <p:cNvPr id="327" name="HelloGit.txt"/>
+          <p:cNvPr id="343" name="HelloGit.txt"/>
           <p:cNvSpPr txBox="1"/>
           <p:nvPr/>
         </p:nvSpPr>
@@ -31128,7 +31789,7 @@
       </p:sp>
       <p:sp>
         <p:nvSpPr>
-          <p:cNvPr id="328" name="I like Git"/>
+          <p:cNvPr id="344" name="I like Git"/>
           <p:cNvSpPr txBox="1"/>
           <p:nvPr/>
         </p:nvSpPr>
@@ -31164,7 +31825,7 @@
       </p:sp>
       <p:sp>
         <p:nvSpPr>
-          <p:cNvPr id="329" name="git init         gitの初期化…"/>
+          <p:cNvPr id="345" name="git init         gitの初期化…"/>
           <p:cNvSpPr txBox="1"/>
           <p:nvPr/>
         </p:nvSpPr>
@@ -31247,7 +31908,7 @@
       </p:grpSpPr>
       <p:sp>
         <p:nvSpPr>
-          <p:cNvPr id="331" name="Gitの3つの状態"/>
+          <p:cNvPr id="347" name="Gitの3つの状態"/>
           <p:cNvSpPr txBox="1"/>
           <p:nvPr/>
         </p:nvSpPr>
@@ -31292,7 +31953,7 @@
       </p:sp>
       <p:sp>
         <p:nvSpPr>
-          <p:cNvPr id="332" name="編集"/>
+          <p:cNvPr id="348" name="編集"/>
           <p:cNvSpPr txBox="1"/>
           <p:nvPr/>
         </p:nvSpPr>
@@ -31336,7 +31997,7 @@
       </p:sp>
       <p:grpSp>
         <p:nvGrpSpPr>
-          <p:cNvPr id="335" name="グループ"/>
+          <p:cNvPr id="351" name="グループ"/>
           <p:cNvGrpSpPr/>
           <p:nvPr/>
         </p:nvGrpSpPr>
@@ -31350,7 +32011,7 @@
         </p:grpSpPr>
         <p:sp>
           <p:nvSpPr>
-            <p:cNvPr id="333" name="インディクス"/>
+            <p:cNvPr id="349" name="インディクス"/>
             <p:cNvSpPr txBox="1"/>
             <p:nvPr/>
           </p:nvSpPr>
@@ -31397,7 +32058,7 @@
         </p:sp>
         <p:sp>
           <p:nvSpPr>
-            <p:cNvPr id="334" name="矢印"/>
+            <p:cNvPr id="350" name="矢印"/>
             <p:cNvSpPr/>
             <p:nvPr/>
           </p:nvSpPr>
@@ -31444,7 +32105,7 @@
       </p:grpSp>
       <p:grpSp>
         <p:nvGrpSpPr>
-          <p:cNvPr id="338" name="グループ"/>
+          <p:cNvPr id="354" name="グループ"/>
           <p:cNvGrpSpPr/>
           <p:nvPr/>
         </p:nvGrpSpPr>
@@ -31458,7 +32119,7 @@
         </p:grpSpPr>
         <p:sp>
           <p:nvSpPr>
-            <p:cNvPr id="336" name="リポジトリ"/>
+            <p:cNvPr id="352" name="リポジトリ"/>
             <p:cNvSpPr txBox="1"/>
             <p:nvPr/>
           </p:nvSpPr>
@@ -31505,7 +32166,7 @@
         </p:sp>
         <p:sp>
           <p:nvSpPr>
-            <p:cNvPr id="337" name="矢印"/>
+            <p:cNvPr id="353" name="矢印"/>
             <p:cNvSpPr/>
             <p:nvPr/>
           </p:nvSpPr>
@@ -31591,7 +32252,7 @@
                                       <p:cBhvr>
                                         <p:cTn id="6" fill="hold"/>
                                         <p:tgtEl>
-                                          <p:spTgt spid="332"/>
+                                          <p:spTgt spid="348"/>
                                         </p:tgtEl>
                                         <p:attrNameLst>
                                           <p:attrName>style.visibility</p:attrName>
@@ -31605,7 +32266,7 @@
                                       <p:cBhvr>
                                         <p:cTn id="7" dur="1000"/>
                                         <p:tgtEl>
-                                          <p:spTgt spid="332"/>
+                                          <p:spTgt spid="348"/>
                                         </p:tgtEl>
                                       </p:cBhvr>
                                     </p:animEffect>
@@ -31643,7 +32304,7 @@
                                       <p:cBhvr>
                                         <p:cTn id="11" fill="hold"/>
                                         <p:tgtEl>
-                                          <p:spTgt spid="335"/>
+                                          <p:spTgt spid="351"/>
                                         </p:tgtEl>
                                         <p:attrNameLst>
                                           <p:attrName>style.visibility</p:attrName>
@@ -31657,7 +32318,7 @@
                                       <p:cBhvr>
                                         <p:cTn id="12" dur="1000"/>
                                         <p:tgtEl>
-                                          <p:spTgt spid="335"/>
+                                          <p:spTgt spid="351"/>
                                         </p:tgtEl>
                                       </p:cBhvr>
                                     </p:animEffect>
@@ -31695,7 +32356,7 @@
                                       <p:cBhvr>
                                         <p:cTn id="16" fill="hold"/>
                                         <p:tgtEl>
-                                          <p:spTgt spid="338"/>
+                                          <p:spTgt spid="354"/>
                                         </p:tgtEl>
                                         <p:attrNameLst>
                                           <p:attrName>style.visibility</p:attrName>
@@ -31709,7 +32370,7 @@
                                       <p:cBhvr>
                                         <p:cTn id="17" dur="1000"/>
                                         <p:tgtEl>
-                                          <p:spTgt spid="338"/>
+                                          <p:spTgt spid="354"/>
                                         </p:tgtEl>
                                       </p:cBhvr>
                                     </p:animEffect>
@@ -31744,9 +32405,9 @@
       </p:par>
     </p:tnLst>
     <p:bldLst>
-      <p:bldP build="whole" bldLvl="1" animBg="1" rev="0" advAuto="0" spid="335" grpId="2"/>
-      <p:bldP build="whole" bldLvl="1" animBg="1" rev="0" advAuto="0" spid="338" grpId="3"/>
-      <p:bldP build="whole" bldLvl="1" animBg="1" rev="0" advAuto="0" spid="332" grpId="1"/>
+      <p:bldP build="whole" bldLvl="1" animBg="1" rev="0" advAuto="0" spid="351" grpId="2"/>
+      <p:bldP build="whole" bldLvl="1" animBg="1" rev="0" advAuto="0" spid="354" grpId="3"/>
+      <p:bldP build="whole" bldLvl="1" animBg="1" rev="0" advAuto="0" spid="348" grpId="1"/>
     </p:bldLst>
   </p:timing>
 </p:sld>
@@ -31771,7 +32432,7 @@
       </p:grpSpPr>
       <p:grpSp>
         <p:nvGrpSpPr>
-          <p:cNvPr id="350" name="グループ"/>
+          <p:cNvPr id="366" name="グループ"/>
           <p:cNvGrpSpPr/>
           <p:nvPr/>
         </p:nvGrpSpPr>
@@ -31785,7 +32446,7 @@
         </p:grpSpPr>
         <p:sp>
           <p:nvSpPr>
-            <p:cNvPr id="340" name="四角形"/>
+            <p:cNvPr id="356" name="四角形"/>
             <p:cNvSpPr/>
             <p:nvPr/>
           </p:nvSpPr>
@@ -31828,7 +32489,7 @@
         </p:sp>
         <p:sp>
           <p:nvSpPr>
-            <p:cNvPr id="341" name="四角形"/>
+            <p:cNvPr id="357" name="四角形"/>
             <p:cNvSpPr/>
             <p:nvPr/>
           </p:nvSpPr>
@@ -31871,7 +32532,7 @@
         </p:sp>
         <p:sp>
           <p:nvSpPr>
-            <p:cNvPr id="342" name="四角形"/>
+            <p:cNvPr id="358" name="四角形"/>
             <p:cNvSpPr/>
             <p:nvPr/>
           </p:nvSpPr>
@@ -31914,7 +32575,7 @@
         </p:sp>
         <p:sp>
           <p:nvSpPr>
-            <p:cNvPr id="343" name="四角形"/>
+            <p:cNvPr id="359" name="四角形"/>
             <p:cNvSpPr/>
             <p:nvPr/>
           </p:nvSpPr>
@@ -31957,7 +32618,7 @@
         </p:sp>
         <p:sp>
           <p:nvSpPr>
-            <p:cNvPr id="344" name="四角形"/>
+            <p:cNvPr id="360" name="四角形"/>
             <p:cNvSpPr/>
             <p:nvPr/>
           </p:nvSpPr>
@@ -32000,7 +32661,7 @@
         </p:sp>
         <p:sp>
           <p:nvSpPr>
-            <p:cNvPr id="345" name="四角形"/>
+            <p:cNvPr id="361" name="四角形"/>
             <p:cNvSpPr/>
             <p:nvPr/>
           </p:nvSpPr>
@@ -32043,7 +32704,7 @@
         </p:sp>
         <p:sp>
           <p:nvSpPr>
-            <p:cNvPr id="346" name="四角形"/>
+            <p:cNvPr id="362" name="四角形"/>
             <p:cNvSpPr/>
             <p:nvPr/>
           </p:nvSpPr>
@@ -32086,7 +32747,7 @@
         </p:sp>
         <p:sp>
           <p:nvSpPr>
-            <p:cNvPr id="347" name="四角形"/>
+            <p:cNvPr id="363" name="四角形"/>
             <p:cNvSpPr/>
             <p:nvPr/>
           </p:nvSpPr>
@@ -32129,7 +32790,7 @@
         </p:sp>
         <p:sp>
           <p:nvSpPr>
-            <p:cNvPr id="348" name="四角形"/>
+            <p:cNvPr id="364" name="四角形"/>
             <p:cNvSpPr/>
             <p:nvPr/>
           </p:nvSpPr>
@@ -32172,7 +32833,7 @@
         </p:sp>
         <p:sp>
           <p:nvSpPr>
-            <p:cNvPr id="349" name="四角形"/>
+            <p:cNvPr id="365" name="四角形"/>
             <p:cNvSpPr/>
             <p:nvPr/>
           </p:nvSpPr>
@@ -32216,7 +32877,7 @@
       </p:grpSp>
       <p:sp>
         <p:nvSpPr>
-          <p:cNvPr id="351" name="四角形"/>
+          <p:cNvPr id="367" name="四角形"/>
           <p:cNvSpPr/>
           <p:nvPr/>
         </p:nvSpPr>
@@ -32259,7 +32920,7 @@
       </p:sp>
       <p:sp>
         <p:nvSpPr>
-          <p:cNvPr id="352" name="既存…"/>
+          <p:cNvPr id="368" name="既存…"/>
           <p:cNvSpPr txBox="1"/>
           <p:nvPr/>
         </p:nvSpPr>
@@ -32305,7 +32966,7 @@
       </p:sp>
       <p:sp>
         <p:nvSpPr>
-          <p:cNvPr id="353" name="四角形"/>
+          <p:cNvPr id="369" name="四角形"/>
           <p:cNvSpPr/>
           <p:nvPr/>
         </p:nvSpPr>
@@ -32344,7 +33005,7 @@
       </p:sp>
       <p:sp>
         <p:nvSpPr>
-          <p:cNvPr id="354" name="四角形"/>
+          <p:cNvPr id="370" name="四角形"/>
           <p:cNvSpPr/>
           <p:nvPr/>
         </p:nvSpPr>
@@ -32383,7 +33044,7 @@
       </p:sp>
       <p:sp>
         <p:nvSpPr>
-          <p:cNvPr id="355" name="ひし形"/>
+          <p:cNvPr id="371" name="ひし形"/>
           <p:cNvSpPr/>
           <p:nvPr/>
         </p:nvSpPr>
@@ -32456,7 +33117,7 @@
       </p:sp>
       <p:sp>
         <p:nvSpPr>
-          <p:cNvPr id="356" name="ひし形"/>
+          <p:cNvPr id="372" name="ひし形"/>
           <p:cNvSpPr/>
           <p:nvPr/>
         </p:nvSpPr>
@@ -32529,7 +33190,7 @@
       </p:sp>
       <p:sp>
         <p:nvSpPr>
-          <p:cNvPr id="357" name="編集(12:30)"/>
+          <p:cNvPr id="373" name="編集(12:30)"/>
           <p:cNvSpPr txBox="1"/>
           <p:nvPr/>
         </p:nvSpPr>
@@ -32569,7 +33230,7 @@
       </p:sp>
       <p:sp>
         <p:nvSpPr>
-          <p:cNvPr id="358" name="Gitの3つの状態"/>
+          <p:cNvPr id="374" name="Gitの3つの状態"/>
           <p:cNvSpPr txBox="1"/>
           <p:nvPr/>
         </p:nvSpPr>
@@ -32614,7 +33275,7 @@
       </p:sp>
       <p:sp>
         <p:nvSpPr>
-          <p:cNvPr id="359" name="矢印"/>
+          <p:cNvPr id="375" name="矢印"/>
           <p:cNvSpPr/>
           <p:nvPr/>
         </p:nvSpPr>
@@ -32700,7 +33361,7 @@
       </p:sp>
       <p:sp>
         <p:nvSpPr>
-          <p:cNvPr id="360" name="差分"/>
+          <p:cNvPr id="376" name="差分"/>
           <p:cNvSpPr txBox="1"/>
           <p:nvPr/>
         </p:nvSpPr>
@@ -32785,7 +33446,7 @@
                                       <p:cBhvr>
                                         <p:cTn id="6" fill="hold"/>
                                         <p:tgtEl>
-                                          <p:spTgt spid="350"/>
+                                          <p:spTgt spid="366"/>
                                         </p:tgtEl>
                                         <p:attrNameLst>
                                           <p:attrName>style.visibility</p:attrName>
@@ -32799,7 +33460,7 @@
                                       <p:cBhvr>
                                         <p:cTn id="7" dur="1000"/>
                                         <p:tgtEl>
-                                          <p:spTgt spid="350"/>
+                                          <p:spTgt spid="366"/>
                                         </p:tgtEl>
                                       </p:cBhvr>
                                     </p:animEffect>
@@ -32837,7 +33498,7 @@
                                       <p:cBhvr>
                                         <p:cTn id="11" fill="hold"/>
                                         <p:tgtEl>
-                                          <p:spTgt spid="352"/>
+                                          <p:spTgt spid="368"/>
                                         </p:tgtEl>
                                         <p:attrNameLst>
                                           <p:attrName>style.visibility</p:attrName>
@@ -32851,7 +33512,7 @@
                                       <p:cBhvr>
                                         <p:cTn id="12" dur="1000"/>
                                         <p:tgtEl>
-                                          <p:spTgt spid="352"/>
+                                          <p:spTgt spid="368"/>
                                         </p:tgtEl>
                                       </p:cBhvr>
                                     </p:animEffect>
@@ -32889,7 +33550,7 @@
                                       <p:cBhvr>
                                         <p:cTn id="16" fill="hold"/>
                                         <p:tgtEl>
-                                          <p:spTgt spid="357"/>
+                                          <p:spTgt spid="373"/>
                                         </p:tgtEl>
                                         <p:attrNameLst>
                                           <p:attrName>style.visibility</p:attrName>
@@ -32903,7 +33564,7 @@
                                       <p:cBhvr>
                                         <p:cTn id="17" dur="1000"/>
                                         <p:tgtEl>
-                                          <p:spTgt spid="357"/>
+                                          <p:spTgt spid="373"/>
                                         </p:tgtEl>
                                       </p:cBhvr>
                                     </p:animEffect>
@@ -32941,7 +33602,7 @@
                                       <p:cBhvr>
                                         <p:cTn id="21" fill="hold"/>
                                         <p:tgtEl>
-                                          <p:spTgt spid="353"/>
+                                          <p:spTgt spid="369"/>
                                         </p:tgtEl>
                                         <p:attrNameLst>
                                           <p:attrName>style.visibility</p:attrName>
@@ -32955,7 +33616,7 @@
                                       <p:cBhvr>
                                         <p:cTn id="22" dur="1000"/>
                                         <p:tgtEl>
-                                          <p:spTgt spid="353"/>
+                                          <p:spTgt spid="369"/>
                                         </p:tgtEl>
                                       </p:cBhvr>
                                     </p:animEffect>
@@ -32993,7 +33654,7 @@
                                       <p:cBhvr>
                                         <p:cTn id="26" fill="hold"/>
                                         <p:tgtEl>
-                                          <p:spTgt spid="354"/>
+                                          <p:spTgt spid="370"/>
                                         </p:tgtEl>
                                         <p:attrNameLst>
                                           <p:attrName>style.visibility</p:attrName>
@@ -33007,7 +33668,7 @@
                                       <p:cBhvr>
                                         <p:cTn id="27" dur="1000"/>
                                         <p:tgtEl>
-                                          <p:spTgt spid="354"/>
+                                          <p:spTgt spid="370"/>
                                         </p:tgtEl>
                                       </p:cBhvr>
                                     </p:animEffect>
@@ -33045,7 +33706,7 @@
                                       <p:cBhvr>
                                         <p:cTn id="31" fill="hold"/>
                                         <p:tgtEl>
-                                          <p:spTgt spid="356"/>
+                                          <p:spTgt spid="372"/>
                                         </p:tgtEl>
                                         <p:attrNameLst>
                                           <p:attrName>style.visibility</p:attrName>
@@ -33059,7 +33720,7 @@
                                       <p:cBhvr>
                                         <p:cTn id="32" dur="1000"/>
                                         <p:tgtEl>
-                                          <p:spTgt spid="356"/>
+                                          <p:spTgt spid="372"/>
                                         </p:tgtEl>
                                       </p:cBhvr>
                                     </p:animEffect>
@@ -33097,7 +33758,7 @@
                                       <p:cBhvr>
                                         <p:cTn id="36" fill="hold"/>
                                         <p:tgtEl>
-                                          <p:spTgt spid="355"/>
+                                          <p:spTgt spid="371"/>
                                         </p:tgtEl>
                                         <p:attrNameLst>
                                           <p:attrName>style.visibility</p:attrName>
@@ -33111,7 +33772,7 @@
                                       <p:cBhvr>
                                         <p:cTn id="37" dur="1000"/>
                                         <p:tgtEl>
-                                          <p:spTgt spid="355"/>
+                                          <p:spTgt spid="371"/>
                                         </p:tgtEl>
                                       </p:cBhvr>
                                     </p:animEffect>
@@ -33149,7 +33810,7 @@
                                       <p:cBhvr>
                                         <p:cTn id="41" fill="hold"/>
                                         <p:tgtEl>
-                                          <p:spTgt spid="351"/>
+                                          <p:spTgt spid="367"/>
                                         </p:tgtEl>
                                         <p:attrNameLst>
                                           <p:attrName>style.visibility</p:attrName>
@@ -33163,7 +33824,7 @@
                                       <p:cBhvr>
                                         <p:cTn id="42" dur="1000"/>
                                         <p:tgtEl>
-                                          <p:spTgt spid="351"/>
+                                          <p:spTgt spid="367"/>
                                         </p:tgtEl>
                                       </p:cBhvr>
                                     </p:animEffect>
@@ -33201,7 +33862,7 @@
                                       <p:cBhvr>
                                         <p:cTn id="46" fill="hold"/>
                                         <p:tgtEl>
-                                          <p:spTgt spid="359"/>
+                                          <p:spTgt spid="375"/>
                                         </p:tgtEl>
                                         <p:attrNameLst>
                                           <p:attrName>style.visibility</p:attrName>
@@ -33215,7 +33876,7 @@
                                       <p:cBhvr>
                                         <p:cTn id="47" dur="1000"/>
                                         <p:tgtEl>
-                                          <p:spTgt spid="359"/>
+                                          <p:spTgt spid="375"/>
                                         </p:tgtEl>
                                       </p:cBhvr>
                                     </p:animEffect>
@@ -33253,7 +33914,7 @@
                                       <p:cBhvr>
                                         <p:cTn id="51" fill="hold"/>
                                         <p:tgtEl>
-                                          <p:spTgt spid="360"/>
+                                          <p:spTgt spid="376"/>
                                         </p:tgtEl>
                                         <p:attrNameLst>
                                           <p:attrName>style.visibility</p:attrName>
@@ -33267,7 +33928,7 @@
                                       <p:cBhvr>
                                         <p:cTn id="52" dur="1000"/>
                                         <p:tgtEl>
-                                          <p:spTgt spid="360"/>
+                                          <p:spTgt spid="376"/>
                                         </p:tgtEl>
                                       </p:cBhvr>
                                     </p:animEffect>
@@ -33302,16 +33963,16 @@
       </p:par>
     </p:tnLst>
     <p:bldLst>
-      <p:bldP build="whole" bldLvl="1" animBg="1" rev="0" advAuto="0" spid="357" grpId="3"/>
-      <p:bldP build="whole" bldLvl="1" animBg="1" rev="0" advAuto="0" spid="354" grpId="5"/>
-      <p:bldP build="whole" bldLvl="1" animBg="1" rev="0" advAuto="0" spid="350" grpId="1"/>
-      <p:bldP build="whole" bldLvl="1" animBg="1" rev="0" advAuto="0" spid="352" grpId="2"/>
-      <p:bldP build="whole" bldLvl="1" animBg="1" rev="0" advAuto="0" spid="360" grpId="10"/>
-      <p:bldP build="whole" bldLvl="1" animBg="1" rev="0" advAuto="0" spid="359" grpId="9"/>
-      <p:bldP build="whole" bldLvl="1" animBg="1" rev="0" advAuto="0" spid="355" grpId="7"/>
-      <p:bldP build="whole" bldLvl="1" animBg="1" rev="0" advAuto="0" spid="351" grpId="8"/>
-      <p:bldP build="whole" bldLvl="1" animBg="1" rev="0" advAuto="0" spid="353" grpId="4"/>
-      <p:bldP build="whole" bldLvl="1" animBg="1" rev="0" advAuto="0" spid="356" grpId="6"/>
+      <p:bldP build="whole" bldLvl="1" animBg="1" rev="0" advAuto="0" spid="367" grpId="8"/>
+      <p:bldP build="whole" bldLvl="1" animBg="1" rev="0" advAuto="0" spid="376" grpId="10"/>
+      <p:bldP build="whole" bldLvl="1" animBg="1" rev="0" advAuto="0" spid="368" grpId="2"/>
+      <p:bldP build="whole" bldLvl="1" animBg="1" rev="0" advAuto="0" spid="375" grpId="9"/>
+      <p:bldP build="whole" bldLvl="1" animBg="1" rev="0" advAuto="0" spid="372" grpId="6"/>
+      <p:bldP build="whole" bldLvl="1" animBg="1" rev="0" advAuto="0" spid="369" grpId="4"/>
+      <p:bldP build="whole" bldLvl="1" animBg="1" rev="0" advAuto="0" spid="371" grpId="7"/>
+      <p:bldP build="whole" bldLvl="1" animBg="1" rev="0" advAuto="0" spid="366" grpId="1"/>
+      <p:bldP build="whole" bldLvl="1" animBg="1" rev="0" advAuto="0" spid="373" grpId="3"/>
+      <p:bldP build="whole" bldLvl="1" animBg="1" rev="0" advAuto="0" spid="370" grpId="5"/>
     </p:bldLst>
   </p:timing>
 </p:sld>

--- a/Git入門.pptx
+++ b/Git入門.pptx
@@ -4851,12 +4851,12 @@
       </p:par>
     </p:tnLst>
     <p:bldLst>
+      <p:bldP build="whole" bldLvl="1" animBg="1" rev="0" advAuto="0" spid="378" grpId="6"/>
       <p:bldP build="whole" bldLvl="1" animBg="1" rev="0" advAuto="0" spid="395" grpId="1"/>
-      <p:bldP build="whole" bldLvl="1" animBg="1" rev="0" advAuto="0" spid="402" grpId="4"/>
       <p:bldP build="whole" bldLvl="1" animBg="1" rev="0" advAuto="0" spid="400" grpId="5"/>
       <p:bldP build="whole" bldLvl="1" animBg="1" rev="0" advAuto="0" spid="401" grpId="2"/>
-      <p:bldP build="whole" bldLvl="1" animBg="1" rev="0" advAuto="0" spid="378" grpId="6"/>
       <p:bldP build="whole" bldLvl="1" animBg="1" rev="0" advAuto="0" spid="404" grpId="3"/>
+      <p:bldP build="whole" bldLvl="1" animBg="1" rev="0" advAuto="0" spid="402" grpId="4"/>
     </p:bldLst>
   </p:timing>
 </p:sld>
@@ -6411,12 +6411,12 @@
       </p:par>
     </p:tnLst>
     <p:bldLst>
+      <p:bldP build="whole" bldLvl="1" animBg="1" rev="0" advAuto="0" spid="408" grpId="2"/>
       <p:bldP build="whole" bldLvl="1" animBg="1" rev="0" advAuto="0" spid="425" grpId="1"/>
+      <p:bldP build="whole" bldLvl="1" animBg="1" rev="0" advAuto="0" spid="430" grpId="5"/>
       <p:bldP build="whole" bldLvl="1" animBg="1" rev="0" advAuto="0" spid="433" grpId="3"/>
-      <p:bldP build="whole" bldLvl="1" animBg="1" rev="0" advAuto="0" spid="408" grpId="2"/>
+      <p:bldP build="whole" bldLvl="1" animBg="1" rev="0" advAuto="0" spid="431" grpId="4"/>
       <p:bldP build="whole" bldLvl="1" animBg="1" rev="0" advAuto="0" spid="434" grpId="6"/>
-      <p:bldP build="whole" bldLvl="1" animBg="1" rev="0" advAuto="0" spid="431" grpId="4"/>
-      <p:bldP build="whole" bldLvl="1" animBg="1" rev="0" advAuto="0" spid="430" grpId="5"/>
     </p:bldLst>
   </p:timing>
 </p:sld>
@@ -6805,7 +6805,7 @@
         <p:spPr>
           <a:xfrm>
             <a:off x="1257020" y="5996492"/>
-            <a:ext cx="10490760" cy="3606801"/>
+            <a:ext cx="10408464" cy="3606801"/>
           </a:xfrm>
           <a:prstGeom prst="rect">
             <a:avLst/>
@@ -6855,7 +6855,7 @@
               <a:buAutoNum type="arabicPeriod" startAt="1"/>
             </a:pPr>
             <a:r>
-              <a:t>git diff.          現在のリポジトリとインデックスもしくは編集分の差分</a:t>
+              <a:t>git diff          現在のリポジトリとインデックスもしくは編集分の差分</a:t>
             </a:r>
           </a:p>
           <a:p>
@@ -8767,18 +8767,18 @@
       </p:par>
     </p:tnLst>
     <p:bldLst>
-      <p:bldP build="whole" bldLvl="1" animBg="1" rev="0" advAuto="0" spid="485" grpId="12"/>
-      <p:bldP build="whole" bldLvl="1" animBg="1" rev="0" advAuto="0" spid="475" grpId="6"/>
+      <p:bldP build="whole" bldLvl="1" animBg="1" rev="0" advAuto="0" spid="472" grpId="3"/>
+      <p:bldP build="whole" bldLvl="1" animBg="1" rev="0" advAuto="0" spid="455" grpId="4"/>
+      <p:bldP build="whole" bldLvl="1" animBg="1" rev="0" advAuto="0" spid="478" grpId="10"/>
       <p:bldP build="whole" bldLvl="1" animBg="1" rev="0" advAuto="0" spid="484" grpId="7"/>
       <p:bldP build="whole" bldLvl="1" animBg="1" rev="0" advAuto="0" spid="477" grpId="9"/>
-      <p:bldP build="whole" bldLvl="1" animBg="1" rev="0" advAuto="0" spid="472" grpId="3"/>
-      <p:bldP build="whole" bldLvl="1" animBg="1" rev="0" advAuto="0" spid="478" grpId="10"/>
-      <p:bldP build="whole" bldLvl="1" animBg="1" rev="0" advAuto="0" spid="455" grpId="4"/>
-      <p:bldP build="whole" bldLvl="1" animBg="1" rev="0" advAuto="0" spid="486" grpId="11"/>
       <p:bldP build="whole" bldLvl="1" animBg="1" rev="0" advAuto="0" spid="476" grpId="8"/>
-      <p:bldP build="whole" bldLvl="1" animBg="1" rev="0" advAuto="0" spid="481" grpId="5"/>
       <p:bldP build="whole" bldLvl="1" animBg="1" rev="0" advAuto="0" spid="452" grpId="1"/>
       <p:bldP build="whole" bldLvl="1" animBg="1" rev="0" advAuto="0" spid="452" grpId="2"/>
+      <p:bldP build="whole" bldLvl="1" animBg="1" rev="0" advAuto="0" spid="486" grpId="11"/>
+      <p:bldP build="whole" bldLvl="1" animBg="1" rev="0" advAuto="0" spid="475" grpId="6"/>
+      <p:bldP build="whole" bldLvl="1" animBg="1" rev="0" advAuto="0" spid="481" grpId="5"/>
+      <p:bldP build="whole" bldLvl="1" animBg="1" rev="0" advAuto="0" spid="485" grpId="12"/>
     </p:bldLst>
   </p:timing>
 </p:sld>
@@ -12925,14 +12925,14 @@
       </p:par>
     </p:tnLst>
     <p:bldLst>
+      <p:bldP build="whole" bldLvl="1" animBg="1" rev="0" advAuto="0" spid="590" grpId="12"/>
+      <p:bldP build="whole" bldLvl="1" animBg="1" rev="0" advAuto="0" spid="562" grpId="9"/>
       <p:bldP build="whole" bldLvl="1" animBg="1" rev="0" advAuto="0" spid="589" grpId="10"/>
-      <p:bldP build="whole" bldLvl="1" animBg="1" rev="0" advAuto="0" spid="562" grpId="9"/>
       <p:bldP build="whole" bldLvl="1" animBg="1" rev="0" advAuto="0" spid="575" grpId="11"/>
       <p:bldP build="whole" bldLvl="1" animBg="1" rev="0" advAuto="0" spid="588" grpId="13"/>
+      <p:bldP build="whole" bldLvl="1" animBg="1" rev="0" advAuto="0" spid="548" grpId="4"/>
       <p:bldP build="whole" bldLvl="1" animBg="1" rev="0" advAuto="0" spid="591" grpId="8"/>
       <p:bldP build="whole" bldLvl="1" animBg="1" rev="0" advAuto="0" spid="547" grpId="6"/>
-      <p:bldP build="whole" bldLvl="1" animBg="1" rev="0" advAuto="0" spid="548" grpId="4"/>
-      <p:bldP build="whole" bldLvl="1" animBg="1" rev="0" advAuto="0" spid="590" grpId="12"/>
     </p:bldLst>
   </p:timing>
 </p:sld>
@@ -16885,30 +16885,30 @@
       </p:par>
     </p:tnLst>
     <p:bldLst>
+      <p:bldP build="whole" bldLvl="1" animBg="1" rev="0" advAuto="0" spid="623" grpId="15"/>
+      <p:bldP build="whole" bldLvl="1" animBg="1" rev="0" advAuto="0" spid="658" grpId="25"/>
+      <p:bldP build="whole" bldLvl="1" animBg="1" rev="0" advAuto="0" spid="658" grpId="26"/>
       <p:bldP build="whole" bldLvl="1" animBg="1" rev="0" advAuto="0" spid="642" grpId="10"/>
-      <p:bldP build="whole" bldLvl="1" animBg="1" rev="0" advAuto="0" spid="659" grpId="27"/>
+      <p:bldP build="whole" bldLvl="1" animBg="1" rev="0" advAuto="0" spid="662" grpId="30"/>
       <p:bldP build="whole" bldLvl="1" animBg="1" rev="0" advAuto="0" spid="610" grpId="6"/>
       <p:bldP build="whole" bldLvl="1" animBg="1" rev="0" advAuto="0" spid="649" grpId="24"/>
-      <p:bldP build="whole" bldLvl="1" animBg="1" rev="0" advAuto="0" spid="658" grpId="25"/>
-      <p:bldP build="whole" bldLvl="1" animBg="1" rev="0" advAuto="0" spid="658" grpId="26"/>
+      <p:bldP build="whole" bldLvl="1" animBg="1" rev="0" advAuto="0" spid="633" grpId="1"/>
+      <p:bldP build="whole" bldLvl="1" animBg="1" rev="0" advAuto="0" spid="636" grpId="8"/>
+      <p:bldP build="whole" bldLvl="1" animBg="1" rev="0" advAuto="0" spid="594" grpId="3"/>
+      <p:bldP build="whole" bldLvl="1" animBg="1" rev="0" advAuto="0" spid="659" grpId="27"/>
+      <p:bldP build="whole" bldLvl="1" animBg="1" rev="0" advAuto="0" spid="599" grpId="2"/>
       <p:bldP build="whole" bldLvl="1" animBg="1" rev="0" advAuto="0" spid="613" grpId="9"/>
-      <p:bldP build="whole" bldLvl="1" animBg="1" rev="0" advAuto="0" spid="633" grpId="1"/>
-      <p:bldP build="whole" bldLvl="1" animBg="1" rev="0" advAuto="0" spid="599" grpId="2"/>
-      <p:bldP build="whole" bldLvl="1" animBg="1" rev="0" advAuto="0" spid="636" grpId="8"/>
       <p:bldP build="whole" bldLvl="1" animBg="1" rev="0" advAuto="0" spid="599" grpId="4"/>
       <p:bldP build="whole" bldLvl="1" animBg="1" rev="0" advAuto="0" spid="660" grpId="28"/>
-      <p:bldP build="whole" bldLvl="1" animBg="1" rev="0" advAuto="0" spid="661" grpId="29"/>
+      <p:bldP build="whole" bldLvl="1" animBg="1" rev="0" advAuto="0" spid="664" grpId="31"/>
+      <p:bldP build="whole" bldLvl="1" animBg="1" rev="0" advAuto="0" spid="663" grpId="32"/>
       <p:bldP build="whole" bldLvl="1" animBg="1" rev="0" advAuto="0" spid="610" grpId="18"/>
       <p:bldP build="whole" bldLvl="1" animBg="1" rev="0" advAuto="0" spid="617" grpId="7"/>
       <p:bldP build="whole" bldLvl="1" animBg="1" rev="0" advAuto="0" spid="645" grpId="16"/>
-      <p:bldP build="whole" bldLvl="1" animBg="1" rev="0" advAuto="0" spid="594" grpId="3"/>
       <p:bldP build="whole" bldLvl="1" animBg="1" rev="0" advAuto="0" spid="628" grpId="19"/>
+      <p:bldP build="whole" bldLvl="1" animBg="1" rev="0" advAuto="0" spid="661" grpId="29"/>
+      <p:bldP build="whole" bldLvl="1" animBg="1" rev="0" advAuto="0" spid="620" grpId="12"/>
       <p:bldP build="whole" bldLvl="1" animBg="1" rev="0" advAuto="0" spid="639" grpId="13"/>
-      <p:bldP build="whole" bldLvl="1" animBg="1" rev="0" advAuto="0" spid="620" grpId="12"/>
-      <p:bldP build="whole" bldLvl="1" animBg="1" rev="0" advAuto="0" spid="662" grpId="30"/>
-      <p:bldP build="whole" bldLvl="1" animBg="1" rev="0" advAuto="0" spid="623" grpId="15"/>
-      <p:bldP build="whole" bldLvl="1" animBg="1" rev="0" advAuto="0" spid="663" grpId="32"/>
-      <p:bldP build="whole" bldLvl="1" animBg="1" rev="0" advAuto="0" spid="664" grpId="31"/>
     </p:bldLst>
   </p:timing>
 </p:sld>
@@ -22189,13 +22189,13 @@
     </p:tnLst>
     <p:bldLst>
       <p:bldP build="whole" bldLvl="1" animBg="1" rev="0" advAuto="0" spid="123" grpId="2"/>
+      <p:bldP build="whole" bldLvl="1" animBg="1" rev="0" advAuto="0" spid="143" grpId="6"/>
+      <p:bldP build="whole" bldLvl="1" animBg="1" rev="0" advAuto="0" spid="144" grpId="16"/>
+      <p:bldP build="whole" bldLvl="1" animBg="1" rev="0" advAuto="0" spid="126" grpId="4"/>
+      <p:bldP build="whole" bldLvl="1" animBg="1" rev="0" advAuto="0" spid="144" grpId="7"/>
       <p:bldP build="whole" bldLvl="1" animBg="1" rev="0" advAuto="0" spid="129" grpId="5"/>
-      <p:bldP build="whole" bldLvl="1" animBg="1" rev="0" advAuto="0" spid="143" grpId="6"/>
-      <p:bldP build="whole" bldLvl="1" animBg="1" rev="0" advAuto="0" spid="126" grpId="4"/>
+      <p:bldP build="whole" bldLvl="1" animBg="1" rev="0" advAuto="0" spid="132" grpId="1"/>
       <p:bldP build="whole" bldLvl="1" animBg="1" rev="0" advAuto="0" spid="140" grpId="3"/>
-      <p:bldP build="whole" bldLvl="1" animBg="1" rev="0" advAuto="0" spid="144" grpId="16"/>
-      <p:bldP build="whole" bldLvl="1" animBg="1" rev="0" advAuto="0" spid="132" grpId="1"/>
-      <p:bldP build="whole" bldLvl="1" animBg="1" rev="0" advAuto="0" spid="144" grpId="7"/>
     </p:bldLst>
   </p:timing>
 </p:sld>
@@ -29188,38 +29188,38 @@
       </p:par>
     </p:tnLst>
     <p:bldLst>
+      <p:bldP build="whole" bldLvl="1" animBg="1" rev="0" advAuto="0" spid="281" grpId="22"/>
       <p:bldP build="whole" bldLvl="1" animBg="1" rev="0" advAuto="0" spid="247" grpId="16"/>
-      <p:bldP build="whole" bldLvl="1" animBg="1" rev="0" advAuto="0" spid="220" grpId="7"/>
-      <p:bldP build="whole" bldLvl="1" animBg="1" rev="0" advAuto="0" spid="214" grpId="5"/>
+      <p:bldP build="whole" bldLvl="1" animBg="1" rev="0" advAuto="0" spid="250" grpId="17"/>
+      <p:bldP build="whole" bldLvl="1" animBg="1" rev="0" advAuto="0" spid="232" grpId="11"/>
+      <p:bldP build="whole" bldLvl="1" animBg="1" rev="0" advAuto="0" spid="223" grpId="8"/>
+      <p:bldP build="whole" bldLvl="1" animBg="1" rev="0" advAuto="0" spid="241" grpId="14"/>
+      <p:bldP build="whole" bldLvl="1" animBg="1" rev="0" advAuto="0" spid="202" grpId="1"/>
+      <p:bldP build="whole" bldLvl="1" animBg="1" rev="0" advAuto="0" spid="260" grpId="21"/>
+      <p:bldP build="whole" bldLvl="1" animBg="1" rev="0" advAuto="0" spid="253" grpId="18"/>
       <p:bldP build="whole" bldLvl="1" animBg="1" rev="0" advAuto="0" spid="282" grpId="24"/>
       <p:bldP build="whole" bldLvl="1" animBg="1" rev="0" advAuto="0" spid="281" grpId="35"/>
+      <p:bldP build="whole" bldLvl="1" animBg="1" rev="0" advAuto="0" spid="250" grpId="29"/>
+      <p:bldP build="whole" bldLvl="1" animBg="1" rev="0" advAuto="0" spid="247" grpId="30"/>
+      <p:bldP build="whole" bldLvl="1" animBg="1" rev="0" advAuto="0" spid="291" grpId="36"/>
+      <p:bldP build="whole" bldLvl="1" animBg="1" rev="0" advAuto="0" spid="259" grpId="20"/>
+      <p:bldP build="whole" bldLvl="1" animBg="1" rev="0" advAuto="0" spid="214" grpId="5"/>
+      <p:bldP build="whole" bldLvl="1" animBg="1" rev="0" advAuto="0" spid="253" grpId="28"/>
+      <p:bldP build="whole" bldLvl="1" animBg="1" rev="0" advAuto="0" spid="256" grpId="19"/>
+      <p:bldP build="whole" bldLvl="1" animBg="1" rev="0" advAuto="0" spid="235" grpId="12"/>
+      <p:bldP build="whole" bldLvl="1" animBg="1" rev="0" advAuto="0" spid="259" grpId="26"/>
+      <p:bldP build="whole" bldLvl="1" animBg="1" rev="0" advAuto="0" spid="220" grpId="7"/>
+      <p:bldP build="whole" bldLvl="1" animBg="1" rev="0" advAuto="0" spid="211" grpId="4"/>
+      <p:bldP build="whole" bldLvl="1" animBg="1" rev="0" advAuto="0" spid="238" grpId="13"/>
+      <p:bldP build="whole" bldLvl="1" animBg="1" rev="0" advAuto="0" spid="284" grpId="32"/>
+      <p:bldP build="whole" bldLvl="1" animBg="1" rev="0" advAuto="0" spid="256" grpId="27"/>
+      <p:bldP build="whole" bldLvl="1" animBg="1" rev="0" advAuto="0" spid="217" grpId="6"/>
+      <p:bldP build="whole" bldLvl="1" animBg="1" rev="0" advAuto="0" spid="208" grpId="3"/>
+      <p:bldP build="whole" bldLvl="1" animBg="1" rev="0" advAuto="0" spid="205" grpId="2"/>
       <p:bldP build="whole" bldLvl="1" animBg="1" rev="0" advAuto="0" spid="283" grpId="25"/>
-      <p:bldP build="whole" bldLvl="1" animBg="1" rev="0" advAuto="0" spid="235" grpId="12"/>
-      <p:bldP build="whole" bldLvl="1" animBg="1" rev="0" advAuto="0" spid="208" grpId="3"/>
-      <p:bldP build="whole" bldLvl="1" animBg="1" rev="0" advAuto="0" spid="259" grpId="20"/>
-      <p:bldP build="whole" bldLvl="1" animBg="1" rev="0" advAuto="0" spid="291" grpId="36"/>
-      <p:bldP build="whole" bldLvl="1" animBg="1" rev="0" advAuto="0" spid="253" grpId="18"/>
-      <p:bldP build="whole" bldLvl="1" animBg="1" rev="0" advAuto="0" spid="259" grpId="26"/>
-      <p:bldP build="whole" bldLvl="1" animBg="1" rev="0" advAuto="0" spid="250" grpId="17"/>
-      <p:bldP build="whole" bldLvl="1" animBg="1" rev="0" advAuto="0" spid="247" grpId="30"/>
+      <p:bldP build="whole" bldLvl="1" animBg="1" rev="0" advAuto="0" spid="244" grpId="15"/>
       <p:bldP build="whole" bldLvl="1" animBg="1" rev="0" advAuto="0" spid="229" grpId="10"/>
-      <p:bldP build="whole" bldLvl="1" animBg="1" rev="0" advAuto="0" spid="202" grpId="1"/>
-      <p:bldP build="whole" bldLvl="1" animBg="1" rev="0" advAuto="0" spid="253" grpId="28"/>
-      <p:bldP build="whole" bldLvl="1" animBg="1" rev="0" advAuto="0" spid="250" grpId="29"/>
-      <p:bldP build="whole" bldLvl="1" animBg="1" rev="0" advAuto="0" spid="211" grpId="4"/>
-      <p:bldP build="whole" bldLvl="1" animBg="1" rev="0" advAuto="0" spid="244" grpId="15"/>
-      <p:bldP build="whole" bldLvl="1" animBg="1" rev="0" advAuto="0" spid="205" grpId="2"/>
-      <p:bldP build="whole" bldLvl="1" animBg="1" rev="0" advAuto="0" spid="232" grpId="11"/>
-      <p:bldP build="whole" bldLvl="1" animBg="1" rev="0" advAuto="0" spid="223" grpId="8"/>
       <p:bldP build="whole" bldLvl="1" animBg="1" rev="0" advAuto="0" spid="244" grpId="31"/>
-      <p:bldP build="whole" bldLvl="1" animBg="1" rev="0" advAuto="0" spid="256" grpId="19"/>
-      <p:bldP build="whole" bldLvl="1" animBg="1" rev="0" advAuto="0" spid="241" grpId="14"/>
-      <p:bldP build="whole" bldLvl="1" animBg="1" rev="0" advAuto="0" spid="238" grpId="13"/>
-      <p:bldP build="whole" bldLvl="1" animBg="1" rev="0" advAuto="0" spid="256" grpId="27"/>
-      <p:bldP build="whole" bldLvl="1" animBg="1" rev="0" advAuto="0" spid="281" grpId="22"/>
-      <p:bldP build="whole" bldLvl="1" animBg="1" rev="0" advAuto="0" spid="260" grpId="21"/>
-      <p:bldP build="whole" bldLvl="1" animBg="1" rev="0" advAuto="0" spid="284" grpId="32"/>
-      <p:bldP build="whole" bldLvl="1" animBg="1" rev="0" advAuto="0" spid="217" grpId="6"/>
       <p:bldP build="whole" bldLvl="1" animBg="1" rev="0" advAuto="0" spid="226" grpId="9"/>
     </p:bldLst>
   </p:timing>
@@ -31513,21 +31513,21 @@
       </p:par>
     </p:tnLst>
     <p:bldLst>
+      <p:bldP build="whole" bldLvl="1" animBg="1" rev="0" advAuto="0" spid="301" grpId="3"/>
+      <p:bldP build="whole" bldLvl="1" animBg="1" rev="0" advAuto="0" spid="325" grpId="10"/>
+      <p:bldP build="whole" bldLvl="1" animBg="1" rev="0" advAuto="0" spid="308" grpId="6"/>
+      <p:bldP build="whole" bldLvl="1" animBg="1" rev="0" advAuto="0" spid="321" grpId="15"/>
       <p:bldP build="whole" bldLvl="1" animBg="1" rev="0" advAuto="0" spid="323" grpId="4"/>
+      <p:bldP build="whole" bldLvl="1" animBg="1" rev="0" advAuto="0" spid="327" grpId="2"/>
+      <p:bldP build="whole" bldLvl="1" animBg="1" rev="0" advAuto="0" spid="315" grpId="9"/>
+      <p:bldP build="whole" bldLvl="1" animBg="1" rev="0" advAuto="0" spid="315" grpId="12"/>
       <p:bldP build="whole" bldLvl="1" animBg="1" rev="0" advAuto="0" spid="321" grpId="17"/>
+      <p:bldP build="whole" bldLvl="1" animBg="1" rev="0" advAuto="0" spid="326" grpId="13"/>
+      <p:bldP build="whole" bldLvl="1" animBg="1" rev="0" advAuto="0" spid="322" grpId="1"/>
+      <p:bldP build="whole" bldLvl="1" animBg="1" rev="0" advAuto="0" spid="324" grpId="7"/>
       <p:bldP build="whole" bldLvl="1" animBg="1" rev="0" advAuto="0" spid="308" grpId="21"/>
-      <p:bldP build="whole" bldLvl="1" animBg="1" rev="0" advAuto="0" spid="322" grpId="1"/>
-      <p:bldP build="whole" bldLvl="1" animBg="1" rev="0" advAuto="0" spid="315" grpId="9"/>
       <p:bldP build="whole" bldLvl="1" animBg="1" rev="0" advAuto="0" spid="334" grpId="18"/>
-      <p:bldP build="whole" bldLvl="1" animBg="1" rev="0" advAuto="0" spid="325" grpId="10"/>
-      <p:bldP build="whole" bldLvl="1" animBg="1" rev="0" advAuto="0" spid="315" grpId="12"/>
-      <p:bldP build="whole" bldLvl="1" animBg="1" rev="0" advAuto="0" spid="324" grpId="7"/>
-      <p:bldP build="whole" bldLvl="1" animBg="1" rev="0" advAuto="0" spid="301" grpId="3"/>
-      <p:bldP build="whole" bldLvl="1" animBg="1" rev="0" advAuto="0" spid="326" grpId="13"/>
-      <p:bldP build="whole" bldLvl="1" animBg="1" rev="0" advAuto="0" spid="321" grpId="15"/>
       <p:bldP build="whole" bldLvl="1" animBg="1" rev="0" advAuto="0" spid="334" grpId="20"/>
-      <p:bldP build="whole" bldLvl="1" animBg="1" rev="0" advAuto="0" spid="308" grpId="6"/>
-      <p:bldP build="whole" bldLvl="1" animBg="1" rev="0" advAuto="0" spid="327" grpId="2"/>
     </p:bldLst>
   </p:timing>
 </p:sld>
@@ -32405,9 +32405,9 @@
       </p:par>
     </p:tnLst>
     <p:bldLst>
+      <p:bldP build="whole" bldLvl="1" animBg="1" rev="0" advAuto="0" spid="348" grpId="1"/>
+      <p:bldP build="whole" bldLvl="1" animBg="1" rev="0" advAuto="0" spid="354" grpId="3"/>
       <p:bldP build="whole" bldLvl="1" animBg="1" rev="0" advAuto="0" spid="351" grpId="2"/>
-      <p:bldP build="whole" bldLvl="1" animBg="1" rev="0" advAuto="0" spid="354" grpId="3"/>
-      <p:bldP build="whole" bldLvl="1" animBg="1" rev="0" advAuto="0" spid="348" grpId="1"/>
     </p:bldLst>
   </p:timing>
 </p:sld>
@@ -33963,16 +33963,16 @@
       </p:par>
     </p:tnLst>
     <p:bldLst>
+      <p:bldP build="whole" bldLvl="1" animBg="1" rev="0" advAuto="0" spid="369" grpId="4"/>
       <p:bldP build="whole" bldLvl="1" animBg="1" rev="0" advAuto="0" spid="367" grpId="8"/>
-      <p:bldP build="whole" bldLvl="1" animBg="1" rev="0" advAuto="0" spid="376" grpId="10"/>
-      <p:bldP build="whole" bldLvl="1" animBg="1" rev="0" advAuto="0" spid="368" grpId="2"/>
+      <p:bldP build="whole" bldLvl="1" animBg="1" rev="0" advAuto="0" spid="366" grpId="1"/>
       <p:bldP build="whole" bldLvl="1" animBg="1" rev="0" advAuto="0" spid="375" grpId="9"/>
-      <p:bldP build="whole" bldLvl="1" animBg="1" rev="0" advAuto="0" spid="372" grpId="6"/>
-      <p:bldP build="whole" bldLvl="1" animBg="1" rev="0" advAuto="0" spid="369" grpId="4"/>
-      <p:bldP build="whole" bldLvl="1" animBg="1" rev="0" advAuto="0" spid="371" grpId="7"/>
-      <p:bldP build="whole" bldLvl="1" animBg="1" rev="0" advAuto="0" spid="366" grpId="1"/>
       <p:bldP build="whole" bldLvl="1" animBg="1" rev="0" advAuto="0" spid="373" grpId="3"/>
       <p:bldP build="whole" bldLvl="1" animBg="1" rev="0" advAuto="0" spid="370" grpId="5"/>
+      <p:bldP build="whole" bldLvl="1" animBg="1" rev="0" advAuto="0" spid="371" grpId="7"/>
+      <p:bldP build="whole" bldLvl="1" animBg="1" rev="0" advAuto="0" spid="376" grpId="10"/>
+      <p:bldP build="whole" bldLvl="1" animBg="1" rev="0" advAuto="0" spid="372" grpId="6"/>
+      <p:bldP build="whole" bldLvl="1" animBg="1" rev="0" advAuto="0" spid="368" grpId="2"/>
     </p:bldLst>
   </p:timing>
 </p:sld>
